--- a/Documentation/MCSPROJ/LSC-LMS PPT.pptx
+++ b/Documentation/MCSPROJ/LSC-LMS PPT.pptx
@@ -6,8 +6,8 @@
   </p:sldMasterIdLst>
   <p:sldIdLst>
     <p:sldId id="256" r:id="rId2"/>
-    <p:sldId id="257" r:id="rId3"/>
-    <p:sldId id="258" r:id="rId4"/>
+    <p:sldId id="258" r:id="rId3"/>
+    <p:sldId id="257" r:id="rId4"/>
     <p:sldId id="259" r:id="rId5"/>
     <p:sldId id="260" r:id="rId6"/>
     <p:sldId id="261" r:id="rId7"/>
@@ -120,6 +120,11 @@
       </a:defRPr>
     </a:lvl9pPr>
   </p:defaultTextStyle>
+  <p:extLst>
+    <p:ext uri="{EFAFB233-063F-42B5-8137-9DF3F51BA10A}">
+      <p15:sldGuideLst xmlns:p15="http://schemas.microsoft.com/office/powerpoint/2012/main"/>
+    </p:ext>
+  </p:extLst>
 </p:presentation>
 </file>
 
@@ -262,7 +267,7 @@
           <a:p>
             <a:fld id="{A423BF71-38B7-8642-BFCE-EDAE9BD0CBAF}" type="datetimeFigureOut">
               <a:rPr lang="en-US" dirty="0"/>
-              <a:t>12/1/2016</a:t>
+              <a:t>12/2/2016</a:t>
             </a:fld>
             <a:endParaRPr lang="en-US" dirty="0"/>
           </a:p>
@@ -474,7 +479,7 @@
           <a:p>
             <a:fld id="{73B025CB-9D18-264E-A945-2D020344C9DA}" type="datetimeFigureOut">
               <a:rPr lang="en-US" dirty="0"/>
-              <a:t>12/1/2016</a:t>
+              <a:t>12/2/2016</a:t>
             </a:fld>
             <a:endParaRPr lang="en-US" dirty="0"/>
           </a:p>
@@ -690,7 +695,7 @@
           <a:p>
             <a:fld id="{507EFB6C-7E96-8F41-8872-189CA1C59F84}" type="datetimeFigureOut">
               <a:rPr lang="en-US" dirty="0"/>
-              <a:t>12/1/2016</a:t>
+              <a:t>12/2/2016</a:t>
             </a:fld>
             <a:endParaRPr lang="en-US" dirty="0"/>
           </a:p>
@@ -892,7 +897,7 @@
           <a:p>
             <a:fld id="{B6981CDE-9BE7-C544-8ACB-7077DFC4270F}" type="datetimeFigureOut">
               <a:rPr lang="en-US" dirty="0"/>
-              <a:t>12/1/2016</a:t>
+              <a:t>12/2/2016</a:t>
             </a:fld>
             <a:endParaRPr lang="en-US" dirty="0"/>
           </a:p>
@@ -1172,7 +1177,7 @@
           <a:p>
             <a:fld id="{B55BA285-9698-1B45-8319-D90A8C63F150}" type="datetimeFigureOut">
               <a:rPr lang="en-US" dirty="0"/>
-              <a:t>12/1/2016</a:t>
+              <a:t>12/2/2016</a:t>
             </a:fld>
             <a:endParaRPr lang="en-US" dirty="0"/>
           </a:p>
@@ -1441,7 +1446,7 @@
           <a:p>
             <a:fld id="{0A86CD42-43FF-B740-998F-DCC3802C4CE3}" type="datetimeFigureOut">
               <a:rPr lang="en-US" dirty="0"/>
-              <a:t>12/1/2016</a:t>
+              <a:t>12/2/2016</a:t>
             </a:fld>
             <a:endParaRPr lang="en-US" dirty="0"/>
           </a:p>
@@ -1858,7 +1863,7 @@
           <a:p>
             <a:fld id="{CEA0FFBD-2EE4-8547-BBAE-A1AC91C8D77E}" type="datetimeFigureOut">
               <a:rPr lang="en-US" dirty="0"/>
-              <a:t>12/1/2016</a:t>
+              <a:t>12/2/2016</a:t>
             </a:fld>
             <a:endParaRPr lang="en-US" dirty="0"/>
           </a:p>
@@ -2008,7 +2013,7 @@
           <a:p>
             <a:fld id="{955A2352-D7AC-F242-9256-A4477BCBF354}" type="datetimeFigureOut">
               <a:rPr lang="en-US" dirty="0"/>
-              <a:t>12/1/2016</a:t>
+              <a:t>12/2/2016</a:t>
             </a:fld>
             <a:endParaRPr lang="en-US" dirty="0"/>
           </a:p>
@@ -2135,7 +2140,7 @@
           <a:p>
             <a:fld id="{4EFCFC6A-9AE6-404D-9FDD-168B477B9C90}" type="datetimeFigureOut">
               <a:rPr lang="en-US" dirty="0"/>
-              <a:t>12/1/2016</a:t>
+              <a:t>12/2/2016</a:t>
             </a:fld>
             <a:endParaRPr lang="en-US" dirty="0"/>
           </a:p>
@@ -2381,7 +2386,7 @@
           <a:p>
             <a:fld id="{61CFCDFD-B4CF-A241-8D71-E814B10BEAF4}" type="datetimeFigureOut">
               <a:rPr lang="en-US" dirty="0"/>
-              <a:t>12/1/2016</a:t>
+              <a:t>12/2/2016</a:t>
             </a:fld>
             <a:endParaRPr lang="en-US" dirty="0"/>
           </a:p>
@@ -2831,7 +2836,7 @@
           <a:p>
             <a:fld id="{26A7B589-FD4B-7E46-869A-CBADC5FC564E}" type="datetimeFigureOut">
               <a:rPr lang="en-US" dirty="0"/>
-              <a:t>12/1/2016</a:t>
+              <a:t>12/2/2016</a:t>
             </a:fld>
             <a:endParaRPr lang="en-US" dirty="0"/>
           </a:p>
@@ -3152,7 +3157,7 @@
           <a:p>
             <a:fld id="{4CD8A92E-5FF9-8143-81B3-CCB531513398}" type="datetimeFigureOut">
               <a:rPr lang="en-US" dirty="0"/>
-              <a:t>12/1/2016</a:t>
+              <a:t>12/2/2016</a:t>
             </a:fld>
             <a:endParaRPr lang="en-US" dirty="0"/>
           </a:p>
@@ -3755,13 +3760,13 @@
   <p:clrMapOvr>
     <a:masterClrMapping/>
   </p:clrMapOvr>
-  <mc:AlternateContent xmlns:mc="http://schemas.openxmlformats.org/markup-compatibility/2006">
-    <mc:Choice xmlns:p15="http://schemas.microsoft.com/office/powerpoint/2012/main" Requires="p15">
+  <mc:AlternateContent xmlns:mc="http://schemas.openxmlformats.org/markup-compatibility/2006" xmlns:p15="http://schemas.microsoft.com/office/powerpoint/2012/main">
+    <mc:Choice Requires="p15">
       <p:transition xmlns:p14="http://schemas.microsoft.com/office/powerpoint/2010/main" spd="slow" p14:dur="2000">
         <p15:prstTrans prst="drape"/>
       </p:transition>
     </mc:Choice>
-    <mc:Fallback>
+    <mc:Fallback xmlns="">
       <p:transition spd="slow">
         <p:fade/>
       </p:transition>
@@ -3863,6 +3868,18 @@
   <p:clrMapOvr>
     <a:masterClrMapping/>
   </p:clrMapOvr>
+  <mc:AlternateContent xmlns:mc="http://schemas.openxmlformats.org/markup-compatibility/2006">
+    <mc:Choice xmlns:p15="http://schemas.microsoft.com/office/powerpoint/2012/main" Requires="p15">
+      <p:transition xmlns:p14="http://schemas.microsoft.com/office/powerpoint/2010/main" spd="slow" p14:dur="2000">
+        <p15:prstTrans prst="drape"/>
+      </p:transition>
+    </mc:Choice>
+    <mc:Fallback>
+      <p:transition spd="slow">
+        <p:fade/>
+      </p:transition>
+    </mc:Fallback>
+  </mc:AlternateContent>
 </p:sld>
 </file>
 
@@ -3966,6 +3983,18 @@
   <p:clrMapOvr>
     <a:masterClrMapping/>
   </p:clrMapOvr>
+  <mc:AlternateContent xmlns:mc="http://schemas.openxmlformats.org/markup-compatibility/2006">
+    <mc:Choice xmlns:p15="http://schemas.microsoft.com/office/powerpoint/2012/main" Requires="p15">
+      <p:transition xmlns:p14="http://schemas.microsoft.com/office/powerpoint/2010/main" spd="slow" p14:dur="2000">
+        <p15:prstTrans prst="drape"/>
+      </p:transition>
+    </mc:Choice>
+    <mc:Fallback>
+      <p:transition spd="slow">
+        <p:fade/>
+      </p:transition>
+    </mc:Fallback>
+  </mc:AlternateContent>
 </p:sld>
 </file>
 
@@ -4061,6 +4090,18 @@
   <p:clrMapOvr>
     <a:masterClrMapping/>
   </p:clrMapOvr>
+  <mc:AlternateContent xmlns:mc="http://schemas.openxmlformats.org/markup-compatibility/2006">
+    <mc:Choice xmlns:p15="http://schemas.microsoft.com/office/powerpoint/2012/main" Requires="p15">
+      <p:transition xmlns:p14="http://schemas.microsoft.com/office/powerpoint/2010/main" spd="slow" p14:dur="2000">
+        <p15:prstTrans prst="drape"/>
+      </p:transition>
+    </mc:Choice>
+    <mc:Fallback>
+      <p:transition spd="slow">
+        <p:fade/>
+      </p:transition>
+    </mc:Fallback>
+  </mc:AlternateContent>
 </p:sld>
 </file>
 
@@ -4446,6 +4487,18 @@
   <p:clrMapOvr>
     <a:masterClrMapping/>
   </p:clrMapOvr>
+  <mc:AlternateContent xmlns:mc="http://schemas.openxmlformats.org/markup-compatibility/2006">
+    <mc:Choice xmlns:p15="http://schemas.microsoft.com/office/powerpoint/2012/main" Requires="p15">
+      <p:transition xmlns:p14="http://schemas.microsoft.com/office/powerpoint/2010/main" spd="slow" p14:dur="2000">
+        <p15:prstTrans prst="drape"/>
+      </p:transition>
+    </mc:Choice>
+    <mc:Fallback>
+      <p:transition spd="slow">
+        <p:fade/>
+      </p:transition>
+    </mc:Fallback>
+  </mc:AlternateContent>
 </p:sld>
 </file>
 
@@ -4841,6 +4894,18 @@
   <p:clrMapOvr>
     <a:masterClrMapping/>
   </p:clrMapOvr>
+  <mc:AlternateContent xmlns:mc="http://schemas.openxmlformats.org/markup-compatibility/2006">
+    <mc:Choice xmlns:p15="http://schemas.microsoft.com/office/powerpoint/2012/main" Requires="p15">
+      <p:transition xmlns:p14="http://schemas.microsoft.com/office/powerpoint/2010/main" spd="slow" p14:dur="2000">
+        <p15:prstTrans prst="drape"/>
+      </p:transition>
+    </mc:Choice>
+    <mc:Fallback>
+      <p:transition spd="slow">
+        <p:fade/>
+      </p:transition>
+    </mc:Fallback>
+  </mc:AlternateContent>
 </p:sld>
 </file>
 
@@ -5135,6 +5200,18 @@
   <p:clrMapOvr>
     <a:masterClrMapping/>
   </p:clrMapOvr>
+  <mc:AlternateContent xmlns:mc="http://schemas.openxmlformats.org/markup-compatibility/2006">
+    <mc:Choice xmlns:p15="http://schemas.microsoft.com/office/powerpoint/2012/main" Requires="p15">
+      <p:transition xmlns:p14="http://schemas.microsoft.com/office/powerpoint/2010/main" spd="slow" p14:dur="2000">
+        <p15:prstTrans prst="drape"/>
+      </p:transition>
+    </mc:Choice>
+    <mc:Fallback>
+      <p:transition spd="slow">
+        <p:fade/>
+      </p:transition>
+    </mc:Fallback>
+  </mc:AlternateContent>
 </p:sld>
 </file>
 
@@ -5316,6 +5393,18 @@
   <p:clrMapOvr>
     <a:masterClrMapping/>
   </p:clrMapOvr>
+  <mc:AlternateContent xmlns:mc="http://schemas.openxmlformats.org/markup-compatibility/2006">
+    <mc:Choice xmlns:p15="http://schemas.microsoft.com/office/powerpoint/2012/main" Requires="p15">
+      <p:transition xmlns:p14="http://schemas.microsoft.com/office/powerpoint/2010/main" spd="slow" p14:dur="2000">
+        <p15:prstTrans prst="drape"/>
+      </p:transition>
+    </mc:Choice>
+    <mc:Fallback>
+      <p:transition spd="slow">
+        <p:fade/>
+      </p:transition>
+    </mc:Fallback>
+  </mc:AlternateContent>
 </p:sld>
 </file>
 
@@ -5551,6 +5640,18 @@
   <p:clrMapOvr>
     <a:masterClrMapping/>
   </p:clrMapOvr>
+  <mc:AlternateContent xmlns:mc="http://schemas.openxmlformats.org/markup-compatibility/2006">
+    <mc:Choice xmlns:p15="http://schemas.microsoft.com/office/powerpoint/2012/main" Requires="p15">
+      <p:transition xmlns:p14="http://schemas.microsoft.com/office/powerpoint/2010/main" spd="slow" p14:dur="2000">
+        <p15:prstTrans prst="drape"/>
+      </p:transition>
+    </mc:Choice>
+    <mc:Fallback>
+      <p:transition spd="slow">
+        <p:fade/>
+      </p:transition>
+    </mc:Fallback>
+  </mc:AlternateContent>
 </p:sld>
 </file>
 
@@ -5583,8 +5684,8 @@
         </p:nvSpPr>
         <p:spPr>
           <a:xfrm>
-            <a:off x="1534694" y="465222"/>
-            <a:ext cx="9935409" cy="1299410"/>
+            <a:off x="1534695" y="403466"/>
+            <a:ext cx="9520158" cy="1216787"/>
           </a:xfrm>
         </p:spPr>
         <p:txBody>
@@ -5595,7 +5696,7 @@
           <a:p>
             <a:r>
               <a:rPr lang="en-US" sz="3600" dirty="0"/>
-              <a:t>LSC Learning Management System</a:t>
+              <a:t>Loyola Student Center (LSC)</a:t>
             </a:r>
           </a:p>
         </p:txBody>
@@ -5612,75 +5713,63 @@
         </p:nvSpPr>
         <p:spPr>
           <a:xfrm>
-            <a:off x="1534695" y="2015732"/>
-            <a:ext cx="9935409" cy="4401110"/>
+            <a:off x="1534695" y="1855311"/>
+            <a:ext cx="9967493" cy="4593615"/>
           </a:xfrm>
         </p:spPr>
         <p:txBody>
           <a:bodyPr>
-            <a:normAutofit/>
+            <a:noAutofit/>
           </a:bodyPr>
           <a:lstStyle/>
           <a:p>
-            <a:pPr marL="0" indent="0">
-              <a:buNone/>
-            </a:pPr>
             <a:r>
               <a:rPr lang="en-US" sz="2400" dirty="0"/>
-              <a:t>Frontend:				</a:t>
+              <a:t>Founded in the early 1980</a:t>
             </a:r>
           </a:p>
           <a:p>
             <a:r>
               <a:rPr lang="en-US" sz="2400" dirty="0"/>
-              <a:t>Track student’s performance			</a:t>
+              <a:t>Established in 1986</a:t>
             </a:r>
           </a:p>
           <a:p>
             <a:r>
               <a:rPr lang="en-US" sz="2400" dirty="0"/>
-              <a:t>Analyze performance</a:t>
+              <a:t>Tutorial and Review Facility</a:t>
             </a:r>
           </a:p>
           <a:p>
             <a:r>
               <a:rPr lang="en-US" sz="2400" dirty="0"/>
-              <a:t>Task/Event Notification</a:t>
-            </a:r>
-          </a:p>
-          <a:p>
-            <a:pPr marL="0" indent="0">
-              <a:buNone/>
-            </a:pPr>
+              <a:t>Solomon’s Ark Computer &amp; Tutorial Services Center</a:t>
+            </a:r>
+          </a:p>
+          <a:p>
             <a:r>
               <a:rPr lang="en-US" sz="2400" dirty="0"/>
-              <a:t>Backend:</a:t>
+              <a:t>High quality and affordable tutorial </a:t>
             </a:r>
           </a:p>
           <a:p>
             <a:r>
               <a:rPr lang="en-US" sz="2400" dirty="0"/>
-              <a:t>Manage courses, tasks and attendance</a:t>
+              <a:t>Mission: To enhance the intellectual development of students</a:t>
             </a:r>
           </a:p>
           <a:p>
             <a:r>
               <a:rPr lang="en-US" sz="2400" dirty="0"/>
-              <a:t>Create, Delete and Update</a:t>
-            </a:r>
-          </a:p>
-          <a:p>
-            <a:endParaRPr lang="en-US" dirty="0"/>
-          </a:p>
-          <a:p>
-            <a:endParaRPr lang="en-US" dirty="0"/>
+              <a:t>Vision: To become a center of educational excellence </a:t>
+            </a:r>
           </a:p>
         </p:txBody>
       </p:sp>
     </p:spTree>
     <p:extLst>
       <p:ext uri="{BB962C8B-B14F-4D97-AF65-F5344CB8AC3E}">
-        <p14:creationId xmlns:p14="http://schemas.microsoft.com/office/powerpoint/2010/main" val="822732753"/>
+        <p14:creationId xmlns:p14="http://schemas.microsoft.com/office/powerpoint/2010/main" val="1633480040"/>
       </p:ext>
     </p:extLst>
   </p:cSld>
@@ -5731,8 +5820,8 @@
         </p:nvSpPr>
         <p:spPr>
           <a:xfrm>
-            <a:off x="1534695" y="403466"/>
-            <a:ext cx="9520158" cy="1216787"/>
+            <a:off x="1534694" y="465222"/>
+            <a:ext cx="9935409" cy="1299410"/>
           </a:xfrm>
         </p:spPr>
         <p:txBody>
@@ -5743,7 +5832,7 @@
           <a:p>
             <a:r>
               <a:rPr lang="en-US" sz="3600" dirty="0"/>
-              <a:t>Loyola Student Center (LSC)</a:t>
+              <a:t>LSC Learning Management System</a:t>
             </a:r>
           </a:p>
         </p:txBody>
@@ -5760,69 +5849,93 @@
         </p:nvSpPr>
         <p:spPr>
           <a:xfrm>
-            <a:off x="1534695" y="1855311"/>
-            <a:ext cx="9967493" cy="4593615"/>
+            <a:off x="1534695" y="2015732"/>
+            <a:ext cx="9935409" cy="4401110"/>
           </a:xfrm>
         </p:spPr>
         <p:txBody>
           <a:bodyPr>
-            <a:noAutofit/>
+            <a:normAutofit/>
           </a:bodyPr>
           <a:lstStyle/>
           <a:p>
+            <a:pPr marL="0" indent="0">
+              <a:buNone/>
+            </a:pPr>
             <a:r>
               <a:rPr lang="en-US" sz="2400" dirty="0"/>
-              <a:t>Founded in the early 1980</a:t>
+              <a:t>Frontend:				</a:t>
             </a:r>
           </a:p>
           <a:p>
             <a:r>
               <a:rPr lang="en-US" sz="2400" dirty="0"/>
-              <a:t>Established in 1986</a:t>
+              <a:t>Track student’s performance			</a:t>
             </a:r>
           </a:p>
           <a:p>
             <a:r>
               <a:rPr lang="en-US" sz="2400" dirty="0"/>
-              <a:t>Tutorial and Review Facility</a:t>
+              <a:t>Analyze performance</a:t>
             </a:r>
           </a:p>
           <a:p>
             <a:r>
               <a:rPr lang="en-US" sz="2400" dirty="0"/>
-              <a:t>Solomon’s Ark Computer &amp; Tutorial Services Center</a:t>
-            </a:r>
-          </a:p>
-          <a:p>
+              <a:t>Task/Event Notification</a:t>
+            </a:r>
+          </a:p>
+          <a:p>
+            <a:pPr marL="0" indent="0">
+              <a:buNone/>
+            </a:pPr>
             <a:r>
               <a:rPr lang="en-US" sz="2400" dirty="0"/>
-              <a:t>High quality and affordable tutorial </a:t>
+              <a:t>Backend:</a:t>
             </a:r>
           </a:p>
           <a:p>
             <a:r>
               <a:rPr lang="en-US" sz="2400" dirty="0"/>
-              <a:t>Mission: To enhance the intellectual development of students</a:t>
+              <a:t>Manage courses, tasks and attendance</a:t>
             </a:r>
           </a:p>
           <a:p>
             <a:r>
               <a:rPr lang="en-US" sz="2400" dirty="0"/>
-              <a:t>Vision: To become a center of educational excellence </a:t>
-            </a:r>
+              <a:t>Create, Delete and Update</a:t>
+            </a:r>
+          </a:p>
+          <a:p>
+            <a:endParaRPr lang="en-US" dirty="0"/>
+          </a:p>
+          <a:p>
+            <a:endParaRPr lang="en-US" dirty="0"/>
           </a:p>
         </p:txBody>
       </p:sp>
     </p:spTree>
     <p:extLst>
       <p:ext uri="{BB962C8B-B14F-4D97-AF65-F5344CB8AC3E}">
-        <p14:creationId xmlns:p14="http://schemas.microsoft.com/office/powerpoint/2010/main" val="1633480040"/>
+        <p14:creationId xmlns:p14="http://schemas.microsoft.com/office/powerpoint/2010/main" val="822732753"/>
       </p:ext>
     </p:extLst>
   </p:cSld>
   <p:clrMapOvr>
     <a:masterClrMapping/>
   </p:clrMapOvr>
+  <mc:AlternateContent xmlns:mc="http://schemas.openxmlformats.org/markup-compatibility/2006">
+    <mc:Choice xmlns:p15="http://schemas.microsoft.com/office/powerpoint/2012/main" Requires="p15">
+      <p:transition xmlns:p14="http://schemas.microsoft.com/office/powerpoint/2010/main" spd="slow" p14:dur="2000">
+        <p15:prstTrans prst="drape"/>
+      </p:transition>
+    </mc:Choice>
+    <mc:Fallback>
+      <p:transition spd="slow">
+        <p:fade/>
+      </p:transition>
+    </mc:Fallback>
+  </mc:AlternateContent>
 </p:sld>
 </file>
 
@@ -5983,6 +6096,18 @@
   <p:clrMapOvr>
     <a:masterClrMapping/>
   </p:clrMapOvr>
+  <mc:AlternateContent xmlns:mc="http://schemas.openxmlformats.org/markup-compatibility/2006">
+    <mc:Choice xmlns:p15="http://schemas.microsoft.com/office/powerpoint/2012/main" Requires="p15">
+      <p:transition xmlns:p14="http://schemas.microsoft.com/office/powerpoint/2010/main" spd="slow" p14:dur="2000">
+        <p15:prstTrans prst="drape"/>
+      </p:transition>
+    </mc:Choice>
+    <mc:Fallback>
+      <p:transition spd="slow">
+        <p:fade/>
+      </p:transition>
+    </mc:Fallback>
+  </mc:AlternateContent>
 </p:sld>
 </file>
 
@@ -6086,6 +6211,18 @@
   <p:clrMapOvr>
     <a:masterClrMapping/>
   </p:clrMapOvr>
+  <mc:AlternateContent xmlns:mc="http://schemas.openxmlformats.org/markup-compatibility/2006">
+    <mc:Choice xmlns:p15="http://schemas.microsoft.com/office/powerpoint/2012/main" Requires="p15">
+      <p:transition xmlns:p14="http://schemas.microsoft.com/office/powerpoint/2010/main" spd="slow" p14:dur="2000">
+        <p15:prstTrans prst="drape"/>
+      </p:transition>
+    </mc:Choice>
+    <mc:Fallback>
+      <p:transition spd="slow">
+        <p:fade/>
+      </p:transition>
+    </mc:Fallback>
+  </mc:AlternateContent>
 </p:sld>
 </file>
 
@@ -6181,6 +6318,18 @@
   <p:clrMapOvr>
     <a:masterClrMapping/>
   </p:clrMapOvr>
+  <mc:AlternateContent xmlns:mc="http://schemas.openxmlformats.org/markup-compatibility/2006">
+    <mc:Choice xmlns:p15="http://schemas.microsoft.com/office/powerpoint/2012/main" Requires="p15">
+      <p:transition xmlns:p14="http://schemas.microsoft.com/office/powerpoint/2010/main" spd="slow" p14:dur="2000">
+        <p15:prstTrans prst="drape"/>
+      </p:transition>
+    </mc:Choice>
+    <mc:Fallback>
+      <p:transition spd="slow">
+        <p:fade/>
+      </p:transition>
+    </mc:Fallback>
+  </mc:AlternateContent>
 </p:sld>
 </file>
 
@@ -6345,6 +6494,18 @@
   <p:clrMapOvr>
     <a:masterClrMapping/>
   </p:clrMapOvr>
+  <mc:AlternateContent xmlns:mc="http://schemas.openxmlformats.org/markup-compatibility/2006">
+    <mc:Choice xmlns:p15="http://schemas.microsoft.com/office/powerpoint/2012/main" Requires="p15">
+      <p:transition xmlns:p14="http://schemas.microsoft.com/office/powerpoint/2010/main" spd="slow" p14:dur="2000">
+        <p15:prstTrans prst="drape"/>
+      </p:transition>
+    </mc:Choice>
+    <mc:Fallback>
+      <p:transition spd="slow">
+        <p:fade/>
+      </p:transition>
+    </mc:Fallback>
+  </mc:AlternateContent>
 </p:sld>
 </file>
 
@@ -6447,6 +6608,18 @@
   <p:clrMapOvr>
     <a:masterClrMapping/>
   </p:clrMapOvr>
+  <mc:AlternateContent xmlns:mc="http://schemas.openxmlformats.org/markup-compatibility/2006">
+    <mc:Choice xmlns:p15="http://schemas.microsoft.com/office/powerpoint/2012/main" Requires="p15">
+      <p:transition xmlns:p14="http://schemas.microsoft.com/office/powerpoint/2010/main" spd="slow" p14:dur="2000">
+        <p15:prstTrans prst="drape"/>
+      </p:transition>
+    </mc:Choice>
+    <mc:Fallback>
+      <p:transition spd="slow">
+        <p:fade/>
+      </p:transition>
+    </mc:Fallback>
+  </mc:AlternateContent>
 </p:sld>
 </file>
 
@@ -6549,6 +6722,18 @@
   <p:clrMapOvr>
     <a:masterClrMapping/>
   </p:clrMapOvr>
+  <mc:AlternateContent xmlns:mc="http://schemas.openxmlformats.org/markup-compatibility/2006">
+    <mc:Choice xmlns:p15="http://schemas.microsoft.com/office/powerpoint/2012/main" Requires="p15">
+      <p:transition xmlns:p14="http://schemas.microsoft.com/office/powerpoint/2010/main" spd="slow" p14:dur="2000">
+        <p15:prstTrans prst="drape"/>
+      </p:transition>
+    </mc:Choice>
+    <mc:Fallback>
+      <p:transition spd="slow">
+        <p:fade/>
+      </p:transition>
+    </mc:Fallback>
+  </mc:AlternateContent>
 </p:sld>
 </file>
 

--- a/Documentation/MCSPROJ/LSC-LMS PPT.pptx
+++ b/Documentation/MCSPROJ/LSC-LMS PPT.pptx
@@ -7,21 +7,22 @@
   <p:sldIdLst>
     <p:sldId id="256" r:id="rId2"/>
     <p:sldId id="258" r:id="rId3"/>
-    <p:sldId id="257" r:id="rId4"/>
-    <p:sldId id="259" r:id="rId5"/>
-    <p:sldId id="260" r:id="rId6"/>
-    <p:sldId id="261" r:id="rId7"/>
-    <p:sldId id="262" r:id="rId8"/>
-    <p:sldId id="263" r:id="rId9"/>
-    <p:sldId id="264" r:id="rId10"/>
-    <p:sldId id="265" r:id="rId11"/>
-    <p:sldId id="266" r:id="rId12"/>
-    <p:sldId id="267" r:id="rId13"/>
-    <p:sldId id="268" r:id="rId14"/>
-    <p:sldId id="269" r:id="rId15"/>
-    <p:sldId id="270" r:id="rId16"/>
-    <p:sldId id="271" r:id="rId17"/>
-    <p:sldId id="272" r:id="rId18"/>
+    <p:sldId id="261" r:id="rId4"/>
+    <p:sldId id="257" r:id="rId5"/>
+    <p:sldId id="259" r:id="rId6"/>
+    <p:sldId id="273" r:id="rId7"/>
+    <p:sldId id="260" r:id="rId8"/>
+    <p:sldId id="262" r:id="rId9"/>
+    <p:sldId id="263" r:id="rId10"/>
+    <p:sldId id="264" r:id="rId11"/>
+    <p:sldId id="265" r:id="rId12"/>
+    <p:sldId id="266" r:id="rId13"/>
+    <p:sldId id="267" r:id="rId14"/>
+    <p:sldId id="268" r:id="rId15"/>
+    <p:sldId id="269" r:id="rId16"/>
+    <p:sldId id="270" r:id="rId17"/>
+    <p:sldId id="271" r:id="rId18"/>
+    <p:sldId id="272" r:id="rId19"/>
   </p:sldIdLst>
   <p:sldSz cx="12192000" cy="6858000"/>
   <p:notesSz cx="6858000" cy="9144000"/>
@@ -3811,7 +3812,7 @@
           <a:p>
             <a:r>
               <a:rPr lang="en-US" sz="3600" dirty="0"/>
-              <a:t>Hardware Environment</a:t>
+              <a:t>Specific Software</a:t>
             </a:r>
           </a:p>
         </p:txBody>
@@ -3834,26 +3835,32 @@
           <a:lstStyle/>
           <a:p>
             <a:r>
-              <a:rPr lang="en-US" sz="2800" dirty="0"/>
-              <a:t>At least 1.3 GHz processor or faster</a:t>
-            </a:r>
-          </a:p>
-          <a:p>
-            <a:r>
-              <a:rPr lang="en-US" sz="2800" dirty="0"/>
-              <a:t>128 MB RAM</a:t>
-            </a:r>
-          </a:p>
-          <a:p>
-            <a:r>
-              <a:rPr lang="en-US" sz="2800" dirty="0"/>
-              <a:t>80GB or above</a:t>
-            </a:r>
-          </a:p>
-          <a:p>
-            <a:r>
-              <a:rPr lang="en-US" sz="2800" dirty="0"/>
-              <a:t>At least 800 x 600 colors or above</a:t>
+              <a:rPr lang="en-US" sz="2600" dirty="0"/>
+              <a:t>Windows, Linux and Android</a:t>
+            </a:r>
+          </a:p>
+          <a:p>
+            <a:r>
+              <a:rPr lang="en-US" sz="2600" dirty="0"/>
+              <a:t>Yii2 advanced framework</a:t>
+            </a:r>
+          </a:p>
+          <a:p>
+            <a:r>
+              <a:rPr lang="en-US" sz="2600" dirty="0"/>
+              <a:t>Access on browser</a:t>
+            </a:r>
+          </a:p>
+          <a:p>
+            <a:r>
+              <a:rPr lang="en-US" sz="2600" dirty="0"/>
+              <a:t>MySQL for database</a:t>
+            </a:r>
+          </a:p>
+          <a:p>
+            <a:r>
+              <a:rPr lang="en-US" sz="2600" dirty="0"/>
+              <a:t>Integrate with the Enrollment System</a:t>
             </a:r>
           </a:p>
         </p:txBody>
@@ -3861,20 +3868,20 @@
     </p:spTree>
     <p:extLst>
       <p:ext uri="{BB962C8B-B14F-4D97-AF65-F5344CB8AC3E}">
-        <p14:creationId xmlns:p14="http://schemas.microsoft.com/office/powerpoint/2010/main" val="129504969"/>
+        <p14:creationId xmlns:p14="http://schemas.microsoft.com/office/powerpoint/2010/main" val="1777853872"/>
       </p:ext>
     </p:extLst>
   </p:cSld>
   <p:clrMapOvr>
     <a:masterClrMapping/>
   </p:clrMapOvr>
-  <mc:AlternateContent xmlns:mc="http://schemas.openxmlformats.org/markup-compatibility/2006">
-    <mc:Choice xmlns:p15="http://schemas.microsoft.com/office/powerpoint/2012/main" Requires="p15">
+  <mc:AlternateContent xmlns:mc="http://schemas.openxmlformats.org/markup-compatibility/2006" xmlns:p15="http://schemas.microsoft.com/office/powerpoint/2012/main">
+    <mc:Choice Requires="p15">
       <p:transition xmlns:p14="http://schemas.microsoft.com/office/powerpoint/2010/main" spd="slow" p14:dur="2000">
         <p15:prstTrans prst="drape"/>
       </p:transition>
     </mc:Choice>
-    <mc:Fallback>
+    <mc:Fallback xmlns="">
       <p:transition spd="slow">
         <p:fade/>
       </p:transition>
@@ -3919,7 +3926,7 @@
           <a:p>
             <a:r>
               <a:rPr lang="en-US" sz="3600" dirty="0"/>
-              <a:t>Security</a:t>
+              <a:t>Hardware Environment</a:t>
             </a:r>
           </a:p>
         </p:txBody>
@@ -3936,60 +3943,53 @@
         </p:nvSpPr>
         <p:spPr/>
         <p:txBody>
-          <a:bodyPr/>
-          <a:lstStyle/>
-          <a:p>
-            <a:r>
-              <a:rPr lang="en-US" sz="2400" dirty="0"/>
-              <a:t>System will run inside the firewall</a:t>
-            </a:r>
-          </a:p>
-          <a:p>
-            <a:r>
-              <a:rPr lang="en-US" sz="2400" dirty="0"/>
-              <a:t>Different roles for admin, student and tutor</a:t>
-            </a:r>
-          </a:p>
-          <a:p>
-            <a:r>
-              <a:rPr lang="en-US" sz="2400" dirty="0"/>
-              <a:t>Full database administration of the admin</a:t>
-            </a:r>
-          </a:p>
-          <a:p>
-            <a:r>
-              <a:rPr lang="en-US" sz="2400" dirty="0"/>
-              <a:t>Tutor have a copy of database for editing purposes</a:t>
-            </a:r>
-          </a:p>
-          <a:p>
-            <a:r>
-              <a:rPr lang="en-US" sz="2400" dirty="0"/>
-              <a:t>No printing and downloading of materials</a:t>
-            </a:r>
-          </a:p>
-          <a:p>
-            <a:endParaRPr lang="en-US" dirty="0"/>
+          <a:bodyPr>
+            <a:normAutofit/>
+          </a:bodyPr>
+          <a:lstStyle/>
+          <a:p>
+            <a:r>
+              <a:rPr lang="en-US" sz="2800" dirty="0"/>
+              <a:t>At least 1.3 GHz processor or faster</a:t>
+            </a:r>
+          </a:p>
+          <a:p>
+            <a:r>
+              <a:rPr lang="en-US" sz="2800" dirty="0"/>
+              <a:t>128 MB RAM</a:t>
+            </a:r>
+          </a:p>
+          <a:p>
+            <a:r>
+              <a:rPr lang="en-US" sz="2800" dirty="0"/>
+              <a:t>80GB or above</a:t>
+            </a:r>
+          </a:p>
+          <a:p>
+            <a:r>
+              <a:rPr lang="en-US" sz="2800" dirty="0"/>
+              <a:t>At least 800 x 600 colors or above</a:t>
+            </a:r>
           </a:p>
         </p:txBody>
       </p:sp>
     </p:spTree>
     <p:extLst>
       <p:ext uri="{BB962C8B-B14F-4D97-AF65-F5344CB8AC3E}">
-        <p14:creationId xmlns:p14="http://schemas.microsoft.com/office/powerpoint/2010/main" val="2576832956"/>
+        <p14:creationId xmlns:p14="http://schemas.microsoft.com/office/powerpoint/2010/main" val="129504969"/>
       </p:ext>
     </p:extLst>
   </p:cSld>
   <p:clrMapOvr>
     <a:masterClrMapping/>
   </p:clrMapOvr>
-  <mc:AlternateContent xmlns:mc="http://schemas.openxmlformats.org/markup-compatibility/2006">
-    <mc:Choice xmlns:p15="http://schemas.microsoft.com/office/powerpoint/2012/main" Requires="p15">
+  <mc:AlternateContent xmlns:mc="http://schemas.openxmlformats.org/markup-compatibility/2006" xmlns:p15="http://schemas.microsoft.com/office/powerpoint/2012/main">
+    <mc:Choice Requires="p15">
       <p:transition xmlns:p14="http://schemas.microsoft.com/office/powerpoint/2010/main" spd="slow" p14:dur="2000">
         <p15:prstTrans prst="drape"/>
       </p:transition>
     </mc:Choice>
-    <mc:Fallback>
+    <mc:Fallback xmlns="">
       <p:transition spd="slow">
         <p:fade/>
       </p:transition>
@@ -4034,6 +4034,124 @@
           <a:p>
             <a:r>
               <a:rPr lang="en-US" sz="3600" dirty="0"/>
+              <a:t>Security</a:t>
+            </a:r>
+          </a:p>
+        </p:txBody>
+      </p:sp>
+      <p:sp>
+        <p:nvSpPr>
+          <p:cNvPr id="3" name="Content Placeholder 2"/>
+          <p:cNvSpPr>
+            <a:spLocks noGrp="1"/>
+          </p:cNvSpPr>
+          <p:nvPr>
+            <p:ph idx="1"/>
+          </p:nvPr>
+        </p:nvSpPr>
+        <p:spPr/>
+        <p:txBody>
+          <a:bodyPr/>
+          <a:lstStyle/>
+          <a:p>
+            <a:r>
+              <a:rPr lang="en-US" sz="2400" dirty="0"/>
+              <a:t>System will run inside the firewall</a:t>
+            </a:r>
+          </a:p>
+          <a:p>
+            <a:r>
+              <a:rPr lang="en-US" sz="2400" dirty="0"/>
+              <a:t>Different roles for admin, student and tutor (RBAC)</a:t>
+            </a:r>
+          </a:p>
+          <a:p>
+            <a:r>
+              <a:rPr lang="en-US" sz="2400" dirty="0"/>
+              <a:t>Password Encryption</a:t>
+            </a:r>
+          </a:p>
+          <a:p>
+            <a:r>
+              <a:rPr lang="en-US" sz="2400" dirty="0"/>
+              <a:t>Time limit of 1 hour</a:t>
+            </a:r>
+          </a:p>
+          <a:p>
+            <a:r>
+              <a:rPr lang="en-US" sz="2400" dirty="0"/>
+              <a:t>No printing and downloading of materials</a:t>
+            </a:r>
+          </a:p>
+          <a:p>
+            <a:endParaRPr lang="en-US" dirty="0"/>
+          </a:p>
+          <a:p>
+            <a:endParaRPr lang="en-US" dirty="0"/>
+          </a:p>
+        </p:txBody>
+      </p:sp>
+    </p:spTree>
+    <p:extLst>
+      <p:ext uri="{BB962C8B-B14F-4D97-AF65-F5344CB8AC3E}">
+        <p14:creationId xmlns:p14="http://schemas.microsoft.com/office/powerpoint/2010/main" val="2576832956"/>
+      </p:ext>
+    </p:extLst>
+  </p:cSld>
+  <p:clrMapOvr>
+    <a:masterClrMapping/>
+  </p:clrMapOvr>
+  <mc:AlternateContent xmlns:mc="http://schemas.openxmlformats.org/markup-compatibility/2006" xmlns:p15="http://schemas.microsoft.com/office/powerpoint/2012/main">
+    <mc:Choice Requires="p15">
+      <p:transition xmlns:p14="http://schemas.microsoft.com/office/powerpoint/2010/main" spd="slow" p14:dur="2000">
+        <p15:prstTrans prst="drape"/>
+      </p:transition>
+    </mc:Choice>
+    <mc:Fallback xmlns="">
+      <p:transition spd="slow">
+        <p:fade/>
+      </p:transition>
+    </mc:Fallback>
+  </mc:AlternateContent>
+</p:sld>
+</file>
+
+<file path=ppt/slides/slide13.xml><?xml version="1.0" encoding="utf-8"?>
+<p:sld xmlns:a="http://schemas.openxmlformats.org/drawingml/2006/main" xmlns:r="http://schemas.openxmlformats.org/officeDocument/2006/relationships" xmlns:p="http://schemas.openxmlformats.org/presentationml/2006/main">
+  <p:cSld>
+    <p:spTree>
+      <p:nvGrpSpPr>
+        <p:cNvPr id="1" name=""/>
+        <p:cNvGrpSpPr/>
+        <p:nvPr/>
+      </p:nvGrpSpPr>
+      <p:grpSpPr>
+        <a:xfrm>
+          <a:off x="0" y="0"/>
+          <a:ext cx="0" cy="0"/>
+          <a:chOff x="0" y="0"/>
+          <a:chExt cx="0" cy="0"/>
+        </a:xfrm>
+      </p:grpSpPr>
+      <p:sp>
+        <p:nvSpPr>
+          <p:cNvPr id="2" name="Title 1"/>
+          <p:cNvSpPr>
+            <a:spLocks noGrp="1"/>
+          </p:cNvSpPr>
+          <p:nvPr>
+            <p:ph type="title"/>
+          </p:nvPr>
+        </p:nvSpPr>
+        <p:spPr/>
+        <p:txBody>
+          <a:bodyPr>
+            <a:normAutofit/>
+          </a:bodyPr>
+          <a:lstStyle/>
+          <a:p>
+            <a:r>
+              <a:rPr lang="en-US" sz="3600" dirty="0"/>
               <a:t>Application System Modules</a:t>
             </a:r>
           </a:p>
@@ -4090,13 +4208,13 @@
   <p:clrMapOvr>
     <a:masterClrMapping/>
   </p:clrMapOvr>
-  <mc:AlternateContent xmlns:mc="http://schemas.openxmlformats.org/markup-compatibility/2006">
-    <mc:Choice xmlns:p15="http://schemas.microsoft.com/office/powerpoint/2012/main" Requires="p15">
+  <mc:AlternateContent xmlns:mc="http://schemas.openxmlformats.org/markup-compatibility/2006" xmlns:p15="http://schemas.microsoft.com/office/powerpoint/2012/main">
+    <mc:Choice Requires="p15">
       <p:transition xmlns:p14="http://schemas.microsoft.com/office/powerpoint/2010/main" spd="slow" p14:dur="2000">
         <p15:prstTrans prst="drape"/>
       </p:transition>
     </mc:Choice>
-    <mc:Fallback>
+    <mc:Fallback xmlns="">
       <p:transition spd="slow">
         <p:fade/>
       </p:transition>
@@ -4105,7 +4223,7 @@
 </p:sld>
 </file>
 
-<file path=ppt/slides/slide13.xml><?xml version="1.0" encoding="utf-8"?>
+<file path=ppt/slides/slide14.xml><?xml version="1.0" encoding="utf-8"?>
 <p:sld xmlns:a="http://schemas.openxmlformats.org/drawingml/2006/main" xmlns:r="http://schemas.openxmlformats.org/officeDocument/2006/relationships" xmlns:p="http://schemas.openxmlformats.org/presentationml/2006/main">
   <p:cSld>
     <p:spTree>
@@ -4487,13 +4605,13 @@
   <p:clrMapOvr>
     <a:masterClrMapping/>
   </p:clrMapOvr>
-  <mc:AlternateContent xmlns:mc="http://schemas.openxmlformats.org/markup-compatibility/2006">
-    <mc:Choice xmlns:p15="http://schemas.microsoft.com/office/powerpoint/2012/main" Requires="p15">
+  <mc:AlternateContent xmlns:mc="http://schemas.openxmlformats.org/markup-compatibility/2006" xmlns:p15="http://schemas.microsoft.com/office/powerpoint/2012/main">
+    <mc:Choice Requires="p15">
       <p:transition xmlns:p14="http://schemas.microsoft.com/office/powerpoint/2010/main" spd="slow" p14:dur="2000">
         <p15:prstTrans prst="drape"/>
       </p:transition>
     </mc:Choice>
-    <mc:Fallback>
+    <mc:Fallback xmlns="">
       <p:transition spd="slow">
         <p:fade/>
       </p:transition>
@@ -4502,7 +4620,7 @@
 </p:sld>
 </file>
 
-<file path=ppt/slides/slide14.xml><?xml version="1.0" encoding="utf-8"?>
+<file path=ppt/slides/slide15.xml><?xml version="1.0" encoding="utf-8"?>
 <p:sld xmlns:a="http://schemas.openxmlformats.org/drawingml/2006/main" xmlns:r="http://schemas.openxmlformats.org/officeDocument/2006/relationships" xmlns:p="http://schemas.openxmlformats.org/presentationml/2006/main">
   <p:cSld>
     <p:spTree>
@@ -4894,13 +5012,13 @@
   <p:clrMapOvr>
     <a:masterClrMapping/>
   </p:clrMapOvr>
-  <mc:AlternateContent xmlns:mc="http://schemas.openxmlformats.org/markup-compatibility/2006">
-    <mc:Choice xmlns:p15="http://schemas.microsoft.com/office/powerpoint/2012/main" Requires="p15">
+  <mc:AlternateContent xmlns:mc="http://schemas.openxmlformats.org/markup-compatibility/2006" xmlns:p15="http://schemas.microsoft.com/office/powerpoint/2012/main">
+    <mc:Choice Requires="p15">
       <p:transition xmlns:p14="http://schemas.microsoft.com/office/powerpoint/2010/main" spd="slow" p14:dur="2000">
         <p15:prstTrans prst="drape"/>
       </p:transition>
     </mc:Choice>
-    <mc:Fallback>
+    <mc:Fallback xmlns="">
       <p:transition spd="slow">
         <p:fade/>
       </p:transition>
@@ -4909,7 +5027,7 @@
 </p:sld>
 </file>
 
-<file path=ppt/slides/slide15.xml><?xml version="1.0" encoding="utf-8"?>
+<file path=ppt/slides/slide16.xml><?xml version="1.0" encoding="utf-8"?>
 <p:sld xmlns:a="http://schemas.openxmlformats.org/drawingml/2006/main" xmlns:r="http://schemas.openxmlformats.org/officeDocument/2006/relationships" xmlns:p="http://schemas.openxmlformats.org/presentationml/2006/main">
   <p:cSld>
     <p:spTree>
@@ -5200,13 +5318,13 @@
   <p:clrMapOvr>
     <a:masterClrMapping/>
   </p:clrMapOvr>
-  <mc:AlternateContent xmlns:mc="http://schemas.openxmlformats.org/markup-compatibility/2006">
-    <mc:Choice xmlns:p15="http://schemas.microsoft.com/office/powerpoint/2012/main" Requires="p15">
+  <mc:AlternateContent xmlns:mc="http://schemas.openxmlformats.org/markup-compatibility/2006" xmlns:p15="http://schemas.microsoft.com/office/powerpoint/2012/main">
+    <mc:Choice Requires="p15">
       <p:transition xmlns:p14="http://schemas.microsoft.com/office/powerpoint/2010/main" spd="slow" p14:dur="2000">
         <p15:prstTrans prst="drape"/>
       </p:transition>
     </mc:Choice>
-    <mc:Fallback>
+    <mc:Fallback xmlns="">
       <p:transition spd="slow">
         <p:fade/>
       </p:transition>
@@ -5215,7 +5333,7 @@
 </p:sld>
 </file>
 
-<file path=ppt/slides/slide16.xml><?xml version="1.0" encoding="utf-8"?>
+<file path=ppt/slides/slide17.xml><?xml version="1.0" encoding="utf-8"?>
 <p:sld xmlns:a="http://schemas.openxmlformats.org/drawingml/2006/main" xmlns:r="http://schemas.openxmlformats.org/officeDocument/2006/relationships" xmlns:p="http://schemas.openxmlformats.org/presentationml/2006/main">
   <p:cSld>
     <p:spTree>
@@ -5393,13 +5511,13 @@
   <p:clrMapOvr>
     <a:masterClrMapping/>
   </p:clrMapOvr>
-  <mc:AlternateContent xmlns:mc="http://schemas.openxmlformats.org/markup-compatibility/2006">
-    <mc:Choice xmlns:p15="http://schemas.microsoft.com/office/powerpoint/2012/main" Requires="p15">
+  <mc:AlternateContent xmlns:mc="http://schemas.openxmlformats.org/markup-compatibility/2006" xmlns:p15="http://schemas.microsoft.com/office/powerpoint/2012/main">
+    <mc:Choice Requires="p15">
       <p:transition xmlns:p14="http://schemas.microsoft.com/office/powerpoint/2010/main" spd="slow" p14:dur="2000">
         <p15:prstTrans prst="drape"/>
       </p:transition>
     </mc:Choice>
-    <mc:Fallback>
+    <mc:Fallback xmlns="">
       <p:transition spd="slow">
         <p:fade/>
       </p:transition>
@@ -5408,7 +5526,7 @@
 </p:sld>
 </file>
 
-<file path=ppt/slides/slide17.xml><?xml version="1.0" encoding="utf-8"?>
+<file path=ppt/slides/slide18.xml><?xml version="1.0" encoding="utf-8"?>
 <p:sld xmlns:a="http://schemas.openxmlformats.org/drawingml/2006/main" xmlns:r="http://schemas.openxmlformats.org/officeDocument/2006/relationships" xmlns:p="http://schemas.openxmlformats.org/presentationml/2006/main">
   <p:cSld>
     <p:spTree>
@@ -5640,13 +5758,13 @@
   <p:clrMapOvr>
     <a:masterClrMapping/>
   </p:clrMapOvr>
-  <mc:AlternateContent xmlns:mc="http://schemas.openxmlformats.org/markup-compatibility/2006">
-    <mc:Choice xmlns:p15="http://schemas.microsoft.com/office/powerpoint/2012/main" Requires="p15">
+  <mc:AlternateContent xmlns:mc="http://schemas.openxmlformats.org/markup-compatibility/2006" xmlns:p15="http://schemas.microsoft.com/office/powerpoint/2012/main">
+    <mc:Choice Requires="p15">
       <p:transition xmlns:p14="http://schemas.microsoft.com/office/powerpoint/2010/main" spd="slow" p14:dur="2000">
         <p15:prstTrans prst="drape"/>
       </p:transition>
     </mc:Choice>
-    <mc:Fallback>
+    <mc:Fallback xmlns="">
       <p:transition spd="slow">
         <p:fade/>
       </p:transition>
@@ -5776,13 +5894,13 @@
   <p:clrMapOvr>
     <a:masterClrMapping/>
   </p:clrMapOvr>
-  <mc:AlternateContent xmlns:mc="http://schemas.openxmlformats.org/markup-compatibility/2006">
-    <mc:Choice xmlns:p15="http://schemas.microsoft.com/office/powerpoint/2012/main" Requires="p15">
+  <mc:AlternateContent xmlns:mc="http://schemas.openxmlformats.org/markup-compatibility/2006" xmlns:p15="http://schemas.microsoft.com/office/powerpoint/2012/main">
+    <mc:Choice Requires="p15">
       <p:transition xmlns:p14="http://schemas.microsoft.com/office/powerpoint/2010/main" spd="slow" p14:dur="2000">
         <p15:prstTrans prst="drape"/>
       </p:transition>
     </mc:Choice>
-    <mc:Fallback>
+    <mc:Fallback xmlns="">
       <p:transition spd="slow">
         <p:fade/>
       </p:transition>
@@ -5818,12 +5936,7 @@
             <p:ph type="title"/>
           </p:nvPr>
         </p:nvSpPr>
-        <p:spPr>
-          <a:xfrm>
-            <a:off x="1534694" y="465222"/>
-            <a:ext cx="9935409" cy="1299410"/>
-          </a:xfrm>
-        </p:spPr>
+        <p:spPr/>
         <p:txBody>
           <a:bodyPr>
             <a:normAutofit/>
@@ -5832,7 +5945,7 @@
           <a:p>
             <a:r>
               <a:rPr lang="en-US" sz="3600" dirty="0"/>
-              <a:t>LSC Learning Management System</a:t>
+              <a:t>Current System</a:t>
             </a:r>
           </a:p>
         </p:txBody>
@@ -5849,8 +5962,8 @@
         </p:nvSpPr>
         <p:spPr>
           <a:xfrm>
-            <a:off x="1534695" y="2015732"/>
-            <a:ext cx="9935409" cy="4401110"/>
+            <a:off x="1534696" y="2416785"/>
+            <a:ext cx="9520158" cy="3450613"/>
           </a:xfrm>
         </p:spPr>
         <p:txBody>
@@ -5859,78 +5972,42 @@
           </a:bodyPr>
           <a:lstStyle/>
           <a:p>
-            <a:pPr marL="0" indent="0">
-              <a:buNone/>
-            </a:pPr>
-            <a:r>
-              <a:rPr lang="en-US" sz="2400" dirty="0"/>
-              <a:t>Frontend:				</a:t>
-            </a:r>
-          </a:p>
-          <a:p>
-            <a:r>
-              <a:rPr lang="en-US" sz="2400" dirty="0"/>
-              <a:t>Track student’s performance			</a:t>
-            </a:r>
-          </a:p>
-          <a:p>
-            <a:r>
-              <a:rPr lang="en-US" sz="2400" dirty="0"/>
-              <a:t>Analyze performance</a:t>
-            </a:r>
-          </a:p>
-          <a:p>
-            <a:r>
-              <a:rPr lang="en-US" sz="2400" dirty="0"/>
-              <a:t>Task/Event Notification</a:t>
-            </a:r>
-          </a:p>
-          <a:p>
-            <a:pPr marL="0" indent="0">
-              <a:buNone/>
-            </a:pPr>
-            <a:r>
-              <a:rPr lang="en-US" sz="2400" dirty="0"/>
-              <a:t>Backend:</a:t>
-            </a:r>
-          </a:p>
-          <a:p>
-            <a:r>
-              <a:rPr lang="en-US" sz="2400" dirty="0"/>
-              <a:t>Manage courses, tasks and attendance</a:t>
-            </a:r>
-          </a:p>
-          <a:p>
-            <a:r>
-              <a:rPr lang="en-US" sz="2400" dirty="0"/>
-              <a:t>Create, Delete and Update</a:t>
-            </a:r>
-          </a:p>
-          <a:p>
-            <a:endParaRPr lang="en-US" dirty="0"/>
-          </a:p>
-          <a:p>
-            <a:endParaRPr lang="en-US" dirty="0"/>
+            <a:r>
+              <a:rPr lang="en-US" sz="2800" dirty="0"/>
+              <a:t>Schedule was given manually</a:t>
+            </a:r>
+          </a:p>
+          <a:p>
+            <a:r>
+              <a:rPr lang="en-US" sz="2800" dirty="0"/>
+              <a:t>Cannot easily access summary of grades </a:t>
+            </a:r>
+          </a:p>
+          <a:p>
+            <a:r>
+              <a:rPr lang="en-US" sz="2800" dirty="0"/>
+              <a:t>Paper-based assignments and quizzes</a:t>
+            </a:r>
           </a:p>
         </p:txBody>
       </p:sp>
     </p:spTree>
     <p:extLst>
       <p:ext uri="{BB962C8B-B14F-4D97-AF65-F5344CB8AC3E}">
-        <p14:creationId xmlns:p14="http://schemas.microsoft.com/office/powerpoint/2010/main" val="822732753"/>
+        <p14:creationId xmlns:p14="http://schemas.microsoft.com/office/powerpoint/2010/main" val="217951498"/>
       </p:ext>
     </p:extLst>
   </p:cSld>
   <p:clrMapOvr>
     <a:masterClrMapping/>
   </p:clrMapOvr>
-  <mc:AlternateContent xmlns:mc="http://schemas.openxmlformats.org/markup-compatibility/2006">
-    <mc:Choice xmlns:p15="http://schemas.microsoft.com/office/powerpoint/2012/main" Requires="p15">
+  <mc:AlternateContent xmlns:mc="http://schemas.openxmlformats.org/markup-compatibility/2006" xmlns:p15="http://schemas.microsoft.com/office/powerpoint/2012/main">
+    <mc:Choice Requires="p15">
       <p:transition xmlns:p14="http://schemas.microsoft.com/office/powerpoint/2010/main" spd="slow" p14:dur="2000">
         <p15:prstTrans prst="drape"/>
       </p:transition>
     </mc:Choice>
-    <mc:Fallback>
+    <mc:Fallback xmlns="">
       <p:transition spd="slow">
         <p:fade/>
       </p:transition>
@@ -5968,8 +6045,8 @@
         </p:nvSpPr>
         <p:spPr>
           <a:xfrm>
-            <a:off x="1534695" y="467634"/>
-            <a:ext cx="9520158" cy="1321951"/>
+            <a:off x="1534694" y="465222"/>
+            <a:ext cx="9935409" cy="1299410"/>
           </a:xfrm>
         </p:spPr>
         <p:txBody>
@@ -5980,7 +6057,7 @@
           <a:p>
             <a:r>
               <a:rPr lang="en-US" sz="3600" dirty="0"/>
-              <a:t>Objective</a:t>
+              <a:t>LSC Learning Management System</a:t>
             </a:r>
           </a:p>
         </p:txBody>
@@ -5997,12 +6074,12 @@
         </p:nvSpPr>
         <p:spPr>
           <a:xfrm>
-            <a:off x="431385" y="1982091"/>
-            <a:ext cx="11726779" cy="4577574"/>
-          </a:xfrm>
-        </p:spPr>
-        <p:txBody>
-          <a:bodyPr numCol="2">
+            <a:off x="1534695" y="2015732"/>
+            <a:ext cx="9935409" cy="4401110"/>
+          </a:xfrm>
+        </p:spPr>
+        <p:txBody>
+          <a:bodyPr>
             <a:normAutofit/>
           </a:bodyPr>
           <a:lstStyle/>
@@ -6012,38 +6089,26 @@
             </a:pPr>
             <a:r>
               <a:rPr lang="en-US" sz="2400" dirty="0"/>
-              <a:t>General Objectives:</a:t>
+              <a:t>Frontend:				</a:t>
             </a:r>
           </a:p>
           <a:p>
             <a:r>
               <a:rPr lang="en-US" sz="2400" dirty="0"/>
-              <a:t>To provide efficient way of learning </a:t>
+              <a:t>Track student’s performance			</a:t>
             </a:r>
           </a:p>
           <a:p>
             <a:r>
               <a:rPr lang="en-US" sz="2400" dirty="0"/>
-              <a:t>Faster tracking of student’s performance</a:t>
+              <a:t>Analyze performance</a:t>
             </a:r>
           </a:p>
           <a:p>
             <a:r>
               <a:rPr lang="en-US" sz="2400" dirty="0"/>
-              <a:t>To provide Easier administration</a:t>
-            </a:r>
-          </a:p>
-          <a:p>
-            <a:endParaRPr lang="en-US" sz="2400" dirty="0"/>
-          </a:p>
-          <a:p>
-            <a:endParaRPr lang="en-US" sz="2400" dirty="0"/>
-          </a:p>
-          <a:p>
-            <a:endParaRPr lang="en-US" sz="2400" dirty="0"/>
-          </a:p>
-          <a:p>
-            <a:endParaRPr lang="en-US" sz="2400" dirty="0"/>
+              <a:t>Task/Event Notification</a:t>
+            </a:r>
           </a:p>
           <a:p>
             <a:pPr marL="0" indent="0">
@@ -6051,31 +6116,19 @@
             </a:pPr>
             <a:r>
               <a:rPr lang="en-US" sz="2400" dirty="0"/>
-              <a:t>Specific Objectives</a:t>
+              <a:t>Backend:</a:t>
             </a:r>
           </a:p>
           <a:p>
             <a:r>
               <a:rPr lang="en-US" sz="2400" dirty="0"/>
-              <a:t>To provide system and database</a:t>
+              <a:t>Manage courses, tasks and attendance</a:t>
             </a:r>
           </a:p>
           <a:p>
             <a:r>
               <a:rPr lang="en-US" sz="2400" dirty="0"/>
-              <a:t>For faster administration of records</a:t>
-            </a:r>
-          </a:p>
-          <a:p>
-            <a:r>
-              <a:rPr lang="en-US" sz="2400" dirty="0"/>
-              <a:t>To announce updates faster</a:t>
-            </a:r>
-          </a:p>
-          <a:p>
-            <a:r>
-              <a:rPr lang="en-US" sz="2400" dirty="0"/>
-              <a:t>Easier access on student’s progress </a:t>
+              <a:t>Create, Delete and Update</a:t>
             </a:r>
           </a:p>
           <a:p>
@@ -6089,20 +6142,20 @@
     </p:spTree>
     <p:extLst>
       <p:ext uri="{BB962C8B-B14F-4D97-AF65-F5344CB8AC3E}">
-        <p14:creationId xmlns:p14="http://schemas.microsoft.com/office/powerpoint/2010/main" val="3566327374"/>
+        <p14:creationId xmlns:p14="http://schemas.microsoft.com/office/powerpoint/2010/main" val="822732753"/>
       </p:ext>
     </p:extLst>
   </p:cSld>
   <p:clrMapOvr>
     <a:masterClrMapping/>
   </p:clrMapOvr>
-  <mc:AlternateContent xmlns:mc="http://schemas.openxmlformats.org/markup-compatibility/2006">
-    <mc:Choice xmlns:p15="http://schemas.microsoft.com/office/powerpoint/2012/main" Requires="p15">
+  <mc:AlternateContent xmlns:mc="http://schemas.openxmlformats.org/markup-compatibility/2006" xmlns:p15="http://schemas.microsoft.com/office/powerpoint/2012/main">
+    <mc:Choice Requires="p15">
       <p:transition xmlns:p14="http://schemas.microsoft.com/office/powerpoint/2010/main" spd="slow" p14:dur="2000">
         <p15:prstTrans prst="drape"/>
       </p:transition>
     </mc:Choice>
-    <mc:Fallback>
+    <mc:Fallback xmlns="">
       <p:transition spd="slow">
         <p:fade/>
       </p:transition>
@@ -6138,7 +6191,12 @@
             <p:ph type="title"/>
           </p:nvPr>
         </p:nvSpPr>
-        <p:spPr/>
+        <p:spPr>
+          <a:xfrm>
+            <a:off x="1534695" y="467634"/>
+            <a:ext cx="9520158" cy="1321951"/>
+          </a:xfrm>
+        </p:spPr>
         <p:txBody>
           <a:bodyPr>
             <a:normAutofit/>
@@ -6147,7 +6205,7 @@
           <a:p>
             <a:r>
               <a:rPr lang="en-US" sz="3600" dirty="0"/>
-              <a:t>Purpose</a:t>
+              <a:t>Objective</a:t>
             </a:r>
           </a:p>
         </p:txBody>
@@ -6162,39 +6220,91 @@
             <p:ph idx="1"/>
           </p:nvPr>
         </p:nvSpPr>
-        <p:spPr/>
-        <p:txBody>
-          <a:bodyPr/>
-          <a:lstStyle/>
-          <a:p>
-            <a:r>
-              <a:rPr lang="en-US" sz="2800" dirty="0"/>
-              <a:t>View schedule online</a:t>
-            </a:r>
-          </a:p>
-          <a:p>
-            <a:r>
-              <a:rPr lang="en-US" sz="2800" dirty="0"/>
-              <a:t>View summary of grades </a:t>
-            </a:r>
-          </a:p>
-          <a:p>
-            <a:r>
-              <a:rPr lang="en-US" sz="2800" dirty="0"/>
-              <a:t>View attendance online</a:t>
-            </a:r>
-          </a:p>
-          <a:p>
-            <a:r>
-              <a:rPr lang="en-US" sz="2800" dirty="0"/>
-              <a:t>Update information easily</a:t>
-            </a:r>
-          </a:p>
-          <a:p>
-            <a:r>
-              <a:rPr lang="en-US" sz="2800" dirty="0"/>
-              <a:t>Tutor can view students progress</a:t>
-            </a:r>
+        <p:spPr>
+          <a:xfrm>
+            <a:off x="431385" y="1982091"/>
+            <a:ext cx="11726779" cy="4577574"/>
+          </a:xfrm>
+        </p:spPr>
+        <p:txBody>
+          <a:bodyPr numCol="2">
+            <a:normAutofit/>
+          </a:bodyPr>
+          <a:lstStyle/>
+          <a:p>
+            <a:pPr marL="0" indent="0">
+              <a:buNone/>
+            </a:pPr>
+            <a:r>
+              <a:rPr lang="en-US" sz="2400" dirty="0"/>
+              <a:t>General Objectives:</a:t>
+            </a:r>
+          </a:p>
+          <a:p>
+            <a:r>
+              <a:rPr lang="en-US" sz="2400" dirty="0"/>
+              <a:t>To provide efficient way of learning </a:t>
+            </a:r>
+          </a:p>
+          <a:p>
+            <a:r>
+              <a:rPr lang="en-US" sz="2400" dirty="0"/>
+              <a:t>Faster tracking of student’s performance</a:t>
+            </a:r>
+          </a:p>
+          <a:p>
+            <a:r>
+              <a:rPr lang="en-US" sz="2400" dirty="0"/>
+              <a:t>To provide Easier administration</a:t>
+            </a:r>
+          </a:p>
+          <a:p>
+            <a:endParaRPr lang="en-US" sz="2400" dirty="0"/>
+          </a:p>
+          <a:p>
+            <a:endParaRPr lang="en-US" sz="2400" dirty="0"/>
+          </a:p>
+          <a:p>
+            <a:endParaRPr lang="en-US" sz="2400" dirty="0"/>
+          </a:p>
+          <a:p>
+            <a:endParaRPr lang="en-US" sz="2400" dirty="0"/>
+          </a:p>
+          <a:p>
+            <a:pPr marL="0" indent="0">
+              <a:buNone/>
+            </a:pPr>
+            <a:r>
+              <a:rPr lang="en-US" sz="2400" dirty="0"/>
+              <a:t>Specific Objectives</a:t>
+            </a:r>
+          </a:p>
+          <a:p>
+            <a:r>
+              <a:rPr lang="en-US" sz="2400" dirty="0"/>
+              <a:t>To provide system and database</a:t>
+            </a:r>
+          </a:p>
+          <a:p>
+            <a:r>
+              <a:rPr lang="en-US" sz="2400" dirty="0"/>
+              <a:t>For faster administration of records</a:t>
+            </a:r>
+          </a:p>
+          <a:p>
+            <a:r>
+              <a:rPr lang="en-US" sz="2400" dirty="0"/>
+              <a:t>To announce updates faster</a:t>
+            </a:r>
+          </a:p>
+          <a:p>
+            <a:r>
+              <a:rPr lang="en-US" sz="2400" dirty="0"/>
+              <a:t>Easier access on student’s progress </a:t>
+            </a:r>
+          </a:p>
+          <a:p>
+            <a:endParaRPr lang="en-US" dirty="0"/>
           </a:p>
           <a:p>
             <a:endParaRPr lang="en-US" dirty="0"/>
@@ -6204,20 +6314,20 @@
     </p:spTree>
     <p:extLst>
       <p:ext uri="{BB962C8B-B14F-4D97-AF65-F5344CB8AC3E}">
-        <p14:creationId xmlns:p14="http://schemas.microsoft.com/office/powerpoint/2010/main" val="796151573"/>
+        <p14:creationId xmlns:p14="http://schemas.microsoft.com/office/powerpoint/2010/main" val="3566327374"/>
       </p:ext>
     </p:extLst>
   </p:cSld>
   <p:clrMapOvr>
     <a:masterClrMapping/>
   </p:clrMapOvr>
-  <mc:AlternateContent xmlns:mc="http://schemas.openxmlformats.org/markup-compatibility/2006">
-    <mc:Choice xmlns:p15="http://schemas.microsoft.com/office/powerpoint/2012/main" Requires="p15">
+  <mc:AlternateContent xmlns:mc="http://schemas.openxmlformats.org/markup-compatibility/2006" xmlns:p15="http://schemas.microsoft.com/office/powerpoint/2012/main">
+    <mc:Choice Requires="p15">
       <p:transition xmlns:p14="http://schemas.microsoft.com/office/powerpoint/2010/main" spd="slow" p14:dur="2000">
         <p15:prstTrans prst="drape"/>
       </p:transition>
     </mc:Choice>
-    <mc:Fallback>
+    <mc:Fallback xmlns="">
       <p:transition spd="slow">
         <p:fade/>
       </p:transition>
@@ -6255,81 +6365,101 @@
         </p:nvSpPr>
         <p:spPr/>
         <p:txBody>
+          <a:bodyPr/>
+          <a:lstStyle/>
+          <a:p>
+            <a:r>
+              <a:rPr lang="en-US" dirty="0"/>
+              <a:t>Benefit</a:t>
+            </a:r>
+          </a:p>
+        </p:txBody>
+      </p:sp>
+      <p:sp>
+        <p:nvSpPr>
+          <p:cNvPr id="3" name="Content Placeholder 2"/>
+          <p:cNvSpPr>
+            <a:spLocks noGrp="1"/>
+          </p:cNvSpPr>
+          <p:nvPr>
+            <p:ph idx="1"/>
+          </p:nvPr>
+        </p:nvSpPr>
+        <p:spPr/>
+        <p:txBody>
           <a:bodyPr>
             <a:normAutofit/>
           </a:bodyPr>
           <a:lstStyle/>
           <a:p>
             <a:r>
-              <a:rPr lang="en-US" sz="3600" dirty="0"/>
-              <a:t>Current System</a:t>
-            </a:r>
-          </a:p>
-        </p:txBody>
-      </p:sp>
-      <p:sp>
-        <p:nvSpPr>
-          <p:cNvPr id="3" name="Content Placeholder 2"/>
-          <p:cNvSpPr>
-            <a:spLocks noGrp="1"/>
-          </p:cNvSpPr>
-          <p:nvPr>
-            <p:ph idx="1"/>
-          </p:nvPr>
-        </p:nvSpPr>
-        <p:spPr>
-          <a:xfrm>
-            <a:off x="1534696" y="2416785"/>
-            <a:ext cx="9520158" cy="3450613"/>
-          </a:xfrm>
-        </p:spPr>
-        <p:txBody>
-          <a:bodyPr>
-            <a:normAutofit/>
-          </a:bodyPr>
-          <a:lstStyle/>
-          <a:p>
-            <a:r>
-              <a:rPr lang="en-US" sz="2800" dirty="0"/>
-              <a:t>Schedule was given manually</a:t>
-            </a:r>
-          </a:p>
-          <a:p>
-            <a:r>
-              <a:rPr lang="en-US" sz="2800" dirty="0"/>
-              <a:t>Cannot easily access summary of grades </a:t>
-            </a:r>
-          </a:p>
-          <a:p>
-            <a:r>
-              <a:rPr lang="en-US" sz="2800" dirty="0"/>
-              <a:t>Paper-based assignments and quizzes</a:t>
-            </a:r>
+              <a:rPr lang="en-US" dirty="0"/>
+              <a:t>To student: </a:t>
+            </a:r>
+          </a:p>
+          <a:p>
+            <a:pPr lvl="1"/>
+            <a:r>
+              <a:rPr lang="en-US" dirty="0"/>
+              <a:t>Usable anywhere</a:t>
+            </a:r>
+          </a:p>
+          <a:p>
+            <a:pPr lvl="1"/>
+            <a:r>
+              <a:rPr lang="en-US" dirty="0"/>
+              <a:t>Manage performance easier</a:t>
+            </a:r>
+          </a:p>
+          <a:p>
+            <a:r>
+              <a:rPr lang="en-US" dirty="0"/>
+              <a:t>To parents:</a:t>
+            </a:r>
+          </a:p>
+          <a:p>
+            <a:pPr lvl="1"/>
+            <a:r>
+              <a:rPr lang="en-US" dirty="0"/>
+              <a:t>Updated about the student’s performance</a:t>
+            </a:r>
+          </a:p>
+          <a:p>
+            <a:r>
+              <a:rPr lang="en-US" dirty="0"/>
+              <a:t>To administrator:</a:t>
+            </a:r>
+          </a:p>
+          <a:p>
+            <a:pPr lvl="1"/>
+            <a:r>
+              <a:rPr lang="en-US" dirty="0"/>
+              <a:t>Give tasks right away</a:t>
+            </a:r>
+          </a:p>
+          <a:p>
+            <a:pPr lvl="1"/>
+            <a:r>
+              <a:rPr lang="en-US" dirty="0"/>
+              <a:t>Manage grades and attendance</a:t>
+            </a:r>
+          </a:p>
+          <a:p>
+            <a:pPr lvl="1"/>
+            <a:endParaRPr lang="en-US" dirty="0"/>
           </a:p>
         </p:txBody>
       </p:sp>
     </p:spTree>
     <p:extLst>
       <p:ext uri="{BB962C8B-B14F-4D97-AF65-F5344CB8AC3E}">
-        <p14:creationId xmlns:p14="http://schemas.microsoft.com/office/powerpoint/2010/main" val="217951498"/>
+        <p14:creationId xmlns:p14="http://schemas.microsoft.com/office/powerpoint/2010/main" val="598748986"/>
       </p:ext>
     </p:extLst>
   </p:cSld>
   <p:clrMapOvr>
     <a:masterClrMapping/>
   </p:clrMapOvr>
-  <mc:AlternateContent xmlns:mc="http://schemas.openxmlformats.org/markup-compatibility/2006">
-    <mc:Choice xmlns:p15="http://schemas.microsoft.com/office/powerpoint/2012/main" Requires="p15">
-      <p:transition xmlns:p14="http://schemas.microsoft.com/office/powerpoint/2010/main" spd="slow" p14:dur="2000">
-        <p15:prstTrans prst="drape"/>
-      </p:transition>
-    </mc:Choice>
-    <mc:Fallback>
-      <p:transition spd="slow">
-        <p:fade/>
-      </p:transition>
-    </mc:Fallback>
-  </mc:AlternateContent>
 </p:sld>
 </file>
 
@@ -6369,7 +6499,7 @@
           <a:p>
             <a:r>
               <a:rPr lang="en-US" sz="3600" dirty="0"/>
-              <a:t>System Features and Functions</a:t>
+              <a:t>Purpose</a:t>
             </a:r>
           </a:p>
         </p:txBody>
@@ -6384,100 +6514,39 @@
             <p:ph idx="1"/>
           </p:nvPr>
         </p:nvSpPr>
-        <p:spPr>
-          <a:xfrm>
-            <a:off x="1534696" y="2015732"/>
-            <a:ext cx="9520158" cy="4208605"/>
-          </a:xfrm>
-        </p:spPr>
-        <p:txBody>
-          <a:bodyPr numCol="2">
-            <a:normAutofit lnSpcReduction="10000"/>
-          </a:bodyPr>
-          <a:lstStyle/>
-          <a:p>
-            <a:pPr marL="0" indent="0">
-              <a:buNone/>
-            </a:pPr>
-            <a:r>
-              <a:rPr lang="en-US" sz="2400" dirty="0"/>
-              <a:t>For Instructor:</a:t>
-            </a:r>
-          </a:p>
-          <a:p>
-            <a:r>
-              <a:rPr lang="en-US" sz="2400" dirty="0"/>
-              <a:t>Create course</a:t>
-            </a:r>
-          </a:p>
-          <a:p>
-            <a:r>
-              <a:rPr lang="en-US" sz="2400" dirty="0"/>
-              <a:t>Record attendance</a:t>
-            </a:r>
-          </a:p>
-          <a:p>
-            <a:r>
-              <a:rPr lang="en-US" sz="2400" dirty="0"/>
-              <a:t>Create and assign task</a:t>
-            </a:r>
-          </a:p>
-          <a:p>
-            <a:r>
-              <a:rPr lang="en-US" sz="2400" dirty="0"/>
-              <a:t>Give announcements</a:t>
-            </a:r>
-          </a:p>
-          <a:p>
-            <a:endParaRPr lang="en-US" sz="2400" dirty="0"/>
-          </a:p>
-          <a:p>
-            <a:endParaRPr lang="en-US" sz="2400" dirty="0"/>
-          </a:p>
-          <a:p>
-            <a:endParaRPr lang="en-US" sz="2400" dirty="0"/>
-          </a:p>
-          <a:p>
-            <a:pPr marL="0" indent="0">
-              <a:buNone/>
-            </a:pPr>
-            <a:r>
-              <a:rPr lang="en-US" sz="2400" dirty="0"/>
-              <a:t>For Students:</a:t>
-            </a:r>
-          </a:p>
-          <a:p>
-            <a:r>
-              <a:rPr lang="en-US" sz="2400" dirty="0"/>
-              <a:t>Access review class</a:t>
-            </a:r>
-          </a:p>
-          <a:p>
-            <a:r>
-              <a:rPr lang="en-US" sz="2400" dirty="0"/>
-              <a:t>View attendance</a:t>
-            </a:r>
-          </a:p>
-          <a:p>
-            <a:r>
-              <a:rPr lang="en-US" sz="2400" dirty="0"/>
-              <a:t>Take tasks</a:t>
-            </a:r>
-          </a:p>
-          <a:p>
-            <a:r>
-              <a:rPr lang="en-US" sz="2400" dirty="0"/>
-              <a:t>See announcements</a:t>
-            </a:r>
-          </a:p>
-          <a:p>
-            <a:r>
-              <a:rPr lang="en-US" sz="2400" dirty="0"/>
-              <a:t>Keep track of grades</a:t>
-            </a:r>
-          </a:p>
-          <a:p>
-            <a:endParaRPr lang="en-US" dirty="0"/>
+        <p:spPr/>
+        <p:txBody>
+          <a:bodyPr/>
+          <a:lstStyle/>
+          <a:p>
+            <a:r>
+              <a:rPr lang="en-US" sz="2800" dirty="0"/>
+              <a:t>View schedule online</a:t>
+            </a:r>
+          </a:p>
+          <a:p>
+            <a:r>
+              <a:rPr lang="en-US" sz="2800" dirty="0"/>
+              <a:t>View summary of grades </a:t>
+            </a:r>
+          </a:p>
+          <a:p>
+            <a:r>
+              <a:rPr lang="en-US" sz="2800" dirty="0"/>
+              <a:t>View attendance online</a:t>
+            </a:r>
+          </a:p>
+          <a:p>
+            <a:r>
+              <a:rPr lang="en-US" sz="2800" dirty="0"/>
+              <a:t>Update information easily</a:t>
+            </a:r>
+          </a:p>
+          <a:p>
+            <a:r>
+              <a:rPr lang="en-US" sz="2800" dirty="0"/>
+              <a:t>Tutor can view students progress</a:t>
+            </a:r>
           </a:p>
           <a:p>
             <a:endParaRPr lang="en-US" dirty="0"/>
@@ -6487,20 +6556,20 @@
     </p:spTree>
     <p:extLst>
       <p:ext uri="{BB962C8B-B14F-4D97-AF65-F5344CB8AC3E}">
-        <p14:creationId xmlns:p14="http://schemas.microsoft.com/office/powerpoint/2010/main" val="1538000127"/>
+        <p14:creationId xmlns:p14="http://schemas.microsoft.com/office/powerpoint/2010/main" val="796151573"/>
       </p:ext>
     </p:extLst>
   </p:cSld>
   <p:clrMapOvr>
     <a:masterClrMapping/>
   </p:clrMapOvr>
-  <mc:AlternateContent xmlns:mc="http://schemas.openxmlformats.org/markup-compatibility/2006">
-    <mc:Choice xmlns:p15="http://schemas.microsoft.com/office/powerpoint/2012/main" Requires="p15">
+  <mc:AlternateContent xmlns:mc="http://schemas.openxmlformats.org/markup-compatibility/2006" xmlns:p15="http://schemas.microsoft.com/office/powerpoint/2012/main">
+    <mc:Choice Requires="p15">
       <p:transition xmlns:p14="http://schemas.microsoft.com/office/powerpoint/2010/main" spd="slow" p14:dur="2000">
         <p15:prstTrans prst="drape"/>
       </p:transition>
     </mc:Choice>
-    <mc:Fallback>
+    <mc:Fallback xmlns="">
       <p:transition spd="slow">
         <p:fade/>
       </p:transition>
@@ -6545,7 +6614,7 @@
           <a:p>
             <a:r>
               <a:rPr lang="en-US" sz="3600" dirty="0"/>
-              <a:t>Programming Languages</a:t>
+              <a:t>System Features and Functions</a:t>
             </a:r>
           </a:p>
         </p:txBody>
@@ -6560,61 +6629,123 @@
             <p:ph idx="1"/>
           </p:nvPr>
         </p:nvSpPr>
-        <p:spPr/>
-        <p:txBody>
-          <a:bodyPr>
-            <a:normAutofit/>
+        <p:spPr>
+          <a:xfrm>
+            <a:off x="1534696" y="2015732"/>
+            <a:ext cx="9520158" cy="4208605"/>
+          </a:xfrm>
+        </p:spPr>
+        <p:txBody>
+          <a:bodyPr numCol="2">
+            <a:normAutofit lnSpcReduction="10000"/>
           </a:bodyPr>
           <a:lstStyle/>
           <a:p>
+            <a:pPr marL="0" indent="0">
+              <a:buNone/>
+            </a:pPr>
             <a:r>
               <a:rPr lang="en-US" sz="2400" dirty="0"/>
-              <a:t>HTML</a:t>
+              <a:t>For Instructor:</a:t>
             </a:r>
           </a:p>
           <a:p>
             <a:r>
               <a:rPr lang="en-US" sz="2400" dirty="0"/>
-              <a:t>CSS</a:t>
+              <a:t>Create course</a:t>
             </a:r>
           </a:p>
           <a:p>
             <a:r>
               <a:rPr lang="en-US" sz="2400" dirty="0"/>
-              <a:t>PHP</a:t>
+              <a:t>Record attendance</a:t>
             </a:r>
           </a:p>
           <a:p>
             <a:r>
               <a:rPr lang="en-US" sz="2400" dirty="0"/>
-              <a:t>JQuery</a:t>
+              <a:t>Create and assign task</a:t>
             </a:r>
           </a:p>
           <a:p>
             <a:r>
               <a:rPr lang="en-US" sz="2400" dirty="0"/>
-              <a:t>Bootstrap</a:t>
-            </a:r>
+              <a:t>Give announcements</a:t>
+            </a:r>
+          </a:p>
+          <a:p>
+            <a:endParaRPr lang="en-US" sz="2400" dirty="0"/>
+          </a:p>
+          <a:p>
+            <a:endParaRPr lang="en-US" sz="2400" dirty="0"/>
+          </a:p>
+          <a:p>
+            <a:endParaRPr lang="en-US" sz="2400" dirty="0"/>
+          </a:p>
+          <a:p>
+            <a:pPr marL="0" indent="0">
+              <a:buNone/>
+            </a:pPr>
+            <a:r>
+              <a:rPr lang="en-US" sz="2400" dirty="0"/>
+              <a:t>For Students:</a:t>
+            </a:r>
+          </a:p>
+          <a:p>
+            <a:r>
+              <a:rPr lang="en-US" sz="2400" dirty="0"/>
+              <a:t>Access review class</a:t>
+            </a:r>
+          </a:p>
+          <a:p>
+            <a:r>
+              <a:rPr lang="en-US" sz="2400" dirty="0"/>
+              <a:t>View attendance</a:t>
+            </a:r>
+          </a:p>
+          <a:p>
+            <a:r>
+              <a:rPr lang="en-US" sz="2400" dirty="0"/>
+              <a:t>Take tasks</a:t>
+            </a:r>
+          </a:p>
+          <a:p>
+            <a:r>
+              <a:rPr lang="en-US" sz="2400" dirty="0"/>
+              <a:t>See announcements</a:t>
+            </a:r>
+          </a:p>
+          <a:p>
+            <a:r>
+              <a:rPr lang="en-US" sz="2400" dirty="0"/>
+              <a:t>Keep track of grades</a:t>
+            </a:r>
+          </a:p>
+          <a:p>
+            <a:endParaRPr lang="en-US" dirty="0"/>
+          </a:p>
+          <a:p>
+            <a:endParaRPr lang="en-US" dirty="0"/>
           </a:p>
         </p:txBody>
       </p:sp>
     </p:spTree>
     <p:extLst>
       <p:ext uri="{BB962C8B-B14F-4D97-AF65-F5344CB8AC3E}">
-        <p14:creationId xmlns:p14="http://schemas.microsoft.com/office/powerpoint/2010/main" val="3822008390"/>
+        <p14:creationId xmlns:p14="http://schemas.microsoft.com/office/powerpoint/2010/main" val="1538000127"/>
       </p:ext>
     </p:extLst>
   </p:cSld>
   <p:clrMapOvr>
     <a:masterClrMapping/>
   </p:clrMapOvr>
-  <mc:AlternateContent xmlns:mc="http://schemas.openxmlformats.org/markup-compatibility/2006">
-    <mc:Choice xmlns:p15="http://schemas.microsoft.com/office/powerpoint/2012/main" Requires="p15">
+  <mc:AlternateContent xmlns:mc="http://schemas.openxmlformats.org/markup-compatibility/2006" xmlns:p15="http://schemas.microsoft.com/office/powerpoint/2012/main">
+    <mc:Choice Requires="p15">
       <p:transition xmlns:p14="http://schemas.microsoft.com/office/powerpoint/2010/main" spd="slow" p14:dur="2000">
         <p15:prstTrans prst="drape"/>
       </p:transition>
     </mc:Choice>
-    <mc:Fallback>
+    <mc:Fallback xmlns="">
       <p:transition spd="slow">
         <p:fade/>
       </p:transition>
@@ -6659,7 +6790,7 @@
           <a:p>
             <a:r>
               <a:rPr lang="en-US" sz="3600" dirty="0"/>
-              <a:t>Specific Software</a:t>
+              <a:t>Programming Languages</a:t>
             </a:r>
           </a:p>
         </p:txBody>
@@ -6682,32 +6813,32 @@
           <a:lstStyle/>
           <a:p>
             <a:r>
-              <a:rPr lang="en-US" sz="2600" dirty="0"/>
-              <a:t>Windows, Linux and Android</a:t>
-            </a:r>
-          </a:p>
-          <a:p>
-            <a:r>
-              <a:rPr lang="en-US" sz="2600" dirty="0"/>
-              <a:t>Yii2 advanced framework</a:t>
-            </a:r>
-          </a:p>
-          <a:p>
-            <a:r>
-              <a:rPr lang="en-US" sz="2600" dirty="0"/>
-              <a:t>Access on browser</a:t>
-            </a:r>
-          </a:p>
-          <a:p>
-            <a:r>
-              <a:rPr lang="en-US" sz="2600" dirty="0"/>
-              <a:t>MySQL for database</a:t>
-            </a:r>
-          </a:p>
-          <a:p>
-            <a:r>
-              <a:rPr lang="en-US" sz="2600" dirty="0"/>
-              <a:t>Integrate with the Enrollment System</a:t>
+              <a:rPr lang="en-US" sz="2400" dirty="0"/>
+              <a:t>HTML</a:t>
+            </a:r>
+          </a:p>
+          <a:p>
+            <a:r>
+              <a:rPr lang="en-US" sz="2400" dirty="0"/>
+              <a:t>CSS</a:t>
+            </a:r>
+          </a:p>
+          <a:p>
+            <a:r>
+              <a:rPr lang="en-US" sz="2400" dirty="0"/>
+              <a:t>PHP</a:t>
+            </a:r>
+          </a:p>
+          <a:p>
+            <a:r>
+              <a:rPr lang="en-US" sz="2400" dirty="0"/>
+              <a:t>JQuery</a:t>
+            </a:r>
+          </a:p>
+          <a:p>
+            <a:r>
+              <a:rPr lang="en-US" sz="2400" dirty="0"/>
+              <a:t>Bootstrap</a:t>
             </a:r>
           </a:p>
         </p:txBody>
@@ -6715,20 +6846,20 @@
     </p:spTree>
     <p:extLst>
       <p:ext uri="{BB962C8B-B14F-4D97-AF65-F5344CB8AC3E}">
-        <p14:creationId xmlns:p14="http://schemas.microsoft.com/office/powerpoint/2010/main" val="1777853872"/>
+        <p14:creationId xmlns:p14="http://schemas.microsoft.com/office/powerpoint/2010/main" val="3822008390"/>
       </p:ext>
     </p:extLst>
   </p:cSld>
   <p:clrMapOvr>
     <a:masterClrMapping/>
   </p:clrMapOvr>
-  <mc:AlternateContent xmlns:mc="http://schemas.openxmlformats.org/markup-compatibility/2006">
-    <mc:Choice xmlns:p15="http://schemas.microsoft.com/office/powerpoint/2012/main" Requires="p15">
+  <mc:AlternateContent xmlns:mc="http://schemas.openxmlformats.org/markup-compatibility/2006" xmlns:p15="http://schemas.microsoft.com/office/powerpoint/2012/main">
+    <mc:Choice Requires="p15">
       <p:transition xmlns:p14="http://schemas.microsoft.com/office/powerpoint/2010/main" spd="slow" p14:dur="2000">
         <p15:prstTrans prst="drape"/>
       </p:transition>
     </mc:Choice>
-    <mc:Fallback>
+    <mc:Fallback xmlns="">
       <p:transition spd="slow">
         <p:fade/>
       </p:transition>

--- a/Documentation/MCSPROJ/LSC-LMS PPT.pptx
+++ b/Documentation/MCSPROJ/LSC-LMS PPT.pptx
@@ -6107,7 +6107,7 @@
           <a:p>
             <a:r>
               <a:rPr lang="en-US" sz="2400" dirty="0"/>
-              <a:t>Task/Event Notification</a:t>
+              <a:t>Notify student if there are task</a:t>
             </a:r>
           </a:p>
           <a:p>
@@ -6128,7 +6128,7 @@
           <a:p>
             <a:r>
               <a:rPr lang="en-US" sz="2400" dirty="0"/>
-              <a:t>Create, Delete and Update</a:t>
+              <a:t>Create, delete and update courses and task</a:t>
             </a:r>
           </a:p>
           <a:p>
@@ -6228,7 +6228,7 @@
         </p:spPr>
         <p:txBody>
           <a:bodyPr numCol="2">
-            <a:normAutofit/>
+            <a:normAutofit fontScale="92500" lnSpcReduction="10000"/>
           </a:bodyPr>
           <a:lstStyle/>
           <a:p>
@@ -6249,13 +6249,13 @@
           <a:p>
             <a:r>
               <a:rPr lang="en-US" sz="2400" dirty="0"/>
-              <a:t>Faster tracking of student’s performance</a:t>
+              <a:t>To provide faster tracking of student’s performance</a:t>
             </a:r>
           </a:p>
           <a:p>
             <a:r>
               <a:rPr lang="en-US" sz="2400" dirty="0"/>
-              <a:t>To provide Easier administration</a:t>
+              <a:t>To provide easier administration </a:t>
             </a:r>
           </a:p>
           <a:p>
@@ -6288,7 +6288,7 @@
           <a:p>
             <a:r>
               <a:rPr lang="en-US" sz="2400" dirty="0"/>
-              <a:t>For faster administration of records</a:t>
+              <a:t>To provide faster administration of records</a:t>
             </a:r>
           </a:p>
           <a:p>
@@ -6300,7 +6300,7 @@
           <a:p>
             <a:r>
               <a:rPr lang="en-US" sz="2400" dirty="0"/>
-              <a:t>Easier access on student’s progress </a:t>
+              <a:t>To provide easier access on student’s progress</a:t>
             </a:r>
           </a:p>
           <a:p>
@@ -6421,7 +6421,7 @@
             <a:pPr lvl="1"/>
             <a:r>
               <a:rPr lang="en-US" dirty="0"/>
-              <a:t>Updated about the student’s performance</a:t>
+              <a:t>Update about the student’s performance</a:t>
             </a:r>
           </a:p>
           <a:p>
@@ -6545,7 +6545,7 @@
           <a:p>
             <a:r>
               <a:rPr lang="en-US" sz="2800" dirty="0"/>
-              <a:t>Tutor can view students progress</a:t>
+              <a:t>View students progress</a:t>
             </a:r>
           </a:p>
           <a:p>

--- a/Documentation/MCSPROJ/LSC-LMS PPT.pptx
+++ b/Documentation/MCSPROJ/LSC-LMS PPT.pptx
@@ -7,22 +7,23 @@
   <p:sldIdLst>
     <p:sldId id="256" r:id="rId2"/>
     <p:sldId id="258" r:id="rId3"/>
-    <p:sldId id="261" r:id="rId4"/>
-    <p:sldId id="257" r:id="rId5"/>
-    <p:sldId id="259" r:id="rId6"/>
-    <p:sldId id="273" r:id="rId7"/>
-    <p:sldId id="260" r:id="rId8"/>
-    <p:sldId id="262" r:id="rId9"/>
-    <p:sldId id="263" r:id="rId10"/>
-    <p:sldId id="264" r:id="rId11"/>
-    <p:sldId id="265" r:id="rId12"/>
-    <p:sldId id="266" r:id="rId13"/>
-    <p:sldId id="267" r:id="rId14"/>
-    <p:sldId id="268" r:id="rId15"/>
-    <p:sldId id="269" r:id="rId16"/>
-    <p:sldId id="270" r:id="rId17"/>
-    <p:sldId id="271" r:id="rId18"/>
-    <p:sldId id="272" r:id="rId19"/>
+    <p:sldId id="274" r:id="rId4"/>
+    <p:sldId id="261" r:id="rId5"/>
+    <p:sldId id="257" r:id="rId6"/>
+    <p:sldId id="259" r:id="rId7"/>
+    <p:sldId id="273" r:id="rId8"/>
+    <p:sldId id="260" r:id="rId9"/>
+    <p:sldId id="262" r:id="rId10"/>
+    <p:sldId id="263" r:id="rId11"/>
+    <p:sldId id="264" r:id="rId12"/>
+    <p:sldId id="265" r:id="rId13"/>
+    <p:sldId id="266" r:id="rId14"/>
+    <p:sldId id="267" r:id="rId15"/>
+    <p:sldId id="268" r:id="rId16"/>
+    <p:sldId id="269" r:id="rId17"/>
+    <p:sldId id="270" r:id="rId18"/>
+    <p:sldId id="271" r:id="rId19"/>
+    <p:sldId id="272" r:id="rId20"/>
   </p:sldIdLst>
   <p:sldSz cx="12192000" cy="6858000"/>
   <p:notesSz cx="6858000" cy="9144000"/>
@@ -268,7 +269,7 @@
           <a:p>
             <a:fld id="{A423BF71-38B7-8642-BFCE-EDAE9BD0CBAF}" type="datetimeFigureOut">
               <a:rPr lang="en-US" dirty="0"/>
-              <a:t>12/2/2016</a:t>
+              <a:t>12/8/2016</a:t>
             </a:fld>
             <a:endParaRPr lang="en-US" dirty="0"/>
           </a:p>
@@ -480,7 +481,7 @@
           <a:p>
             <a:fld id="{73B025CB-9D18-264E-A945-2D020344C9DA}" type="datetimeFigureOut">
               <a:rPr lang="en-US" dirty="0"/>
-              <a:t>12/2/2016</a:t>
+              <a:t>12/8/2016</a:t>
             </a:fld>
             <a:endParaRPr lang="en-US" dirty="0"/>
           </a:p>
@@ -696,7 +697,7 @@
           <a:p>
             <a:fld id="{507EFB6C-7E96-8F41-8872-189CA1C59F84}" type="datetimeFigureOut">
               <a:rPr lang="en-US" dirty="0"/>
-              <a:t>12/2/2016</a:t>
+              <a:t>12/8/2016</a:t>
             </a:fld>
             <a:endParaRPr lang="en-US" dirty="0"/>
           </a:p>
@@ -898,7 +899,7 @@
           <a:p>
             <a:fld id="{B6981CDE-9BE7-C544-8ACB-7077DFC4270F}" type="datetimeFigureOut">
               <a:rPr lang="en-US" dirty="0"/>
-              <a:t>12/2/2016</a:t>
+              <a:t>12/8/2016</a:t>
             </a:fld>
             <a:endParaRPr lang="en-US" dirty="0"/>
           </a:p>
@@ -1178,7 +1179,7 @@
           <a:p>
             <a:fld id="{B55BA285-9698-1B45-8319-D90A8C63F150}" type="datetimeFigureOut">
               <a:rPr lang="en-US" dirty="0"/>
-              <a:t>12/2/2016</a:t>
+              <a:t>12/8/2016</a:t>
             </a:fld>
             <a:endParaRPr lang="en-US" dirty="0"/>
           </a:p>
@@ -1447,7 +1448,7 @@
           <a:p>
             <a:fld id="{0A86CD42-43FF-B740-998F-DCC3802C4CE3}" type="datetimeFigureOut">
               <a:rPr lang="en-US" dirty="0"/>
-              <a:t>12/2/2016</a:t>
+              <a:t>12/8/2016</a:t>
             </a:fld>
             <a:endParaRPr lang="en-US" dirty="0"/>
           </a:p>
@@ -1864,7 +1865,7 @@
           <a:p>
             <a:fld id="{CEA0FFBD-2EE4-8547-BBAE-A1AC91C8D77E}" type="datetimeFigureOut">
               <a:rPr lang="en-US" dirty="0"/>
-              <a:t>12/2/2016</a:t>
+              <a:t>12/8/2016</a:t>
             </a:fld>
             <a:endParaRPr lang="en-US" dirty="0"/>
           </a:p>
@@ -2014,7 +2015,7 @@
           <a:p>
             <a:fld id="{955A2352-D7AC-F242-9256-A4477BCBF354}" type="datetimeFigureOut">
               <a:rPr lang="en-US" dirty="0"/>
-              <a:t>12/2/2016</a:t>
+              <a:t>12/8/2016</a:t>
             </a:fld>
             <a:endParaRPr lang="en-US" dirty="0"/>
           </a:p>
@@ -2141,7 +2142,7 @@
           <a:p>
             <a:fld id="{4EFCFC6A-9AE6-404D-9FDD-168B477B9C90}" type="datetimeFigureOut">
               <a:rPr lang="en-US" dirty="0"/>
-              <a:t>12/2/2016</a:t>
+              <a:t>12/8/2016</a:t>
             </a:fld>
             <a:endParaRPr lang="en-US" dirty="0"/>
           </a:p>
@@ -2387,7 +2388,7 @@
           <a:p>
             <a:fld id="{61CFCDFD-B4CF-A241-8D71-E814B10BEAF4}" type="datetimeFigureOut">
               <a:rPr lang="en-US" dirty="0"/>
-              <a:t>12/2/2016</a:t>
+              <a:t>12/8/2016</a:t>
             </a:fld>
             <a:endParaRPr lang="en-US" dirty="0"/>
           </a:p>
@@ -2837,7 +2838,7 @@
           <a:p>
             <a:fld id="{26A7B589-FD4B-7E46-869A-CBADC5FC564E}" type="datetimeFigureOut">
               <a:rPr lang="en-US" dirty="0"/>
-              <a:t>12/2/2016</a:t>
+              <a:t>12/8/2016</a:t>
             </a:fld>
             <a:endParaRPr lang="en-US" dirty="0"/>
           </a:p>
@@ -3158,7 +3159,7 @@
           <a:p>
             <a:fld id="{4CD8A92E-5FF9-8143-81B3-CCB531513398}" type="datetimeFigureOut">
               <a:rPr lang="en-US" dirty="0"/>
-              <a:t>12/2/2016</a:t>
+              <a:t>12/8/2016</a:t>
             </a:fld>
             <a:endParaRPr lang="en-US" dirty="0"/>
           </a:p>
@@ -3812,7 +3813,7 @@
           <a:p>
             <a:r>
               <a:rPr lang="en-US" sz="3600" dirty="0"/>
-              <a:t>Specific Software</a:t>
+              <a:t>Programming Languages</a:t>
             </a:r>
           </a:p>
         </p:txBody>
@@ -3835,32 +3836,32 @@
           <a:lstStyle/>
           <a:p>
             <a:r>
-              <a:rPr lang="en-US" sz="2600" dirty="0"/>
-              <a:t>Windows, Linux and Android</a:t>
-            </a:r>
-          </a:p>
-          <a:p>
-            <a:r>
-              <a:rPr lang="en-US" sz="2600" dirty="0"/>
-              <a:t>Yii2 advanced framework</a:t>
-            </a:r>
-          </a:p>
-          <a:p>
-            <a:r>
-              <a:rPr lang="en-US" sz="2600" dirty="0"/>
-              <a:t>Access on browser</a:t>
-            </a:r>
-          </a:p>
-          <a:p>
-            <a:r>
-              <a:rPr lang="en-US" sz="2600" dirty="0"/>
-              <a:t>MySQL for database</a:t>
-            </a:r>
-          </a:p>
-          <a:p>
-            <a:r>
-              <a:rPr lang="en-US" sz="2600" dirty="0"/>
-              <a:t>Integrate with the Enrollment System</a:t>
+              <a:rPr lang="en-US" sz="2400" dirty="0"/>
+              <a:t>HTML</a:t>
+            </a:r>
+          </a:p>
+          <a:p>
+            <a:r>
+              <a:rPr lang="en-US" sz="2400" dirty="0"/>
+              <a:t>CSS</a:t>
+            </a:r>
+          </a:p>
+          <a:p>
+            <a:r>
+              <a:rPr lang="en-US" sz="2400" dirty="0"/>
+              <a:t>PHP</a:t>
+            </a:r>
+          </a:p>
+          <a:p>
+            <a:r>
+              <a:rPr lang="en-US" sz="2400" dirty="0"/>
+              <a:t>JQuery</a:t>
+            </a:r>
+          </a:p>
+          <a:p>
+            <a:r>
+              <a:rPr lang="en-US" sz="2400" dirty="0"/>
+              <a:t>Bootstrap</a:t>
             </a:r>
           </a:p>
         </p:txBody>
@@ -3868,7 +3869,7 @@
     </p:spTree>
     <p:extLst>
       <p:ext uri="{BB962C8B-B14F-4D97-AF65-F5344CB8AC3E}">
-        <p14:creationId xmlns:p14="http://schemas.microsoft.com/office/powerpoint/2010/main" val="1777853872"/>
+        <p14:creationId xmlns:p14="http://schemas.microsoft.com/office/powerpoint/2010/main" val="3822008390"/>
       </p:ext>
     </p:extLst>
   </p:cSld>
@@ -3926,7 +3927,7 @@
           <a:p>
             <a:r>
               <a:rPr lang="en-US" sz="3600" dirty="0"/>
-              <a:t>Hardware Environment</a:t>
+              <a:t>Specific Software</a:t>
             </a:r>
           </a:p>
         </p:txBody>
@@ -3949,26 +3950,32 @@
           <a:lstStyle/>
           <a:p>
             <a:r>
-              <a:rPr lang="en-US" sz="2800" dirty="0"/>
-              <a:t>At least 1.3 GHz processor or faster</a:t>
-            </a:r>
-          </a:p>
-          <a:p>
-            <a:r>
-              <a:rPr lang="en-US" sz="2800" dirty="0"/>
-              <a:t>128 MB RAM</a:t>
-            </a:r>
-          </a:p>
-          <a:p>
-            <a:r>
-              <a:rPr lang="en-US" sz="2800" dirty="0"/>
-              <a:t>80GB or above</a:t>
-            </a:r>
-          </a:p>
-          <a:p>
-            <a:r>
-              <a:rPr lang="en-US" sz="2800" dirty="0"/>
-              <a:t>At least 800 x 600 colors or above</a:t>
+              <a:rPr lang="en-US" sz="2600" dirty="0"/>
+              <a:t>Windows, Linux and Android</a:t>
+            </a:r>
+          </a:p>
+          <a:p>
+            <a:r>
+              <a:rPr lang="en-US" sz="2600" dirty="0"/>
+              <a:t>Yii2 advanced framework</a:t>
+            </a:r>
+          </a:p>
+          <a:p>
+            <a:r>
+              <a:rPr lang="en-US" sz="2600" dirty="0"/>
+              <a:t>Access on browser</a:t>
+            </a:r>
+          </a:p>
+          <a:p>
+            <a:r>
+              <a:rPr lang="en-US" sz="2600" dirty="0"/>
+              <a:t>MySQL for database</a:t>
+            </a:r>
+          </a:p>
+          <a:p>
+            <a:r>
+              <a:rPr lang="en-US" sz="2600" dirty="0"/>
+              <a:t>Integrate with the Enrollment System</a:t>
             </a:r>
           </a:p>
         </p:txBody>
@@ -3976,7 +3983,7 @@
     </p:spTree>
     <p:extLst>
       <p:ext uri="{BB962C8B-B14F-4D97-AF65-F5344CB8AC3E}">
-        <p14:creationId xmlns:p14="http://schemas.microsoft.com/office/powerpoint/2010/main" val="129504969"/>
+        <p14:creationId xmlns:p14="http://schemas.microsoft.com/office/powerpoint/2010/main" val="1777853872"/>
       </p:ext>
     </p:extLst>
   </p:cSld>
@@ -4034,7 +4041,7 @@
           <a:p>
             <a:r>
               <a:rPr lang="en-US" sz="3600" dirty="0"/>
-              <a:t>Security</a:t>
+              <a:t>Hardware Environment</a:t>
             </a:r>
           </a:p>
         </p:txBody>
@@ -4051,50 +4058,40 @@
         </p:nvSpPr>
         <p:spPr/>
         <p:txBody>
-          <a:bodyPr/>
-          <a:lstStyle/>
-          <a:p>
-            <a:r>
-              <a:rPr lang="en-US" sz="2400" dirty="0"/>
-              <a:t>System will run inside the firewall</a:t>
-            </a:r>
-          </a:p>
-          <a:p>
-            <a:r>
-              <a:rPr lang="en-US" sz="2400" dirty="0"/>
-              <a:t>Different roles for admin, student and tutor (RBAC)</a:t>
-            </a:r>
-          </a:p>
-          <a:p>
-            <a:r>
-              <a:rPr lang="en-US" sz="2400" dirty="0"/>
-              <a:t>Password Encryption</a:t>
-            </a:r>
-          </a:p>
-          <a:p>
-            <a:r>
-              <a:rPr lang="en-US" sz="2400" dirty="0"/>
-              <a:t>Time limit of 1 hour</a:t>
-            </a:r>
-          </a:p>
-          <a:p>
-            <a:r>
-              <a:rPr lang="en-US" sz="2400" dirty="0"/>
-              <a:t>No printing and downloading of materials</a:t>
-            </a:r>
-          </a:p>
-          <a:p>
-            <a:endParaRPr lang="en-US" dirty="0"/>
-          </a:p>
-          <a:p>
-            <a:endParaRPr lang="en-US" dirty="0"/>
+          <a:bodyPr>
+            <a:normAutofit/>
+          </a:bodyPr>
+          <a:lstStyle/>
+          <a:p>
+            <a:r>
+              <a:rPr lang="en-US" sz="2800" dirty="0"/>
+              <a:t>At least 1.3 GHz processor or faster</a:t>
+            </a:r>
+          </a:p>
+          <a:p>
+            <a:r>
+              <a:rPr lang="en-US" sz="2800" dirty="0"/>
+              <a:t>128 MB RAM</a:t>
+            </a:r>
+          </a:p>
+          <a:p>
+            <a:r>
+              <a:rPr lang="en-US" sz="2800" dirty="0"/>
+              <a:t>80GB or above</a:t>
+            </a:r>
+          </a:p>
+          <a:p>
+            <a:r>
+              <a:rPr lang="en-US" sz="2800" dirty="0"/>
+              <a:t>At least 800 x 600 colors or above</a:t>
+            </a:r>
           </a:p>
         </p:txBody>
       </p:sp>
     </p:spTree>
     <p:extLst>
       <p:ext uri="{BB962C8B-B14F-4D97-AF65-F5344CB8AC3E}">
-        <p14:creationId xmlns:p14="http://schemas.microsoft.com/office/powerpoint/2010/main" val="2576832956"/>
+        <p14:creationId xmlns:p14="http://schemas.microsoft.com/office/powerpoint/2010/main" val="129504969"/>
       </p:ext>
     </p:extLst>
   </p:cSld>
@@ -4152,7 +4149,7 @@
           <a:p>
             <a:r>
               <a:rPr lang="en-US" sz="3600" dirty="0"/>
-              <a:t>Application System Modules</a:t>
+              <a:t>Security</a:t>
             </a:r>
           </a:p>
         </p:txBody>
@@ -4167,41 +4164,52 @@
             <p:ph idx="1"/>
           </p:nvPr>
         </p:nvSpPr>
-        <p:spPr>
-          <a:xfrm>
-            <a:off x="1534696" y="2095943"/>
-            <a:ext cx="9520158" cy="3450613"/>
-          </a:xfrm>
-        </p:spPr>
-        <p:txBody>
-          <a:bodyPr>
-            <a:normAutofit/>
-          </a:bodyPr>
-          <a:lstStyle/>
-          <a:p>
-            <a:r>
-              <a:rPr lang="en-US" sz="3200" dirty="0"/>
-              <a:t>Quiz</a:t>
-            </a:r>
-          </a:p>
-          <a:p>
-            <a:r>
-              <a:rPr lang="en-US" sz="3200" dirty="0"/>
-              <a:t>Course</a:t>
-            </a:r>
-          </a:p>
-          <a:p>
-            <a:r>
-              <a:rPr lang="en-US" sz="3200" dirty="0"/>
-              <a:t>User</a:t>
-            </a:r>
+        <p:spPr/>
+        <p:txBody>
+          <a:bodyPr/>
+          <a:lstStyle/>
+          <a:p>
+            <a:r>
+              <a:rPr lang="en-US" sz="2400" dirty="0"/>
+              <a:t>System will run inside the firewall</a:t>
+            </a:r>
+          </a:p>
+          <a:p>
+            <a:r>
+              <a:rPr lang="en-US" sz="2400" dirty="0"/>
+              <a:t>Different roles for admin, student and tutor (RBAC)</a:t>
+            </a:r>
+          </a:p>
+          <a:p>
+            <a:r>
+              <a:rPr lang="en-US" sz="2400" dirty="0"/>
+              <a:t>Password encryption</a:t>
+            </a:r>
+          </a:p>
+          <a:p>
+            <a:r>
+              <a:rPr lang="en-US" sz="2400" dirty="0"/>
+              <a:t>Time limit of one hour</a:t>
+            </a:r>
+          </a:p>
+          <a:p>
+            <a:r>
+              <a:rPr lang="en-US" sz="2400" dirty="0"/>
+              <a:t>No printing and downloading of materials</a:t>
+            </a:r>
+          </a:p>
+          <a:p>
+            <a:endParaRPr lang="en-US" dirty="0"/>
+          </a:p>
+          <a:p>
+            <a:endParaRPr lang="en-US" dirty="0"/>
           </a:p>
         </p:txBody>
       </p:sp>
     </p:spTree>
     <p:extLst>
       <p:ext uri="{BB962C8B-B14F-4D97-AF65-F5344CB8AC3E}">
-        <p14:creationId xmlns:p14="http://schemas.microsoft.com/office/powerpoint/2010/main" val="654577072"/>
+        <p14:creationId xmlns:p14="http://schemas.microsoft.com/office/powerpoint/2010/main" val="2576832956"/>
       </p:ext>
     </p:extLst>
   </p:cSld>
@@ -4240,306 +4248,6 @@
           <a:chExt cx="0" cy="0"/>
         </a:xfrm>
       </p:grpSpPr>
-      <p:sp useBgFill="1">
-        <p:nvSpPr>
-          <p:cNvPr id="137" name="Rectangle 136"/>
-          <p:cNvSpPr>
-            <a:spLocks noGrp="1" noRot="1" noChangeAspect="1" noMove="1" noResize="1" noEditPoints="1" noAdjustHandles="1" noChangeArrowheads="1" noChangeShapeType="1" noTextEdit="1"/>
-          </p:cNvSpPr>
-          <p:nvPr>
-            <p:extLst>
-              <p:ext uri="{386F3935-93C4-4BCD-93E2-E3B085C9AB24}">
-                <p16:designElem xmlns:p16="http://schemas.microsoft.com/office/powerpoint/2015/main" val="1"/>
-              </p:ext>
-            </p:extLst>
-          </p:nvPr>
-        </p:nvSpPr>
-        <p:spPr>
-          <a:xfrm>
-            <a:off x="2" y="0"/>
-            <a:ext cx="12191695" cy="6858000"/>
-          </a:xfrm>
-          <a:prstGeom prst="rect">
-            <a:avLst/>
-          </a:prstGeom>
-          <a:ln>
-            <a:noFill/>
-          </a:ln>
-        </p:spPr>
-        <p:style>
-          <a:lnRef idx="2">
-            <a:schemeClr val="accent1">
-              <a:shade val="50000"/>
-            </a:schemeClr>
-          </a:lnRef>
-          <a:fillRef idx="1">
-            <a:schemeClr val="accent1"/>
-          </a:fillRef>
-          <a:effectRef idx="0">
-            <a:schemeClr val="accent1"/>
-          </a:effectRef>
-          <a:fontRef idx="minor">
-            <a:schemeClr val="lt1"/>
-          </a:fontRef>
-        </p:style>
-        <p:txBody>
-          <a:bodyPr rtlCol="0" anchor="ctr"/>
-          <a:lstStyle/>
-          <a:p>
-            <a:pPr algn="ctr"/>
-            <a:endParaRPr lang="en-US"/>
-          </a:p>
-        </p:txBody>
-      </p:sp>
-      <p:sp>
-        <p:nvSpPr>
-          <p:cNvPr id="138" name="Rectangle 137"/>
-          <p:cNvSpPr>
-            <a:spLocks noGrp="1" noRot="1" noChangeAspect="1" noMove="1" noResize="1" noEditPoints="1" noAdjustHandles="1" noChangeArrowheads="1" noChangeShapeType="1" noTextEdit="1"/>
-          </p:cNvSpPr>
-          <p:nvPr>
-            <p:extLst>
-              <p:ext uri="{386F3935-93C4-4BCD-93E2-E3B085C9AB24}">
-                <p16:designElem xmlns:p16="http://schemas.microsoft.com/office/powerpoint/2015/main" val="1"/>
-              </p:ext>
-            </p:extLst>
-          </p:nvPr>
-        </p:nvSpPr>
-        <p:spPr>
-          <a:xfrm>
-            <a:off x="0" y="2015732"/>
-            <a:ext cx="12192000" cy="4118829"/>
-          </a:xfrm>
-          <a:prstGeom prst="rect">
-            <a:avLst/>
-          </a:prstGeom>
-          <a:gradFill flip="none" rotWithShape="1">
-            <a:gsLst>
-              <a:gs pos="0">
-                <a:schemeClr val="bg2">
-                  <a:alpha val="0"/>
-                </a:schemeClr>
-              </a:gs>
-              <a:gs pos="100000">
-                <a:schemeClr val="bg2"/>
-              </a:gs>
-            </a:gsLst>
-            <a:lin ang="5400000" scaled="0"/>
-            <a:tileRect/>
-          </a:gradFill>
-          <a:ln>
-            <a:noFill/>
-          </a:ln>
-        </p:spPr>
-        <p:style>
-          <a:lnRef idx="2">
-            <a:schemeClr val="accent1">
-              <a:shade val="50000"/>
-            </a:schemeClr>
-          </a:lnRef>
-          <a:fillRef idx="1">
-            <a:schemeClr val="accent1"/>
-          </a:fillRef>
-          <a:effectRef idx="0">
-            <a:schemeClr val="accent1"/>
-          </a:effectRef>
-          <a:fontRef idx="minor">
-            <a:schemeClr val="lt1"/>
-          </a:fontRef>
-        </p:style>
-        <p:txBody>
-          <a:bodyPr rtlCol="0" anchor="ctr"/>
-          <a:lstStyle/>
-          <a:p>
-            <a:pPr lvl="0" algn="ctr"/>
-            <a:endParaRPr lang="en-US"/>
-          </a:p>
-        </p:txBody>
-      </p:sp>
-      <p:pic>
-        <p:nvPicPr>
-          <p:cNvPr id="139" name="Picture 138"/>
-          <p:cNvPicPr>
-            <a:picLocks noGrp="1" noRot="1" noChangeAspect="1" noMove="1" noResize="1" noEditPoints="1" noAdjustHandles="1" noChangeArrowheads="1" noChangeShapeType="1" noCrop="1"/>
-          </p:cNvPicPr>
-          <p:nvPr>
-            <p:extLst>
-              <p:ext uri="{386F3935-93C4-4BCD-93E2-E3B085C9AB24}">
-                <p16:designElem xmlns:p16="http://schemas.microsoft.com/office/powerpoint/2015/main" val="1"/>
-              </p:ext>
-            </p:extLst>
-          </p:nvPr>
-        </p:nvPicPr>
-        <p:blipFill rotWithShape="1">
-          <a:blip r:embed="rId2"/>
-          <a:srcRect t="2769" b="-2769"/>
-          <a:stretch/>
-        </p:blipFill>
-        <p:spPr>
-          <a:xfrm>
-            <a:off x="0" y="6135624"/>
-            <a:ext cx="12192000" cy="742950"/>
-          </a:xfrm>
-          <a:prstGeom prst="rect">
-            <a:avLst/>
-          </a:prstGeom>
-        </p:spPr>
-      </p:pic>
-      <p:cxnSp>
-        <p:nvCxnSpPr>
-          <p:cNvPr id="140" name="Straight Connector 139"/>
-          <p:cNvCxnSpPr>
-            <a:cxnSpLocks noGrp="1" noRot="1" noChangeAspect="1" noMove="1" noResize="1" noEditPoints="1" noAdjustHandles="1" noChangeArrowheads="1" noChangeShapeType="1"/>
-          </p:cNvCxnSpPr>
-          <p:nvPr>
-            <p:extLst>
-              <p:ext uri="{386F3935-93C4-4BCD-93E2-E3B085C9AB24}">
-                <p16:designElem xmlns:p16="http://schemas.microsoft.com/office/powerpoint/2015/main" val="1"/>
-              </p:ext>
-            </p:extLst>
-          </p:nvPr>
-        </p:nvCxnSpPr>
-        <p:spPr>
-          <a:xfrm>
-            <a:off x="0" y="6141705"/>
-            <a:ext cx="12192000" cy="0"/>
-          </a:xfrm>
-          <a:prstGeom prst="line">
-            <a:avLst/>
-          </a:prstGeom>
-          <a:ln w="12700">
-            <a:solidFill>
-              <a:srgbClr val="000001">
-                <a:alpha val="20000"/>
-              </a:srgbClr>
-            </a:solidFill>
-          </a:ln>
-        </p:spPr>
-        <p:style>
-          <a:lnRef idx="1">
-            <a:schemeClr val="accent1"/>
-          </a:lnRef>
-          <a:fillRef idx="0">
-            <a:schemeClr val="accent1"/>
-          </a:fillRef>
-          <a:effectRef idx="0">
-            <a:schemeClr val="accent1"/>
-          </a:effectRef>
-          <a:fontRef idx="minor">
-            <a:schemeClr val="tx1"/>
-          </a:fontRef>
-        </p:style>
-      </p:cxnSp>
-      <p:cxnSp>
-        <p:nvCxnSpPr>
-          <p:cNvPr id="141" name="Straight Connector 140"/>
-          <p:cNvCxnSpPr>
-            <a:cxnSpLocks noGrp="1" noRot="1" noChangeAspect="1" noMove="1" noResize="1" noEditPoints="1" noAdjustHandles="1" noChangeArrowheads="1" noChangeShapeType="1"/>
-          </p:cNvCxnSpPr>
-          <p:nvPr>
-            <p:extLst>
-              <p:ext uri="{386F3935-93C4-4BCD-93E2-E3B085C9AB24}">
-                <p16:designElem xmlns:p16="http://schemas.microsoft.com/office/powerpoint/2015/main" val="1"/>
-              </p:ext>
-            </p:extLst>
-          </p:nvPr>
-        </p:nvCxnSpPr>
-        <p:spPr>
-          <a:xfrm>
-            <a:off x="1371687" y="798973"/>
-            <a:ext cx="0" cy="1067168"/>
-          </a:xfrm>
-          <a:prstGeom prst="line">
-            <a:avLst/>
-          </a:prstGeom>
-          <a:ln w="38100" cmpd="sng">
-            <a:solidFill>
-              <a:schemeClr val="accent1"/>
-            </a:solidFill>
-            <a:prstDash val="solid"/>
-            <a:tailEnd type="none"/>
-          </a:ln>
-        </p:spPr>
-        <p:style>
-          <a:lnRef idx="3">
-            <a:schemeClr val="accent1"/>
-          </a:lnRef>
-          <a:fillRef idx="0">
-            <a:schemeClr val="accent1"/>
-          </a:fillRef>
-          <a:effectRef idx="2">
-            <a:schemeClr val="accent1"/>
-          </a:effectRef>
-          <a:fontRef idx="minor">
-            <a:schemeClr val="tx1"/>
-          </a:fontRef>
-        </p:style>
-      </p:cxnSp>
-      <p:pic>
-        <p:nvPicPr>
-          <p:cNvPr id="1028" name="Content Placeholder 3"/>
-          <p:cNvPicPr>
-            <a:picLocks noChangeAspect="1"/>
-          </p:cNvPicPr>
-          <p:nvPr/>
-        </p:nvPicPr>
-        <p:blipFill>
-          <a:blip r:embed="rId3"/>
-          <a:stretch>
-            <a:fillRect/>
-          </a:stretch>
-        </p:blipFill>
-        <p:spPr>
-          <a:xfrm>
-            <a:off x="5324357" y="3188545"/>
-            <a:ext cx="5898744" cy="2831397"/>
-          </a:xfrm>
-          <a:prstGeom prst="rect">
-            <a:avLst/>
-          </a:prstGeom>
-        </p:spPr>
-      </p:pic>
-      <p:pic>
-        <p:nvPicPr>
-          <p:cNvPr id="1026" name="Picture 2" descr="login%20frontend_zps4m2y16xt.jpg"/>
-          <p:cNvPicPr>
-            <a:picLocks noChangeAspect="1" noChangeArrowheads="1"/>
-          </p:cNvPicPr>
-          <p:nvPr/>
-        </p:nvPicPr>
-        <p:blipFill rotWithShape="1">
-          <a:blip r:embed="rId4" r:link="rId5">
-            <a:extLst>
-              <a:ext uri="{28A0092B-C50C-407E-A947-70E740481C1C}">
-                <a14:useLocalDpi xmlns:a14="http://schemas.microsoft.com/office/drawing/2010/main" val="0"/>
-              </a:ext>
-            </a:extLst>
-          </a:blip>
-          <a:srcRect/>
-          <a:stretch>
-            <a:fillRect/>
-          </a:stretch>
-        </p:blipFill>
-        <p:spPr bwMode="auto">
-          <a:xfrm>
-            <a:off x="5324357" y="318944"/>
-            <a:ext cx="5898744" cy="2754983"/>
-          </a:xfrm>
-          <a:prstGeom prst="rect">
-            <a:avLst/>
-          </a:prstGeom>
-          <a:noFill/>
-          <a:extLst>
-            <a:ext uri="{909E8E84-426E-40DD-AFC4-6F175D3DCCD1}">
-              <a14:hiddenFill xmlns:a14="http://schemas.microsoft.com/office/drawing/2010/main">
-                <a:solidFill>
-                  <a:srgbClr val="FFFFFF"/>
-                </a:solidFill>
-              </a14:hiddenFill>
-            </a:ext>
-          </a:extLst>
-        </p:spPr>
-      </p:pic>
       <p:sp>
         <p:nvSpPr>
           <p:cNvPr id="2" name="Title 1"/>
@@ -4550,12 +4258,7 @@
             <p:ph type="title"/>
           </p:nvPr>
         </p:nvSpPr>
-        <p:spPr>
-          <a:xfrm>
-            <a:off x="1534696" y="804520"/>
-            <a:ext cx="5467239" cy="1049235"/>
-          </a:xfrm>
-        </p:spPr>
+        <p:spPr/>
         <p:txBody>
           <a:bodyPr>
             <a:normAutofit/>
@@ -4564,14 +4267,14 @@
           <a:p>
             <a:r>
               <a:rPr lang="en-US" sz="3600" dirty="0"/>
-              <a:t>Frontend</a:t>
-            </a:r>
-          </a:p>
-        </p:txBody>
-      </p:sp>
-      <p:sp>
-        <p:nvSpPr>
-          <p:cNvPr id="1030" name="Content Placeholder 1029"/>
+              <a:t>Application System Modules</a:t>
+            </a:r>
+          </a:p>
+        </p:txBody>
+      </p:sp>
+      <p:sp>
+        <p:nvSpPr>
+          <p:cNvPr id="3" name="Content Placeholder 2"/>
           <p:cNvSpPr>
             <a:spLocks noGrp="1"/>
           </p:cNvSpPr>
@@ -4581,8 +4284,8 @@
         </p:nvSpPr>
         <p:spPr>
           <a:xfrm>
-            <a:off x="1534696" y="2015732"/>
-            <a:ext cx="5467239" cy="3450613"/>
+            <a:off x="1534696" y="2095943"/>
+            <a:ext cx="9520158" cy="3450613"/>
           </a:xfrm>
         </p:spPr>
         <p:txBody>
@@ -4591,14 +4294,29 @@
           </a:bodyPr>
           <a:lstStyle/>
           <a:p>
-            <a:endParaRPr lang="en-US"/>
+            <a:r>
+              <a:rPr lang="en-US" sz="3200" dirty="0"/>
+              <a:t>Quiz</a:t>
+            </a:r>
+          </a:p>
+          <a:p>
+            <a:r>
+              <a:rPr lang="en-US" sz="3200" dirty="0"/>
+              <a:t>Course</a:t>
+            </a:r>
+          </a:p>
+          <a:p>
+            <a:r>
+              <a:rPr lang="en-US" sz="3200" dirty="0"/>
+              <a:t>User</a:t>
+            </a:r>
           </a:p>
         </p:txBody>
       </p:sp>
     </p:spTree>
     <p:extLst>
       <p:ext uri="{BB962C8B-B14F-4D97-AF65-F5344CB8AC3E}">
-        <p14:creationId xmlns:p14="http://schemas.microsoft.com/office/powerpoint/2010/main" val="2195760253"/>
+        <p14:creationId xmlns:p14="http://schemas.microsoft.com/office/powerpoint/2010/main" val="654577072"/>
       </p:ext>
     </p:extLst>
   </p:cSld>
@@ -4639,7 +4357,7 @@
       </p:grpSpPr>
       <p:sp useBgFill="1">
         <p:nvSpPr>
-          <p:cNvPr id="73" name="Rectangle 72"/>
+          <p:cNvPr id="137" name="Rectangle 136"/>
           <p:cNvSpPr>
             <a:spLocks noGrp="1" noRot="1" noChangeAspect="1" noMove="1" noResize="1" noEditPoints="1" noAdjustHandles="1" noChangeArrowheads="1" noChangeShapeType="1" noTextEdit="1"/>
           </p:cNvSpPr>
@@ -4690,7 +4408,7 @@
       </p:sp>
       <p:sp>
         <p:nvSpPr>
-          <p:cNvPr id="74" name="Rectangle 73"/>
+          <p:cNvPr id="138" name="Rectangle 137"/>
           <p:cNvSpPr>
             <a:spLocks noGrp="1" noRot="1" noChangeAspect="1" noMove="1" noResize="1" noEditPoints="1" noAdjustHandles="1" noChangeArrowheads="1" noChangeShapeType="1" noTextEdit="1"/>
           </p:cNvSpPr>
@@ -4755,7 +4473,7 @@
       </p:sp>
       <p:pic>
         <p:nvPicPr>
-          <p:cNvPr id="75" name="Picture 74"/>
+          <p:cNvPr id="139" name="Picture 138"/>
           <p:cNvPicPr>
             <a:picLocks noGrp="1" noRot="1" noChangeAspect="1" noMove="1" noResize="1" noEditPoints="1" noAdjustHandles="1" noChangeArrowheads="1" noChangeShapeType="1" noCrop="1"/>
           </p:cNvPicPr>
@@ -4784,7 +4502,7 @@
       </p:pic>
       <p:cxnSp>
         <p:nvCxnSpPr>
-          <p:cNvPr id="76" name="Straight Connector 75"/>
+          <p:cNvPr id="140" name="Straight Connector 139"/>
           <p:cNvCxnSpPr>
             <a:cxnSpLocks noGrp="1" noRot="1" noChangeAspect="1" noMove="1" noResize="1" noEditPoints="1" noAdjustHandles="1" noChangeArrowheads="1" noChangeShapeType="1"/>
           </p:cNvCxnSpPr>
@@ -4829,7 +4547,7 @@
       </p:cxnSp>
       <p:cxnSp>
         <p:nvCxnSpPr>
-          <p:cNvPr id="77" name="Straight Connector 76"/>
+          <p:cNvPr id="141" name="Straight Connector 140"/>
           <p:cNvCxnSpPr>
             <a:cxnSpLocks noGrp="1" noRot="1" noChangeAspect="1" noMove="1" noResize="1" noEditPoints="1" noAdjustHandles="1" noChangeArrowheads="1" noChangeShapeType="1"/>
           </p:cNvCxnSpPr>
@@ -4874,14 +4592,38 @@
       </p:cxnSp>
       <p:pic>
         <p:nvPicPr>
-          <p:cNvPr id="2050" name="Picture 2" descr="backend%20login_zpsaqej9zo4.jpg"/>
+          <p:cNvPr id="1028" name="Content Placeholder 3"/>
+          <p:cNvPicPr>
+            <a:picLocks noChangeAspect="1"/>
+          </p:cNvPicPr>
+          <p:nvPr/>
+        </p:nvPicPr>
+        <p:blipFill>
+          <a:blip r:embed="rId3"/>
+          <a:stretch>
+            <a:fillRect/>
+          </a:stretch>
+        </p:blipFill>
+        <p:spPr>
+          <a:xfrm>
+            <a:off x="5324357" y="3188545"/>
+            <a:ext cx="5898744" cy="2831397"/>
+          </a:xfrm>
+          <a:prstGeom prst="rect">
+            <a:avLst/>
+          </a:prstGeom>
+        </p:spPr>
+      </p:pic>
+      <p:pic>
+        <p:nvPicPr>
+          <p:cNvPr id="1026" name="Picture 2" descr="login%20frontend_zps4m2y16xt.jpg"/>
           <p:cNvPicPr>
             <a:picLocks noChangeAspect="1" noChangeArrowheads="1"/>
           </p:cNvPicPr>
           <p:nvPr/>
         </p:nvPicPr>
         <p:blipFill rotWithShape="1">
-          <a:blip r:embed="rId3" r:link="rId4">
+          <a:blip r:embed="rId4" r:link="rId5">
             <a:extLst>
               <a:ext uri="{28A0092B-C50C-407E-A947-70E740481C1C}">
                 <a14:useLocalDpi xmlns:a14="http://schemas.microsoft.com/office/drawing/2010/main" val="0"/>
@@ -4895,8 +4637,8 @@
         </p:blipFill>
         <p:spPr bwMode="auto">
           <a:xfrm>
-            <a:off x="5404131" y="276942"/>
-            <a:ext cx="5736084" cy="2997103"/>
+            <a:off x="5324357" y="318944"/>
+            <a:ext cx="5898744" cy="2754983"/>
           </a:xfrm>
           <a:prstGeom prst="rect">
             <a:avLst/>
@@ -4910,41 +4652,7 @@
                 </a:solidFill>
               </a14:hiddenFill>
             </a:ext>
-            <a:ext uri="{91240B29-F687-4F45-9708-019B960494DF}">
-              <a14:hiddenLine xmlns:a14="http://schemas.microsoft.com/office/drawing/2010/main" w="9525">
-                <a:solidFill>
-                  <a:srgbClr val="000000"/>
-                </a:solidFill>
-                <a:miter lim="800000"/>
-                <a:headEnd/>
-                <a:tailEnd/>
-              </a14:hiddenLine>
-            </a:ext>
           </a:extLst>
-        </p:spPr>
-      </p:pic>
-      <p:pic>
-        <p:nvPicPr>
-          <p:cNvPr id="2052" name="Content Placeholder 3"/>
-          <p:cNvPicPr>
-            <a:picLocks noChangeAspect="1"/>
-          </p:cNvPicPr>
-          <p:nvPr/>
-        </p:nvPicPr>
-        <p:blipFill>
-          <a:blip r:embed="rId5"/>
-          <a:stretch>
-            <a:fillRect/>
-          </a:stretch>
-        </p:blipFill>
-        <p:spPr>
-          <a:xfrm>
-            <a:off x="5334888" y="3432968"/>
-            <a:ext cx="5862477" cy="2682082"/>
-          </a:xfrm>
-          <a:prstGeom prst="rect">
-            <a:avLst/>
-          </a:prstGeom>
         </p:spPr>
       </p:pic>
       <p:sp>
@@ -4971,14 +4679,14 @@
           <a:p>
             <a:r>
               <a:rPr lang="en-US" sz="3600" dirty="0"/>
-              <a:t>Backend</a:t>
-            </a:r>
-          </a:p>
-        </p:txBody>
-      </p:sp>
-      <p:sp>
-        <p:nvSpPr>
-          <p:cNvPr id="2054" name="Content Placeholder 2053"/>
+              <a:t>Frontend</a:t>
+            </a:r>
+          </a:p>
+        </p:txBody>
+      </p:sp>
+      <p:sp>
+        <p:nvSpPr>
+          <p:cNvPr id="1030" name="Content Placeholder 1029"/>
           <p:cNvSpPr>
             <a:spLocks noGrp="1"/>
           </p:cNvSpPr>
@@ -5005,7 +4713,7 @@
     </p:spTree>
     <p:extLst>
       <p:ext uri="{BB962C8B-B14F-4D97-AF65-F5344CB8AC3E}">
-        <p14:creationId xmlns:p14="http://schemas.microsoft.com/office/powerpoint/2010/main" val="1065532281"/>
+        <p14:creationId xmlns:p14="http://schemas.microsoft.com/office/powerpoint/2010/main" val="2195760253"/>
       </p:ext>
     </p:extLst>
   </p:cSld>
@@ -5044,64 +4752,251 @@
           <a:chExt cx="0" cy="0"/>
         </a:xfrm>
       </p:grpSpPr>
-      <p:sp>
-        <p:nvSpPr>
-          <p:cNvPr id="2" name="Title 1"/>
-          <p:cNvSpPr>
-            <a:spLocks noGrp="1"/>
-          </p:cNvSpPr>
-          <p:nvPr>
-            <p:ph type="title"/>
-          </p:nvPr>
-        </p:nvSpPr>
-        <p:spPr>
-          <a:xfrm>
-            <a:off x="7919167" y="798169"/>
-            <a:ext cx="9520158" cy="1049235"/>
-          </a:xfrm>
-        </p:spPr>
-        <p:txBody>
-          <a:bodyPr/>
-          <a:lstStyle/>
-          <a:p>
-            <a:endParaRPr lang="en-US" dirty="0"/>
-          </a:p>
-        </p:txBody>
-      </p:sp>
-      <p:sp>
-        <p:nvSpPr>
-          <p:cNvPr id="3" name="Content Placeholder 2"/>
-          <p:cNvSpPr>
-            <a:spLocks noGrp="1"/>
-          </p:cNvSpPr>
-          <p:nvPr>
-            <p:ph idx="1"/>
-          </p:nvPr>
-        </p:nvSpPr>
-        <p:spPr>
-          <a:xfrm>
-            <a:off x="1908665" y="5574907"/>
-            <a:ext cx="9520158" cy="3450613"/>
-          </a:xfrm>
-        </p:spPr>
-        <p:txBody>
-          <a:bodyPr/>
-          <a:lstStyle/>
-          <a:p>
-            <a:endParaRPr lang="en-US" dirty="0"/>
+      <p:sp useBgFill="1">
+        <p:nvSpPr>
+          <p:cNvPr id="73" name="Rectangle 72"/>
+          <p:cNvSpPr>
+            <a:spLocks noGrp="1" noRot="1" noChangeAspect="1" noMove="1" noResize="1" noEditPoints="1" noAdjustHandles="1" noChangeArrowheads="1" noChangeShapeType="1" noTextEdit="1"/>
+          </p:cNvSpPr>
+          <p:nvPr>
+            <p:extLst>
+              <p:ext uri="{386F3935-93C4-4BCD-93E2-E3B085C9AB24}">
+                <p16:designElem xmlns:p16="http://schemas.microsoft.com/office/powerpoint/2015/main" val="1"/>
+              </p:ext>
+            </p:extLst>
+          </p:nvPr>
+        </p:nvSpPr>
+        <p:spPr>
+          <a:xfrm>
+            <a:off x="2" y="0"/>
+            <a:ext cx="12191695" cy="6858000"/>
+          </a:xfrm>
+          <a:prstGeom prst="rect">
+            <a:avLst/>
+          </a:prstGeom>
+          <a:ln>
+            <a:noFill/>
+          </a:ln>
+        </p:spPr>
+        <p:style>
+          <a:lnRef idx="2">
+            <a:schemeClr val="accent1">
+              <a:shade val="50000"/>
+            </a:schemeClr>
+          </a:lnRef>
+          <a:fillRef idx="1">
+            <a:schemeClr val="accent1"/>
+          </a:fillRef>
+          <a:effectRef idx="0">
+            <a:schemeClr val="accent1"/>
+          </a:effectRef>
+          <a:fontRef idx="minor">
+            <a:schemeClr val="lt1"/>
+          </a:fontRef>
+        </p:style>
+        <p:txBody>
+          <a:bodyPr rtlCol="0" anchor="ctr"/>
+          <a:lstStyle/>
+          <a:p>
+            <a:pPr algn="ctr"/>
+            <a:endParaRPr lang="en-US"/>
+          </a:p>
+        </p:txBody>
+      </p:sp>
+      <p:sp>
+        <p:nvSpPr>
+          <p:cNvPr id="74" name="Rectangle 73"/>
+          <p:cNvSpPr>
+            <a:spLocks noGrp="1" noRot="1" noChangeAspect="1" noMove="1" noResize="1" noEditPoints="1" noAdjustHandles="1" noChangeArrowheads="1" noChangeShapeType="1" noTextEdit="1"/>
+          </p:cNvSpPr>
+          <p:nvPr>
+            <p:extLst>
+              <p:ext uri="{386F3935-93C4-4BCD-93E2-E3B085C9AB24}">
+                <p16:designElem xmlns:p16="http://schemas.microsoft.com/office/powerpoint/2015/main" val="1"/>
+              </p:ext>
+            </p:extLst>
+          </p:nvPr>
+        </p:nvSpPr>
+        <p:spPr>
+          <a:xfrm>
+            <a:off x="0" y="2015732"/>
+            <a:ext cx="12192000" cy="4118829"/>
+          </a:xfrm>
+          <a:prstGeom prst="rect">
+            <a:avLst/>
+          </a:prstGeom>
+          <a:gradFill flip="none" rotWithShape="1">
+            <a:gsLst>
+              <a:gs pos="0">
+                <a:schemeClr val="bg2">
+                  <a:alpha val="0"/>
+                </a:schemeClr>
+              </a:gs>
+              <a:gs pos="100000">
+                <a:schemeClr val="bg2"/>
+              </a:gs>
+            </a:gsLst>
+            <a:lin ang="5400000" scaled="0"/>
+            <a:tileRect/>
+          </a:gradFill>
+          <a:ln>
+            <a:noFill/>
+          </a:ln>
+        </p:spPr>
+        <p:style>
+          <a:lnRef idx="2">
+            <a:schemeClr val="accent1">
+              <a:shade val="50000"/>
+            </a:schemeClr>
+          </a:lnRef>
+          <a:fillRef idx="1">
+            <a:schemeClr val="accent1"/>
+          </a:fillRef>
+          <a:effectRef idx="0">
+            <a:schemeClr val="accent1"/>
+          </a:effectRef>
+          <a:fontRef idx="minor">
+            <a:schemeClr val="lt1"/>
+          </a:fontRef>
+        </p:style>
+        <p:txBody>
+          <a:bodyPr rtlCol="0" anchor="ctr"/>
+          <a:lstStyle/>
+          <a:p>
+            <a:pPr lvl="0" algn="ctr"/>
+            <a:endParaRPr lang="en-US"/>
           </a:p>
         </p:txBody>
       </p:sp>
       <p:pic>
         <p:nvPicPr>
-          <p:cNvPr id="3074" name="Picture 2" descr="Activity%20Diagram%20-%20Student%201_zpsg1qu3dg4.png"/>
+          <p:cNvPr id="75" name="Picture 74"/>
+          <p:cNvPicPr>
+            <a:picLocks noGrp="1" noRot="1" noChangeAspect="1" noMove="1" noResize="1" noEditPoints="1" noAdjustHandles="1" noChangeArrowheads="1" noChangeShapeType="1" noCrop="1"/>
+          </p:cNvPicPr>
+          <p:nvPr>
+            <p:extLst>
+              <p:ext uri="{386F3935-93C4-4BCD-93E2-E3B085C9AB24}">
+                <p16:designElem xmlns:p16="http://schemas.microsoft.com/office/powerpoint/2015/main" val="1"/>
+              </p:ext>
+            </p:extLst>
+          </p:nvPr>
+        </p:nvPicPr>
+        <p:blipFill rotWithShape="1">
+          <a:blip r:embed="rId2"/>
+          <a:srcRect t="2769" b="-2769"/>
+          <a:stretch/>
+        </p:blipFill>
+        <p:spPr>
+          <a:xfrm>
+            <a:off x="0" y="6135624"/>
+            <a:ext cx="12192000" cy="742950"/>
+          </a:xfrm>
+          <a:prstGeom prst="rect">
+            <a:avLst/>
+          </a:prstGeom>
+        </p:spPr>
+      </p:pic>
+      <p:cxnSp>
+        <p:nvCxnSpPr>
+          <p:cNvPr id="76" name="Straight Connector 75"/>
+          <p:cNvCxnSpPr>
+            <a:cxnSpLocks noGrp="1" noRot="1" noChangeAspect="1" noMove="1" noResize="1" noEditPoints="1" noAdjustHandles="1" noChangeArrowheads="1" noChangeShapeType="1"/>
+          </p:cNvCxnSpPr>
+          <p:nvPr>
+            <p:extLst>
+              <p:ext uri="{386F3935-93C4-4BCD-93E2-E3B085C9AB24}">
+                <p16:designElem xmlns:p16="http://schemas.microsoft.com/office/powerpoint/2015/main" val="1"/>
+              </p:ext>
+            </p:extLst>
+          </p:nvPr>
+        </p:nvCxnSpPr>
+        <p:spPr>
+          <a:xfrm>
+            <a:off x="0" y="6141705"/>
+            <a:ext cx="12192000" cy="0"/>
+          </a:xfrm>
+          <a:prstGeom prst="line">
+            <a:avLst/>
+          </a:prstGeom>
+          <a:ln w="12700">
+            <a:solidFill>
+              <a:srgbClr val="000001">
+                <a:alpha val="20000"/>
+              </a:srgbClr>
+            </a:solidFill>
+          </a:ln>
+        </p:spPr>
+        <p:style>
+          <a:lnRef idx="1">
+            <a:schemeClr val="accent1"/>
+          </a:lnRef>
+          <a:fillRef idx="0">
+            <a:schemeClr val="accent1"/>
+          </a:fillRef>
+          <a:effectRef idx="0">
+            <a:schemeClr val="accent1"/>
+          </a:effectRef>
+          <a:fontRef idx="minor">
+            <a:schemeClr val="tx1"/>
+          </a:fontRef>
+        </p:style>
+      </p:cxnSp>
+      <p:cxnSp>
+        <p:nvCxnSpPr>
+          <p:cNvPr id="77" name="Straight Connector 76"/>
+          <p:cNvCxnSpPr>
+            <a:cxnSpLocks noGrp="1" noRot="1" noChangeAspect="1" noMove="1" noResize="1" noEditPoints="1" noAdjustHandles="1" noChangeArrowheads="1" noChangeShapeType="1"/>
+          </p:cNvCxnSpPr>
+          <p:nvPr>
+            <p:extLst>
+              <p:ext uri="{386F3935-93C4-4BCD-93E2-E3B085C9AB24}">
+                <p16:designElem xmlns:p16="http://schemas.microsoft.com/office/powerpoint/2015/main" val="1"/>
+              </p:ext>
+            </p:extLst>
+          </p:nvPr>
+        </p:nvCxnSpPr>
+        <p:spPr>
+          <a:xfrm>
+            <a:off x="1371687" y="798973"/>
+            <a:ext cx="0" cy="1067168"/>
+          </a:xfrm>
+          <a:prstGeom prst="line">
+            <a:avLst/>
+          </a:prstGeom>
+          <a:ln w="38100" cmpd="sng">
+            <a:solidFill>
+              <a:schemeClr val="accent1"/>
+            </a:solidFill>
+            <a:prstDash val="solid"/>
+            <a:tailEnd type="none"/>
+          </a:ln>
+        </p:spPr>
+        <p:style>
+          <a:lnRef idx="3">
+            <a:schemeClr val="accent1"/>
+          </a:lnRef>
+          <a:fillRef idx="0">
+            <a:schemeClr val="accent1"/>
+          </a:fillRef>
+          <a:effectRef idx="2">
+            <a:schemeClr val="accent1"/>
+          </a:effectRef>
+          <a:fontRef idx="minor">
+            <a:schemeClr val="tx1"/>
+          </a:fontRef>
+        </p:style>
+      </p:cxnSp>
+      <p:pic>
+        <p:nvPicPr>
+          <p:cNvPr id="2050" name="Picture 2" descr="backend%20login_zpsaqej9zo4.jpg"/>
           <p:cNvPicPr>
             <a:picLocks noChangeAspect="1" noChangeArrowheads="1"/>
           </p:cNvPicPr>
           <p:nvPr/>
         </p:nvPicPr>
-        <p:blipFill>
-          <a:blip r:embed="rId2">
+        <p:blipFill rotWithShape="1">
+          <a:blip r:embed="rId3" r:link="rId4">
             <a:extLst>
               <a:ext uri="{28A0092B-C50C-407E-A947-70E740481C1C}">
                 <a14:useLocalDpi xmlns:a14="http://schemas.microsoft.com/office/drawing/2010/main" val="0"/>
@@ -5115,16 +5010,13 @@
         </p:blipFill>
         <p:spPr bwMode="auto">
           <a:xfrm>
-            <a:off x="1109958" y="0"/>
-            <a:ext cx="4514309" cy="3347356"/>
+            <a:off x="5404131" y="276942"/>
+            <a:ext cx="5736084" cy="2997103"/>
           </a:xfrm>
           <a:prstGeom prst="rect">
             <a:avLst/>
           </a:prstGeom>
           <a:noFill/>
-          <a:ln>
-            <a:noFill/>
-          </a:ln>
           <a:extLst>
             <a:ext uri="{909E8E84-426E-40DD-AFC4-6F175D3DCCD1}">
               <a14:hiddenFill xmlns:a14="http://schemas.microsoft.com/office/drawing/2010/main">
@@ -5148,170 +5040,87 @@
       </p:pic>
       <p:pic>
         <p:nvPicPr>
-          <p:cNvPr id="3075" name="Picture 3" descr="Activity%20Diagram%20-%20Student%202_zps0mfeblge.png"/>
+          <p:cNvPr id="2052" name="Content Placeholder 3"/>
           <p:cNvPicPr>
-            <a:picLocks noChangeAspect="1" noChangeArrowheads="1"/>
+            <a:picLocks noChangeAspect="1"/>
           </p:cNvPicPr>
           <p:nvPr/>
         </p:nvPicPr>
         <p:blipFill>
-          <a:blip r:embed="rId3" r:link="rId4">
-            <a:extLst>
-              <a:ext uri="{28A0092B-C50C-407E-A947-70E740481C1C}">
-                <a14:useLocalDpi xmlns:a14="http://schemas.microsoft.com/office/drawing/2010/main" val="0"/>
-              </a:ext>
-            </a:extLst>
-          </a:blip>
-          <a:srcRect/>
+          <a:blip r:embed="rId5"/>
           <a:stretch>
             <a:fillRect/>
           </a:stretch>
         </p:blipFill>
-        <p:spPr bwMode="auto">
-          <a:xfrm>
-            <a:off x="1105194" y="3263218"/>
-            <a:ext cx="4514309" cy="3465440"/>
+        <p:spPr>
+          <a:xfrm>
+            <a:off x="5334888" y="3432968"/>
+            <a:ext cx="5862477" cy="2682082"/>
           </a:xfrm>
           <a:prstGeom prst="rect">
             <a:avLst/>
           </a:prstGeom>
-          <a:noFill/>
-          <a:ln>
-            <a:noFill/>
-          </a:ln>
-          <a:extLst>
-            <a:ext uri="{909E8E84-426E-40DD-AFC4-6F175D3DCCD1}">
-              <a14:hiddenFill xmlns:a14="http://schemas.microsoft.com/office/drawing/2010/main">
-                <a:solidFill>
-                  <a:srgbClr val="FFFFFF"/>
-                </a:solidFill>
-              </a14:hiddenFill>
-            </a:ext>
-            <a:ext uri="{91240B29-F687-4F45-9708-019B960494DF}">
-              <a14:hiddenLine xmlns:a14="http://schemas.microsoft.com/office/drawing/2010/main" w="9525">
-                <a:solidFill>
-                  <a:srgbClr val="000000"/>
-                </a:solidFill>
-                <a:miter lim="800000"/>
-                <a:headEnd/>
-                <a:tailEnd/>
-              </a14:hiddenLine>
-            </a:ext>
-          </a:extLst>
         </p:spPr>
       </p:pic>
-      <p:pic>
-        <p:nvPicPr>
-          <p:cNvPr id="3076" name="Picture 4" descr="Activity%20Diagram%20-%20Student%203_zpsx7aem2lh.png"/>
-          <p:cNvPicPr>
-            <a:picLocks noChangeAspect="1" noChangeArrowheads="1"/>
-          </p:cNvPicPr>
-          <p:nvPr/>
-        </p:nvPicPr>
-        <p:blipFill>
-          <a:blip r:embed="rId5" r:link="rId6">
-            <a:extLst>
-              <a:ext uri="{28A0092B-C50C-407E-A947-70E740481C1C}">
-                <a14:useLocalDpi xmlns:a14="http://schemas.microsoft.com/office/drawing/2010/main" val="0"/>
-              </a:ext>
-            </a:extLst>
-          </a:blip>
-          <a:srcRect/>
-          <a:stretch>
-            <a:fillRect/>
-          </a:stretch>
-        </p:blipFill>
-        <p:spPr bwMode="auto">
-          <a:xfrm>
-            <a:off x="6389234" y="1"/>
-            <a:ext cx="4329514" cy="3347356"/>
-          </a:xfrm>
-          <a:prstGeom prst="rect">
-            <a:avLst/>
-          </a:prstGeom>
-          <a:noFill/>
-          <a:ln>
-            <a:noFill/>
-          </a:ln>
-          <a:extLst>
-            <a:ext uri="{909E8E84-426E-40DD-AFC4-6F175D3DCCD1}">
-              <a14:hiddenFill xmlns:a14="http://schemas.microsoft.com/office/drawing/2010/main">
-                <a:solidFill>
-                  <a:srgbClr val="FFFFFF"/>
-                </a:solidFill>
-              </a14:hiddenFill>
-            </a:ext>
-            <a:ext uri="{91240B29-F687-4F45-9708-019B960494DF}">
-              <a14:hiddenLine xmlns:a14="http://schemas.microsoft.com/office/drawing/2010/main" w="9525">
-                <a:solidFill>
-                  <a:srgbClr val="000000"/>
-                </a:solidFill>
-                <a:miter lim="800000"/>
-                <a:headEnd/>
-                <a:tailEnd/>
-              </a14:hiddenLine>
-            </a:ext>
-          </a:extLst>
-        </p:spPr>
-      </p:pic>
-      <p:pic>
-        <p:nvPicPr>
-          <p:cNvPr id="3077" name="Picture 5" descr="Activity%20Diagram%20-%20Student%204_zpsnkoefnqs.png"/>
-          <p:cNvPicPr>
-            <a:picLocks noChangeAspect="1" noChangeArrowheads="1"/>
-          </p:cNvPicPr>
-          <p:nvPr/>
-        </p:nvPicPr>
-        <p:blipFill>
-          <a:blip r:embed="rId7" r:link="rId8">
-            <a:extLst>
-              <a:ext uri="{28A0092B-C50C-407E-A947-70E740481C1C}">
-                <a14:useLocalDpi xmlns:a14="http://schemas.microsoft.com/office/drawing/2010/main" val="0"/>
-              </a:ext>
-            </a:extLst>
-          </a:blip>
-          <a:srcRect/>
-          <a:stretch>
-            <a:fillRect/>
-          </a:stretch>
-        </p:blipFill>
-        <p:spPr bwMode="auto">
-          <a:xfrm>
-            <a:off x="6389234" y="3347356"/>
-            <a:ext cx="4329514" cy="3418942"/>
-          </a:xfrm>
-          <a:prstGeom prst="rect">
-            <a:avLst/>
-          </a:prstGeom>
-          <a:noFill/>
-          <a:ln>
-            <a:noFill/>
-          </a:ln>
-          <a:extLst>
-            <a:ext uri="{909E8E84-426E-40DD-AFC4-6F175D3DCCD1}">
-              <a14:hiddenFill xmlns:a14="http://schemas.microsoft.com/office/drawing/2010/main">
-                <a:solidFill>
-                  <a:srgbClr val="FFFFFF"/>
-                </a:solidFill>
-              </a14:hiddenFill>
-            </a:ext>
-            <a:ext uri="{91240B29-F687-4F45-9708-019B960494DF}">
-              <a14:hiddenLine xmlns:a14="http://schemas.microsoft.com/office/drawing/2010/main" w="9525">
-                <a:solidFill>
-                  <a:srgbClr val="000000"/>
-                </a:solidFill>
-                <a:miter lim="800000"/>
-                <a:headEnd/>
-                <a:tailEnd/>
-              </a14:hiddenLine>
-            </a:ext>
-          </a:extLst>
-        </p:spPr>
-      </p:pic>
+      <p:sp>
+        <p:nvSpPr>
+          <p:cNvPr id="2" name="Title 1"/>
+          <p:cNvSpPr>
+            <a:spLocks noGrp="1"/>
+          </p:cNvSpPr>
+          <p:nvPr>
+            <p:ph type="title"/>
+          </p:nvPr>
+        </p:nvSpPr>
+        <p:spPr>
+          <a:xfrm>
+            <a:off x="1534696" y="804520"/>
+            <a:ext cx="5467239" cy="1049235"/>
+          </a:xfrm>
+        </p:spPr>
+        <p:txBody>
+          <a:bodyPr>
+            <a:normAutofit/>
+          </a:bodyPr>
+          <a:lstStyle/>
+          <a:p>
+            <a:r>
+              <a:rPr lang="en-US" sz="3600" dirty="0"/>
+              <a:t>Backend</a:t>
+            </a:r>
+          </a:p>
+        </p:txBody>
+      </p:sp>
+      <p:sp>
+        <p:nvSpPr>
+          <p:cNvPr id="2054" name="Content Placeholder 2053"/>
+          <p:cNvSpPr>
+            <a:spLocks noGrp="1"/>
+          </p:cNvSpPr>
+          <p:nvPr>
+            <p:ph idx="1"/>
+          </p:nvPr>
+        </p:nvSpPr>
+        <p:spPr>
+          <a:xfrm>
+            <a:off x="1534696" y="2015732"/>
+            <a:ext cx="5467239" cy="3450613"/>
+          </a:xfrm>
+        </p:spPr>
+        <p:txBody>
+          <a:bodyPr>
+            <a:normAutofit/>
+          </a:bodyPr>
+          <a:lstStyle/>
+          <a:p>
+            <a:endParaRPr lang="en-US"/>
+          </a:p>
+        </p:txBody>
+      </p:sp>
     </p:spTree>
     <p:extLst>
       <p:ext uri="{BB962C8B-B14F-4D97-AF65-F5344CB8AC3E}">
-        <p14:creationId xmlns:p14="http://schemas.microsoft.com/office/powerpoint/2010/main" val="2956104907"/>
+        <p14:creationId xmlns:p14="http://schemas.microsoft.com/office/powerpoint/2010/main" val="1065532281"/>
       </p:ext>
     </p:extLst>
   </p:cSld>
@@ -5362,7 +5171,7 @@
         </p:nvSpPr>
         <p:spPr>
           <a:xfrm>
-            <a:off x="5368759" y="796581"/>
+            <a:off x="7919167" y="798169"/>
             <a:ext cx="9520158" cy="1049235"/>
           </a:xfrm>
         </p:spPr>
@@ -5384,7 +5193,12 @@
             <p:ph idx="1"/>
           </p:nvPr>
         </p:nvSpPr>
-        <p:spPr/>
+        <p:spPr>
+          <a:xfrm>
+            <a:off x="1908665" y="5574907"/>
+            <a:ext cx="9520158" cy="3450613"/>
+          </a:xfrm>
+        </p:spPr>
         <p:txBody>
           <a:bodyPr/>
           <a:lstStyle/>
@@ -5395,14 +5209,14 @@
       </p:sp>
       <p:pic>
         <p:nvPicPr>
-          <p:cNvPr id="4098" name="Picture 2" descr="Activity%20Diagram%20-%20Student%205_zpsbrveezpa.png"/>
+          <p:cNvPr id="3074" name="Picture 2" descr="Activity%20Diagram%20-%20Student%201_zpsg1qu3dg4.png"/>
           <p:cNvPicPr>
             <a:picLocks noChangeAspect="1" noChangeArrowheads="1"/>
           </p:cNvPicPr>
           <p:nvPr/>
         </p:nvPicPr>
         <p:blipFill>
-          <a:blip r:embed="rId2" r:link="rId3">
+          <a:blip r:embed="rId2">
             <a:extLst>
               <a:ext uri="{28A0092B-C50C-407E-A947-70E740481C1C}">
                 <a14:useLocalDpi xmlns:a14="http://schemas.microsoft.com/office/drawing/2010/main" val="0"/>
@@ -5416,8 +5230,8 @@
         </p:blipFill>
         <p:spPr bwMode="auto">
           <a:xfrm>
-            <a:off x="3838826" y="81783"/>
-            <a:ext cx="4839274" cy="3867898"/>
+            <a:off x="1109958" y="0"/>
+            <a:ext cx="4514309" cy="3347356"/>
           </a:xfrm>
           <a:prstGeom prst="rect">
             <a:avLst/>
@@ -5449,14 +5263,14 @@
       </p:pic>
       <p:pic>
         <p:nvPicPr>
-          <p:cNvPr id="4099" name="Picture 3" descr="Activity%20Diagram%20-%20Student%206_zpskuljkvcp.png"/>
+          <p:cNvPr id="3075" name="Picture 3" descr="Activity%20Diagram%20-%20Student%202_zps0mfeblge.png"/>
           <p:cNvPicPr>
             <a:picLocks noChangeAspect="1" noChangeArrowheads="1"/>
           </p:cNvPicPr>
           <p:nvPr/>
         </p:nvPicPr>
         <p:blipFill>
-          <a:blip r:embed="rId4" r:link="rId5">
+          <a:blip r:embed="rId3" r:link="rId4">
             <a:extLst>
               <a:ext uri="{28A0092B-C50C-407E-A947-70E740481C1C}">
                 <a14:useLocalDpi xmlns:a14="http://schemas.microsoft.com/office/drawing/2010/main" val="0"/>
@@ -5470,8 +5284,8 @@
         </p:blipFill>
         <p:spPr bwMode="auto">
           <a:xfrm>
-            <a:off x="3838826" y="3949681"/>
-            <a:ext cx="4845184" cy="2760666"/>
+            <a:off x="1105194" y="3263218"/>
+            <a:ext cx="4514309" cy="3465440"/>
           </a:xfrm>
           <a:prstGeom prst="rect">
             <a:avLst/>
@@ -5501,6 +5315,307 @@
           </a:extLst>
         </p:spPr>
       </p:pic>
+      <p:pic>
+        <p:nvPicPr>
+          <p:cNvPr id="3076" name="Picture 4" descr="Activity%20Diagram%20-%20Student%203_zpsx7aem2lh.png"/>
+          <p:cNvPicPr>
+            <a:picLocks noChangeAspect="1" noChangeArrowheads="1"/>
+          </p:cNvPicPr>
+          <p:nvPr/>
+        </p:nvPicPr>
+        <p:blipFill>
+          <a:blip r:embed="rId5" r:link="rId6">
+            <a:extLst>
+              <a:ext uri="{28A0092B-C50C-407E-A947-70E740481C1C}">
+                <a14:useLocalDpi xmlns:a14="http://schemas.microsoft.com/office/drawing/2010/main" val="0"/>
+              </a:ext>
+            </a:extLst>
+          </a:blip>
+          <a:srcRect/>
+          <a:stretch>
+            <a:fillRect/>
+          </a:stretch>
+        </p:blipFill>
+        <p:spPr bwMode="auto">
+          <a:xfrm>
+            <a:off x="6389234" y="1"/>
+            <a:ext cx="4329514" cy="3347356"/>
+          </a:xfrm>
+          <a:prstGeom prst="rect">
+            <a:avLst/>
+          </a:prstGeom>
+          <a:noFill/>
+          <a:ln>
+            <a:noFill/>
+          </a:ln>
+          <a:extLst>
+            <a:ext uri="{909E8E84-426E-40DD-AFC4-6F175D3DCCD1}">
+              <a14:hiddenFill xmlns:a14="http://schemas.microsoft.com/office/drawing/2010/main">
+                <a:solidFill>
+                  <a:srgbClr val="FFFFFF"/>
+                </a:solidFill>
+              </a14:hiddenFill>
+            </a:ext>
+            <a:ext uri="{91240B29-F687-4F45-9708-019B960494DF}">
+              <a14:hiddenLine xmlns:a14="http://schemas.microsoft.com/office/drawing/2010/main" w="9525">
+                <a:solidFill>
+                  <a:srgbClr val="000000"/>
+                </a:solidFill>
+                <a:miter lim="800000"/>
+                <a:headEnd/>
+                <a:tailEnd/>
+              </a14:hiddenLine>
+            </a:ext>
+          </a:extLst>
+        </p:spPr>
+      </p:pic>
+      <p:pic>
+        <p:nvPicPr>
+          <p:cNvPr id="3077" name="Picture 5" descr="Activity%20Diagram%20-%20Student%204_zpsnkoefnqs.png"/>
+          <p:cNvPicPr>
+            <a:picLocks noChangeAspect="1" noChangeArrowheads="1"/>
+          </p:cNvPicPr>
+          <p:nvPr/>
+        </p:nvPicPr>
+        <p:blipFill>
+          <a:blip r:embed="rId7" r:link="rId8">
+            <a:extLst>
+              <a:ext uri="{28A0092B-C50C-407E-A947-70E740481C1C}">
+                <a14:useLocalDpi xmlns:a14="http://schemas.microsoft.com/office/drawing/2010/main" val="0"/>
+              </a:ext>
+            </a:extLst>
+          </a:blip>
+          <a:srcRect/>
+          <a:stretch>
+            <a:fillRect/>
+          </a:stretch>
+        </p:blipFill>
+        <p:spPr bwMode="auto">
+          <a:xfrm>
+            <a:off x="6389234" y="3347356"/>
+            <a:ext cx="4329514" cy="3418942"/>
+          </a:xfrm>
+          <a:prstGeom prst="rect">
+            <a:avLst/>
+          </a:prstGeom>
+          <a:noFill/>
+          <a:ln>
+            <a:noFill/>
+          </a:ln>
+          <a:extLst>
+            <a:ext uri="{909E8E84-426E-40DD-AFC4-6F175D3DCCD1}">
+              <a14:hiddenFill xmlns:a14="http://schemas.microsoft.com/office/drawing/2010/main">
+                <a:solidFill>
+                  <a:srgbClr val="FFFFFF"/>
+                </a:solidFill>
+              </a14:hiddenFill>
+            </a:ext>
+            <a:ext uri="{91240B29-F687-4F45-9708-019B960494DF}">
+              <a14:hiddenLine xmlns:a14="http://schemas.microsoft.com/office/drawing/2010/main" w="9525">
+                <a:solidFill>
+                  <a:srgbClr val="000000"/>
+                </a:solidFill>
+                <a:miter lim="800000"/>
+                <a:headEnd/>
+                <a:tailEnd/>
+              </a14:hiddenLine>
+            </a:ext>
+          </a:extLst>
+        </p:spPr>
+      </p:pic>
+    </p:spTree>
+    <p:extLst>
+      <p:ext uri="{BB962C8B-B14F-4D97-AF65-F5344CB8AC3E}">
+        <p14:creationId xmlns:p14="http://schemas.microsoft.com/office/powerpoint/2010/main" val="2956104907"/>
+      </p:ext>
+    </p:extLst>
+  </p:cSld>
+  <p:clrMapOvr>
+    <a:masterClrMapping/>
+  </p:clrMapOvr>
+  <mc:AlternateContent xmlns:mc="http://schemas.openxmlformats.org/markup-compatibility/2006" xmlns:p15="http://schemas.microsoft.com/office/powerpoint/2012/main">
+    <mc:Choice Requires="p15">
+      <p:transition xmlns:p14="http://schemas.microsoft.com/office/powerpoint/2010/main" spd="slow" p14:dur="2000">
+        <p15:prstTrans prst="drape"/>
+      </p:transition>
+    </mc:Choice>
+    <mc:Fallback xmlns="">
+      <p:transition spd="slow">
+        <p:fade/>
+      </p:transition>
+    </mc:Fallback>
+  </mc:AlternateContent>
+</p:sld>
+</file>
+
+<file path=ppt/slides/slide18.xml><?xml version="1.0" encoding="utf-8"?>
+<p:sld xmlns:a="http://schemas.openxmlformats.org/drawingml/2006/main" xmlns:r="http://schemas.openxmlformats.org/officeDocument/2006/relationships" xmlns:p="http://schemas.openxmlformats.org/presentationml/2006/main">
+  <p:cSld>
+    <p:spTree>
+      <p:nvGrpSpPr>
+        <p:cNvPr id="1" name=""/>
+        <p:cNvGrpSpPr/>
+        <p:nvPr/>
+      </p:nvGrpSpPr>
+      <p:grpSpPr>
+        <a:xfrm>
+          <a:off x="0" y="0"/>
+          <a:ext cx="0" cy="0"/>
+          <a:chOff x="0" y="0"/>
+          <a:chExt cx="0" cy="0"/>
+        </a:xfrm>
+      </p:grpSpPr>
+      <p:sp>
+        <p:nvSpPr>
+          <p:cNvPr id="2" name="Title 1"/>
+          <p:cNvSpPr>
+            <a:spLocks noGrp="1"/>
+          </p:cNvSpPr>
+          <p:nvPr>
+            <p:ph type="title"/>
+          </p:nvPr>
+        </p:nvSpPr>
+        <p:spPr>
+          <a:xfrm>
+            <a:off x="5368759" y="796581"/>
+            <a:ext cx="9520158" cy="1049235"/>
+          </a:xfrm>
+        </p:spPr>
+        <p:txBody>
+          <a:bodyPr/>
+          <a:lstStyle/>
+          <a:p>
+            <a:endParaRPr lang="en-US" dirty="0"/>
+          </a:p>
+        </p:txBody>
+      </p:sp>
+      <p:sp>
+        <p:nvSpPr>
+          <p:cNvPr id="3" name="Content Placeholder 2"/>
+          <p:cNvSpPr>
+            <a:spLocks noGrp="1"/>
+          </p:cNvSpPr>
+          <p:nvPr>
+            <p:ph idx="1"/>
+          </p:nvPr>
+        </p:nvSpPr>
+        <p:spPr/>
+        <p:txBody>
+          <a:bodyPr/>
+          <a:lstStyle/>
+          <a:p>
+            <a:endParaRPr lang="en-US" dirty="0"/>
+          </a:p>
+        </p:txBody>
+      </p:sp>
+      <p:pic>
+        <p:nvPicPr>
+          <p:cNvPr id="4098" name="Picture 2" descr="Activity%20Diagram%20-%20Student%205_zpsbrveezpa.png"/>
+          <p:cNvPicPr>
+            <a:picLocks noChangeAspect="1" noChangeArrowheads="1"/>
+          </p:cNvPicPr>
+          <p:nvPr/>
+        </p:nvPicPr>
+        <p:blipFill>
+          <a:blip r:embed="rId2" r:link="rId3">
+            <a:extLst>
+              <a:ext uri="{28A0092B-C50C-407E-A947-70E740481C1C}">
+                <a14:useLocalDpi xmlns:a14="http://schemas.microsoft.com/office/drawing/2010/main" val="0"/>
+              </a:ext>
+            </a:extLst>
+          </a:blip>
+          <a:srcRect/>
+          <a:stretch>
+            <a:fillRect/>
+          </a:stretch>
+        </p:blipFill>
+        <p:spPr bwMode="auto">
+          <a:xfrm>
+            <a:off x="3838826" y="81783"/>
+            <a:ext cx="4839274" cy="3867898"/>
+          </a:xfrm>
+          <a:prstGeom prst="rect">
+            <a:avLst/>
+          </a:prstGeom>
+          <a:noFill/>
+          <a:ln>
+            <a:noFill/>
+          </a:ln>
+          <a:extLst>
+            <a:ext uri="{909E8E84-426E-40DD-AFC4-6F175D3DCCD1}">
+              <a14:hiddenFill xmlns:a14="http://schemas.microsoft.com/office/drawing/2010/main">
+                <a:solidFill>
+                  <a:srgbClr val="FFFFFF"/>
+                </a:solidFill>
+              </a14:hiddenFill>
+            </a:ext>
+            <a:ext uri="{91240B29-F687-4F45-9708-019B960494DF}">
+              <a14:hiddenLine xmlns:a14="http://schemas.microsoft.com/office/drawing/2010/main" w="9525">
+                <a:solidFill>
+                  <a:srgbClr val="000000"/>
+                </a:solidFill>
+                <a:miter lim="800000"/>
+                <a:headEnd/>
+                <a:tailEnd/>
+              </a14:hiddenLine>
+            </a:ext>
+          </a:extLst>
+        </p:spPr>
+      </p:pic>
+      <p:pic>
+        <p:nvPicPr>
+          <p:cNvPr id="4099" name="Picture 3" descr="Activity%20Diagram%20-%20Student%206_zpskuljkvcp.png"/>
+          <p:cNvPicPr>
+            <a:picLocks noChangeAspect="1" noChangeArrowheads="1"/>
+          </p:cNvPicPr>
+          <p:nvPr/>
+        </p:nvPicPr>
+        <p:blipFill>
+          <a:blip r:embed="rId4" r:link="rId5">
+            <a:extLst>
+              <a:ext uri="{28A0092B-C50C-407E-A947-70E740481C1C}">
+                <a14:useLocalDpi xmlns:a14="http://schemas.microsoft.com/office/drawing/2010/main" val="0"/>
+              </a:ext>
+            </a:extLst>
+          </a:blip>
+          <a:srcRect/>
+          <a:stretch>
+            <a:fillRect/>
+          </a:stretch>
+        </p:blipFill>
+        <p:spPr bwMode="auto">
+          <a:xfrm>
+            <a:off x="3838826" y="3949681"/>
+            <a:ext cx="4845184" cy="2760666"/>
+          </a:xfrm>
+          <a:prstGeom prst="rect">
+            <a:avLst/>
+          </a:prstGeom>
+          <a:noFill/>
+          <a:ln>
+            <a:noFill/>
+          </a:ln>
+          <a:extLst>
+            <a:ext uri="{909E8E84-426E-40DD-AFC4-6F175D3DCCD1}">
+              <a14:hiddenFill xmlns:a14="http://schemas.microsoft.com/office/drawing/2010/main">
+                <a:solidFill>
+                  <a:srgbClr val="FFFFFF"/>
+                </a:solidFill>
+              </a14:hiddenFill>
+            </a:ext>
+            <a:ext uri="{91240B29-F687-4F45-9708-019B960494DF}">
+              <a14:hiddenLine xmlns:a14="http://schemas.microsoft.com/office/drawing/2010/main" w="9525">
+                <a:solidFill>
+                  <a:srgbClr val="000000"/>
+                </a:solidFill>
+                <a:miter lim="800000"/>
+                <a:headEnd/>
+                <a:tailEnd/>
+              </a14:hiddenLine>
+            </a:ext>
+          </a:extLst>
+        </p:spPr>
+      </p:pic>
     </p:spTree>
     <p:extLst>
       <p:ext uri="{BB962C8B-B14F-4D97-AF65-F5344CB8AC3E}">
@@ -5526,7 +5641,7 @@
 </p:sld>
 </file>
 
-<file path=ppt/slides/slide18.xml><?xml version="1.0" encoding="utf-8"?>
+<file path=ppt/slides/slide19.xml><?xml version="1.0" encoding="utf-8"?>
 <p:sld xmlns:a="http://schemas.openxmlformats.org/drawingml/2006/main" xmlns:r="http://schemas.openxmlformats.org/officeDocument/2006/relationships" xmlns:p="http://schemas.openxmlformats.org/presentationml/2006/main">
   <p:cSld>
     <p:spTree>
@@ -5855,31 +5970,7 @@
           <a:p>
             <a:r>
               <a:rPr lang="en-US" sz="2400" dirty="0"/>
-              <a:t>Tutorial and Review Facility</a:t>
-            </a:r>
-          </a:p>
-          <a:p>
-            <a:r>
-              <a:rPr lang="en-US" sz="2400" dirty="0"/>
-              <a:t>Solomon’s Ark Computer &amp; Tutorial Services Center</a:t>
-            </a:r>
-          </a:p>
-          <a:p>
-            <a:r>
-              <a:rPr lang="en-US" sz="2400" dirty="0"/>
-              <a:t>High quality and affordable tutorial </a:t>
-            </a:r>
-          </a:p>
-          <a:p>
-            <a:r>
-              <a:rPr lang="en-US" sz="2400" dirty="0"/>
-              <a:t>Mission: To enhance the intellectual development of students</a:t>
-            </a:r>
-          </a:p>
-          <a:p>
-            <a:r>
-              <a:rPr lang="en-US" sz="2400" dirty="0"/>
-              <a:t>Vision: To become a center of educational excellence </a:t>
+              <a:t>Named Solomon’s Ark Computer &amp; Tutorial Services Center</a:t>
             </a:r>
           </a:p>
         </p:txBody>
@@ -5936,7 +6027,12 @@
             <p:ph type="title"/>
           </p:nvPr>
         </p:nvSpPr>
-        <p:spPr/>
+        <p:spPr>
+          <a:xfrm>
+            <a:off x="1534695" y="403466"/>
+            <a:ext cx="9520158" cy="1216787"/>
+          </a:xfrm>
+        </p:spPr>
         <p:txBody>
           <a:bodyPr>
             <a:normAutofit/>
@@ -5945,7 +6041,7 @@
           <a:p>
             <a:r>
               <a:rPr lang="en-US" sz="3600" dirty="0"/>
-              <a:t>Current System</a:t>
+              <a:t>Loyola Student Center (LSC)</a:t>
             </a:r>
           </a:p>
         </p:txBody>
@@ -5962,31 +6058,37 @@
         </p:nvSpPr>
         <p:spPr>
           <a:xfrm>
-            <a:off x="1534696" y="2416785"/>
-            <a:ext cx="9520158" cy="3450613"/>
+            <a:off x="1534695" y="1855311"/>
+            <a:ext cx="9967493" cy="4593615"/>
           </a:xfrm>
         </p:spPr>
         <p:txBody>
           <a:bodyPr>
-            <a:normAutofit/>
+            <a:noAutofit/>
           </a:bodyPr>
           <a:lstStyle/>
           <a:p>
             <a:r>
-              <a:rPr lang="en-US" sz="2800" dirty="0"/>
-              <a:t>Schedule was given manually</a:t>
-            </a:r>
-          </a:p>
-          <a:p>
-            <a:r>
-              <a:rPr lang="en-US" sz="2800" dirty="0"/>
-              <a:t>Cannot easily access summary of grades </a:t>
-            </a:r>
-          </a:p>
-          <a:p>
-            <a:r>
-              <a:rPr lang="en-US" sz="2800" dirty="0"/>
-              <a:t>Paper-based assignments and quizzes</a:t>
+              <a:rPr lang="en-US" sz="2400" dirty="0"/>
+              <a:t>Tutorial and Review Facility</a:t>
+            </a:r>
+          </a:p>
+          <a:p>
+            <a:r>
+              <a:rPr lang="en-US" sz="2400" dirty="0"/>
+              <a:t>High quality and affordable tutorial </a:t>
+            </a:r>
+          </a:p>
+          <a:p>
+            <a:r>
+              <a:rPr lang="en-US" sz="2400" dirty="0"/>
+              <a:t>Mission: To enhance the intellectual development of students</a:t>
+            </a:r>
+          </a:p>
+          <a:p>
+            <a:r>
+              <a:rPr lang="en-US" sz="2400" dirty="0"/>
+              <a:t>Vision: To become a center of educational excellence </a:t>
             </a:r>
           </a:p>
         </p:txBody>
@@ -5994,7 +6096,7 @@
     </p:spTree>
     <p:extLst>
       <p:ext uri="{BB962C8B-B14F-4D97-AF65-F5344CB8AC3E}">
-        <p14:creationId xmlns:p14="http://schemas.microsoft.com/office/powerpoint/2010/main" val="217951498"/>
+        <p14:creationId xmlns:p14="http://schemas.microsoft.com/office/powerpoint/2010/main" val="4107520023"/>
       </p:ext>
     </p:extLst>
   </p:cSld>
@@ -6043,12 +6145,7 @@
             <p:ph type="title"/>
           </p:nvPr>
         </p:nvSpPr>
-        <p:spPr>
-          <a:xfrm>
-            <a:off x="1534694" y="465222"/>
-            <a:ext cx="9935409" cy="1299410"/>
-          </a:xfrm>
-        </p:spPr>
+        <p:spPr/>
         <p:txBody>
           <a:bodyPr>
             <a:normAutofit/>
@@ -6057,7 +6154,7 @@
           <a:p>
             <a:r>
               <a:rPr lang="en-US" sz="3600" dirty="0"/>
-              <a:t>LSC Learning Management System</a:t>
+              <a:t>Current System</a:t>
             </a:r>
           </a:p>
         </p:txBody>
@@ -6074,8 +6171,8 @@
         </p:nvSpPr>
         <p:spPr>
           <a:xfrm>
-            <a:off x="1534695" y="2015732"/>
-            <a:ext cx="9935409" cy="4401110"/>
+            <a:off x="1534696" y="2416785"/>
+            <a:ext cx="9520158" cy="3450613"/>
           </a:xfrm>
         </p:spPr>
         <p:txBody>
@@ -6084,65 +6181,29 @@
           </a:bodyPr>
           <a:lstStyle/>
           <a:p>
-            <a:pPr marL="0" indent="0">
-              <a:buNone/>
-            </a:pPr>
-            <a:r>
-              <a:rPr lang="en-US" sz="2400" dirty="0"/>
-              <a:t>Frontend:				</a:t>
-            </a:r>
-          </a:p>
-          <a:p>
-            <a:r>
-              <a:rPr lang="en-US" sz="2400" dirty="0"/>
-              <a:t>Track student’s performance			</a:t>
-            </a:r>
-          </a:p>
-          <a:p>
-            <a:r>
-              <a:rPr lang="en-US" sz="2400" dirty="0"/>
-              <a:t>Analyze performance</a:t>
-            </a:r>
-          </a:p>
-          <a:p>
-            <a:r>
-              <a:rPr lang="en-US" sz="2400" dirty="0"/>
-              <a:t>Notify student if there are task</a:t>
-            </a:r>
-          </a:p>
-          <a:p>
-            <a:pPr marL="0" indent="0">
-              <a:buNone/>
-            </a:pPr>
-            <a:r>
-              <a:rPr lang="en-US" sz="2400" dirty="0"/>
-              <a:t>Backend:</a:t>
-            </a:r>
-          </a:p>
-          <a:p>
-            <a:r>
-              <a:rPr lang="en-US" sz="2400" dirty="0"/>
-              <a:t>Manage courses, tasks and attendance</a:t>
-            </a:r>
-          </a:p>
-          <a:p>
-            <a:r>
-              <a:rPr lang="en-US" sz="2400" dirty="0"/>
-              <a:t>Create, delete and update courses and task</a:t>
-            </a:r>
-          </a:p>
-          <a:p>
-            <a:endParaRPr lang="en-US" dirty="0"/>
-          </a:p>
-          <a:p>
-            <a:endParaRPr lang="en-US" dirty="0"/>
+            <a:r>
+              <a:rPr lang="en-US" sz="2800" dirty="0"/>
+              <a:t>Schedule was given manually</a:t>
+            </a:r>
+          </a:p>
+          <a:p>
+            <a:r>
+              <a:rPr lang="en-US" sz="2800" dirty="0"/>
+              <a:t>Grades cannot access easily </a:t>
+            </a:r>
+          </a:p>
+          <a:p>
+            <a:r>
+              <a:rPr lang="en-US" sz="2800" dirty="0"/>
+              <a:t>Assignments and quizzes are paper-based</a:t>
+            </a:r>
           </a:p>
         </p:txBody>
       </p:sp>
     </p:spTree>
     <p:extLst>
       <p:ext uri="{BB962C8B-B14F-4D97-AF65-F5344CB8AC3E}">
-        <p14:creationId xmlns:p14="http://schemas.microsoft.com/office/powerpoint/2010/main" val="822732753"/>
+        <p14:creationId xmlns:p14="http://schemas.microsoft.com/office/powerpoint/2010/main" val="217951498"/>
       </p:ext>
     </p:extLst>
   </p:cSld>
@@ -6193,8 +6254,8 @@
         </p:nvSpPr>
         <p:spPr>
           <a:xfrm>
-            <a:off x="1534695" y="467634"/>
-            <a:ext cx="9520158" cy="1321951"/>
+            <a:off x="1534694" y="465222"/>
+            <a:ext cx="9935409" cy="1299410"/>
           </a:xfrm>
         </p:spPr>
         <p:txBody>
@@ -6205,7 +6266,7 @@
           <a:p>
             <a:r>
               <a:rPr lang="en-US" sz="3600" dirty="0"/>
-              <a:t>Objective</a:t>
+              <a:t>LSC Learning Management System</a:t>
             </a:r>
           </a:p>
         </p:txBody>
@@ -6222,13 +6283,13 @@
         </p:nvSpPr>
         <p:spPr>
           <a:xfrm>
-            <a:off x="431385" y="1982091"/>
-            <a:ext cx="11726779" cy="4577574"/>
-          </a:xfrm>
-        </p:spPr>
-        <p:txBody>
-          <a:bodyPr numCol="2">
-            <a:normAutofit fontScale="92500" lnSpcReduction="10000"/>
+            <a:off x="1534695" y="2015732"/>
+            <a:ext cx="9935409" cy="4401110"/>
+          </a:xfrm>
+        </p:spPr>
+        <p:txBody>
+          <a:bodyPr>
+            <a:normAutofit/>
           </a:bodyPr>
           <a:lstStyle/>
           <a:p>
@@ -6237,38 +6298,26 @@
             </a:pPr>
             <a:r>
               <a:rPr lang="en-US" sz="2400" dirty="0"/>
-              <a:t>General Objectives:</a:t>
+              <a:t>Frontend:				</a:t>
             </a:r>
           </a:p>
           <a:p>
             <a:r>
               <a:rPr lang="en-US" sz="2400" dirty="0"/>
-              <a:t>To provide efficient way of learning </a:t>
+              <a:t>Track student’s performance			</a:t>
             </a:r>
           </a:p>
           <a:p>
             <a:r>
               <a:rPr lang="en-US" sz="2400" dirty="0"/>
-              <a:t>To provide faster tracking of student’s performance</a:t>
+              <a:t>Analyze performance</a:t>
             </a:r>
           </a:p>
           <a:p>
             <a:r>
               <a:rPr lang="en-US" sz="2400" dirty="0"/>
-              <a:t>To provide easier administration </a:t>
-            </a:r>
-          </a:p>
-          <a:p>
-            <a:endParaRPr lang="en-US" sz="2400" dirty="0"/>
-          </a:p>
-          <a:p>
-            <a:endParaRPr lang="en-US" sz="2400" dirty="0"/>
-          </a:p>
-          <a:p>
-            <a:endParaRPr lang="en-US" sz="2400" dirty="0"/>
-          </a:p>
-          <a:p>
-            <a:endParaRPr lang="en-US" sz="2400" dirty="0"/>
+              <a:t>Notify student if there are tasks</a:t>
+            </a:r>
           </a:p>
           <a:p>
             <a:pPr marL="0" indent="0">
@@ -6276,31 +6325,19 @@
             </a:pPr>
             <a:r>
               <a:rPr lang="en-US" sz="2400" dirty="0"/>
-              <a:t>Specific Objectives</a:t>
+              <a:t>Backend:</a:t>
             </a:r>
           </a:p>
           <a:p>
             <a:r>
               <a:rPr lang="en-US" sz="2400" dirty="0"/>
-              <a:t>To provide system and database</a:t>
+              <a:t>Manage courses, tasks and attendance</a:t>
             </a:r>
           </a:p>
           <a:p>
             <a:r>
               <a:rPr lang="en-US" sz="2400" dirty="0"/>
-              <a:t>To provide faster administration of records</a:t>
-            </a:r>
-          </a:p>
-          <a:p>
-            <a:r>
-              <a:rPr lang="en-US" sz="2400" dirty="0"/>
-              <a:t>To announce updates faster</a:t>
-            </a:r>
-          </a:p>
-          <a:p>
-            <a:r>
-              <a:rPr lang="en-US" sz="2400" dirty="0"/>
-              <a:t>To provide easier access on student’s progress</a:t>
+              <a:t>Create, delete and update courses and tasks</a:t>
             </a:r>
           </a:p>
           <a:p>
@@ -6314,7 +6351,7 @@
     </p:spTree>
     <p:extLst>
       <p:ext uri="{BB962C8B-B14F-4D97-AF65-F5344CB8AC3E}">
-        <p14:creationId xmlns:p14="http://schemas.microsoft.com/office/powerpoint/2010/main" val="3566327374"/>
+        <p14:creationId xmlns:p14="http://schemas.microsoft.com/office/powerpoint/2010/main" val="822732753"/>
       </p:ext>
     </p:extLst>
   </p:cSld>
@@ -6363,29 +6400,12 @@
             <p:ph type="title"/>
           </p:nvPr>
         </p:nvSpPr>
-        <p:spPr/>
-        <p:txBody>
-          <a:bodyPr/>
-          <a:lstStyle/>
-          <a:p>
-            <a:r>
-              <a:rPr lang="en-US" dirty="0"/>
-              <a:t>Benefit</a:t>
-            </a:r>
-          </a:p>
-        </p:txBody>
-      </p:sp>
-      <p:sp>
-        <p:nvSpPr>
-          <p:cNvPr id="3" name="Content Placeholder 2"/>
-          <p:cNvSpPr>
-            <a:spLocks noGrp="1"/>
-          </p:cNvSpPr>
-          <p:nvPr>
-            <p:ph idx="1"/>
-          </p:nvPr>
-        </p:nvSpPr>
-        <p:spPr/>
+        <p:spPr>
+          <a:xfrm>
+            <a:off x="1534695" y="467634"/>
+            <a:ext cx="9520158" cy="1321951"/>
+          </a:xfrm>
+        </p:spPr>
         <p:txBody>
           <a:bodyPr>
             <a:normAutofit/>
@@ -6393,59 +6413,109 @@
           <a:lstStyle/>
           <a:p>
             <a:r>
-              <a:rPr lang="en-US" dirty="0"/>
-              <a:t>To student: </a:t>
-            </a:r>
-          </a:p>
-          <a:p>
-            <a:pPr lvl="1"/>
-            <a:r>
-              <a:rPr lang="en-US" dirty="0"/>
-              <a:t>Usable anywhere</a:t>
-            </a:r>
-          </a:p>
-          <a:p>
-            <a:pPr lvl="1"/>
-            <a:r>
-              <a:rPr lang="en-US" dirty="0"/>
-              <a:t>Manage performance easier</a:t>
-            </a:r>
-          </a:p>
-          <a:p>
-            <a:r>
-              <a:rPr lang="en-US" dirty="0"/>
-              <a:t>To parents:</a:t>
-            </a:r>
-          </a:p>
-          <a:p>
-            <a:pPr lvl="1"/>
-            <a:r>
-              <a:rPr lang="en-US" dirty="0"/>
-              <a:t>Update about the student’s performance</a:t>
-            </a:r>
-          </a:p>
-          <a:p>
-            <a:r>
-              <a:rPr lang="en-US" dirty="0"/>
-              <a:t>To administrator:</a:t>
-            </a:r>
-          </a:p>
-          <a:p>
-            <a:pPr lvl="1"/>
-            <a:r>
-              <a:rPr lang="en-US" dirty="0"/>
-              <a:t>Give tasks right away</a:t>
-            </a:r>
-          </a:p>
-          <a:p>
-            <a:pPr lvl="1"/>
-            <a:r>
-              <a:rPr lang="en-US" dirty="0"/>
-              <a:t>Manage grades and attendance</a:t>
-            </a:r>
-          </a:p>
-          <a:p>
-            <a:pPr lvl="1"/>
+              <a:rPr lang="en-US" sz="3600" dirty="0"/>
+              <a:t>Objective</a:t>
+            </a:r>
+          </a:p>
+        </p:txBody>
+      </p:sp>
+      <p:sp>
+        <p:nvSpPr>
+          <p:cNvPr id="3" name="Content Placeholder 2"/>
+          <p:cNvSpPr>
+            <a:spLocks noGrp="1"/>
+          </p:cNvSpPr>
+          <p:nvPr>
+            <p:ph idx="1"/>
+          </p:nvPr>
+        </p:nvSpPr>
+        <p:spPr>
+          <a:xfrm>
+            <a:off x="431385" y="1982091"/>
+            <a:ext cx="11726779" cy="4577574"/>
+          </a:xfrm>
+        </p:spPr>
+        <p:txBody>
+          <a:bodyPr numCol="2">
+            <a:normAutofit fontScale="92500" lnSpcReduction="10000"/>
+          </a:bodyPr>
+          <a:lstStyle/>
+          <a:p>
+            <a:pPr marL="0" indent="0">
+              <a:buNone/>
+            </a:pPr>
+            <a:r>
+              <a:rPr lang="en-US" sz="2400" dirty="0"/>
+              <a:t>General Objectives:</a:t>
+            </a:r>
+          </a:p>
+          <a:p>
+            <a:r>
+              <a:rPr lang="en-US" sz="2400" dirty="0"/>
+              <a:t>To provide efficient way of learning </a:t>
+            </a:r>
+          </a:p>
+          <a:p>
+            <a:r>
+              <a:rPr lang="en-US" sz="2400" dirty="0"/>
+              <a:t>To provide faster tracking of student’s performance</a:t>
+            </a:r>
+          </a:p>
+          <a:p>
+            <a:r>
+              <a:rPr lang="en-US" sz="2400" dirty="0"/>
+              <a:t>To provide easier administration </a:t>
+            </a:r>
+          </a:p>
+          <a:p>
+            <a:endParaRPr lang="en-US" sz="2400" dirty="0"/>
+          </a:p>
+          <a:p>
+            <a:endParaRPr lang="en-US" sz="2400" dirty="0"/>
+          </a:p>
+          <a:p>
+            <a:endParaRPr lang="en-US" sz="2400" dirty="0"/>
+          </a:p>
+          <a:p>
+            <a:endParaRPr lang="en-US" sz="2400" dirty="0"/>
+          </a:p>
+          <a:p>
+            <a:pPr marL="0" indent="0">
+              <a:buNone/>
+            </a:pPr>
+            <a:r>
+              <a:rPr lang="en-US" sz="2400" dirty="0"/>
+              <a:t>Specific Objectives</a:t>
+            </a:r>
+          </a:p>
+          <a:p>
+            <a:r>
+              <a:rPr lang="en-US" sz="2400" dirty="0"/>
+              <a:t>To provide system and database</a:t>
+            </a:r>
+          </a:p>
+          <a:p>
+            <a:r>
+              <a:rPr lang="en-US" sz="2400" dirty="0"/>
+              <a:t>To provide faster administration of records of students</a:t>
+            </a:r>
+          </a:p>
+          <a:p>
+            <a:r>
+              <a:rPr lang="en-US" sz="2400" dirty="0"/>
+              <a:t>To announce updates faster</a:t>
+            </a:r>
+          </a:p>
+          <a:p>
+            <a:r>
+              <a:rPr lang="en-US" sz="2400" dirty="0"/>
+              <a:t>To provide easier access on student’s progress</a:t>
+            </a:r>
+          </a:p>
+          <a:p>
+            <a:endParaRPr lang="en-US" dirty="0"/>
+          </a:p>
+          <a:p>
             <a:endParaRPr lang="en-US" dirty="0"/>
           </a:p>
         </p:txBody>
@@ -6453,110 +6523,7 @@
     </p:spTree>
     <p:extLst>
       <p:ext uri="{BB962C8B-B14F-4D97-AF65-F5344CB8AC3E}">
-        <p14:creationId xmlns:p14="http://schemas.microsoft.com/office/powerpoint/2010/main" val="598748986"/>
-      </p:ext>
-    </p:extLst>
-  </p:cSld>
-  <p:clrMapOvr>
-    <a:masterClrMapping/>
-  </p:clrMapOvr>
-</p:sld>
-</file>
-
-<file path=ppt/slides/slide7.xml><?xml version="1.0" encoding="utf-8"?>
-<p:sld xmlns:a="http://schemas.openxmlformats.org/drawingml/2006/main" xmlns:r="http://schemas.openxmlformats.org/officeDocument/2006/relationships" xmlns:p="http://schemas.openxmlformats.org/presentationml/2006/main">
-  <p:cSld>
-    <p:spTree>
-      <p:nvGrpSpPr>
-        <p:cNvPr id="1" name=""/>
-        <p:cNvGrpSpPr/>
-        <p:nvPr/>
-      </p:nvGrpSpPr>
-      <p:grpSpPr>
-        <a:xfrm>
-          <a:off x="0" y="0"/>
-          <a:ext cx="0" cy="0"/>
-          <a:chOff x="0" y="0"/>
-          <a:chExt cx="0" cy="0"/>
-        </a:xfrm>
-      </p:grpSpPr>
-      <p:sp>
-        <p:nvSpPr>
-          <p:cNvPr id="2" name="Title 1"/>
-          <p:cNvSpPr>
-            <a:spLocks noGrp="1"/>
-          </p:cNvSpPr>
-          <p:nvPr>
-            <p:ph type="title"/>
-          </p:nvPr>
-        </p:nvSpPr>
-        <p:spPr/>
-        <p:txBody>
-          <a:bodyPr>
-            <a:normAutofit/>
-          </a:bodyPr>
-          <a:lstStyle/>
-          <a:p>
-            <a:r>
-              <a:rPr lang="en-US" sz="3600" dirty="0"/>
-              <a:t>Purpose</a:t>
-            </a:r>
-          </a:p>
-        </p:txBody>
-      </p:sp>
-      <p:sp>
-        <p:nvSpPr>
-          <p:cNvPr id="3" name="Content Placeholder 2"/>
-          <p:cNvSpPr>
-            <a:spLocks noGrp="1"/>
-          </p:cNvSpPr>
-          <p:nvPr>
-            <p:ph idx="1"/>
-          </p:nvPr>
-        </p:nvSpPr>
-        <p:spPr/>
-        <p:txBody>
-          <a:bodyPr/>
-          <a:lstStyle/>
-          <a:p>
-            <a:r>
-              <a:rPr lang="en-US" sz="2800" dirty="0"/>
-              <a:t>View schedule online</a:t>
-            </a:r>
-          </a:p>
-          <a:p>
-            <a:r>
-              <a:rPr lang="en-US" sz="2800" dirty="0"/>
-              <a:t>View summary of grades </a:t>
-            </a:r>
-          </a:p>
-          <a:p>
-            <a:r>
-              <a:rPr lang="en-US" sz="2800" dirty="0"/>
-              <a:t>View attendance online</a:t>
-            </a:r>
-          </a:p>
-          <a:p>
-            <a:r>
-              <a:rPr lang="en-US" sz="2800" dirty="0"/>
-              <a:t>Update information easily</a:t>
-            </a:r>
-          </a:p>
-          <a:p>
-            <a:r>
-              <a:rPr lang="en-US" sz="2800" dirty="0"/>
-              <a:t>View students progress</a:t>
-            </a:r>
-          </a:p>
-          <a:p>
-            <a:endParaRPr lang="en-US" dirty="0"/>
-          </a:p>
-        </p:txBody>
-      </p:sp>
-    </p:spTree>
-    <p:extLst>
-      <p:ext uri="{BB962C8B-B14F-4D97-AF65-F5344CB8AC3E}">
-        <p14:creationId xmlns:p14="http://schemas.microsoft.com/office/powerpoint/2010/main" val="796151573"/>
+        <p14:creationId xmlns:p14="http://schemas.microsoft.com/office/powerpoint/2010/main" val="3566327374"/>
       </p:ext>
     </p:extLst>
   </p:cSld>
@@ -6578,6 +6545,133 @@
 </p:sld>
 </file>
 
+<file path=ppt/slides/slide7.xml><?xml version="1.0" encoding="utf-8"?>
+<p:sld xmlns:a="http://schemas.openxmlformats.org/drawingml/2006/main" xmlns:r="http://schemas.openxmlformats.org/officeDocument/2006/relationships" xmlns:p="http://schemas.openxmlformats.org/presentationml/2006/main">
+  <p:cSld>
+    <p:spTree>
+      <p:nvGrpSpPr>
+        <p:cNvPr id="1" name=""/>
+        <p:cNvGrpSpPr/>
+        <p:nvPr/>
+      </p:nvGrpSpPr>
+      <p:grpSpPr>
+        <a:xfrm>
+          <a:off x="0" y="0"/>
+          <a:ext cx="0" cy="0"/>
+          <a:chOff x="0" y="0"/>
+          <a:chExt cx="0" cy="0"/>
+        </a:xfrm>
+      </p:grpSpPr>
+      <p:sp>
+        <p:nvSpPr>
+          <p:cNvPr id="2" name="Title 1"/>
+          <p:cNvSpPr>
+            <a:spLocks noGrp="1"/>
+          </p:cNvSpPr>
+          <p:nvPr>
+            <p:ph type="title"/>
+          </p:nvPr>
+        </p:nvSpPr>
+        <p:spPr/>
+        <p:txBody>
+          <a:bodyPr/>
+          <a:lstStyle/>
+          <a:p>
+            <a:r>
+              <a:rPr lang="en-US" dirty="0"/>
+              <a:t>Benefit</a:t>
+            </a:r>
+          </a:p>
+        </p:txBody>
+      </p:sp>
+      <p:sp>
+        <p:nvSpPr>
+          <p:cNvPr id="3" name="Content Placeholder 2"/>
+          <p:cNvSpPr>
+            <a:spLocks noGrp="1"/>
+          </p:cNvSpPr>
+          <p:nvPr>
+            <p:ph idx="1"/>
+          </p:nvPr>
+        </p:nvSpPr>
+        <p:spPr/>
+        <p:txBody>
+          <a:bodyPr>
+            <a:normAutofit/>
+          </a:bodyPr>
+          <a:lstStyle/>
+          <a:p>
+            <a:r>
+              <a:rPr lang="en-US" dirty="0"/>
+              <a:t>To student: </a:t>
+            </a:r>
+          </a:p>
+          <a:p>
+            <a:pPr lvl="1"/>
+            <a:r>
+              <a:rPr lang="en-US" dirty="0"/>
+              <a:t>Can use anywhere</a:t>
+            </a:r>
+          </a:p>
+          <a:p>
+            <a:pPr lvl="1"/>
+            <a:r>
+              <a:rPr lang="en-US" dirty="0"/>
+              <a:t>Manage performance easier</a:t>
+            </a:r>
+          </a:p>
+          <a:p>
+            <a:r>
+              <a:rPr lang="en-US" dirty="0"/>
+              <a:t>To parents:</a:t>
+            </a:r>
+          </a:p>
+          <a:p>
+            <a:pPr lvl="1"/>
+            <a:r>
+              <a:rPr lang="en-US" dirty="0"/>
+              <a:t>Update about the student’s performance</a:t>
+            </a:r>
+          </a:p>
+          <a:p>
+            <a:r>
+              <a:rPr lang="en-US" dirty="0"/>
+              <a:t>To administrator:</a:t>
+            </a:r>
+          </a:p>
+          <a:p>
+            <a:pPr lvl="1"/>
+            <a:r>
+              <a:rPr lang="en-US" dirty="0"/>
+              <a:t>Give tasks right away</a:t>
+            </a:r>
+          </a:p>
+          <a:p>
+            <a:pPr lvl="1"/>
+            <a:r>
+              <a:rPr lang="en-US" dirty="0"/>
+              <a:t>Manage grades and attendance</a:t>
+            </a:r>
+          </a:p>
+          <a:p>
+            <a:pPr lvl="1"/>
+            <a:endParaRPr lang="en-US" dirty="0"/>
+          </a:p>
+        </p:txBody>
+      </p:sp>
+    </p:spTree>
+    <p:extLst>
+      <p:ext uri="{BB962C8B-B14F-4D97-AF65-F5344CB8AC3E}">
+        <p14:creationId xmlns:p14="http://schemas.microsoft.com/office/powerpoint/2010/main" val="598748986"/>
+      </p:ext>
+    </p:extLst>
+  </p:cSld>
+  <p:clrMapOvr>
+    <a:masterClrMapping/>
+  </p:clrMapOvr>
+</p:sld>
+</file>
+
 <file path=ppt/slides/slide8.xml><?xml version="1.0" encoding="utf-8"?>
 <p:sld xmlns:a="http://schemas.openxmlformats.org/drawingml/2006/main" xmlns:r="http://schemas.openxmlformats.org/officeDocument/2006/relationships" xmlns:p="http://schemas.openxmlformats.org/presentationml/2006/main">
   <p:cSld>
@@ -6614,7 +6708,7 @@
           <a:p>
             <a:r>
               <a:rPr lang="en-US" sz="3600" dirty="0"/>
-              <a:t>System Features and Functions</a:t>
+              <a:t>Purpose</a:t>
             </a:r>
           </a:p>
         </p:txBody>
@@ -6629,100 +6723,39 @@
             <p:ph idx="1"/>
           </p:nvPr>
         </p:nvSpPr>
-        <p:spPr>
-          <a:xfrm>
-            <a:off x="1534696" y="2015732"/>
-            <a:ext cx="9520158" cy="4208605"/>
-          </a:xfrm>
-        </p:spPr>
-        <p:txBody>
-          <a:bodyPr numCol="2">
-            <a:normAutofit lnSpcReduction="10000"/>
-          </a:bodyPr>
-          <a:lstStyle/>
-          <a:p>
-            <a:pPr marL="0" indent="0">
-              <a:buNone/>
-            </a:pPr>
-            <a:r>
-              <a:rPr lang="en-US" sz="2400" dirty="0"/>
-              <a:t>For Instructor:</a:t>
-            </a:r>
-          </a:p>
-          <a:p>
-            <a:r>
-              <a:rPr lang="en-US" sz="2400" dirty="0"/>
-              <a:t>Create course</a:t>
-            </a:r>
-          </a:p>
-          <a:p>
-            <a:r>
-              <a:rPr lang="en-US" sz="2400" dirty="0"/>
-              <a:t>Record attendance</a:t>
-            </a:r>
-          </a:p>
-          <a:p>
-            <a:r>
-              <a:rPr lang="en-US" sz="2400" dirty="0"/>
-              <a:t>Create and assign task</a:t>
-            </a:r>
-          </a:p>
-          <a:p>
-            <a:r>
-              <a:rPr lang="en-US" sz="2400" dirty="0"/>
-              <a:t>Give announcements</a:t>
-            </a:r>
-          </a:p>
-          <a:p>
-            <a:endParaRPr lang="en-US" sz="2400" dirty="0"/>
-          </a:p>
-          <a:p>
-            <a:endParaRPr lang="en-US" sz="2400" dirty="0"/>
-          </a:p>
-          <a:p>
-            <a:endParaRPr lang="en-US" sz="2400" dirty="0"/>
-          </a:p>
-          <a:p>
-            <a:pPr marL="0" indent="0">
-              <a:buNone/>
-            </a:pPr>
-            <a:r>
-              <a:rPr lang="en-US" sz="2400" dirty="0"/>
-              <a:t>For Students:</a:t>
-            </a:r>
-          </a:p>
-          <a:p>
-            <a:r>
-              <a:rPr lang="en-US" sz="2400" dirty="0"/>
-              <a:t>Access review class</a:t>
-            </a:r>
-          </a:p>
-          <a:p>
-            <a:r>
-              <a:rPr lang="en-US" sz="2400" dirty="0"/>
-              <a:t>View attendance</a:t>
-            </a:r>
-          </a:p>
-          <a:p>
-            <a:r>
-              <a:rPr lang="en-US" sz="2400" dirty="0"/>
-              <a:t>Take tasks</a:t>
-            </a:r>
-          </a:p>
-          <a:p>
-            <a:r>
-              <a:rPr lang="en-US" sz="2400" dirty="0"/>
-              <a:t>See announcements</a:t>
-            </a:r>
-          </a:p>
-          <a:p>
-            <a:r>
-              <a:rPr lang="en-US" sz="2400" dirty="0"/>
-              <a:t>Keep track of grades</a:t>
-            </a:r>
-          </a:p>
-          <a:p>
-            <a:endParaRPr lang="en-US" dirty="0"/>
+        <p:spPr/>
+        <p:txBody>
+          <a:bodyPr/>
+          <a:lstStyle/>
+          <a:p>
+            <a:r>
+              <a:rPr lang="en-US" sz="2800" dirty="0"/>
+              <a:t>View schedule online</a:t>
+            </a:r>
+          </a:p>
+          <a:p>
+            <a:r>
+              <a:rPr lang="en-US" sz="2800" dirty="0"/>
+              <a:t>View summary of grades </a:t>
+            </a:r>
+          </a:p>
+          <a:p>
+            <a:r>
+              <a:rPr lang="en-US" sz="2800" dirty="0"/>
+              <a:t>View attendance online</a:t>
+            </a:r>
+          </a:p>
+          <a:p>
+            <a:r>
+              <a:rPr lang="en-US" sz="2800" dirty="0"/>
+              <a:t>View students progress</a:t>
+            </a:r>
+          </a:p>
+          <a:p>
+            <a:r>
+              <a:rPr lang="en-US" sz="2800" dirty="0"/>
+              <a:t>Update information easily</a:t>
+            </a:r>
           </a:p>
           <a:p>
             <a:endParaRPr lang="en-US" dirty="0"/>
@@ -6732,7 +6765,7 @@
     </p:spTree>
     <p:extLst>
       <p:ext uri="{BB962C8B-B14F-4D97-AF65-F5344CB8AC3E}">
-        <p14:creationId xmlns:p14="http://schemas.microsoft.com/office/powerpoint/2010/main" val="1538000127"/>
+        <p14:creationId xmlns:p14="http://schemas.microsoft.com/office/powerpoint/2010/main" val="796151573"/>
       </p:ext>
     </p:extLst>
   </p:cSld>
@@ -6790,7 +6823,7 @@
           <a:p>
             <a:r>
               <a:rPr lang="en-US" sz="3600" dirty="0"/>
-              <a:t>Programming Languages</a:t>
+              <a:t>System Features and Functions</a:t>
             </a:r>
           </a:p>
         </p:txBody>
@@ -6805,48 +6838,110 @@
             <p:ph idx="1"/>
           </p:nvPr>
         </p:nvSpPr>
-        <p:spPr/>
-        <p:txBody>
-          <a:bodyPr>
-            <a:normAutofit/>
+        <p:spPr>
+          <a:xfrm>
+            <a:off x="1534696" y="2015732"/>
+            <a:ext cx="9520158" cy="4208605"/>
+          </a:xfrm>
+        </p:spPr>
+        <p:txBody>
+          <a:bodyPr numCol="2">
+            <a:normAutofit lnSpcReduction="10000"/>
           </a:bodyPr>
           <a:lstStyle/>
           <a:p>
+            <a:pPr marL="0" indent="0">
+              <a:buNone/>
+            </a:pPr>
             <a:r>
               <a:rPr lang="en-US" sz="2400" dirty="0"/>
-              <a:t>HTML</a:t>
+              <a:t>For Instructor:</a:t>
             </a:r>
           </a:p>
           <a:p>
             <a:r>
               <a:rPr lang="en-US" sz="2400" dirty="0"/>
-              <a:t>CSS</a:t>
+              <a:t>Create course</a:t>
             </a:r>
           </a:p>
           <a:p>
             <a:r>
               <a:rPr lang="en-US" sz="2400" dirty="0"/>
-              <a:t>PHP</a:t>
+              <a:t>Record attendance</a:t>
             </a:r>
           </a:p>
           <a:p>
             <a:r>
               <a:rPr lang="en-US" sz="2400" dirty="0"/>
-              <a:t>JQuery</a:t>
+              <a:t>Create and assign task</a:t>
             </a:r>
           </a:p>
           <a:p>
             <a:r>
               <a:rPr lang="en-US" sz="2400" dirty="0"/>
-              <a:t>Bootstrap</a:t>
-            </a:r>
+              <a:t>Give announcements</a:t>
+            </a:r>
+          </a:p>
+          <a:p>
+            <a:endParaRPr lang="en-US" sz="2400" dirty="0"/>
+          </a:p>
+          <a:p>
+            <a:endParaRPr lang="en-US" sz="2400" dirty="0"/>
+          </a:p>
+          <a:p>
+            <a:endParaRPr lang="en-US" sz="2400" dirty="0"/>
+          </a:p>
+          <a:p>
+            <a:pPr marL="0" indent="0">
+              <a:buNone/>
+            </a:pPr>
+            <a:r>
+              <a:rPr lang="en-US" sz="2400" dirty="0"/>
+              <a:t>For Students:</a:t>
+            </a:r>
+          </a:p>
+          <a:p>
+            <a:r>
+              <a:rPr lang="en-US" sz="2400" dirty="0"/>
+              <a:t>Access review class</a:t>
+            </a:r>
+          </a:p>
+          <a:p>
+            <a:r>
+              <a:rPr lang="en-US" sz="2400" dirty="0"/>
+              <a:t>View attendance</a:t>
+            </a:r>
+          </a:p>
+          <a:p>
+            <a:r>
+              <a:rPr lang="en-US" sz="2400" dirty="0"/>
+              <a:t>Take tasks</a:t>
+            </a:r>
+          </a:p>
+          <a:p>
+            <a:r>
+              <a:rPr lang="en-US" sz="2400" dirty="0"/>
+              <a:t>See announcements</a:t>
+            </a:r>
+          </a:p>
+          <a:p>
+            <a:r>
+              <a:rPr lang="en-US" sz="2400" dirty="0"/>
+              <a:t>Keep track of grades</a:t>
+            </a:r>
+          </a:p>
+          <a:p>
+            <a:endParaRPr lang="en-US" dirty="0"/>
+          </a:p>
+          <a:p>
+            <a:endParaRPr lang="en-US" dirty="0"/>
           </a:p>
         </p:txBody>
       </p:sp>
     </p:spTree>
     <p:extLst>
       <p:ext uri="{BB962C8B-B14F-4D97-AF65-F5344CB8AC3E}">
-        <p14:creationId xmlns:p14="http://schemas.microsoft.com/office/powerpoint/2010/main" val="3822008390"/>
+        <p14:creationId xmlns:p14="http://schemas.microsoft.com/office/powerpoint/2010/main" val="1538000127"/>
       </p:ext>
     </p:extLst>
   </p:cSld>

--- a/Documentation/MCSPROJ/LSC-LMS PPT.pptx
+++ b/Documentation/MCSPROJ/LSC-LMS PPT.pptx
@@ -9,8 +9,8 @@
     <p:sldId id="258" r:id="rId3"/>
     <p:sldId id="274" r:id="rId4"/>
     <p:sldId id="261" r:id="rId5"/>
-    <p:sldId id="257" r:id="rId6"/>
-    <p:sldId id="259" r:id="rId7"/>
+    <p:sldId id="259" r:id="rId6"/>
+    <p:sldId id="257" r:id="rId7"/>
     <p:sldId id="273" r:id="rId8"/>
     <p:sldId id="260" r:id="rId9"/>
     <p:sldId id="262" r:id="rId10"/>
@@ -21,9 +21,6 @@
     <p:sldId id="267" r:id="rId15"/>
     <p:sldId id="268" r:id="rId16"/>
     <p:sldId id="269" r:id="rId17"/>
-    <p:sldId id="270" r:id="rId18"/>
-    <p:sldId id="271" r:id="rId19"/>
-    <p:sldId id="272" r:id="rId20"/>
   </p:sldIdLst>
   <p:sldSz cx="12192000" cy="6858000"/>
   <p:notesSz cx="6858000" cy="9144000"/>
@@ -269,7 +266,7 @@
           <a:p>
             <a:fld id="{A423BF71-38B7-8642-BFCE-EDAE9BD0CBAF}" type="datetimeFigureOut">
               <a:rPr lang="en-US" dirty="0"/>
-              <a:t>12/8/2016</a:t>
+              <a:t>12/9/2016</a:t>
             </a:fld>
             <a:endParaRPr lang="en-US" dirty="0"/>
           </a:p>
@@ -481,7 +478,7 @@
           <a:p>
             <a:fld id="{73B025CB-9D18-264E-A945-2D020344C9DA}" type="datetimeFigureOut">
               <a:rPr lang="en-US" dirty="0"/>
-              <a:t>12/8/2016</a:t>
+              <a:t>12/9/2016</a:t>
             </a:fld>
             <a:endParaRPr lang="en-US" dirty="0"/>
           </a:p>
@@ -697,7 +694,7 @@
           <a:p>
             <a:fld id="{507EFB6C-7E96-8F41-8872-189CA1C59F84}" type="datetimeFigureOut">
               <a:rPr lang="en-US" dirty="0"/>
-              <a:t>12/8/2016</a:t>
+              <a:t>12/9/2016</a:t>
             </a:fld>
             <a:endParaRPr lang="en-US" dirty="0"/>
           </a:p>
@@ -899,7 +896,7 @@
           <a:p>
             <a:fld id="{B6981CDE-9BE7-C544-8ACB-7077DFC4270F}" type="datetimeFigureOut">
               <a:rPr lang="en-US" dirty="0"/>
-              <a:t>12/8/2016</a:t>
+              <a:t>12/9/2016</a:t>
             </a:fld>
             <a:endParaRPr lang="en-US" dirty="0"/>
           </a:p>
@@ -1179,7 +1176,7 @@
           <a:p>
             <a:fld id="{B55BA285-9698-1B45-8319-D90A8C63F150}" type="datetimeFigureOut">
               <a:rPr lang="en-US" dirty="0"/>
-              <a:t>12/8/2016</a:t>
+              <a:t>12/9/2016</a:t>
             </a:fld>
             <a:endParaRPr lang="en-US" dirty="0"/>
           </a:p>
@@ -1448,7 +1445,7 @@
           <a:p>
             <a:fld id="{0A86CD42-43FF-B740-998F-DCC3802C4CE3}" type="datetimeFigureOut">
               <a:rPr lang="en-US" dirty="0"/>
-              <a:t>12/8/2016</a:t>
+              <a:t>12/9/2016</a:t>
             </a:fld>
             <a:endParaRPr lang="en-US" dirty="0"/>
           </a:p>
@@ -1865,7 +1862,7 @@
           <a:p>
             <a:fld id="{CEA0FFBD-2EE4-8547-BBAE-A1AC91C8D77E}" type="datetimeFigureOut">
               <a:rPr lang="en-US" dirty="0"/>
-              <a:t>12/8/2016</a:t>
+              <a:t>12/9/2016</a:t>
             </a:fld>
             <a:endParaRPr lang="en-US" dirty="0"/>
           </a:p>
@@ -2015,7 +2012,7 @@
           <a:p>
             <a:fld id="{955A2352-D7AC-F242-9256-A4477BCBF354}" type="datetimeFigureOut">
               <a:rPr lang="en-US" dirty="0"/>
-              <a:t>12/8/2016</a:t>
+              <a:t>12/9/2016</a:t>
             </a:fld>
             <a:endParaRPr lang="en-US" dirty="0"/>
           </a:p>
@@ -2142,7 +2139,7 @@
           <a:p>
             <a:fld id="{4EFCFC6A-9AE6-404D-9FDD-168B477B9C90}" type="datetimeFigureOut">
               <a:rPr lang="en-US" dirty="0"/>
-              <a:t>12/8/2016</a:t>
+              <a:t>12/9/2016</a:t>
             </a:fld>
             <a:endParaRPr lang="en-US" dirty="0"/>
           </a:p>
@@ -2388,7 +2385,7 @@
           <a:p>
             <a:fld id="{61CFCDFD-B4CF-A241-8D71-E814B10BEAF4}" type="datetimeFigureOut">
               <a:rPr lang="en-US" dirty="0"/>
-              <a:t>12/8/2016</a:t>
+              <a:t>12/9/2016</a:t>
             </a:fld>
             <a:endParaRPr lang="en-US" dirty="0"/>
           </a:p>
@@ -2838,7 +2835,7 @@
           <a:p>
             <a:fld id="{26A7B589-FD4B-7E46-869A-CBADC5FC564E}" type="datetimeFigureOut">
               <a:rPr lang="en-US" dirty="0"/>
-              <a:t>12/8/2016</a:t>
+              <a:t>12/9/2016</a:t>
             </a:fld>
             <a:endParaRPr lang="en-US" dirty="0"/>
           </a:p>
@@ -3159,7 +3156,7 @@
           <a:p>
             <a:fld id="{4CD8A92E-5FF9-8143-81B3-CCB531513398}" type="datetimeFigureOut">
               <a:rPr lang="en-US" dirty="0"/>
-              <a:t>12/8/2016</a:t>
+              <a:t>12/9/2016</a:t>
             </a:fld>
             <a:endParaRPr lang="en-US" dirty="0"/>
           </a:p>
@@ -3975,7 +3972,7 @@
           <a:p>
             <a:r>
               <a:rPr lang="en-US" sz="2600" dirty="0"/>
-              <a:t>Integrate with the Enrollment System</a:t>
+              <a:t>Enrolment system (LSC 1)</a:t>
             </a:r>
           </a:p>
         </p:txBody>
@@ -5142,752 +5139,6 @@
 </p:sld>
 </file>
 
-<file path=ppt/slides/slide17.xml><?xml version="1.0" encoding="utf-8"?>
-<p:sld xmlns:a="http://schemas.openxmlformats.org/drawingml/2006/main" xmlns:r="http://schemas.openxmlformats.org/officeDocument/2006/relationships" xmlns:p="http://schemas.openxmlformats.org/presentationml/2006/main">
-  <p:cSld>
-    <p:spTree>
-      <p:nvGrpSpPr>
-        <p:cNvPr id="1" name=""/>
-        <p:cNvGrpSpPr/>
-        <p:nvPr/>
-      </p:nvGrpSpPr>
-      <p:grpSpPr>
-        <a:xfrm>
-          <a:off x="0" y="0"/>
-          <a:ext cx="0" cy="0"/>
-          <a:chOff x="0" y="0"/>
-          <a:chExt cx="0" cy="0"/>
-        </a:xfrm>
-      </p:grpSpPr>
-      <p:sp>
-        <p:nvSpPr>
-          <p:cNvPr id="2" name="Title 1"/>
-          <p:cNvSpPr>
-            <a:spLocks noGrp="1"/>
-          </p:cNvSpPr>
-          <p:nvPr>
-            <p:ph type="title"/>
-          </p:nvPr>
-        </p:nvSpPr>
-        <p:spPr>
-          <a:xfrm>
-            <a:off x="7919167" y="798169"/>
-            <a:ext cx="9520158" cy="1049235"/>
-          </a:xfrm>
-        </p:spPr>
-        <p:txBody>
-          <a:bodyPr/>
-          <a:lstStyle/>
-          <a:p>
-            <a:endParaRPr lang="en-US" dirty="0"/>
-          </a:p>
-        </p:txBody>
-      </p:sp>
-      <p:sp>
-        <p:nvSpPr>
-          <p:cNvPr id="3" name="Content Placeholder 2"/>
-          <p:cNvSpPr>
-            <a:spLocks noGrp="1"/>
-          </p:cNvSpPr>
-          <p:nvPr>
-            <p:ph idx="1"/>
-          </p:nvPr>
-        </p:nvSpPr>
-        <p:spPr>
-          <a:xfrm>
-            <a:off x="1908665" y="5574907"/>
-            <a:ext cx="9520158" cy="3450613"/>
-          </a:xfrm>
-        </p:spPr>
-        <p:txBody>
-          <a:bodyPr/>
-          <a:lstStyle/>
-          <a:p>
-            <a:endParaRPr lang="en-US" dirty="0"/>
-          </a:p>
-        </p:txBody>
-      </p:sp>
-      <p:pic>
-        <p:nvPicPr>
-          <p:cNvPr id="3074" name="Picture 2" descr="Activity%20Diagram%20-%20Student%201_zpsg1qu3dg4.png"/>
-          <p:cNvPicPr>
-            <a:picLocks noChangeAspect="1" noChangeArrowheads="1"/>
-          </p:cNvPicPr>
-          <p:nvPr/>
-        </p:nvPicPr>
-        <p:blipFill>
-          <a:blip r:embed="rId2">
-            <a:extLst>
-              <a:ext uri="{28A0092B-C50C-407E-A947-70E740481C1C}">
-                <a14:useLocalDpi xmlns:a14="http://schemas.microsoft.com/office/drawing/2010/main" val="0"/>
-              </a:ext>
-            </a:extLst>
-          </a:blip>
-          <a:srcRect/>
-          <a:stretch>
-            <a:fillRect/>
-          </a:stretch>
-        </p:blipFill>
-        <p:spPr bwMode="auto">
-          <a:xfrm>
-            <a:off x="1109958" y="0"/>
-            <a:ext cx="4514309" cy="3347356"/>
-          </a:xfrm>
-          <a:prstGeom prst="rect">
-            <a:avLst/>
-          </a:prstGeom>
-          <a:noFill/>
-          <a:ln>
-            <a:noFill/>
-          </a:ln>
-          <a:extLst>
-            <a:ext uri="{909E8E84-426E-40DD-AFC4-6F175D3DCCD1}">
-              <a14:hiddenFill xmlns:a14="http://schemas.microsoft.com/office/drawing/2010/main">
-                <a:solidFill>
-                  <a:srgbClr val="FFFFFF"/>
-                </a:solidFill>
-              </a14:hiddenFill>
-            </a:ext>
-            <a:ext uri="{91240B29-F687-4F45-9708-019B960494DF}">
-              <a14:hiddenLine xmlns:a14="http://schemas.microsoft.com/office/drawing/2010/main" w="9525">
-                <a:solidFill>
-                  <a:srgbClr val="000000"/>
-                </a:solidFill>
-                <a:miter lim="800000"/>
-                <a:headEnd/>
-                <a:tailEnd/>
-              </a14:hiddenLine>
-            </a:ext>
-          </a:extLst>
-        </p:spPr>
-      </p:pic>
-      <p:pic>
-        <p:nvPicPr>
-          <p:cNvPr id="3075" name="Picture 3" descr="Activity%20Diagram%20-%20Student%202_zps0mfeblge.png"/>
-          <p:cNvPicPr>
-            <a:picLocks noChangeAspect="1" noChangeArrowheads="1"/>
-          </p:cNvPicPr>
-          <p:nvPr/>
-        </p:nvPicPr>
-        <p:blipFill>
-          <a:blip r:embed="rId3" r:link="rId4">
-            <a:extLst>
-              <a:ext uri="{28A0092B-C50C-407E-A947-70E740481C1C}">
-                <a14:useLocalDpi xmlns:a14="http://schemas.microsoft.com/office/drawing/2010/main" val="0"/>
-              </a:ext>
-            </a:extLst>
-          </a:blip>
-          <a:srcRect/>
-          <a:stretch>
-            <a:fillRect/>
-          </a:stretch>
-        </p:blipFill>
-        <p:spPr bwMode="auto">
-          <a:xfrm>
-            <a:off x="1105194" y="3263218"/>
-            <a:ext cx="4514309" cy="3465440"/>
-          </a:xfrm>
-          <a:prstGeom prst="rect">
-            <a:avLst/>
-          </a:prstGeom>
-          <a:noFill/>
-          <a:ln>
-            <a:noFill/>
-          </a:ln>
-          <a:extLst>
-            <a:ext uri="{909E8E84-426E-40DD-AFC4-6F175D3DCCD1}">
-              <a14:hiddenFill xmlns:a14="http://schemas.microsoft.com/office/drawing/2010/main">
-                <a:solidFill>
-                  <a:srgbClr val="FFFFFF"/>
-                </a:solidFill>
-              </a14:hiddenFill>
-            </a:ext>
-            <a:ext uri="{91240B29-F687-4F45-9708-019B960494DF}">
-              <a14:hiddenLine xmlns:a14="http://schemas.microsoft.com/office/drawing/2010/main" w="9525">
-                <a:solidFill>
-                  <a:srgbClr val="000000"/>
-                </a:solidFill>
-                <a:miter lim="800000"/>
-                <a:headEnd/>
-                <a:tailEnd/>
-              </a14:hiddenLine>
-            </a:ext>
-          </a:extLst>
-        </p:spPr>
-      </p:pic>
-      <p:pic>
-        <p:nvPicPr>
-          <p:cNvPr id="3076" name="Picture 4" descr="Activity%20Diagram%20-%20Student%203_zpsx7aem2lh.png"/>
-          <p:cNvPicPr>
-            <a:picLocks noChangeAspect="1" noChangeArrowheads="1"/>
-          </p:cNvPicPr>
-          <p:nvPr/>
-        </p:nvPicPr>
-        <p:blipFill>
-          <a:blip r:embed="rId5" r:link="rId6">
-            <a:extLst>
-              <a:ext uri="{28A0092B-C50C-407E-A947-70E740481C1C}">
-                <a14:useLocalDpi xmlns:a14="http://schemas.microsoft.com/office/drawing/2010/main" val="0"/>
-              </a:ext>
-            </a:extLst>
-          </a:blip>
-          <a:srcRect/>
-          <a:stretch>
-            <a:fillRect/>
-          </a:stretch>
-        </p:blipFill>
-        <p:spPr bwMode="auto">
-          <a:xfrm>
-            <a:off x="6389234" y="1"/>
-            <a:ext cx="4329514" cy="3347356"/>
-          </a:xfrm>
-          <a:prstGeom prst="rect">
-            <a:avLst/>
-          </a:prstGeom>
-          <a:noFill/>
-          <a:ln>
-            <a:noFill/>
-          </a:ln>
-          <a:extLst>
-            <a:ext uri="{909E8E84-426E-40DD-AFC4-6F175D3DCCD1}">
-              <a14:hiddenFill xmlns:a14="http://schemas.microsoft.com/office/drawing/2010/main">
-                <a:solidFill>
-                  <a:srgbClr val="FFFFFF"/>
-                </a:solidFill>
-              </a14:hiddenFill>
-            </a:ext>
-            <a:ext uri="{91240B29-F687-4F45-9708-019B960494DF}">
-              <a14:hiddenLine xmlns:a14="http://schemas.microsoft.com/office/drawing/2010/main" w="9525">
-                <a:solidFill>
-                  <a:srgbClr val="000000"/>
-                </a:solidFill>
-                <a:miter lim="800000"/>
-                <a:headEnd/>
-                <a:tailEnd/>
-              </a14:hiddenLine>
-            </a:ext>
-          </a:extLst>
-        </p:spPr>
-      </p:pic>
-      <p:pic>
-        <p:nvPicPr>
-          <p:cNvPr id="3077" name="Picture 5" descr="Activity%20Diagram%20-%20Student%204_zpsnkoefnqs.png"/>
-          <p:cNvPicPr>
-            <a:picLocks noChangeAspect="1" noChangeArrowheads="1"/>
-          </p:cNvPicPr>
-          <p:nvPr/>
-        </p:nvPicPr>
-        <p:blipFill>
-          <a:blip r:embed="rId7" r:link="rId8">
-            <a:extLst>
-              <a:ext uri="{28A0092B-C50C-407E-A947-70E740481C1C}">
-                <a14:useLocalDpi xmlns:a14="http://schemas.microsoft.com/office/drawing/2010/main" val="0"/>
-              </a:ext>
-            </a:extLst>
-          </a:blip>
-          <a:srcRect/>
-          <a:stretch>
-            <a:fillRect/>
-          </a:stretch>
-        </p:blipFill>
-        <p:spPr bwMode="auto">
-          <a:xfrm>
-            <a:off x="6389234" y="3347356"/>
-            <a:ext cx="4329514" cy="3418942"/>
-          </a:xfrm>
-          <a:prstGeom prst="rect">
-            <a:avLst/>
-          </a:prstGeom>
-          <a:noFill/>
-          <a:ln>
-            <a:noFill/>
-          </a:ln>
-          <a:extLst>
-            <a:ext uri="{909E8E84-426E-40DD-AFC4-6F175D3DCCD1}">
-              <a14:hiddenFill xmlns:a14="http://schemas.microsoft.com/office/drawing/2010/main">
-                <a:solidFill>
-                  <a:srgbClr val="FFFFFF"/>
-                </a:solidFill>
-              </a14:hiddenFill>
-            </a:ext>
-            <a:ext uri="{91240B29-F687-4F45-9708-019B960494DF}">
-              <a14:hiddenLine xmlns:a14="http://schemas.microsoft.com/office/drawing/2010/main" w="9525">
-                <a:solidFill>
-                  <a:srgbClr val="000000"/>
-                </a:solidFill>
-                <a:miter lim="800000"/>
-                <a:headEnd/>
-                <a:tailEnd/>
-              </a14:hiddenLine>
-            </a:ext>
-          </a:extLst>
-        </p:spPr>
-      </p:pic>
-    </p:spTree>
-    <p:extLst>
-      <p:ext uri="{BB962C8B-B14F-4D97-AF65-F5344CB8AC3E}">
-        <p14:creationId xmlns:p14="http://schemas.microsoft.com/office/powerpoint/2010/main" val="2956104907"/>
-      </p:ext>
-    </p:extLst>
-  </p:cSld>
-  <p:clrMapOvr>
-    <a:masterClrMapping/>
-  </p:clrMapOvr>
-  <mc:AlternateContent xmlns:mc="http://schemas.openxmlformats.org/markup-compatibility/2006" xmlns:p15="http://schemas.microsoft.com/office/powerpoint/2012/main">
-    <mc:Choice Requires="p15">
-      <p:transition xmlns:p14="http://schemas.microsoft.com/office/powerpoint/2010/main" spd="slow" p14:dur="2000">
-        <p15:prstTrans prst="drape"/>
-      </p:transition>
-    </mc:Choice>
-    <mc:Fallback xmlns="">
-      <p:transition spd="slow">
-        <p:fade/>
-      </p:transition>
-    </mc:Fallback>
-  </mc:AlternateContent>
-</p:sld>
-</file>
-
-<file path=ppt/slides/slide18.xml><?xml version="1.0" encoding="utf-8"?>
-<p:sld xmlns:a="http://schemas.openxmlformats.org/drawingml/2006/main" xmlns:r="http://schemas.openxmlformats.org/officeDocument/2006/relationships" xmlns:p="http://schemas.openxmlformats.org/presentationml/2006/main">
-  <p:cSld>
-    <p:spTree>
-      <p:nvGrpSpPr>
-        <p:cNvPr id="1" name=""/>
-        <p:cNvGrpSpPr/>
-        <p:nvPr/>
-      </p:nvGrpSpPr>
-      <p:grpSpPr>
-        <a:xfrm>
-          <a:off x="0" y="0"/>
-          <a:ext cx="0" cy="0"/>
-          <a:chOff x="0" y="0"/>
-          <a:chExt cx="0" cy="0"/>
-        </a:xfrm>
-      </p:grpSpPr>
-      <p:sp>
-        <p:nvSpPr>
-          <p:cNvPr id="2" name="Title 1"/>
-          <p:cNvSpPr>
-            <a:spLocks noGrp="1"/>
-          </p:cNvSpPr>
-          <p:nvPr>
-            <p:ph type="title"/>
-          </p:nvPr>
-        </p:nvSpPr>
-        <p:spPr>
-          <a:xfrm>
-            <a:off x="5368759" y="796581"/>
-            <a:ext cx="9520158" cy="1049235"/>
-          </a:xfrm>
-        </p:spPr>
-        <p:txBody>
-          <a:bodyPr/>
-          <a:lstStyle/>
-          <a:p>
-            <a:endParaRPr lang="en-US" dirty="0"/>
-          </a:p>
-        </p:txBody>
-      </p:sp>
-      <p:sp>
-        <p:nvSpPr>
-          <p:cNvPr id="3" name="Content Placeholder 2"/>
-          <p:cNvSpPr>
-            <a:spLocks noGrp="1"/>
-          </p:cNvSpPr>
-          <p:nvPr>
-            <p:ph idx="1"/>
-          </p:nvPr>
-        </p:nvSpPr>
-        <p:spPr/>
-        <p:txBody>
-          <a:bodyPr/>
-          <a:lstStyle/>
-          <a:p>
-            <a:endParaRPr lang="en-US" dirty="0"/>
-          </a:p>
-        </p:txBody>
-      </p:sp>
-      <p:pic>
-        <p:nvPicPr>
-          <p:cNvPr id="4098" name="Picture 2" descr="Activity%20Diagram%20-%20Student%205_zpsbrveezpa.png"/>
-          <p:cNvPicPr>
-            <a:picLocks noChangeAspect="1" noChangeArrowheads="1"/>
-          </p:cNvPicPr>
-          <p:nvPr/>
-        </p:nvPicPr>
-        <p:blipFill>
-          <a:blip r:embed="rId2" r:link="rId3">
-            <a:extLst>
-              <a:ext uri="{28A0092B-C50C-407E-A947-70E740481C1C}">
-                <a14:useLocalDpi xmlns:a14="http://schemas.microsoft.com/office/drawing/2010/main" val="0"/>
-              </a:ext>
-            </a:extLst>
-          </a:blip>
-          <a:srcRect/>
-          <a:stretch>
-            <a:fillRect/>
-          </a:stretch>
-        </p:blipFill>
-        <p:spPr bwMode="auto">
-          <a:xfrm>
-            <a:off x="3838826" y="81783"/>
-            <a:ext cx="4839274" cy="3867898"/>
-          </a:xfrm>
-          <a:prstGeom prst="rect">
-            <a:avLst/>
-          </a:prstGeom>
-          <a:noFill/>
-          <a:ln>
-            <a:noFill/>
-          </a:ln>
-          <a:extLst>
-            <a:ext uri="{909E8E84-426E-40DD-AFC4-6F175D3DCCD1}">
-              <a14:hiddenFill xmlns:a14="http://schemas.microsoft.com/office/drawing/2010/main">
-                <a:solidFill>
-                  <a:srgbClr val="FFFFFF"/>
-                </a:solidFill>
-              </a14:hiddenFill>
-            </a:ext>
-            <a:ext uri="{91240B29-F687-4F45-9708-019B960494DF}">
-              <a14:hiddenLine xmlns:a14="http://schemas.microsoft.com/office/drawing/2010/main" w="9525">
-                <a:solidFill>
-                  <a:srgbClr val="000000"/>
-                </a:solidFill>
-                <a:miter lim="800000"/>
-                <a:headEnd/>
-                <a:tailEnd/>
-              </a14:hiddenLine>
-            </a:ext>
-          </a:extLst>
-        </p:spPr>
-      </p:pic>
-      <p:pic>
-        <p:nvPicPr>
-          <p:cNvPr id="4099" name="Picture 3" descr="Activity%20Diagram%20-%20Student%206_zpskuljkvcp.png"/>
-          <p:cNvPicPr>
-            <a:picLocks noChangeAspect="1" noChangeArrowheads="1"/>
-          </p:cNvPicPr>
-          <p:nvPr/>
-        </p:nvPicPr>
-        <p:blipFill>
-          <a:blip r:embed="rId4" r:link="rId5">
-            <a:extLst>
-              <a:ext uri="{28A0092B-C50C-407E-A947-70E740481C1C}">
-                <a14:useLocalDpi xmlns:a14="http://schemas.microsoft.com/office/drawing/2010/main" val="0"/>
-              </a:ext>
-            </a:extLst>
-          </a:blip>
-          <a:srcRect/>
-          <a:stretch>
-            <a:fillRect/>
-          </a:stretch>
-        </p:blipFill>
-        <p:spPr bwMode="auto">
-          <a:xfrm>
-            <a:off x="3838826" y="3949681"/>
-            <a:ext cx="4845184" cy="2760666"/>
-          </a:xfrm>
-          <a:prstGeom prst="rect">
-            <a:avLst/>
-          </a:prstGeom>
-          <a:noFill/>
-          <a:ln>
-            <a:noFill/>
-          </a:ln>
-          <a:extLst>
-            <a:ext uri="{909E8E84-426E-40DD-AFC4-6F175D3DCCD1}">
-              <a14:hiddenFill xmlns:a14="http://schemas.microsoft.com/office/drawing/2010/main">
-                <a:solidFill>
-                  <a:srgbClr val="FFFFFF"/>
-                </a:solidFill>
-              </a14:hiddenFill>
-            </a:ext>
-            <a:ext uri="{91240B29-F687-4F45-9708-019B960494DF}">
-              <a14:hiddenLine xmlns:a14="http://schemas.microsoft.com/office/drawing/2010/main" w="9525">
-                <a:solidFill>
-                  <a:srgbClr val="000000"/>
-                </a:solidFill>
-                <a:miter lim="800000"/>
-                <a:headEnd/>
-                <a:tailEnd/>
-              </a14:hiddenLine>
-            </a:ext>
-          </a:extLst>
-        </p:spPr>
-      </p:pic>
-    </p:spTree>
-    <p:extLst>
-      <p:ext uri="{BB962C8B-B14F-4D97-AF65-F5344CB8AC3E}">
-        <p14:creationId xmlns:p14="http://schemas.microsoft.com/office/powerpoint/2010/main" val="2844699644"/>
-      </p:ext>
-    </p:extLst>
-  </p:cSld>
-  <p:clrMapOvr>
-    <a:masterClrMapping/>
-  </p:clrMapOvr>
-  <mc:AlternateContent xmlns:mc="http://schemas.openxmlformats.org/markup-compatibility/2006" xmlns:p15="http://schemas.microsoft.com/office/powerpoint/2012/main">
-    <mc:Choice Requires="p15">
-      <p:transition xmlns:p14="http://schemas.microsoft.com/office/powerpoint/2010/main" spd="slow" p14:dur="2000">
-        <p15:prstTrans prst="drape"/>
-      </p:transition>
-    </mc:Choice>
-    <mc:Fallback xmlns="">
-      <p:transition spd="slow">
-        <p:fade/>
-      </p:transition>
-    </mc:Fallback>
-  </mc:AlternateContent>
-</p:sld>
-</file>
-
-<file path=ppt/slides/slide19.xml><?xml version="1.0" encoding="utf-8"?>
-<p:sld xmlns:a="http://schemas.openxmlformats.org/drawingml/2006/main" xmlns:r="http://schemas.openxmlformats.org/officeDocument/2006/relationships" xmlns:p="http://schemas.openxmlformats.org/presentationml/2006/main">
-  <p:cSld>
-    <p:spTree>
-      <p:nvGrpSpPr>
-        <p:cNvPr id="1" name=""/>
-        <p:cNvGrpSpPr/>
-        <p:nvPr/>
-      </p:nvGrpSpPr>
-      <p:grpSpPr>
-        <a:xfrm>
-          <a:off x="0" y="0"/>
-          <a:ext cx="0" cy="0"/>
-          <a:chOff x="0" y="0"/>
-          <a:chExt cx="0" cy="0"/>
-        </a:xfrm>
-      </p:grpSpPr>
-      <p:sp>
-        <p:nvSpPr>
-          <p:cNvPr id="2" name="Title 1"/>
-          <p:cNvSpPr>
-            <a:spLocks noGrp="1"/>
-          </p:cNvSpPr>
-          <p:nvPr>
-            <p:ph type="title"/>
-          </p:nvPr>
-        </p:nvSpPr>
-        <p:spPr>
-          <a:xfrm>
-            <a:off x="2671842" y="805713"/>
-            <a:ext cx="9520158" cy="1049235"/>
-          </a:xfrm>
-        </p:spPr>
-        <p:txBody>
-          <a:bodyPr/>
-          <a:lstStyle/>
-          <a:p>
-            <a:endParaRPr lang="en-US" dirty="0"/>
-          </a:p>
-        </p:txBody>
-      </p:sp>
-      <p:sp>
-        <p:nvSpPr>
-          <p:cNvPr id="3" name="Content Placeholder 2"/>
-          <p:cNvSpPr>
-            <a:spLocks noGrp="1"/>
-          </p:cNvSpPr>
-          <p:nvPr>
-            <p:ph idx="1"/>
-          </p:nvPr>
-        </p:nvSpPr>
-        <p:spPr/>
-        <p:txBody>
-          <a:bodyPr/>
-          <a:lstStyle/>
-          <a:p>
-            <a:endParaRPr lang="en-US" dirty="0"/>
-          </a:p>
-        </p:txBody>
-      </p:sp>
-      <p:pic>
-        <p:nvPicPr>
-          <p:cNvPr id="5122" name="Picture 2" descr="Activity%20Diagram%20Instructor%201_zpszz6du5ca.png"/>
-          <p:cNvPicPr>
-            <a:picLocks noChangeAspect="1" noChangeArrowheads="1"/>
-          </p:cNvPicPr>
-          <p:nvPr/>
-        </p:nvPicPr>
-        <p:blipFill>
-          <a:blip r:embed="rId2" r:link="rId3">
-            <a:extLst>
-              <a:ext uri="{28A0092B-C50C-407E-A947-70E740481C1C}">
-                <a14:useLocalDpi xmlns:a14="http://schemas.microsoft.com/office/drawing/2010/main" val="0"/>
-              </a:ext>
-            </a:extLst>
-          </a:blip>
-          <a:srcRect/>
-          <a:stretch>
-            <a:fillRect/>
-          </a:stretch>
-        </p:blipFill>
-        <p:spPr bwMode="auto">
-          <a:xfrm>
-            <a:off x="1913169" y="188733"/>
-            <a:ext cx="3983110" cy="3332430"/>
-          </a:xfrm>
-          <a:prstGeom prst="rect">
-            <a:avLst/>
-          </a:prstGeom>
-          <a:noFill/>
-          <a:ln>
-            <a:noFill/>
-          </a:ln>
-          <a:extLst>
-            <a:ext uri="{909E8E84-426E-40DD-AFC4-6F175D3DCCD1}">
-              <a14:hiddenFill xmlns:a14="http://schemas.microsoft.com/office/drawing/2010/main">
-                <a:solidFill>
-                  <a:srgbClr val="FFFFFF"/>
-                </a:solidFill>
-              </a14:hiddenFill>
-            </a:ext>
-            <a:ext uri="{91240B29-F687-4F45-9708-019B960494DF}">
-              <a14:hiddenLine xmlns:a14="http://schemas.microsoft.com/office/drawing/2010/main" w="9525">
-                <a:solidFill>
-                  <a:srgbClr val="000000"/>
-                </a:solidFill>
-                <a:miter lim="800000"/>
-                <a:headEnd/>
-                <a:tailEnd/>
-              </a14:hiddenLine>
-            </a:ext>
-          </a:extLst>
-        </p:spPr>
-      </p:pic>
-      <p:pic>
-        <p:nvPicPr>
-          <p:cNvPr id="5123" name="Picture 3" descr="Activity%20Diagram%20Instructor%202_zps02matcxz.png"/>
-          <p:cNvPicPr>
-            <a:picLocks noChangeAspect="1" noChangeArrowheads="1"/>
-          </p:cNvPicPr>
-          <p:nvPr/>
-        </p:nvPicPr>
-        <p:blipFill>
-          <a:blip r:embed="rId4" r:link="rId5">
-            <a:extLst>
-              <a:ext uri="{28A0092B-C50C-407E-A947-70E740481C1C}">
-                <a14:useLocalDpi xmlns:a14="http://schemas.microsoft.com/office/drawing/2010/main" val="0"/>
-              </a:ext>
-            </a:extLst>
-          </a:blip>
-          <a:srcRect/>
-          <a:stretch>
-            <a:fillRect/>
-          </a:stretch>
-        </p:blipFill>
-        <p:spPr bwMode="auto">
-          <a:xfrm>
-            <a:off x="1908324" y="3521163"/>
-            <a:ext cx="3987955" cy="3285757"/>
-          </a:xfrm>
-          <a:prstGeom prst="rect">
-            <a:avLst/>
-          </a:prstGeom>
-          <a:noFill/>
-          <a:ln>
-            <a:noFill/>
-          </a:ln>
-          <a:extLst>
-            <a:ext uri="{909E8E84-426E-40DD-AFC4-6F175D3DCCD1}">
-              <a14:hiddenFill xmlns:a14="http://schemas.microsoft.com/office/drawing/2010/main">
-                <a:solidFill>
-                  <a:srgbClr val="FFFFFF"/>
-                </a:solidFill>
-              </a14:hiddenFill>
-            </a:ext>
-            <a:ext uri="{91240B29-F687-4F45-9708-019B960494DF}">
-              <a14:hiddenLine xmlns:a14="http://schemas.microsoft.com/office/drawing/2010/main" w="9525">
-                <a:solidFill>
-                  <a:srgbClr val="000000"/>
-                </a:solidFill>
-                <a:miter lim="800000"/>
-                <a:headEnd/>
-                <a:tailEnd/>
-              </a14:hiddenLine>
-            </a:ext>
-          </a:extLst>
-        </p:spPr>
-      </p:pic>
-      <p:pic>
-        <p:nvPicPr>
-          <p:cNvPr id="5124" name="Picture 4" descr="Activity%20Diagram%20Instructor%203_zpsizwfijes.png"/>
-          <p:cNvPicPr>
-            <a:picLocks noChangeAspect="1" noChangeArrowheads="1"/>
-          </p:cNvPicPr>
-          <p:nvPr/>
-        </p:nvPicPr>
-        <p:blipFill>
-          <a:blip r:embed="rId6" r:link="rId7">
-            <a:extLst>
-              <a:ext uri="{28A0092B-C50C-407E-A947-70E740481C1C}">
-                <a14:useLocalDpi xmlns:a14="http://schemas.microsoft.com/office/drawing/2010/main" val="0"/>
-              </a:ext>
-            </a:extLst>
-          </a:blip>
-          <a:srcRect/>
-          <a:stretch>
-            <a:fillRect/>
-          </a:stretch>
-        </p:blipFill>
-        <p:spPr bwMode="auto">
-          <a:xfrm>
-            <a:off x="6654952" y="1643430"/>
-            <a:ext cx="4778375" cy="3698875"/>
-          </a:xfrm>
-          <a:prstGeom prst="rect">
-            <a:avLst/>
-          </a:prstGeom>
-          <a:noFill/>
-          <a:ln>
-            <a:noFill/>
-          </a:ln>
-          <a:extLst>
-            <a:ext uri="{909E8E84-426E-40DD-AFC4-6F175D3DCCD1}">
-              <a14:hiddenFill xmlns:a14="http://schemas.microsoft.com/office/drawing/2010/main">
-                <a:solidFill>
-                  <a:srgbClr val="FFFFFF"/>
-                </a:solidFill>
-              </a14:hiddenFill>
-            </a:ext>
-            <a:ext uri="{91240B29-F687-4F45-9708-019B960494DF}">
-              <a14:hiddenLine xmlns:a14="http://schemas.microsoft.com/office/drawing/2010/main" w="9525">
-                <a:solidFill>
-                  <a:srgbClr val="000000"/>
-                </a:solidFill>
-                <a:miter lim="800000"/>
-                <a:headEnd/>
-                <a:tailEnd/>
-              </a14:hiddenLine>
-            </a:ext>
-          </a:extLst>
-        </p:spPr>
-      </p:pic>
-    </p:spTree>
-    <p:extLst>
-      <p:ext uri="{BB962C8B-B14F-4D97-AF65-F5344CB8AC3E}">
-        <p14:creationId xmlns:p14="http://schemas.microsoft.com/office/powerpoint/2010/main" val="1503081106"/>
-      </p:ext>
-    </p:extLst>
-  </p:cSld>
-  <p:clrMapOvr>
-    <a:masterClrMapping/>
-  </p:clrMapOvr>
-  <mc:AlternateContent xmlns:mc="http://schemas.openxmlformats.org/markup-compatibility/2006" xmlns:p15="http://schemas.microsoft.com/office/powerpoint/2012/main">
-    <mc:Choice Requires="p15">
-      <p:transition xmlns:p14="http://schemas.microsoft.com/office/powerpoint/2010/main" spd="slow" p14:dur="2000">
-        <p15:prstTrans prst="drape"/>
-      </p:transition>
-    </mc:Choice>
-    <mc:Fallback xmlns="">
-      <p:transition spd="slow">
-        <p:fade/>
-      </p:transition>
-    </mc:Fallback>
-  </mc:AlternateContent>
-</p:sld>
-</file>
-
 <file path=ppt/slides/slide2.xml><?xml version="1.0" encoding="utf-8"?>
 <p:sld xmlns:a="http://schemas.openxmlformats.org/drawingml/2006/main" xmlns:r="http://schemas.openxmlformats.org/officeDocument/2006/relationships" xmlns:p="http://schemas.openxmlformats.org/presentationml/2006/main">
   <p:cSld>
@@ -6189,7 +5440,7 @@
           <a:p>
             <a:r>
               <a:rPr lang="en-US" sz="2800" dirty="0"/>
-              <a:t>Grades cannot access easily </a:t>
+              <a:t>Grades cannot be accessed easily </a:t>
             </a:r>
           </a:p>
           <a:p>
@@ -6254,8 +5505,8 @@
         </p:nvSpPr>
         <p:spPr>
           <a:xfrm>
-            <a:off x="1534694" y="465222"/>
-            <a:ext cx="9935409" cy="1299410"/>
+            <a:off x="1534695" y="467634"/>
+            <a:ext cx="9520158" cy="1321951"/>
           </a:xfrm>
         </p:spPr>
         <p:txBody>
@@ -6266,7 +5517,7 @@
           <a:p>
             <a:r>
               <a:rPr lang="en-US" sz="3600" dirty="0"/>
-              <a:t>LSC Learning Management System</a:t>
+              <a:t>Objective</a:t>
             </a:r>
           </a:p>
         </p:txBody>
@@ -6283,13 +5534,13 @@
         </p:nvSpPr>
         <p:spPr>
           <a:xfrm>
-            <a:off x="1534695" y="2015732"/>
-            <a:ext cx="9935409" cy="4401110"/>
-          </a:xfrm>
-        </p:spPr>
-        <p:txBody>
-          <a:bodyPr>
-            <a:normAutofit/>
+            <a:off x="431385" y="1982091"/>
+            <a:ext cx="11726779" cy="4577574"/>
+          </a:xfrm>
+        </p:spPr>
+        <p:txBody>
+          <a:bodyPr numCol="2">
+            <a:normAutofit fontScale="92500" lnSpcReduction="10000"/>
           </a:bodyPr>
           <a:lstStyle/>
           <a:p>
@@ -6298,26 +5549,38 @@
             </a:pPr>
             <a:r>
               <a:rPr lang="en-US" sz="2400" dirty="0"/>
-              <a:t>Frontend:				</a:t>
+              <a:t>General Objectives:</a:t>
             </a:r>
           </a:p>
           <a:p>
             <a:r>
               <a:rPr lang="en-US" sz="2400" dirty="0"/>
-              <a:t>Track student’s performance			</a:t>
+              <a:t>To provide efficient way of learning </a:t>
             </a:r>
           </a:p>
           <a:p>
             <a:r>
               <a:rPr lang="en-US" sz="2400" dirty="0"/>
-              <a:t>Analyze performance</a:t>
+              <a:t>To provide faster tracking of student’s performance</a:t>
             </a:r>
           </a:p>
           <a:p>
             <a:r>
               <a:rPr lang="en-US" sz="2400" dirty="0"/>
-              <a:t>Notify student if there are tasks</a:t>
-            </a:r>
+              <a:t>To provide easier administration </a:t>
+            </a:r>
+          </a:p>
+          <a:p>
+            <a:endParaRPr lang="en-US" sz="2400" dirty="0"/>
+          </a:p>
+          <a:p>
+            <a:endParaRPr lang="en-US" sz="2400" dirty="0"/>
+          </a:p>
+          <a:p>
+            <a:endParaRPr lang="en-US" sz="2400" dirty="0"/>
+          </a:p>
+          <a:p>
+            <a:endParaRPr lang="en-US" sz="2400" dirty="0"/>
           </a:p>
           <a:p>
             <a:pPr marL="0" indent="0">
@@ -6325,19 +5588,31 @@
             </a:pPr>
             <a:r>
               <a:rPr lang="en-US" sz="2400" dirty="0"/>
-              <a:t>Backend:</a:t>
+              <a:t>Specific Objectives</a:t>
             </a:r>
           </a:p>
           <a:p>
             <a:r>
               <a:rPr lang="en-US" sz="2400" dirty="0"/>
-              <a:t>Manage courses, tasks and attendance</a:t>
+              <a:t>To provide system and database</a:t>
             </a:r>
           </a:p>
           <a:p>
             <a:r>
               <a:rPr lang="en-US" sz="2400" dirty="0"/>
-              <a:t>Create, delete and update courses and tasks</a:t>
+              <a:t>To provide faster administration of records of students</a:t>
+            </a:r>
+          </a:p>
+          <a:p>
+            <a:r>
+              <a:rPr lang="en-US" sz="2400" dirty="0"/>
+              <a:t>To announce updates faster</a:t>
+            </a:r>
+          </a:p>
+          <a:p>
+            <a:r>
+              <a:rPr lang="en-US" sz="2400" dirty="0"/>
+              <a:t>To provide easier access on student’s progress</a:t>
             </a:r>
           </a:p>
           <a:p>
@@ -6351,7 +5626,7 @@
     </p:spTree>
     <p:extLst>
       <p:ext uri="{BB962C8B-B14F-4D97-AF65-F5344CB8AC3E}">
-        <p14:creationId xmlns:p14="http://schemas.microsoft.com/office/powerpoint/2010/main" val="822732753"/>
+        <p14:creationId xmlns:p14="http://schemas.microsoft.com/office/powerpoint/2010/main" val="3566327374"/>
       </p:ext>
     </p:extLst>
   </p:cSld>
@@ -6402,8 +5677,8 @@
         </p:nvSpPr>
         <p:spPr>
           <a:xfrm>
-            <a:off x="1534695" y="467634"/>
-            <a:ext cx="9520158" cy="1321951"/>
+            <a:off x="1534694" y="465222"/>
+            <a:ext cx="9935409" cy="1299410"/>
           </a:xfrm>
         </p:spPr>
         <p:txBody>
@@ -6414,7 +5689,7 @@
           <a:p>
             <a:r>
               <a:rPr lang="en-US" sz="3600" dirty="0"/>
-              <a:t>Objective</a:t>
+              <a:t>LSC Learning Management System</a:t>
             </a:r>
           </a:p>
         </p:txBody>
@@ -6431,13 +5706,13 @@
         </p:nvSpPr>
         <p:spPr>
           <a:xfrm>
-            <a:off x="431385" y="1982091"/>
-            <a:ext cx="11726779" cy="4577574"/>
-          </a:xfrm>
-        </p:spPr>
-        <p:txBody>
-          <a:bodyPr numCol="2">
-            <a:normAutofit fontScale="92500" lnSpcReduction="10000"/>
+            <a:off x="1534695" y="2015732"/>
+            <a:ext cx="9935409" cy="4401110"/>
+          </a:xfrm>
+        </p:spPr>
+        <p:txBody>
+          <a:bodyPr>
+            <a:normAutofit/>
           </a:bodyPr>
           <a:lstStyle/>
           <a:p>
@@ -6446,38 +5721,26 @@
             </a:pPr>
             <a:r>
               <a:rPr lang="en-US" sz="2400" dirty="0"/>
-              <a:t>General Objectives:</a:t>
+              <a:t>Frontend:				</a:t>
             </a:r>
           </a:p>
           <a:p>
             <a:r>
               <a:rPr lang="en-US" sz="2400" dirty="0"/>
-              <a:t>To provide efficient way of learning </a:t>
+              <a:t>Track student’s performance			</a:t>
             </a:r>
           </a:p>
           <a:p>
             <a:r>
               <a:rPr lang="en-US" sz="2400" dirty="0"/>
-              <a:t>To provide faster tracking of student’s performance</a:t>
+              <a:t>Analyze performance</a:t>
             </a:r>
           </a:p>
           <a:p>
             <a:r>
               <a:rPr lang="en-US" sz="2400" dirty="0"/>
-              <a:t>To provide easier administration </a:t>
-            </a:r>
-          </a:p>
-          <a:p>
-            <a:endParaRPr lang="en-US" sz="2400" dirty="0"/>
-          </a:p>
-          <a:p>
-            <a:endParaRPr lang="en-US" sz="2400" dirty="0"/>
-          </a:p>
-          <a:p>
-            <a:endParaRPr lang="en-US" sz="2400" dirty="0"/>
-          </a:p>
-          <a:p>
-            <a:endParaRPr lang="en-US" sz="2400" dirty="0"/>
+              <a:t>Notify student if there are tasks</a:t>
+            </a:r>
           </a:p>
           <a:p>
             <a:pPr marL="0" indent="0">
@@ -6485,31 +5748,19 @@
             </a:pPr>
             <a:r>
               <a:rPr lang="en-US" sz="2400" dirty="0"/>
-              <a:t>Specific Objectives</a:t>
+              <a:t>Backend:</a:t>
             </a:r>
           </a:p>
           <a:p>
             <a:r>
               <a:rPr lang="en-US" sz="2400" dirty="0"/>
-              <a:t>To provide system and database</a:t>
+              <a:t>Manage courses, tasks and attendance</a:t>
             </a:r>
           </a:p>
           <a:p>
             <a:r>
               <a:rPr lang="en-US" sz="2400" dirty="0"/>
-              <a:t>To provide faster administration of records of students</a:t>
-            </a:r>
-          </a:p>
-          <a:p>
-            <a:r>
-              <a:rPr lang="en-US" sz="2400" dirty="0"/>
-              <a:t>To announce updates faster</a:t>
-            </a:r>
-          </a:p>
-          <a:p>
-            <a:r>
-              <a:rPr lang="en-US" sz="2400" dirty="0"/>
-              <a:t>To provide easier access on student’s progress</a:t>
+              <a:t>Create, delete and update courses and tasks</a:t>
             </a:r>
           </a:p>
           <a:p>
@@ -6523,7 +5774,7 @@
     </p:spTree>
     <p:extLst>
       <p:ext uri="{BB962C8B-B14F-4D97-AF65-F5344CB8AC3E}">
-        <p14:creationId xmlns:p14="http://schemas.microsoft.com/office/powerpoint/2010/main" val="3566327374"/>
+        <p14:creationId xmlns:p14="http://schemas.microsoft.com/office/powerpoint/2010/main" val="822732753"/>
       </p:ext>
     </p:extLst>
   </p:cSld>

--- a/Documentation/MCSPROJ/LSC-LMS PPT.pptx
+++ b/Documentation/MCSPROJ/LSC-LMS PPT.pptx
@@ -2,25 +2,30 @@
 <file path=ppt/presentation.xml><?xml version="1.0" encoding="utf-8"?>
 <p:presentation xmlns:a="http://schemas.openxmlformats.org/drawingml/2006/main" xmlns:r="http://schemas.openxmlformats.org/officeDocument/2006/relationships" xmlns:p="http://schemas.openxmlformats.org/presentationml/2006/main" autoCompressPictures="0">
   <p:sldMasterIdLst>
-    <p:sldMasterId id="2147483648" r:id="rId1"/>
+    <p:sldMasterId id="2147483696" r:id="rId1"/>
   </p:sldMasterIdLst>
   <p:sldIdLst>
     <p:sldId id="256" r:id="rId2"/>
     <p:sldId id="258" r:id="rId3"/>
     <p:sldId id="274" r:id="rId4"/>
     <p:sldId id="261" r:id="rId5"/>
-    <p:sldId id="259" r:id="rId6"/>
-    <p:sldId id="257" r:id="rId7"/>
+    <p:sldId id="257" r:id="rId6"/>
+    <p:sldId id="259" r:id="rId7"/>
     <p:sldId id="273" r:id="rId8"/>
     <p:sldId id="260" r:id="rId9"/>
     <p:sldId id="262" r:id="rId10"/>
     <p:sldId id="263" r:id="rId11"/>
     <p:sldId id="264" r:id="rId12"/>
-    <p:sldId id="265" r:id="rId13"/>
-    <p:sldId id="266" r:id="rId14"/>
-    <p:sldId id="267" r:id="rId15"/>
-    <p:sldId id="268" r:id="rId16"/>
-    <p:sldId id="269" r:id="rId17"/>
+    <p:sldId id="266" r:id="rId13"/>
+    <p:sldId id="267" r:id="rId14"/>
+    <p:sldId id="268" r:id="rId15"/>
+    <p:sldId id="269" r:id="rId16"/>
+    <p:sldId id="277" r:id="rId17"/>
+    <p:sldId id="278" r:id="rId18"/>
+    <p:sldId id="276" r:id="rId19"/>
+    <p:sldId id="275" r:id="rId20"/>
+    <p:sldId id="279" r:id="rId21"/>
+    <p:sldId id="280" r:id="rId22"/>
   </p:sldIdLst>
   <p:sldSz cx="12192000" cy="6858000"/>
   <p:notesSz cx="6858000" cy="9144000"/>
@@ -128,8 +133,16 @@
 </file>
 
 <file path=ppt/slideLayouts/slideLayout1.xml><?xml version="1.0" encoding="utf-8"?>
-<p:sldLayout xmlns:a="http://schemas.openxmlformats.org/drawingml/2006/main" xmlns:r="http://schemas.openxmlformats.org/officeDocument/2006/relationships" xmlns:p="http://schemas.openxmlformats.org/presentationml/2006/main" type="title" preserve="1">
+<p:sldLayout xmlns:a="http://schemas.openxmlformats.org/drawingml/2006/main" xmlns:r="http://schemas.openxmlformats.org/officeDocument/2006/relationships" xmlns:p="http://schemas.openxmlformats.org/presentationml/2006/main" showMasterSp="0" type="title" preserve="1">
   <p:cSld name="Title Slide">
+    <p:bg>
+      <p:bgPr>
+        <a:solidFill>
+          <a:schemeClr val="accent1"/>
+        </a:solidFill>
+        <a:effectLst/>
+      </p:bgPr>
+    </p:bg>
     <p:spTree>
       <p:nvGrpSpPr>
         <p:cNvPr id="1" name=""/>
@@ -146,6 +159,203 @@
       </p:grpSpPr>
       <p:sp>
         <p:nvSpPr>
+          <p:cNvPr id="12" name="Freeform 6" title="Page Number Shape"/>
+          <p:cNvSpPr/>
+          <p:nvPr/>
+        </p:nvSpPr>
+        <p:spPr bwMode="auto">
+          <a:xfrm>
+            <a:off x="11784011" y="1189204"/>
+            <a:ext cx="407988" cy="819150"/>
+          </a:xfrm>
+          <a:custGeom>
+            <a:avLst/>
+            <a:gdLst/>
+            <a:ahLst/>
+            <a:cxnLst/>
+            <a:rect l="0" t="0" r="r" b="b"/>
+            <a:pathLst>
+              <a:path w="1799" h="3612">
+                <a:moveTo>
+                  <a:pt x="1799" y="0"/>
+                </a:moveTo>
+                <a:lnTo>
+                  <a:pt x="1799" y="3612"/>
+                </a:lnTo>
+                <a:lnTo>
+                  <a:pt x="1686" y="3609"/>
+                </a:lnTo>
+                <a:lnTo>
+                  <a:pt x="1574" y="3598"/>
+                </a:lnTo>
+                <a:lnTo>
+                  <a:pt x="1464" y="3581"/>
+                </a:lnTo>
+                <a:lnTo>
+                  <a:pt x="1357" y="3557"/>
+                </a:lnTo>
+                <a:lnTo>
+                  <a:pt x="1251" y="3527"/>
+                </a:lnTo>
+                <a:lnTo>
+                  <a:pt x="1150" y="3490"/>
+                </a:lnTo>
+                <a:lnTo>
+                  <a:pt x="1050" y="3448"/>
+                </a:lnTo>
+                <a:lnTo>
+                  <a:pt x="953" y="3401"/>
+                </a:lnTo>
+                <a:lnTo>
+                  <a:pt x="860" y="3347"/>
+                </a:lnTo>
+                <a:lnTo>
+                  <a:pt x="771" y="3289"/>
+                </a:lnTo>
+                <a:lnTo>
+                  <a:pt x="686" y="3224"/>
+                </a:lnTo>
+                <a:lnTo>
+                  <a:pt x="604" y="3156"/>
+                </a:lnTo>
+                <a:lnTo>
+                  <a:pt x="527" y="3083"/>
+                </a:lnTo>
+                <a:lnTo>
+                  <a:pt x="454" y="3005"/>
+                </a:lnTo>
+                <a:lnTo>
+                  <a:pt x="386" y="2923"/>
+                </a:lnTo>
+                <a:lnTo>
+                  <a:pt x="323" y="2838"/>
+                </a:lnTo>
+                <a:lnTo>
+                  <a:pt x="265" y="2748"/>
+                </a:lnTo>
+                <a:lnTo>
+                  <a:pt x="211" y="2655"/>
+                </a:lnTo>
+                <a:lnTo>
+                  <a:pt x="163" y="2559"/>
+                </a:lnTo>
+                <a:lnTo>
+                  <a:pt x="121" y="2459"/>
+                </a:lnTo>
+                <a:lnTo>
+                  <a:pt x="85" y="2356"/>
+                </a:lnTo>
+                <a:lnTo>
+                  <a:pt x="55" y="2251"/>
+                </a:lnTo>
+                <a:lnTo>
+                  <a:pt x="32" y="2143"/>
+                </a:lnTo>
+                <a:lnTo>
+                  <a:pt x="14" y="2033"/>
+                </a:lnTo>
+                <a:lnTo>
+                  <a:pt x="4" y="1920"/>
+                </a:lnTo>
+                <a:lnTo>
+                  <a:pt x="0" y="1806"/>
+                </a:lnTo>
+                <a:lnTo>
+                  <a:pt x="4" y="1692"/>
+                </a:lnTo>
+                <a:lnTo>
+                  <a:pt x="14" y="1580"/>
+                </a:lnTo>
+                <a:lnTo>
+                  <a:pt x="32" y="1469"/>
+                </a:lnTo>
+                <a:lnTo>
+                  <a:pt x="55" y="1362"/>
+                </a:lnTo>
+                <a:lnTo>
+                  <a:pt x="85" y="1256"/>
+                </a:lnTo>
+                <a:lnTo>
+                  <a:pt x="121" y="1154"/>
+                </a:lnTo>
+                <a:lnTo>
+                  <a:pt x="163" y="1054"/>
+                </a:lnTo>
+                <a:lnTo>
+                  <a:pt x="211" y="958"/>
+                </a:lnTo>
+                <a:lnTo>
+                  <a:pt x="265" y="864"/>
+                </a:lnTo>
+                <a:lnTo>
+                  <a:pt x="323" y="774"/>
+                </a:lnTo>
+                <a:lnTo>
+                  <a:pt x="386" y="689"/>
+                </a:lnTo>
+                <a:lnTo>
+                  <a:pt x="454" y="607"/>
+                </a:lnTo>
+                <a:lnTo>
+                  <a:pt x="527" y="529"/>
+                </a:lnTo>
+                <a:lnTo>
+                  <a:pt x="604" y="456"/>
+                </a:lnTo>
+                <a:lnTo>
+                  <a:pt x="686" y="388"/>
+                </a:lnTo>
+                <a:lnTo>
+                  <a:pt x="771" y="325"/>
+                </a:lnTo>
+                <a:lnTo>
+                  <a:pt x="860" y="266"/>
+                </a:lnTo>
+                <a:lnTo>
+                  <a:pt x="953" y="212"/>
+                </a:lnTo>
+                <a:lnTo>
+                  <a:pt x="1050" y="164"/>
+                </a:lnTo>
+                <a:lnTo>
+                  <a:pt x="1150" y="122"/>
+                </a:lnTo>
+                <a:lnTo>
+                  <a:pt x="1251" y="85"/>
+                </a:lnTo>
+                <a:lnTo>
+                  <a:pt x="1357" y="55"/>
+                </a:lnTo>
+                <a:lnTo>
+                  <a:pt x="1464" y="32"/>
+                </a:lnTo>
+                <a:lnTo>
+                  <a:pt x="1574" y="14"/>
+                </a:lnTo>
+                <a:lnTo>
+                  <a:pt x="1686" y="5"/>
+                </a:lnTo>
+                <a:lnTo>
+                  <a:pt x="1799" y="0"/>
+                </a:lnTo>
+                <a:close/>
+              </a:path>
+            </a:pathLst>
+          </a:custGeom>
+          <a:solidFill>
+            <a:schemeClr val="tx2"/>
+          </a:solidFill>
+          <a:ln w="0">
+            <a:noFill/>
+            <a:prstDash val="solid"/>
+            <a:round/>
+            <a:headEnd/>
+            <a:tailEnd/>
+          </a:ln>
+        </p:spPr>
+      </p:sp>
+      <p:sp>
+        <p:nvSpPr>
           <p:cNvPr id="2" name="Title 1"/>
           <p:cNvSpPr>
             <a:spLocks noGrp="1"/>
@@ -156,17 +366,24 @@
         </p:nvSpPr>
         <p:spPr>
           <a:xfrm>
-            <a:off x="2493105" y="802298"/>
-            <a:ext cx="8561747" cy="2541431"/>
-          </a:xfrm>
-        </p:spPr>
-        <p:txBody>
-          <a:bodyPr bIns="0" anchor="b">
+            <a:off x="1088913" y="1143293"/>
+            <a:ext cx="7034362" cy="4268965"/>
+          </a:xfrm>
+        </p:spPr>
+        <p:txBody>
+          <a:bodyPr anchor="t">
             <a:normAutofit/>
           </a:bodyPr>
           <a:lstStyle>
             <a:lvl1pPr algn="l">
-              <a:defRPr sz="6600"/>
+              <a:lnSpc>
+                <a:spcPct val="85000"/>
+              </a:lnSpc>
+              <a:defRPr sz="7700" cap="all" baseline="0">
+                <a:solidFill>
+                  <a:schemeClr val="tx2"/>
+                </a:solidFill>
+              </a:defRPr>
             </a:lvl1pPr>
           </a:lstStyle>
           <a:p>
@@ -190,26 +407,32 @@
         </p:nvSpPr>
         <p:spPr>
           <a:xfrm>
-            <a:off x="2493106" y="3531204"/>
-            <a:ext cx="8561746" cy="977621"/>
-          </a:xfrm>
-        </p:spPr>
-        <p:txBody>
-          <a:bodyPr tIns="91440" bIns="91440">
+            <a:off x="1088914" y="5537925"/>
+            <a:ext cx="7034362" cy="706355"/>
+          </a:xfrm>
+        </p:spPr>
+        <p:txBody>
+          <a:bodyPr>
             <a:normAutofit/>
           </a:bodyPr>
           <a:lstStyle>
             <a:lvl1pPr marL="0" indent="0" algn="l">
+              <a:lnSpc>
+                <a:spcPct val="114000"/>
+              </a:lnSpc>
+              <a:spcBef>
+                <a:spcPts val="0"/>
+              </a:spcBef>
               <a:buNone/>
-              <a:defRPr sz="1800" b="0" cap="all" baseline="0">
+              <a:defRPr sz="2000" b="0" i="1" baseline="0">
                 <a:solidFill>
-                  <a:schemeClr val="tx1"/>
+                  <a:schemeClr val="tx2"/>
                 </a:solidFill>
               </a:defRPr>
             </a:lvl1pPr>
             <a:lvl2pPr marL="457200" indent="0" algn="ctr">
               <a:buNone/>
-              <a:defRPr sz="1800"/>
+              <a:defRPr sz="2000"/>
             </a:lvl2pPr>
             <a:lvl3pPr marL="914400" indent="0" algn="ctr">
               <a:buNone/>
@@ -259,14 +482,27 @@
             <p:ph type="dt" sz="half" idx="10"/>
           </p:nvPr>
         </p:nvSpPr>
-        <p:spPr/>
+        <p:spPr>
+          <a:xfrm>
+            <a:off x="1088913" y="6314440"/>
+            <a:ext cx="1596622" cy="365125"/>
+          </a:xfrm>
+        </p:spPr>
         <p:txBody>
           <a:bodyPr/>
-          <a:lstStyle/>
+          <a:lstStyle>
+            <a:lvl1pPr algn="l">
+              <a:defRPr sz="1200">
+                <a:solidFill>
+                  <a:schemeClr val="tx2"/>
+                </a:solidFill>
+              </a:defRPr>
+            </a:lvl1pPr>
+          </a:lstStyle>
           <a:p>
             <a:fld id="{A423BF71-38B7-8642-BFCE-EDAE9BD0CBAF}" type="datetimeFigureOut">
-              <a:rPr lang="en-US" dirty="0"/>
-              <a:t>12/9/2016</a:t>
+              <a:rPr lang="en-US" smtClean="0"/>
+              <a:t>12/14/2016</a:t>
             </a:fld>
             <a:endParaRPr lang="en-US" dirty="0"/>
           </a:p>
@@ -284,13 +520,21 @@
         </p:nvSpPr>
         <p:spPr>
           <a:xfrm>
-            <a:off x="2493105" y="329307"/>
-            <a:ext cx="4897310" cy="309201"/>
+            <a:off x="3000591" y="6314440"/>
+            <a:ext cx="5122683" cy="365125"/>
           </a:xfrm>
         </p:spPr>
         <p:txBody>
           <a:bodyPr/>
-          <a:lstStyle/>
+          <a:lstStyle>
+            <a:lvl1pPr algn="l">
+              <a:defRPr b="0">
+                <a:solidFill>
+                  <a:schemeClr val="tx2"/>
+                </a:solidFill>
+              </a:defRPr>
+            </a:lvl1pPr>
+          </a:lstStyle>
           <a:p>
             <a:endParaRPr lang="en-US" dirty="0"/>
           </a:p>
@@ -308,16 +552,24 @@
         </p:nvSpPr>
         <p:spPr>
           <a:xfrm>
-            <a:off x="1437664" y="798973"/>
-            <a:ext cx="811019" cy="503578"/>
+            <a:off x="11784011" y="1416216"/>
+            <a:ext cx="407988" cy="365125"/>
           </a:xfrm>
         </p:spPr>
         <p:txBody>
           <a:bodyPr/>
-          <a:lstStyle/>
+          <a:lstStyle>
+            <a:lvl1pPr algn="r">
+              <a:defRPr>
+                <a:solidFill>
+                  <a:schemeClr val="accent1"/>
+                </a:solidFill>
+              </a:defRPr>
+            </a:lvl1pPr>
+          </a:lstStyle>
           <a:p>
             <a:fld id="{6D22F896-40B5-4ADD-8801-0D06FADFA095}" type="slidenum">
-              <a:rPr lang="en-US" dirty="0"/>
+              <a:rPr lang="en-US" smtClean="0"/>
               <a:t>‹#›</a:t>
             </a:fld>
             <a:endParaRPr lang="en-US" dirty="0"/>
@@ -326,34 +578,32 @@
       </p:sp>
       <p:cxnSp>
         <p:nvCxnSpPr>
-          <p:cNvPr id="8" name="Straight Connector 7"/>
+          <p:cNvPr id="9" name="Straight Connector 8" title="Verticle Rule Line"/>
           <p:cNvCxnSpPr/>
           <p:nvPr/>
         </p:nvCxnSpPr>
         <p:spPr>
           <a:xfrm>
-            <a:off x="2334637" y="798973"/>
-            <a:ext cx="0" cy="2544756"/>
+            <a:off x="773855" y="1257300"/>
+            <a:ext cx="0" cy="5600700"/>
           </a:xfrm>
           <a:prstGeom prst="line">
             <a:avLst/>
           </a:prstGeom>
-          <a:ln w="38100" cmpd="sng">
+          <a:ln w="25400">
             <a:solidFill>
-              <a:schemeClr val="accent1"/>
+              <a:schemeClr val="tx2"/>
             </a:solidFill>
-            <a:prstDash val="solid"/>
-            <a:tailEnd type="none"/>
           </a:ln>
         </p:spPr>
         <p:style>
-          <a:lnRef idx="3">
+          <a:lnRef idx="1">
             <a:schemeClr val="accent1"/>
           </a:lnRef>
           <a:fillRef idx="0">
             <a:schemeClr val="accent1"/>
           </a:fillRef>
-          <a:effectRef idx="2">
+          <a:effectRef idx="0">
             <a:schemeClr val="accent1"/>
           </a:effectRef>
           <a:fontRef idx="minor">
@@ -362,10 +612,26 @@
         </p:style>
       </p:cxnSp>
     </p:spTree>
+    <p:extLst>
+      <p:ext uri="{BB962C8B-B14F-4D97-AF65-F5344CB8AC3E}">
+        <p14:creationId xmlns:p14="http://schemas.microsoft.com/office/powerpoint/2010/main" val="2357973784"/>
+      </p:ext>
+    </p:extLst>
   </p:cSld>
   <p:clrMapOvr>
-    <a:masterClrMapping/>
+    <a:overrideClrMapping bg1="dk1" tx1="lt1" bg2="dk2" tx2="lt2" accent1="accent1" accent2="accent2" accent3="accent3" accent4="accent4" accent5="accent5" accent6="accent6" hlink="hlink" folHlink="folHlink"/>
   </p:clrMapOvr>
+  <p:extLst mod="1">
+    <p:ext uri="{DCECCB84-F9BA-43D5-87BE-67443E8EF086}">
+      <p15:sldGuideLst xmlns:p15="http://schemas.microsoft.com/office/powerpoint/2012/main">
+        <p15:guide id="1" orient="horz" pos="792">
+          <p15:clr>
+            <a:srgbClr val="FBAE40"/>
+          </p15:clr>
+        </p15:guide>
+      </p15:sldGuideLst>
+    </p:ext>
+  </p:extLst>
 </p:sldLayout>
 </file>
 
@@ -419,7 +685,12 @@
             <p:ph type="body" orient="vert" idx="1"/>
           </p:nvPr>
         </p:nvSpPr>
-        <p:spPr/>
+        <p:spPr>
+          <a:xfrm>
+            <a:off x="5181600" y="640080"/>
+            <a:ext cx="6248398" cy="5584142"/>
+          </a:xfrm>
+        </p:spPr>
         <p:txBody>
           <a:bodyPr vert="eaVert"/>
           <a:lstStyle/>
@@ -477,8 +748,8 @@
           <a:lstStyle/>
           <a:p>
             <a:fld id="{73B025CB-9D18-264E-A945-2D020344C9DA}" type="datetimeFigureOut">
-              <a:rPr lang="en-US" dirty="0"/>
-              <a:t>12/9/2016</a:t>
+              <a:rPr lang="en-US" smtClean="0"/>
+              <a:t>12/14/2016</a:t>
             </a:fld>
             <a:endParaRPr lang="en-US" dirty="0"/>
           </a:p>
@@ -519,51 +790,19 @@
           <a:lstStyle/>
           <a:p>
             <a:fld id="{6D22F896-40B5-4ADD-8801-0D06FADFA095}" type="slidenum">
-              <a:rPr lang="en-US" dirty="0"/>
+              <a:rPr lang="en-US" smtClean="0"/>
               <a:t>‹#›</a:t>
             </a:fld>
             <a:endParaRPr lang="en-US" dirty="0"/>
           </a:p>
         </p:txBody>
       </p:sp>
-      <p:cxnSp>
-        <p:nvCxnSpPr>
-          <p:cNvPr id="8" name="Straight Connector 7"/>
-          <p:cNvCxnSpPr/>
-          <p:nvPr/>
-        </p:nvCxnSpPr>
-        <p:spPr>
-          <a:xfrm>
-            <a:off x="1371687" y="798973"/>
-            <a:ext cx="0" cy="1067168"/>
-          </a:xfrm>
-          <a:prstGeom prst="line">
-            <a:avLst/>
-          </a:prstGeom>
-          <a:ln w="38100" cmpd="sng">
-            <a:solidFill>
-              <a:schemeClr val="accent1"/>
-            </a:solidFill>
-            <a:prstDash val="solid"/>
-            <a:tailEnd type="none"/>
-          </a:ln>
-        </p:spPr>
-        <p:style>
-          <a:lnRef idx="3">
-            <a:schemeClr val="accent1"/>
-          </a:lnRef>
-          <a:fillRef idx="0">
-            <a:schemeClr val="accent1"/>
-          </a:fillRef>
-          <a:effectRef idx="2">
-            <a:schemeClr val="accent1"/>
-          </a:effectRef>
-          <a:fontRef idx="minor">
-            <a:schemeClr val="tx1"/>
-          </a:fontRef>
-        </p:style>
-      </p:cxnSp>
     </p:spTree>
+    <p:extLst>
+      <p:ext uri="{BB962C8B-B14F-4D97-AF65-F5344CB8AC3E}">
+        <p14:creationId xmlns:p14="http://schemas.microsoft.com/office/powerpoint/2010/main" val="1561807229"/>
+      </p:ext>
+    </p:extLst>
   </p:cSld>
   <p:clrMapOvr>
     <a:masterClrMapping/>
@@ -572,7 +811,7 @@
 </file>
 
 <file path=ppt/slideLayouts/slideLayout11.xml><?xml version="1.0" encoding="utf-8"?>
-<p:sldLayout xmlns:a="http://schemas.openxmlformats.org/drawingml/2006/main" xmlns:r="http://schemas.openxmlformats.org/officeDocument/2006/relationships" xmlns:p="http://schemas.openxmlformats.org/presentationml/2006/main" type="vertTitleAndTx" preserve="1">
+<p:sldLayout xmlns:a="http://schemas.openxmlformats.org/drawingml/2006/main" xmlns:r="http://schemas.openxmlformats.org/officeDocument/2006/relationships" xmlns:p="http://schemas.openxmlformats.org/presentationml/2006/main" showMasterSp="0" type="vertTitleAndTx" preserve="1">
   <p:cSld name="Vertical Title and Text">
     <p:spTree>
       <p:nvGrpSpPr>
@@ -590,6 +829,203 @@
       </p:grpSpPr>
       <p:sp>
         <p:nvSpPr>
+          <p:cNvPr id="12" name="Freeform 6" title="Page Number Shape"/>
+          <p:cNvSpPr/>
+          <p:nvPr/>
+        </p:nvSpPr>
+        <p:spPr bwMode="auto">
+          <a:xfrm>
+            <a:off x="11784011" y="5380580"/>
+            <a:ext cx="407988" cy="819150"/>
+          </a:xfrm>
+          <a:custGeom>
+            <a:avLst/>
+            <a:gdLst/>
+            <a:ahLst/>
+            <a:cxnLst/>
+            <a:rect l="0" t="0" r="r" b="b"/>
+            <a:pathLst>
+              <a:path w="1799" h="3612">
+                <a:moveTo>
+                  <a:pt x="1799" y="0"/>
+                </a:moveTo>
+                <a:lnTo>
+                  <a:pt x="1799" y="3612"/>
+                </a:lnTo>
+                <a:lnTo>
+                  <a:pt x="1686" y="3609"/>
+                </a:lnTo>
+                <a:lnTo>
+                  <a:pt x="1574" y="3598"/>
+                </a:lnTo>
+                <a:lnTo>
+                  <a:pt x="1464" y="3581"/>
+                </a:lnTo>
+                <a:lnTo>
+                  <a:pt x="1357" y="3557"/>
+                </a:lnTo>
+                <a:lnTo>
+                  <a:pt x="1251" y="3527"/>
+                </a:lnTo>
+                <a:lnTo>
+                  <a:pt x="1150" y="3490"/>
+                </a:lnTo>
+                <a:lnTo>
+                  <a:pt x="1050" y="3448"/>
+                </a:lnTo>
+                <a:lnTo>
+                  <a:pt x="953" y="3401"/>
+                </a:lnTo>
+                <a:lnTo>
+                  <a:pt x="860" y="3347"/>
+                </a:lnTo>
+                <a:lnTo>
+                  <a:pt x="771" y="3289"/>
+                </a:lnTo>
+                <a:lnTo>
+                  <a:pt x="686" y="3224"/>
+                </a:lnTo>
+                <a:lnTo>
+                  <a:pt x="604" y="3156"/>
+                </a:lnTo>
+                <a:lnTo>
+                  <a:pt x="527" y="3083"/>
+                </a:lnTo>
+                <a:lnTo>
+                  <a:pt x="454" y="3005"/>
+                </a:lnTo>
+                <a:lnTo>
+                  <a:pt x="386" y="2923"/>
+                </a:lnTo>
+                <a:lnTo>
+                  <a:pt x="323" y="2838"/>
+                </a:lnTo>
+                <a:lnTo>
+                  <a:pt x="265" y="2748"/>
+                </a:lnTo>
+                <a:lnTo>
+                  <a:pt x="211" y="2655"/>
+                </a:lnTo>
+                <a:lnTo>
+                  <a:pt x="163" y="2559"/>
+                </a:lnTo>
+                <a:lnTo>
+                  <a:pt x="121" y="2459"/>
+                </a:lnTo>
+                <a:lnTo>
+                  <a:pt x="85" y="2356"/>
+                </a:lnTo>
+                <a:lnTo>
+                  <a:pt x="55" y="2251"/>
+                </a:lnTo>
+                <a:lnTo>
+                  <a:pt x="32" y="2143"/>
+                </a:lnTo>
+                <a:lnTo>
+                  <a:pt x="14" y="2033"/>
+                </a:lnTo>
+                <a:lnTo>
+                  <a:pt x="4" y="1920"/>
+                </a:lnTo>
+                <a:lnTo>
+                  <a:pt x="0" y="1806"/>
+                </a:lnTo>
+                <a:lnTo>
+                  <a:pt x="4" y="1692"/>
+                </a:lnTo>
+                <a:lnTo>
+                  <a:pt x="14" y="1580"/>
+                </a:lnTo>
+                <a:lnTo>
+                  <a:pt x="32" y="1469"/>
+                </a:lnTo>
+                <a:lnTo>
+                  <a:pt x="55" y="1362"/>
+                </a:lnTo>
+                <a:lnTo>
+                  <a:pt x="85" y="1256"/>
+                </a:lnTo>
+                <a:lnTo>
+                  <a:pt x="121" y="1154"/>
+                </a:lnTo>
+                <a:lnTo>
+                  <a:pt x="163" y="1054"/>
+                </a:lnTo>
+                <a:lnTo>
+                  <a:pt x="211" y="958"/>
+                </a:lnTo>
+                <a:lnTo>
+                  <a:pt x="265" y="864"/>
+                </a:lnTo>
+                <a:lnTo>
+                  <a:pt x="323" y="774"/>
+                </a:lnTo>
+                <a:lnTo>
+                  <a:pt x="386" y="689"/>
+                </a:lnTo>
+                <a:lnTo>
+                  <a:pt x="454" y="607"/>
+                </a:lnTo>
+                <a:lnTo>
+                  <a:pt x="527" y="529"/>
+                </a:lnTo>
+                <a:lnTo>
+                  <a:pt x="604" y="456"/>
+                </a:lnTo>
+                <a:lnTo>
+                  <a:pt x="686" y="388"/>
+                </a:lnTo>
+                <a:lnTo>
+                  <a:pt x="771" y="325"/>
+                </a:lnTo>
+                <a:lnTo>
+                  <a:pt x="860" y="266"/>
+                </a:lnTo>
+                <a:lnTo>
+                  <a:pt x="953" y="212"/>
+                </a:lnTo>
+                <a:lnTo>
+                  <a:pt x="1050" y="164"/>
+                </a:lnTo>
+                <a:lnTo>
+                  <a:pt x="1150" y="122"/>
+                </a:lnTo>
+                <a:lnTo>
+                  <a:pt x="1251" y="85"/>
+                </a:lnTo>
+                <a:lnTo>
+                  <a:pt x="1357" y="55"/>
+                </a:lnTo>
+                <a:lnTo>
+                  <a:pt x="1464" y="32"/>
+                </a:lnTo>
+                <a:lnTo>
+                  <a:pt x="1574" y="14"/>
+                </a:lnTo>
+                <a:lnTo>
+                  <a:pt x="1686" y="5"/>
+                </a:lnTo>
+                <a:lnTo>
+                  <a:pt x="1799" y="0"/>
+                </a:lnTo>
+                <a:close/>
+              </a:path>
+            </a:pathLst>
+          </a:custGeom>
+          <a:solidFill>
+            <a:schemeClr val="accent1"/>
+          </a:solidFill>
+          <a:ln w="0">
+            <a:noFill/>
+            <a:prstDash val="solid"/>
+            <a:round/>
+            <a:headEnd/>
+            <a:tailEnd/>
+          </a:ln>
+        </p:spPr>
+      </p:sp>
+      <p:sp>
+        <p:nvSpPr>
           <p:cNvPr id="2" name="Vertical Title 1"/>
           <p:cNvSpPr>
             <a:spLocks noGrp="1"/>
@@ -600,8 +1036,8 @@
         </p:nvSpPr>
         <p:spPr>
           <a:xfrm>
-            <a:off x="9439111" y="883863"/>
-            <a:ext cx="1615742" cy="4574999"/>
+            <a:off x="7990765" y="642931"/>
+            <a:ext cx="2446670" cy="4678106"/>
           </a:xfrm>
         </p:spPr>
         <p:txBody>
@@ -632,8 +1068,8 @@
         </p:nvSpPr>
         <p:spPr>
           <a:xfrm>
-            <a:off x="1534694" y="883863"/>
-            <a:ext cx="7738807" cy="4574999"/>
+            <a:off x="838200" y="642932"/>
+            <a:ext cx="7070678" cy="4678105"/>
           </a:xfrm>
         </p:spPr>
         <p:txBody>
@@ -687,14 +1123,19 @@
             <p:ph type="dt" sz="half" idx="10"/>
           </p:nvPr>
         </p:nvSpPr>
-        <p:spPr/>
+        <p:spPr>
+          <a:xfrm>
+            <a:off x="6536187" y="5927131"/>
+            <a:ext cx="3814856" cy="365125"/>
+          </a:xfrm>
+        </p:spPr>
         <p:txBody>
           <a:bodyPr/>
           <a:lstStyle/>
           <a:p>
             <a:fld id="{507EFB6C-7E96-8F41-8872-189CA1C59F84}" type="datetimeFigureOut">
-              <a:rPr lang="en-US" dirty="0"/>
-              <a:t>12/9/2016</a:t>
+              <a:rPr lang="en-US" smtClean="0"/>
+              <a:t>12/14/2016</a:t>
             </a:fld>
             <a:endParaRPr lang="en-US" dirty="0"/>
           </a:p>
@@ -710,7 +1151,12 @@
             <p:ph type="ftr" sz="quarter" idx="11"/>
           </p:nvPr>
         </p:nvSpPr>
-        <p:spPr/>
+        <p:spPr>
+          <a:xfrm>
+            <a:off x="6536187" y="6315949"/>
+            <a:ext cx="3814856" cy="365125"/>
+          </a:xfrm>
+        </p:spPr>
         <p:txBody>
           <a:bodyPr/>
           <a:lstStyle/>
@@ -729,13 +1175,18 @@
             <p:ph type="sldNum" sz="quarter" idx="12"/>
           </p:nvPr>
         </p:nvSpPr>
-        <p:spPr/>
+        <p:spPr>
+          <a:xfrm>
+            <a:off x="11784011" y="5607592"/>
+            <a:ext cx="407988" cy="365125"/>
+          </a:xfrm>
+        </p:spPr>
         <p:txBody>
           <a:bodyPr/>
           <a:lstStyle/>
           <a:p>
             <a:fld id="{6D22F896-40B5-4ADD-8801-0D06FADFA095}" type="slidenum">
-              <a:rPr lang="en-US" dirty="0"/>
+              <a:rPr lang="en-US" smtClean="0"/>
               <a:t>‹#›</a:t>
             </a:fld>
             <a:endParaRPr lang="en-US" dirty="0"/>
@@ -744,34 +1195,32 @@
       </p:sp>
       <p:cxnSp>
         <p:nvCxnSpPr>
-          <p:cNvPr id="8" name="Straight Connector 7"/>
+          <p:cNvPr id="13" name="Straight Connector 12" title="Horizontal Rule Line"/>
           <p:cNvCxnSpPr/>
           <p:nvPr/>
         </p:nvCxnSpPr>
         <p:spPr>
-          <a:xfrm flipH="1">
-            <a:off x="9439111" y="719272"/>
-            <a:ext cx="1615742" cy="0"/>
+          <a:xfrm>
+            <a:off x="0" y="6199730"/>
+            <a:ext cx="10260011" cy="0"/>
           </a:xfrm>
           <a:prstGeom prst="line">
             <a:avLst/>
           </a:prstGeom>
-          <a:ln w="38100" cmpd="sng">
+          <a:ln w="25400">
             <a:solidFill>
               <a:schemeClr val="accent1"/>
             </a:solidFill>
-            <a:prstDash val="solid"/>
-            <a:tailEnd type="none"/>
           </a:ln>
         </p:spPr>
         <p:style>
-          <a:lnRef idx="3">
+          <a:lnRef idx="1">
             <a:schemeClr val="accent1"/>
           </a:lnRef>
           <a:fillRef idx="0">
             <a:schemeClr val="accent1"/>
           </a:fillRef>
-          <a:effectRef idx="2">
+          <a:effectRef idx="0">
             <a:schemeClr val="accent1"/>
           </a:effectRef>
           <a:fontRef idx="minor">
@@ -780,10 +1229,26 @@
         </p:style>
       </p:cxnSp>
     </p:spTree>
+    <p:extLst>
+      <p:ext uri="{BB962C8B-B14F-4D97-AF65-F5344CB8AC3E}">
+        <p14:creationId xmlns:p14="http://schemas.microsoft.com/office/powerpoint/2010/main" val="3324493438"/>
+      </p:ext>
+    </p:extLst>
   </p:cSld>
   <p:clrMapOvr>
     <a:masterClrMapping/>
   </p:clrMapOvr>
+  <p:extLst mod="1">
+    <p:ext uri="{DCECCB84-F9BA-43D5-87BE-67443E8EF086}">
+      <p15:sldGuideLst xmlns:p15="http://schemas.microsoft.com/office/powerpoint/2012/main">
+        <p15:guide id="1" pos="6456">
+          <p15:clr>
+            <a:srgbClr val="FBAE40"/>
+          </p15:clr>
+        </p15:guide>
+      </p15:sldGuideLst>
+    </p:ext>
+  </p:extLst>
 </p:sldLayout>
 </file>
 
@@ -839,7 +1304,7 @@
         </p:nvSpPr>
         <p:spPr/>
         <p:txBody>
-          <a:bodyPr anchor="t"/>
+          <a:bodyPr/>
           <a:lstStyle/>
           <a:p>
             <a:pPr lvl="0"/>
@@ -895,8 +1360,8 @@
           <a:lstStyle/>
           <a:p>
             <a:fld id="{B6981CDE-9BE7-C544-8ACB-7077DFC4270F}" type="datetimeFigureOut">
-              <a:rPr lang="en-US" dirty="0"/>
-              <a:t>12/9/2016</a:t>
+              <a:rPr lang="en-US" smtClean="0"/>
+              <a:t>12/14/2016</a:t>
             </a:fld>
             <a:endParaRPr lang="en-US" dirty="0"/>
           </a:p>
@@ -937,51 +1402,19 @@
           <a:lstStyle/>
           <a:p>
             <a:fld id="{6D22F896-40B5-4ADD-8801-0D06FADFA095}" type="slidenum">
-              <a:rPr lang="en-US" dirty="0"/>
+              <a:rPr lang="en-US" smtClean="0"/>
               <a:t>‹#›</a:t>
             </a:fld>
             <a:endParaRPr lang="en-US" dirty="0"/>
           </a:p>
         </p:txBody>
       </p:sp>
-      <p:cxnSp>
-        <p:nvCxnSpPr>
-          <p:cNvPr id="8" name="Straight Connector 7"/>
-          <p:cNvCxnSpPr/>
-          <p:nvPr/>
-        </p:nvCxnSpPr>
-        <p:spPr>
-          <a:xfrm>
-            <a:off x="1371687" y="798973"/>
-            <a:ext cx="0" cy="1067168"/>
-          </a:xfrm>
-          <a:prstGeom prst="line">
-            <a:avLst/>
-          </a:prstGeom>
-          <a:ln w="38100" cmpd="sng">
-            <a:solidFill>
-              <a:schemeClr val="accent1"/>
-            </a:solidFill>
-            <a:prstDash val="solid"/>
-            <a:tailEnd type="none"/>
-          </a:ln>
-        </p:spPr>
-        <p:style>
-          <a:lnRef idx="3">
-            <a:schemeClr val="accent1"/>
-          </a:lnRef>
-          <a:fillRef idx="0">
-            <a:schemeClr val="accent1"/>
-          </a:fillRef>
-          <a:effectRef idx="2">
-            <a:schemeClr val="accent1"/>
-          </a:effectRef>
-          <a:fontRef idx="minor">
-            <a:schemeClr val="tx1"/>
-          </a:fontRef>
-        </p:style>
-      </p:cxnSp>
     </p:spTree>
+    <p:extLst>
+      <p:ext uri="{BB962C8B-B14F-4D97-AF65-F5344CB8AC3E}">
+        <p14:creationId xmlns:p14="http://schemas.microsoft.com/office/powerpoint/2010/main" val="1568449385"/>
+      </p:ext>
+    </p:extLst>
   </p:cSld>
   <p:clrMapOvr>
     <a:masterClrMapping/>
@@ -990,8 +1423,16 @@
 </file>
 
 <file path=ppt/slideLayouts/slideLayout3.xml><?xml version="1.0" encoding="utf-8"?>
-<p:sldLayout xmlns:a="http://schemas.openxmlformats.org/drawingml/2006/main" xmlns:r="http://schemas.openxmlformats.org/officeDocument/2006/relationships" xmlns:p="http://schemas.openxmlformats.org/presentationml/2006/main" type="secHead" preserve="1">
+<p:sldLayout xmlns:a="http://schemas.openxmlformats.org/drawingml/2006/main" xmlns:r="http://schemas.openxmlformats.org/officeDocument/2006/relationships" xmlns:p="http://schemas.openxmlformats.org/presentationml/2006/main" showMasterSp="0" type="secHead" preserve="1">
   <p:cSld name="Section Header">
+    <p:bg>
+      <p:bgPr>
+        <a:solidFill>
+          <a:schemeClr val="bg2"/>
+        </a:solidFill>
+        <a:effectLst/>
+      </p:bgPr>
+    </p:bg>
     <p:spTree>
       <p:nvGrpSpPr>
         <p:cNvPr id="1" name=""/>
@@ -1008,6 +1449,203 @@
       </p:grpSpPr>
       <p:sp>
         <p:nvSpPr>
+          <p:cNvPr id="7" name="Freeform 6" title="Page Number Shape"/>
+          <p:cNvSpPr/>
+          <p:nvPr/>
+        </p:nvSpPr>
+        <p:spPr bwMode="auto">
+          <a:xfrm>
+            <a:off x="11784011" y="1393748"/>
+            <a:ext cx="407988" cy="819150"/>
+          </a:xfrm>
+          <a:custGeom>
+            <a:avLst/>
+            <a:gdLst/>
+            <a:ahLst/>
+            <a:cxnLst/>
+            <a:rect l="0" t="0" r="r" b="b"/>
+            <a:pathLst>
+              <a:path w="1799" h="3612">
+                <a:moveTo>
+                  <a:pt x="1799" y="0"/>
+                </a:moveTo>
+                <a:lnTo>
+                  <a:pt x="1799" y="3612"/>
+                </a:lnTo>
+                <a:lnTo>
+                  <a:pt x="1686" y="3609"/>
+                </a:lnTo>
+                <a:lnTo>
+                  <a:pt x="1574" y="3598"/>
+                </a:lnTo>
+                <a:lnTo>
+                  <a:pt x="1464" y="3581"/>
+                </a:lnTo>
+                <a:lnTo>
+                  <a:pt x="1357" y="3557"/>
+                </a:lnTo>
+                <a:lnTo>
+                  <a:pt x="1251" y="3527"/>
+                </a:lnTo>
+                <a:lnTo>
+                  <a:pt x="1150" y="3490"/>
+                </a:lnTo>
+                <a:lnTo>
+                  <a:pt x="1050" y="3448"/>
+                </a:lnTo>
+                <a:lnTo>
+                  <a:pt x="953" y="3401"/>
+                </a:lnTo>
+                <a:lnTo>
+                  <a:pt x="860" y="3347"/>
+                </a:lnTo>
+                <a:lnTo>
+                  <a:pt x="771" y="3289"/>
+                </a:lnTo>
+                <a:lnTo>
+                  <a:pt x="686" y="3224"/>
+                </a:lnTo>
+                <a:lnTo>
+                  <a:pt x="604" y="3156"/>
+                </a:lnTo>
+                <a:lnTo>
+                  <a:pt x="527" y="3083"/>
+                </a:lnTo>
+                <a:lnTo>
+                  <a:pt x="454" y="3005"/>
+                </a:lnTo>
+                <a:lnTo>
+                  <a:pt x="386" y="2923"/>
+                </a:lnTo>
+                <a:lnTo>
+                  <a:pt x="323" y="2838"/>
+                </a:lnTo>
+                <a:lnTo>
+                  <a:pt x="265" y="2748"/>
+                </a:lnTo>
+                <a:lnTo>
+                  <a:pt x="211" y="2655"/>
+                </a:lnTo>
+                <a:lnTo>
+                  <a:pt x="163" y="2559"/>
+                </a:lnTo>
+                <a:lnTo>
+                  <a:pt x="121" y="2459"/>
+                </a:lnTo>
+                <a:lnTo>
+                  <a:pt x="85" y="2356"/>
+                </a:lnTo>
+                <a:lnTo>
+                  <a:pt x="55" y="2251"/>
+                </a:lnTo>
+                <a:lnTo>
+                  <a:pt x="32" y="2143"/>
+                </a:lnTo>
+                <a:lnTo>
+                  <a:pt x="14" y="2033"/>
+                </a:lnTo>
+                <a:lnTo>
+                  <a:pt x="4" y="1920"/>
+                </a:lnTo>
+                <a:lnTo>
+                  <a:pt x="0" y="1806"/>
+                </a:lnTo>
+                <a:lnTo>
+                  <a:pt x="4" y="1692"/>
+                </a:lnTo>
+                <a:lnTo>
+                  <a:pt x="14" y="1580"/>
+                </a:lnTo>
+                <a:lnTo>
+                  <a:pt x="32" y="1469"/>
+                </a:lnTo>
+                <a:lnTo>
+                  <a:pt x="55" y="1362"/>
+                </a:lnTo>
+                <a:lnTo>
+                  <a:pt x="85" y="1256"/>
+                </a:lnTo>
+                <a:lnTo>
+                  <a:pt x="121" y="1154"/>
+                </a:lnTo>
+                <a:lnTo>
+                  <a:pt x="163" y="1054"/>
+                </a:lnTo>
+                <a:lnTo>
+                  <a:pt x="211" y="958"/>
+                </a:lnTo>
+                <a:lnTo>
+                  <a:pt x="265" y="864"/>
+                </a:lnTo>
+                <a:lnTo>
+                  <a:pt x="323" y="774"/>
+                </a:lnTo>
+                <a:lnTo>
+                  <a:pt x="386" y="689"/>
+                </a:lnTo>
+                <a:lnTo>
+                  <a:pt x="454" y="607"/>
+                </a:lnTo>
+                <a:lnTo>
+                  <a:pt x="527" y="529"/>
+                </a:lnTo>
+                <a:lnTo>
+                  <a:pt x="604" y="456"/>
+                </a:lnTo>
+                <a:lnTo>
+                  <a:pt x="686" y="388"/>
+                </a:lnTo>
+                <a:lnTo>
+                  <a:pt x="771" y="325"/>
+                </a:lnTo>
+                <a:lnTo>
+                  <a:pt x="860" y="266"/>
+                </a:lnTo>
+                <a:lnTo>
+                  <a:pt x="953" y="212"/>
+                </a:lnTo>
+                <a:lnTo>
+                  <a:pt x="1050" y="164"/>
+                </a:lnTo>
+                <a:lnTo>
+                  <a:pt x="1150" y="122"/>
+                </a:lnTo>
+                <a:lnTo>
+                  <a:pt x="1251" y="85"/>
+                </a:lnTo>
+                <a:lnTo>
+                  <a:pt x="1357" y="55"/>
+                </a:lnTo>
+                <a:lnTo>
+                  <a:pt x="1464" y="32"/>
+                </a:lnTo>
+                <a:lnTo>
+                  <a:pt x="1574" y="14"/>
+                </a:lnTo>
+                <a:lnTo>
+                  <a:pt x="1686" y="5"/>
+                </a:lnTo>
+                <a:lnTo>
+                  <a:pt x="1799" y="0"/>
+                </a:lnTo>
+                <a:close/>
+              </a:path>
+            </a:pathLst>
+          </a:custGeom>
+          <a:solidFill>
+            <a:schemeClr val="accent1"/>
+          </a:solidFill>
+          <a:ln w="0">
+            <a:noFill/>
+            <a:prstDash val="solid"/>
+            <a:round/>
+            <a:headEnd/>
+            <a:tailEnd/>
+          </a:ln>
+        </p:spPr>
+      </p:sp>
+      <p:sp>
+        <p:nvSpPr>
           <p:cNvPr id="2" name="Title 1"/>
           <p:cNvSpPr>
             <a:spLocks noGrp="1"/>
@@ -1018,17 +1656,24 @@
         </p:nvSpPr>
         <p:spPr>
           <a:xfrm>
-            <a:off x="1534813" y="1756130"/>
-            <a:ext cx="8562580" cy="1887950"/>
-          </a:xfrm>
-        </p:spPr>
-        <p:txBody>
-          <a:bodyPr anchor="b">
+            <a:off x="1947673" y="2571722"/>
+            <a:ext cx="8296654" cy="3286153"/>
+          </a:xfrm>
+        </p:spPr>
+        <p:txBody>
+          <a:bodyPr anchor="t">
             <a:normAutofit/>
           </a:bodyPr>
           <a:lstStyle>
-            <a:lvl1pPr algn="l">
-              <a:defRPr sz="3600"/>
+            <a:lvl1pPr>
+              <a:lnSpc>
+                <a:spcPct val="85000"/>
+              </a:lnSpc>
+              <a:defRPr sz="7700" cap="all" baseline="0">
+                <a:solidFill>
+                  <a:schemeClr val="accent1"/>
+                </a:solidFill>
+              </a:defRPr>
             </a:lvl1pPr>
           </a:lstStyle>
           <a:p>
@@ -1052,26 +1697,32 @@
         </p:nvSpPr>
         <p:spPr>
           <a:xfrm>
-            <a:off x="1534695" y="3806195"/>
-            <a:ext cx="8549990" cy="1012929"/>
-          </a:xfrm>
-        </p:spPr>
-        <p:txBody>
-          <a:bodyPr tIns="91440">
+            <a:off x="1947673" y="1393748"/>
+            <a:ext cx="8401429" cy="819150"/>
+          </a:xfrm>
+        </p:spPr>
+        <p:txBody>
+          <a:bodyPr anchor="ctr">
             <a:normAutofit/>
           </a:bodyPr>
           <a:lstStyle>
-            <a:lvl1pPr marL="0" indent="0" algn="l">
+            <a:lvl1pPr marL="0" indent="0" algn="r">
+              <a:lnSpc>
+                <a:spcPct val="113000"/>
+              </a:lnSpc>
+              <a:spcBef>
+                <a:spcPts val="0"/>
+              </a:spcBef>
               <a:buNone/>
-              <a:defRPr sz="1800">
+              <a:defRPr sz="2000" b="0" i="1" baseline="0">
                 <a:solidFill>
-                  <a:schemeClr val="tx1"/>
+                  <a:schemeClr val="accent1"/>
                 </a:solidFill>
               </a:defRPr>
             </a:lvl1pPr>
             <a:lvl2pPr marL="457200" indent="0">
               <a:buNone/>
-              <a:defRPr sz="1800">
+              <a:defRPr sz="2000">
                 <a:solidFill>
                   <a:schemeClr val="tx1">
                     <a:tint val="75000"/>
@@ -1169,14 +1820,27 @@
             <p:ph type="dt" sz="half" idx="10"/>
           </p:nvPr>
         </p:nvSpPr>
-        <p:spPr/>
+        <p:spPr>
+          <a:xfrm>
+            <a:off x="8742955" y="6314439"/>
+            <a:ext cx="1596622" cy="365125"/>
+          </a:xfrm>
+        </p:spPr>
         <p:txBody>
           <a:bodyPr/>
-          <a:lstStyle/>
+          <a:lstStyle>
+            <a:lvl1pPr>
+              <a:defRPr sz="1200">
+                <a:solidFill>
+                  <a:schemeClr val="accent1"/>
+                </a:solidFill>
+              </a:defRPr>
+            </a:lvl1pPr>
+          </a:lstStyle>
           <a:p>
             <a:fld id="{B55BA285-9698-1B45-8319-D90A8C63F150}" type="datetimeFigureOut">
-              <a:rPr lang="en-US" dirty="0"/>
-              <a:t>12/9/2016</a:t>
+              <a:rPr lang="en-US" smtClean="0"/>
+              <a:t>12/14/2016</a:t>
             </a:fld>
             <a:endParaRPr lang="en-US" dirty="0"/>
           </a:p>
@@ -1192,10 +1856,23 @@
             <p:ph type="ftr" sz="quarter" idx="11"/>
           </p:nvPr>
         </p:nvSpPr>
-        <p:spPr/>
+        <p:spPr>
+          <a:xfrm>
+            <a:off x="1947673" y="6314440"/>
+            <a:ext cx="6480226" cy="365125"/>
+          </a:xfrm>
+        </p:spPr>
         <p:txBody>
           <a:bodyPr/>
-          <a:lstStyle/>
+          <a:lstStyle>
+            <a:lvl1pPr>
+              <a:defRPr b="0">
+                <a:solidFill>
+                  <a:schemeClr val="accent1"/>
+                </a:solidFill>
+              </a:defRPr>
+            </a:lvl1pPr>
+          </a:lstStyle>
           <a:p>
             <a:endParaRPr lang="en-US" dirty="0"/>
           </a:p>
@@ -1211,13 +1888,26 @@
             <p:ph type="sldNum" sz="quarter" idx="12"/>
           </p:nvPr>
         </p:nvSpPr>
-        <p:spPr/>
+        <p:spPr>
+          <a:xfrm>
+            <a:off x="11784011" y="1620760"/>
+            <a:ext cx="407988" cy="365125"/>
+          </a:xfrm>
+        </p:spPr>
         <p:txBody>
           <a:bodyPr/>
-          <a:lstStyle/>
+          <a:lstStyle>
+            <a:lvl1pPr>
+              <a:defRPr>
+                <a:solidFill>
+                  <a:schemeClr val="bg2"/>
+                </a:solidFill>
+              </a:defRPr>
+            </a:lvl1pPr>
+          </a:lstStyle>
           <a:p>
             <a:fld id="{6D22F896-40B5-4ADD-8801-0D06FADFA095}" type="slidenum">
-              <a:rPr lang="en-US" dirty="0"/>
+              <a:rPr lang="en-US" smtClean="0"/>
               <a:t>‹#›</a:t>
             </a:fld>
             <a:endParaRPr lang="en-US" dirty="0"/>
@@ -1226,34 +1916,32 @@
       </p:sp>
       <p:cxnSp>
         <p:nvCxnSpPr>
-          <p:cNvPr id="8" name="Straight Connector 7"/>
+          <p:cNvPr id="10" name="Straight Connector 9" title="Horizontal Rule Line"/>
           <p:cNvCxnSpPr/>
           <p:nvPr/>
         </p:nvCxnSpPr>
         <p:spPr>
-          <a:xfrm>
-            <a:off x="1371687" y="798973"/>
-            <a:ext cx="0" cy="2845107"/>
+          <a:xfrm flipH="1">
+            <a:off x="1" y="6178167"/>
+            <a:ext cx="10244326" cy="0"/>
           </a:xfrm>
           <a:prstGeom prst="line">
             <a:avLst/>
           </a:prstGeom>
-          <a:ln w="38100" cmpd="sng">
+          <a:ln w="25400">
             <a:solidFill>
               <a:schemeClr val="accent1"/>
             </a:solidFill>
-            <a:prstDash val="solid"/>
-            <a:tailEnd type="none"/>
           </a:ln>
         </p:spPr>
         <p:style>
-          <a:lnRef idx="3">
+          <a:lnRef idx="1">
             <a:schemeClr val="accent1"/>
           </a:lnRef>
           <a:fillRef idx="0">
             <a:schemeClr val="accent1"/>
           </a:fillRef>
-          <a:effectRef idx="2">
+          <a:effectRef idx="0">
             <a:schemeClr val="accent1"/>
           </a:effectRef>
           <a:fontRef idx="minor">
@@ -1262,10 +1950,26 @@
         </p:style>
       </p:cxnSp>
     </p:spTree>
+    <p:extLst>
+      <p:ext uri="{BB962C8B-B14F-4D97-AF65-F5344CB8AC3E}">
+        <p14:creationId xmlns:p14="http://schemas.microsoft.com/office/powerpoint/2010/main" val="1510393423"/>
+      </p:ext>
+    </p:extLst>
   </p:cSld>
   <p:clrMapOvr>
     <a:masterClrMapping/>
   </p:clrMapOvr>
+  <p:extLst mod="1">
+    <p:ext uri="{DCECCB84-F9BA-43D5-87BE-67443E8EF086}">
+      <p15:sldGuideLst xmlns:p15="http://schemas.microsoft.com/office/powerpoint/2012/main">
+        <p15:guide id="1" pos="6456">
+          <p15:clr>
+            <a:srgbClr val="FBAE40"/>
+          </p15:clr>
+        </p15:guide>
+      </p15:sldGuideLst>
+    </p:ext>
+  </p:extLst>
 </p:sldLayout>
 </file>
 
@@ -1296,12 +2000,7 @@
             <p:ph type="title"/>
           </p:nvPr>
         </p:nvSpPr>
-        <p:spPr>
-          <a:xfrm>
-            <a:off x="1534695" y="804889"/>
-            <a:ext cx="9520157" cy="1059305"/>
-          </a:xfrm>
-        </p:spPr>
+        <p:spPr/>
         <p:txBody>
           <a:bodyPr/>
           <a:lstStyle/>
@@ -1326,8 +2025,8 @@
         </p:nvSpPr>
         <p:spPr>
           <a:xfrm>
-            <a:off x="1534695" y="2010878"/>
-            <a:ext cx="4608576" cy="3438144"/>
+            <a:off x="5181600" y="540628"/>
+            <a:ext cx="6248400" cy="2488946"/>
           </a:xfrm>
         </p:spPr>
         <p:txBody>
@@ -1383,8 +2082,8 @@
         </p:nvSpPr>
         <p:spPr>
           <a:xfrm>
-            <a:off x="6454793" y="2017343"/>
-            <a:ext cx="4604130" cy="3441520"/>
+            <a:off x="5181600" y="3712467"/>
+            <a:ext cx="6248400" cy="2482228"/>
           </a:xfrm>
         </p:spPr>
         <p:txBody>
@@ -1444,8 +2143,8 @@
           <a:lstStyle/>
           <a:p>
             <a:fld id="{0A86CD42-43FF-B740-998F-DCC3802C4CE3}" type="datetimeFigureOut">
-              <a:rPr lang="en-US" dirty="0"/>
-              <a:t>12/9/2016</a:t>
+              <a:rPr lang="en-US" smtClean="0"/>
+              <a:t>12/14/2016</a:t>
             </a:fld>
             <a:endParaRPr lang="en-US" dirty="0"/>
           </a:p>
@@ -1486,51 +2185,19 @@
           <a:lstStyle/>
           <a:p>
             <a:fld id="{6D22F896-40B5-4ADD-8801-0D06FADFA095}" type="slidenum">
-              <a:rPr lang="en-US" dirty="0"/>
+              <a:rPr lang="en-US" smtClean="0"/>
               <a:t>‹#›</a:t>
             </a:fld>
             <a:endParaRPr lang="en-US" dirty="0"/>
           </a:p>
         </p:txBody>
       </p:sp>
-      <p:cxnSp>
-        <p:nvCxnSpPr>
-          <p:cNvPr id="9" name="Straight Connector 8"/>
-          <p:cNvCxnSpPr/>
-          <p:nvPr/>
-        </p:nvCxnSpPr>
-        <p:spPr>
-          <a:xfrm>
-            <a:off x="1371687" y="798973"/>
-            <a:ext cx="0" cy="1067168"/>
-          </a:xfrm>
-          <a:prstGeom prst="line">
-            <a:avLst/>
-          </a:prstGeom>
-          <a:ln w="38100" cmpd="sng">
-            <a:solidFill>
-              <a:schemeClr val="accent1"/>
-            </a:solidFill>
-            <a:prstDash val="solid"/>
-            <a:tailEnd type="none"/>
-          </a:ln>
-        </p:spPr>
-        <p:style>
-          <a:lnRef idx="3">
-            <a:schemeClr val="accent1"/>
-          </a:lnRef>
-          <a:fillRef idx="0">
-            <a:schemeClr val="accent1"/>
-          </a:fillRef>
-          <a:effectRef idx="2">
-            <a:schemeClr val="accent1"/>
-          </a:effectRef>
-          <a:fontRef idx="minor">
-            <a:schemeClr val="tx1"/>
-          </a:fontRef>
-        </p:style>
-      </p:cxnSp>
     </p:spTree>
+    <p:extLst>
+      <p:ext uri="{BB962C8B-B14F-4D97-AF65-F5344CB8AC3E}">
+        <p14:creationId xmlns:p14="http://schemas.microsoft.com/office/powerpoint/2010/main" val="3418300372"/>
+      </p:ext>
+    </p:extLst>
   </p:cSld>
   <p:clrMapOvr>
     <a:masterClrMapping/>
@@ -1567,8 +2234,8 @@
         </p:nvSpPr>
         <p:spPr>
           <a:xfrm>
-            <a:off x="1534695" y="804163"/>
-            <a:ext cx="9520157" cy="1056319"/>
+            <a:off x="762000" y="557784"/>
+            <a:ext cx="3831336" cy="4956048"/>
           </a:xfrm>
         </p:spPr>
         <p:txBody>
@@ -1595,8 +2262,8 @@
         </p:nvSpPr>
         <p:spPr>
           <a:xfrm>
-            <a:off x="1534695" y="2019549"/>
-            <a:ext cx="4608576" cy="801943"/>
+            <a:off x="5181600" y="558065"/>
+            <a:ext cx="6245352" cy="914400"/>
           </a:xfrm>
         </p:spPr>
         <p:txBody>
@@ -1606,12 +2273,18 @@
           <a:lstStyle>
             <a:lvl1pPr marL="0" indent="0">
               <a:lnSpc>
-                <a:spcPct val="100000"/>
+                <a:spcPct val="113000"/>
               </a:lnSpc>
+              <a:spcBef>
+                <a:spcPts val="0"/>
+              </a:spcBef>
               <a:buNone/>
-              <a:defRPr sz="2200" b="0" cap="all" baseline="0">
+              <a:defRPr sz="2400" b="0" i="1" baseline="0">
                 <a:solidFill>
-                  <a:schemeClr val="accent1"/>
+                  <a:schemeClr val="tx1">
+                    <a:lumMod val="85000"/>
+                    <a:lumOff val="15000"/>
+                  </a:schemeClr>
                 </a:solidFill>
               </a:defRPr>
             </a:lvl1pPr>
@@ -1669,8 +2342,8 @@
         </p:nvSpPr>
         <p:spPr>
           <a:xfrm>
-            <a:off x="1534695" y="2824269"/>
-            <a:ext cx="4608576" cy="2644457"/>
+            <a:off x="5181600" y="1526671"/>
+            <a:ext cx="6245352" cy="1755648"/>
           </a:xfrm>
         </p:spPr>
         <p:txBody>
@@ -1726,8 +2399,8 @@
         </p:nvSpPr>
         <p:spPr>
           <a:xfrm>
-            <a:off x="6454791" y="2023003"/>
-            <a:ext cx="4608576" cy="802237"/>
+            <a:off x="5181600" y="3700826"/>
+            <a:ext cx="6248400" cy="914400"/>
           </a:xfrm>
         </p:spPr>
         <p:txBody>
@@ -1736,13 +2409,13 @@
           </a:bodyPr>
           <a:lstStyle>
             <a:lvl1pPr marL="0" indent="0">
-              <a:lnSpc>
-                <a:spcPct val="100000"/>
-              </a:lnSpc>
               <a:buNone/>
-              <a:defRPr sz="2200" b="0" cap="all" baseline="0">
+              <a:defRPr sz="2400" b="0" i="1" baseline="0">
                 <a:solidFill>
-                  <a:schemeClr val="accent1"/>
+                  <a:schemeClr val="tx1">
+                    <a:lumMod val="85000"/>
+                    <a:lumOff val="15000"/>
+                  </a:schemeClr>
                 </a:solidFill>
               </a:defRPr>
             </a:lvl1pPr>
@@ -1800,8 +2473,8 @@
         </p:nvSpPr>
         <p:spPr>
           <a:xfrm>
-            <a:off x="6454792" y="2821491"/>
-            <a:ext cx="4608576" cy="2637371"/>
+            <a:off x="5181600" y="4669432"/>
+            <a:ext cx="6245352" cy="1755648"/>
           </a:xfrm>
         </p:spPr>
         <p:txBody>
@@ -1861,8 +2534,8 @@
           <a:lstStyle/>
           <a:p>
             <a:fld id="{CEA0FFBD-2EE4-8547-BBAE-A1AC91C8D77E}" type="datetimeFigureOut">
-              <a:rPr lang="en-US" dirty="0"/>
-              <a:t>12/9/2016</a:t>
+              <a:rPr lang="en-US" smtClean="0"/>
+              <a:t>12/14/2016</a:t>
             </a:fld>
             <a:endParaRPr lang="en-US" dirty="0"/>
           </a:p>
@@ -1903,51 +2576,19 @@
           <a:lstStyle/>
           <a:p>
             <a:fld id="{6D22F896-40B5-4ADD-8801-0D06FADFA095}" type="slidenum">
-              <a:rPr lang="en-US" dirty="0"/>
+              <a:rPr lang="en-US" smtClean="0"/>
               <a:t>‹#›</a:t>
             </a:fld>
             <a:endParaRPr lang="en-US" dirty="0"/>
           </a:p>
         </p:txBody>
       </p:sp>
-      <p:cxnSp>
-        <p:nvCxnSpPr>
-          <p:cNvPr id="11" name="Straight Connector 10"/>
-          <p:cNvCxnSpPr/>
-          <p:nvPr/>
-        </p:nvCxnSpPr>
-        <p:spPr>
-          <a:xfrm>
-            <a:off x="1371687" y="798973"/>
-            <a:ext cx="0" cy="1067168"/>
-          </a:xfrm>
-          <a:prstGeom prst="line">
-            <a:avLst/>
-          </a:prstGeom>
-          <a:ln w="38100" cmpd="sng">
-            <a:solidFill>
-              <a:schemeClr val="accent1"/>
-            </a:solidFill>
-            <a:prstDash val="solid"/>
-            <a:tailEnd type="none"/>
-          </a:ln>
-        </p:spPr>
-        <p:style>
-          <a:lnRef idx="3">
-            <a:schemeClr val="accent1"/>
-          </a:lnRef>
-          <a:fillRef idx="0">
-            <a:schemeClr val="accent1"/>
-          </a:fillRef>
-          <a:effectRef idx="2">
-            <a:schemeClr val="accent1"/>
-          </a:effectRef>
-          <a:fontRef idx="minor">
-            <a:schemeClr val="tx1"/>
-          </a:fontRef>
-        </p:style>
-      </p:cxnSp>
     </p:spTree>
+    <p:extLst>
+      <p:ext uri="{BB962C8B-B14F-4D97-AF65-F5344CB8AC3E}">
+        <p14:creationId xmlns:p14="http://schemas.microsoft.com/office/powerpoint/2010/main" val="3258866757"/>
+      </p:ext>
+    </p:extLst>
   </p:cSld>
   <p:clrMapOvr>
     <a:masterClrMapping/>
@@ -2011,8 +2652,8 @@
           <a:lstStyle/>
           <a:p>
             <a:fld id="{955A2352-D7AC-F242-9256-A4477BCBF354}" type="datetimeFigureOut">
-              <a:rPr lang="en-US" dirty="0"/>
-              <a:t>12/9/2016</a:t>
+              <a:rPr lang="en-US" smtClean="0"/>
+              <a:t>12/14/2016</a:t>
             </a:fld>
             <a:endParaRPr lang="en-US" dirty="0"/>
           </a:p>
@@ -2053,51 +2694,19 @@
           <a:lstStyle/>
           <a:p>
             <a:fld id="{6D22F896-40B5-4ADD-8801-0D06FADFA095}" type="slidenum">
-              <a:rPr lang="en-US" dirty="0"/>
+              <a:rPr lang="en-US" smtClean="0"/>
               <a:t>‹#›</a:t>
             </a:fld>
             <a:endParaRPr lang="en-US" dirty="0"/>
           </a:p>
         </p:txBody>
       </p:sp>
-      <p:cxnSp>
-        <p:nvCxnSpPr>
-          <p:cNvPr id="7" name="Straight Connector 6"/>
-          <p:cNvCxnSpPr/>
-          <p:nvPr/>
-        </p:nvCxnSpPr>
-        <p:spPr>
-          <a:xfrm>
-            <a:off x="1371687" y="798973"/>
-            <a:ext cx="0" cy="1067168"/>
-          </a:xfrm>
-          <a:prstGeom prst="line">
-            <a:avLst/>
-          </a:prstGeom>
-          <a:ln w="38100" cmpd="sng">
-            <a:solidFill>
-              <a:schemeClr val="accent1"/>
-            </a:solidFill>
-            <a:prstDash val="solid"/>
-            <a:tailEnd type="none"/>
-          </a:ln>
-        </p:spPr>
-        <p:style>
-          <a:lnRef idx="3">
-            <a:schemeClr val="accent1"/>
-          </a:lnRef>
-          <a:fillRef idx="0">
-            <a:schemeClr val="accent1"/>
-          </a:fillRef>
-          <a:effectRef idx="2">
-            <a:schemeClr val="accent1"/>
-          </a:effectRef>
-          <a:fontRef idx="minor">
-            <a:schemeClr val="tx1"/>
-          </a:fontRef>
-        </p:style>
-      </p:cxnSp>
     </p:spTree>
+    <p:extLst>
+      <p:ext uri="{BB962C8B-B14F-4D97-AF65-F5344CB8AC3E}">
+        <p14:creationId xmlns:p14="http://schemas.microsoft.com/office/powerpoint/2010/main" val="1604516488"/>
+      </p:ext>
+    </p:extLst>
   </p:cSld>
   <p:clrMapOvr>
     <a:masterClrMapping/>
@@ -2138,8 +2747,8 @@
           <a:lstStyle/>
           <a:p>
             <a:fld id="{4EFCFC6A-9AE6-404D-9FDD-168B477B9C90}" type="datetimeFigureOut">
-              <a:rPr lang="en-US" dirty="0"/>
-              <a:t>12/9/2016</a:t>
+              <a:rPr lang="en-US" smtClean="0"/>
+              <a:t>12/14/2016</a:t>
             </a:fld>
             <a:endParaRPr lang="en-US" dirty="0"/>
           </a:p>
@@ -2180,7 +2789,7 @@
           <a:lstStyle/>
           <a:p>
             <a:fld id="{6D22F896-40B5-4ADD-8801-0D06FADFA095}" type="slidenum">
-              <a:rPr lang="en-US" dirty="0"/>
+              <a:rPr lang="en-US" smtClean="0"/>
               <a:t>‹#›</a:t>
             </a:fld>
             <a:endParaRPr lang="en-US" dirty="0"/>
@@ -2188,6 +2797,11 @@
         </p:txBody>
       </p:sp>
     </p:spTree>
+    <p:extLst>
+      <p:ext uri="{BB962C8B-B14F-4D97-AF65-F5344CB8AC3E}">
+        <p14:creationId xmlns:p14="http://schemas.microsoft.com/office/powerpoint/2010/main" val="1828890407"/>
+      </p:ext>
+    </p:extLst>
   </p:cSld>
   <p:clrMapOvr>
     <a:masterClrMapping/>
@@ -2224,17 +2838,20 @@
         </p:nvSpPr>
         <p:spPr>
           <a:xfrm>
-            <a:off x="1534642" y="798973"/>
-            <a:ext cx="3183128" cy="2247117"/>
-          </a:xfrm>
-        </p:spPr>
-        <p:txBody>
-          <a:bodyPr anchor="b">
-            <a:normAutofit/>
+            <a:off x="762000" y="555479"/>
+            <a:ext cx="3838776" cy="1921022"/>
+          </a:xfrm>
+        </p:spPr>
+        <p:txBody>
+          <a:bodyPr anchor="t">
+            <a:noAutofit/>
           </a:bodyPr>
           <a:lstStyle>
-            <a:lvl1pPr algn="l">
-              <a:defRPr sz="2400"/>
+            <a:lvl1pPr>
+              <a:lnSpc>
+                <a:spcPct val="93000"/>
+              </a:lnSpc>
+              <a:defRPr sz="4000"/>
             </a:lvl1pPr>
           </a:lstStyle>
           <a:p>
@@ -2258,13 +2875,56 @@
         </p:nvSpPr>
         <p:spPr>
           <a:xfrm>
-            <a:off x="5043714" y="798974"/>
-            <a:ext cx="6012470" cy="4658826"/>
-          </a:xfrm>
-        </p:spPr>
-        <p:txBody>
-          <a:bodyPr anchor="ctr"/>
-          <a:lstStyle/>
+            <a:off x="5181600" y="564147"/>
+            <a:ext cx="6248400" cy="5622644"/>
+          </a:xfrm>
+        </p:spPr>
+        <p:txBody>
+          <a:bodyPr/>
+          <a:lstStyle>
+            <a:lvl1pPr>
+              <a:lnSpc>
+                <a:spcPct val="112000"/>
+              </a:lnSpc>
+              <a:defRPr sz="2000"/>
+            </a:lvl1pPr>
+            <a:lvl2pPr>
+              <a:lnSpc>
+                <a:spcPct val="112000"/>
+              </a:lnSpc>
+              <a:defRPr sz="1800"/>
+            </a:lvl2pPr>
+            <a:lvl3pPr>
+              <a:lnSpc>
+                <a:spcPct val="112000"/>
+              </a:lnSpc>
+              <a:defRPr sz="1600"/>
+            </a:lvl3pPr>
+            <a:lvl4pPr>
+              <a:lnSpc>
+                <a:spcPct val="112000"/>
+              </a:lnSpc>
+              <a:defRPr sz="1400"/>
+            </a:lvl4pPr>
+            <a:lvl5pPr>
+              <a:lnSpc>
+                <a:spcPct val="112000"/>
+              </a:lnSpc>
+              <a:defRPr sz="1400"/>
+            </a:lvl5pPr>
+            <a:lvl6pPr>
+              <a:defRPr sz="1400"/>
+            </a:lvl6pPr>
+            <a:lvl7pPr>
+              <a:defRPr sz="1400"/>
+            </a:lvl7pPr>
+            <a:lvl8pPr>
+              <a:defRPr sz="1400"/>
+            </a:lvl8pPr>
+            <a:lvl9pPr>
+              <a:defRPr sz="1400"/>
+            </a:lvl9pPr>
+          </a:lstStyle>
           <a:p>
             <a:pPr lvl="0"/>
             <a:r>
@@ -2315,14 +2975,17 @@
         </p:nvSpPr>
         <p:spPr>
           <a:xfrm>
-            <a:off x="1534695" y="3205491"/>
-            <a:ext cx="3184989" cy="2248181"/>
+            <a:off x="762000" y="2621512"/>
+            <a:ext cx="3838776" cy="3239537"/>
           </a:xfrm>
         </p:spPr>
         <p:txBody>
           <a:bodyPr/>
           <a:lstStyle>
-            <a:lvl1pPr marL="0" indent="0" algn="l">
+            <a:lvl1pPr marL="0" indent="0" algn="r">
+              <a:lnSpc>
+                <a:spcPct val="125000"/>
+              </a:lnSpc>
               <a:buNone/>
               <a:defRPr sz="1600"/>
             </a:lvl1pPr>
@@ -2384,8 +3047,8 @@
           <a:lstStyle/>
           <a:p>
             <a:fld id="{61CFCDFD-B4CF-A241-8D71-E814B10BEAF4}" type="datetimeFigureOut">
-              <a:rPr lang="en-US" dirty="0"/>
-              <a:t>12/9/2016</a:t>
+              <a:rPr lang="en-US" smtClean="0"/>
+              <a:t>12/14/2016</a:t>
             </a:fld>
             <a:endParaRPr lang="en-US" dirty="0"/>
           </a:p>
@@ -2426,51 +3089,19 @@
           <a:lstStyle/>
           <a:p>
             <a:fld id="{6D22F896-40B5-4ADD-8801-0D06FADFA095}" type="slidenum">
-              <a:rPr lang="en-US" dirty="0"/>
+              <a:rPr lang="en-US" smtClean="0"/>
               <a:t>‹#›</a:t>
             </a:fld>
             <a:endParaRPr lang="en-US" dirty="0"/>
           </a:p>
         </p:txBody>
       </p:sp>
-      <p:cxnSp>
-        <p:nvCxnSpPr>
-          <p:cNvPr id="9" name="Straight Connector 8"/>
-          <p:cNvCxnSpPr/>
-          <p:nvPr/>
-        </p:nvCxnSpPr>
-        <p:spPr>
-          <a:xfrm>
-            <a:off x="1371687" y="798973"/>
-            <a:ext cx="0" cy="2247117"/>
-          </a:xfrm>
-          <a:prstGeom prst="line">
-            <a:avLst/>
-          </a:prstGeom>
-          <a:ln w="38100" cmpd="sng">
-            <a:solidFill>
-              <a:schemeClr val="accent1"/>
-            </a:solidFill>
-            <a:prstDash val="solid"/>
-            <a:tailEnd type="none"/>
-          </a:ln>
-        </p:spPr>
-        <p:style>
-          <a:lnRef idx="3">
-            <a:schemeClr val="accent1"/>
-          </a:lnRef>
-          <a:fillRef idx="0">
-            <a:schemeClr val="accent1"/>
-          </a:fillRef>
-          <a:effectRef idx="2">
-            <a:schemeClr val="accent1"/>
-          </a:effectRef>
-          <a:fontRef idx="minor">
-            <a:schemeClr val="tx1"/>
-          </a:fontRef>
-        </p:style>
-      </p:cxnSp>
     </p:spTree>
+    <p:extLst>
+      <p:ext uri="{BB962C8B-B14F-4D97-AF65-F5344CB8AC3E}">
+        <p14:creationId xmlns:p14="http://schemas.microsoft.com/office/powerpoint/2010/main" val="1623120424"/>
+      </p:ext>
+    </p:extLst>
   </p:cSld>
   <p:clrMapOvr>
     <a:masterClrMapping/>
@@ -2495,144 +3126,6 @@
           <a:chExt cx="0" cy="0"/>
         </a:xfrm>
       </p:grpSpPr>
-      <p:grpSp>
-        <p:nvGrpSpPr>
-          <p:cNvPr id="8" name="Group 7"/>
-          <p:cNvGrpSpPr/>
-          <p:nvPr/>
-        </p:nvGrpSpPr>
-        <p:grpSpPr>
-          <a:xfrm>
-            <a:off x="7477387" y="482170"/>
-            <a:ext cx="4074533" cy="5149101"/>
-            <a:chOff x="7477387" y="482170"/>
-            <a:chExt cx="4074533" cy="5149101"/>
-          </a:xfrm>
-        </p:grpSpPr>
-        <p:sp>
-          <p:nvSpPr>
-            <p:cNvPr id="18" name="Rectangle 17"/>
-            <p:cNvSpPr/>
-            <p:nvPr/>
-          </p:nvSpPr>
-          <p:spPr>
-            <a:xfrm>
-              <a:off x="7477387" y="482170"/>
-              <a:ext cx="4074533" cy="5149101"/>
-            </a:xfrm>
-            <a:prstGeom prst="rect">
-              <a:avLst/>
-            </a:prstGeom>
-            <a:gradFill>
-              <a:gsLst>
-                <a:gs pos="0">
-                  <a:schemeClr val="bg2">
-                    <a:lumMod val="10000"/>
-                  </a:schemeClr>
-                </a:gs>
-                <a:gs pos="100000">
-                  <a:schemeClr val="bg2">
-                    <a:lumMod val="10000"/>
-                  </a:schemeClr>
-                </a:gs>
-              </a:gsLst>
-            </a:gradFill>
-            <a:ln w="76200" cmpd="sng">
-              <a:noFill/>
-              <a:miter lim="800000"/>
-            </a:ln>
-            <a:effectLst>
-              <a:outerShdw blurRad="127000" dist="228600" dir="4740000" sx="98000" sy="98000" algn="tl" rotWithShape="0">
-                <a:srgbClr val="000000">
-                  <a:alpha val="34000"/>
-                </a:srgbClr>
-              </a:outerShdw>
-            </a:effectLst>
-            <a:scene3d>
-              <a:camera prst="orthographicFront"/>
-              <a:lightRig rig="threePt" dir="t"/>
-            </a:scene3d>
-            <a:sp3d prstMaterial="matte">
-              <a:bevelT w="133350" h="50800" prst="divot"/>
-            </a:sp3d>
-          </p:spPr>
-          <p:style>
-            <a:lnRef idx="1">
-              <a:schemeClr val="accent1"/>
-            </a:lnRef>
-            <a:fillRef idx="3">
-              <a:schemeClr val="accent1"/>
-            </a:fillRef>
-            <a:effectRef idx="2">
-              <a:schemeClr val="accent1"/>
-            </a:effectRef>
-            <a:fontRef idx="minor">
-              <a:schemeClr val="lt1"/>
-            </a:fontRef>
-          </p:style>
-        </p:sp>
-        <p:sp>
-          <p:nvSpPr>
-            <p:cNvPr id="19" name="Rectangle 18"/>
-            <p:cNvSpPr/>
-            <p:nvPr/>
-          </p:nvSpPr>
-          <p:spPr>
-            <a:xfrm>
-              <a:off x="7790446" y="812506"/>
-              <a:ext cx="3450289" cy="4466452"/>
-            </a:xfrm>
-            <a:prstGeom prst="rect">
-              <a:avLst/>
-            </a:prstGeom>
-            <a:gradFill>
-              <a:gsLst>
-                <a:gs pos="0">
-                  <a:srgbClr val="DADADA"/>
-                </a:gs>
-                <a:gs pos="100000">
-                  <a:srgbClr val="FFFFFE"/>
-                </a:gs>
-              </a:gsLst>
-              <a:lin ang="16200000" scaled="0"/>
-            </a:gradFill>
-            <a:ln w="50800" cmpd="sng">
-              <a:solidFill>
-                <a:srgbClr val="191919"/>
-              </a:solidFill>
-              <a:miter lim="800000"/>
-            </a:ln>
-            <a:effectLst>
-              <a:innerShdw blurRad="63500" dist="88900" dir="14100000">
-                <a:srgbClr val="000000">
-                  <a:alpha val="30000"/>
-                </a:srgbClr>
-              </a:innerShdw>
-            </a:effectLst>
-            <a:scene3d>
-              <a:camera prst="orthographicFront"/>
-              <a:lightRig rig="threePt" dir="t"/>
-            </a:scene3d>
-            <a:sp3d>
-              <a:bevelT prst="relaxedInset"/>
-            </a:sp3d>
-          </p:spPr>
-          <p:style>
-            <a:lnRef idx="1">
-              <a:schemeClr val="accent1"/>
-            </a:lnRef>
-            <a:fillRef idx="3">
-              <a:schemeClr val="accent1"/>
-            </a:fillRef>
-            <a:effectRef idx="2">
-              <a:schemeClr val="accent1"/>
-            </a:effectRef>
-            <a:fontRef idx="minor">
-              <a:schemeClr val="lt1"/>
-            </a:fontRef>
-          </p:style>
-        </p:sp>
-      </p:grpSp>
       <p:sp>
         <p:nvSpPr>
           <p:cNvPr id="2" name="Title 1"/>
@@ -2645,17 +3138,20 @@
         </p:nvSpPr>
         <p:spPr>
           <a:xfrm>
-            <a:off x="1535694" y="1129513"/>
-            <a:ext cx="5447840" cy="1830584"/>
-          </a:xfrm>
-        </p:spPr>
-        <p:txBody>
-          <a:bodyPr anchor="b">
-            <a:normAutofit/>
+            <a:off x="758952" y="557261"/>
+            <a:ext cx="3840480" cy="1919239"/>
+          </a:xfrm>
+        </p:spPr>
+        <p:txBody>
+          <a:bodyPr anchor="t">
+            <a:noAutofit/>
           </a:bodyPr>
           <a:lstStyle>
             <a:lvl1pPr>
-              <a:defRPr sz="3200"/>
+              <a:lnSpc>
+                <a:spcPct val="93000"/>
+              </a:lnSpc>
+              <a:defRPr sz="4000" baseline="0"/>
             </a:lvl1pPr>
           </a:lstStyle>
           <a:p>
@@ -2679,24 +3175,14 @@
         </p:nvSpPr>
         <p:spPr>
           <a:xfrm>
-            <a:off x="8124389" y="1122542"/>
-            <a:ext cx="2791171" cy="3866327"/>
-          </a:xfrm>
-          <a:solidFill>
-            <a:schemeClr val="bg1">
-              <a:lumMod val="85000"/>
-            </a:schemeClr>
-          </a:solidFill>
-          <a:ln w="9525" cap="sq">
-            <a:noFill/>
-            <a:miter lim="800000"/>
-          </a:ln>
-          <a:effectLst/>
+            <a:off x="5257800" y="0"/>
+            <a:ext cx="6172200" cy="6857999"/>
+          </a:xfrm>
         </p:spPr>
         <p:txBody>
           <a:bodyPr anchor="t"/>
           <a:lstStyle>
-            <a:lvl1pPr marL="0" indent="0" algn="ctr">
+            <a:lvl1pPr marL="0" indent="0">
               <a:buNone/>
               <a:defRPr sz="3200"/>
             </a:lvl1pPr>
@@ -2754,18 +3240,19 @@
         </p:nvSpPr>
         <p:spPr>
           <a:xfrm>
-            <a:off x="1534695" y="3145992"/>
-            <a:ext cx="5440037" cy="2003742"/>
-          </a:xfrm>
-        </p:spPr>
-        <p:txBody>
-          <a:bodyPr>
-            <a:normAutofit/>
-          </a:bodyPr>
+            <a:off x="758952" y="2621512"/>
+            <a:ext cx="3840480" cy="3236976"/>
+          </a:xfrm>
+        </p:spPr>
+        <p:txBody>
+          <a:bodyPr/>
           <a:lstStyle>
-            <a:lvl1pPr marL="0" indent="0" algn="l">
+            <a:lvl1pPr marL="0" indent="0" algn="r">
+              <a:lnSpc>
+                <a:spcPct val="125000"/>
+              </a:lnSpc>
               <a:buNone/>
-              <a:defRPr sz="1800"/>
+              <a:defRPr sz="1600"/>
             </a:lvl1pPr>
             <a:lvl2pPr marL="457200" indent="0">
               <a:buNone/>
@@ -2819,23 +3306,14 @@
             <p:ph type="dt" sz="half" idx="10"/>
           </p:nvPr>
         </p:nvSpPr>
-        <p:spPr>
-          <a:xfrm>
-            <a:off x="1534695" y="5469856"/>
-            <a:ext cx="5440038" cy="320123"/>
-          </a:xfrm>
-        </p:spPr>
+        <p:spPr/>
         <p:txBody>
           <a:bodyPr/>
-          <a:lstStyle>
-            <a:lvl1pPr algn="l">
-              <a:defRPr/>
-            </a:lvl1pPr>
-          </a:lstStyle>
+          <a:lstStyle/>
           <a:p>
             <a:fld id="{26A7B589-FD4B-7E46-869A-CBADC5FC564E}" type="datetimeFigureOut">
-              <a:rPr lang="en-US" dirty="0"/>
-              <a:t>12/9/2016</a:t>
+              <a:rPr lang="en-US" smtClean="0"/>
+              <a:t>12/14/2016</a:t>
             </a:fld>
             <a:endParaRPr lang="en-US" dirty="0"/>
           </a:p>
@@ -2851,12 +3329,7 @@
             <p:ph type="ftr" sz="quarter" idx="11"/>
           </p:nvPr>
         </p:nvSpPr>
-        <p:spPr>
-          <a:xfrm>
-            <a:off x="1534910" y="318640"/>
-            <a:ext cx="5453475" cy="320931"/>
-          </a:xfrm>
-        </p:spPr>
+        <p:spPr/>
         <p:txBody>
           <a:bodyPr/>
           <a:lstStyle/>
@@ -2881,51 +3354,19 @@
           <a:lstStyle/>
           <a:p>
             <a:fld id="{6D22F896-40B5-4ADD-8801-0D06FADFA095}" type="slidenum">
-              <a:rPr lang="en-US" dirty="0"/>
+              <a:rPr lang="en-US" smtClean="0"/>
               <a:t>‹#›</a:t>
             </a:fld>
             <a:endParaRPr lang="en-US" dirty="0"/>
           </a:p>
         </p:txBody>
       </p:sp>
-      <p:cxnSp>
-        <p:nvCxnSpPr>
-          <p:cNvPr id="14" name="Straight Connector 13"/>
-          <p:cNvCxnSpPr/>
-          <p:nvPr/>
-        </p:nvCxnSpPr>
-        <p:spPr>
-          <a:xfrm>
-            <a:off x="1371687" y="798973"/>
-            <a:ext cx="0" cy="2161124"/>
-          </a:xfrm>
-          <a:prstGeom prst="line">
-            <a:avLst/>
-          </a:prstGeom>
-          <a:ln w="38100" cmpd="sng">
-            <a:solidFill>
-              <a:schemeClr val="accent1"/>
-            </a:solidFill>
-            <a:prstDash val="solid"/>
-            <a:tailEnd type="none"/>
-          </a:ln>
-        </p:spPr>
-        <p:style>
-          <a:lnRef idx="3">
-            <a:schemeClr val="accent1"/>
-          </a:lnRef>
-          <a:fillRef idx="0">
-            <a:schemeClr val="accent1"/>
-          </a:fillRef>
-          <a:effectRef idx="2">
-            <a:schemeClr val="accent1"/>
-          </a:effectRef>
-          <a:fontRef idx="minor">
-            <a:schemeClr val="tx1"/>
-          </a:fontRef>
-        </p:style>
-      </p:cxnSp>
     </p:spTree>
+    <p:extLst>
+      <p:ext uri="{BB962C8B-B14F-4D97-AF65-F5344CB8AC3E}">
+        <p14:creationId xmlns:p14="http://schemas.microsoft.com/office/powerpoint/2010/main" val="3716903612"/>
+      </p:ext>
+    </p:extLst>
   </p:cSld>
   <p:clrMapOvr>
     <a:masterClrMapping/>
@@ -2937,9 +3378,12 @@
 <p:sldMaster xmlns:a="http://schemas.openxmlformats.org/drawingml/2006/main" xmlns:r="http://schemas.openxmlformats.org/officeDocument/2006/relationships" xmlns:p="http://schemas.openxmlformats.org/presentationml/2006/main">
   <p:cSld>
     <p:bg>
-      <p:bgRef idx="1003">
-        <a:schemeClr val="bg2"/>
-      </p:bgRef>
+      <p:bgPr>
+        <a:solidFill>
+          <a:schemeClr val="bg2"/>
+        </a:solidFill>
+        <a:effectLst/>
+      </p:bgPr>
     </p:bg>
     <p:spTree>
       <p:nvGrpSpPr>
@@ -2957,184 +3401,386 @@
       </p:grpSpPr>
       <p:sp>
         <p:nvSpPr>
-          <p:cNvPr id="9" name="Rectangle 8"/>
+          <p:cNvPr id="20" name="Freeform 6" title="Page Number Shape"/>
           <p:cNvSpPr/>
           <p:nvPr/>
         </p:nvSpPr>
-        <p:spPr>
-          <a:xfrm>
-            <a:off x="0" y="2015732"/>
-            <a:ext cx="12192000" cy="4118829"/>
+        <p:spPr bwMode="auto">
+          <a:xfrm>
+            <a:off x="11784011" y="5380580"/>
+            <a:ext cx="407988" cy="819150"/>
+          </a:xfrm>
+          <a:custGeom>
+            <a:avLst/>
+            <a:gdLst/>
+            <a:ahLst/>
+            <a:cxnLst/>
+            <a:rect l="0" t="0" r="r" b="b"/>
+            <a:pathLst>
+              <a:path w="1799" h="3612">
+                <a:moveTo>
+                  <a:pt x="1799" y="0"/>
+                </a:moveTo>
+                <a:lnTo>
+                  <a:pt x="1799" y="3612"/>
+                </a:lnTo>
+                <a:lnTo>
+                  <a:pt x="1686" y="3609"/>
+                </a:lnTo>
+                <a:lnTo>
+                  <a:pt x="1574" y="3598"/>
+                </a:lnTo>
+                <a:lnTo>
+                  <a:pt x="1464" y="3581"/>
+                </a:lnTo>
+                <a:lnTo>
+                  <a:pt x="1357" y="3557"/>
+                </a:lnTo>
+                <a:lnTo>
+                  <a:pt x="1251" y="3527"/>
+                </a:lnTo>
+                <a:lnTo>
+                  <a:pt x="1150" y="3490"/>
+                </a:lnTo>
+                <a:lnTo>
+                  <a:pt x="1050" y="3448"/>
+                </a:lnTo>
+                <a:lnTo>
+                  <a:pt x="953" y="3401"/>
+                </a:lnTo>
+                <a:lnTo>
+                  <a:pt x="860" y="3347"/>
+                </a:lnTo>
+                <a:lnTo>
+                  <a:pt x="771" y="3289"/>
+                </a:lnTo>
+                <a:lnTo>
+                  <a:pt x="686" y="3224"/>
+                </a:lnTo>
+                <a:lnTo>
+                  <a:pt x="604" y="3156"/>
+                </a:lnTo>
+                <a:lnTo>
+                  <a:pt x="527" y="3083"/>
+                </a:lnTo>
+                <a:lnTo>
+                  <a:pt x="454" y="3005"/>
+                </a:lnTo>
+                <a:lnTo>
+                  <a:pt x="386" y="2923"/>
+                </a:lnTo>
+                <a:lnTo>
+                  <a:pt x="323" y="2838"/>
+                </a:lnTo>
+                <a:lnTo>
+                  <a:pt x="265" y="2748"/>
+                </a:lnTo>
+                <a:lnTo>
+                  <a:pt x="211" y="2655"/>
+                </a:lnTo>
+                <a:lnTo>
+                  <a:pt x="163" y="2559"/>
+                </a:lnTo>
+                <a:lnTo>
+                  <a:pt x="121" y="2459"/>
+                </a:lnTo>
+                <a:lnTo>
+                  <a:pt x="85" y="2356"/>
+                </a:lnTo>
+                <a:lnTo>
+                  <a:pt x="55" y="2251"/>
+                </a:lnTo>
+                <a:lnTo>
+                  <a:pt x="32" y="2143"/>
+                </a:lnTo>
+                <a:lnTo>
+                  <a:pt x="14" y="2033"/>
+                </a:lnTo>
+                <a:lnTo>
+                  <a:pt x="4" y="1920"/>
+                </a:lnTo>
+                <a:lnTo>
+                  <a:pt x="0" y="1806"/>
+                </a:lnTo>
+                <a:lnTo>
+                  <a:pt x="4" y="1692"/>
+                </a:lnTo>
+                <a:lnTo>
+                  <a:pt x="14" y="1580"/>
+                </a:lnTo>
+                <a:lnTo>
+                  <a:pt x="32" y="1469"/>
+                </a:lnTo>
+                <a:lnTo>
+                  <a:pt x="55" y="1362"/>
+                </a:lnTo>
+                <a:lnTo>
+                  <a:pt x="85" y="1256"/>
+                </a:lnTo>
+                <a:lnTo>
+                  <a:pt x="121" y="1154"/>
+                </a:lnTo>
+                <a:lnTo>
+                  <a:pt x="163" y="1054"/>
+                </a:lnTo>
+                <a:lnTo>
+                  <a:pt x="211" y="958"/>
+                </a:lnTo>
+                <a:lnTo>
+                  <a:pt x="265" y="864"/>
+                </a:lnTo>
+                <a:lnTo>
+                  <a:pt x="323" y="774"/>
+                </a:lnTo>
+                <a:lnTo>
+                  <a:pt x="386" y="689"/>
+                </a:lnTo>
+                <a:lnTo>
+                  <a:pt x="454" y="607"/>
+                </a:lnTo>
+                <a:lnTo>
+                  <a:pt x="527" y="529"/>
+                </a:lnTo>
+                <a:lnTo>
+                  <a:pt x="604" y="456"/>
+                </a:lnTo>
+                <a:lnTo>
+                  <a:pt x="686" y="388"/>
+                </a:lnTo>
+                <a:lnTo>
+                  <a:pt x="771" y="325"/>
+                </a:lnTo>
+                <a:lnTo>
+                  <a:pt x="860" y="266"/>
+                </a:lnTo>
+                <a:lnTo>
+                  <a:pt x="953" y="212"/>
+                </a:lnTo>
+                <a:lnTo>
+                  <a:pt x="1050" y="164"/>
+                </a:lnTo>
+                <a:lnTo>
+                  <a:pt x="1150" y="122"/>
+                </a:lnTo>
+                <a:lnTo>
+                  <a:pt x="1251" y="85"/>
+                </a:lnTo>
+                <a:lnTo>
+                  <a:pt x="1357" y="55"/>
+                </a:lnTo>
+                <a:lnTo>
+                  <a:pt x="1464" y="32"/>
+                </a:lnTo>
+                <a:lnTo>
+                  <a:pt x="1574" y="14"/>
+                </a:lnTo>
+                <a:lnTo>
+                  <a:pt x="1686" y="5"/>
+                </a:lnTo>
+                <a:lnTo>
+                  <a:pt x="1799" y="0"/>
+                </a:lnTo>
+                <a:close/>
+              </a:path>
+            </a:pathLst>
+          </a:custGeom>
+          <a:solidFill>
+            <a:schemeClr val="accent1"/>
+          </a:solidFill>
+          <a:ln w="0">
+            <a:noFill/>
+            <a:prstDash val="solid"/>
+            <a:round/>
+            <a:headEnd/>
+            <a:tailEnd/>
+          </a:ln>
+        </p:spPr>
+      </p:sp>
+      <p:sp>
+        <p:nvSpPr>
+          <p:cNvPr id="2" name="Title Placeholder 1"/>
+          <p:cNvSpPr>
+            <a:spLocks noGrp="1"/>
+          </p:cNvSpPr>
+          <p:nvPr>
+            <p:ph type="title"/>
+          </p:nvPr>
+        </p:nvSpPr>
+        <p:spPr>
+          <a:xfrm>
+            <a:off x="762000" y="559678"/>
+            <a:ext cx="3833906" cy="4952492"/>
           </a:xfrm>
           <a:prstGeom prst="rect">
             <a:avLst/>
           </a:prstGeom>
-          <a:gradFill flip="none" rotWithShape="1">
-            <a:gsLst>
-              <a:gs pos="0">
-                <a:schemeClr val="bg2">
-                  <a:alpha val="0"/>
-                </a:schemeClr>
-              </a:gs>
-              <a:gs pos="100000">
-                <a:schemeClr val="bg2"/>
-              </a:gs>
-            </a:gsLst>
-            <a:lin ang="5400000" scaled="0"/>
-            <a:tileRect/>
-          </a:gradFill>
-          <a:ln>
-            <a:noFill/>
-          </a:ln>
-        </p:spPr>
-        <p:style>
-          <a:lnRef idx="2">
-            <a:schemeClr val="accent1">
-              <a:shade val="50000"/>
-            </a:schemeClr>
-          </a:lnRef>
-          <a:fillRef idx="1">
-            <a:schemeClr val="accent1"/>
-          </a:fillRef>
-          <a:effectRef idx="0">
-            <a:schemeClr val="accent1"/>
-          </a:effectRef>
-          <a:fontRef idx="minor">
-            <a:schemeClr val="lt1"/>
-          </a:fontRef>
-        </p:style>
-      </p:sp>
-      <p:pic>
-        <p:nvPicPr>
-          <p:cNvPr id="7" name="Picture 6"/>
-          <p:cNvPicPr>
-            <a:picLocks noChangeAspect="1"/>
-          </p:cNvPicPr>
-          <p:nvPr/>
-        </p:nvPicPr>
-        <p:blipFill rotWithShape="1">
-          <a:blip r:embed="rId13"/>
-          <a:srcRect t="2769" b="-2769"/>
-          <a:stretch/>
-        </p:blipFill>
-        <p:spPr>
-          <a:xfrm>
-            <a:off x="0" y="6135624"/>
-            <a:ext cx="12192000" cy="742950"/>
+        </p:spPr>
+        <p:txBody>
+          <a:bodyPr vert="horz" lIns="91440" tIns="45720" rIns="91440" bIns="45720" rtlCol="0" anchor="t">
+            <a:normAutofit/>
+          </a:bodyPr>
+          <a:lstStyle/>
+          <a:p>
+            <a:r>
+              <a:rPr lang="en-US"/>
+              <a:t>Click to edit Master title style</a:t>
+            </a:r>
+            <a:endParaRPr lang="en-US" dirty="0"/>
+          </a:p>
+        </p:txBody>
+      </p:sp>
+      <p:sp>
+        <p:nvSpPr>
+          <p:cNvPr id="3" name="Text Placeholder 2"/>
+          <p:cNvSpPr>
+            <a:spLocks noGrp="1"/>
+          </p:cNvSpPr>
+          <p:nvPr>
+            <p:ph type="body" idx="1"/>
+          </p:nvPr>
+        </p:nvSpPr>
+        <p:spPr>
+          <a:xfrm>
+            <a:off x="5181600" y="569066"/>
+            <a:ext cx="6248398" cy="5655156"/>
           </a:xfrm>
           <a:prstGeom prst="rect">
             <a:avLst/>
           </a:prstGeom>
         </p:spPr>
-      </p:pic>
-      <p:sp>
-        <p:nvSpPr>
-          <p:cNvPr id="2" name="Title Placeholder 1"/>
-          <p:cNvSpPr>
-            <a:spLocks noGrp="1"/>
-          </p:cNvSpPr>
-          <p:nvPr>
-            <p:ph type="title"/>
-          </p:nvPr>
-        </p:nvSpPr>
-        <p:spPr>
-          <a:xfrm>
-            <a:off x="1534696" y="804519"/>
-            <a:ext cx="9520158" cy="1049235"/>
+        <p:txBody>
+          <a:bodyPr vert="horz" lIns="91440" tIns="45720" rIns="91440" bIns="45720" rtlCol="0">
+            <a:normAutofit/>
+          </a:bodyPr>
+          <a:lstStyle/>
+          <a:p>
+            <a:pPr lvl="0"/>
+            <a:r>
+              <a:rPr lang="en-US"/>
+              <a:t>Edit Master text styles</a:t>
+            </a:r>
+          </a:p>
+          <a:p>
+            <a:pPr lvl="1"/>
+            <a:r>
+              <a:rPr lang="en-US"/>
+              <a:t>Second level</a:t>
+            </a:r>
+          </a:p>
+          <a:p>
+            <a:pPr lvl="2"/>
+            <a:r>
+              <a:rPr lang="en-US"/>
+              <a:t>Third level</a:t>
+            </a:r>
+          </a:p>
+          <a:p>
+            <a:pPr lvl="3"/>
+            <a:r>
+              <a:rPr lang="en-US"/>
+              <a:t>Fourth level</a:t>
+            </a:r>
+          </a:p>
+          <a:p>
+            <a:pPr lvl="4"/>
+            <a:r>
+              <a:rPr lang="en-US"/>
+              <a:t>Fifth level</a:t>
+            </a:r>
+            <a:endParaRPr lang="en-US" dirty="0"/>
+          </a:p>
+        </p:txBody>
+      </p:sp>
+      <p:sp>
+        <p:nvSpPr>
+          <p:cNvPr id="4" name="Date Placeholder 3"/>
+          <p:cNvSpPr>
+            <a:spLocks noGrp="1"/>
+          </p:cNvSpPr>
+          <p:nvPr>
+            <p:ph type="dt" sz="half" idx="2"/>
+          </p:nvPr>
+        </p:nvSpPr>
+        <p:spPr>
+          <a:xfrm>
+            <a:off x="762001" y="5930060"/>
+            <a:ext cx="3814856" cy="365125"/>
           </a:xfrm>
           <a:prstGeom prst="rect">
             <a:avLst/>
           </a:prstGeom>
         </p:spPr>
         <p:txBody>
-          <a:bodyPr vert="horz" lIns="91440" tIns="45720" rIns="91440" bIns="45720" rtlCol="0" anchor="b">
-            <a:normAutofit/>
-          </a:bodyPr>
-          <a:lstStyle/>
-          <a:p>
-            <a:r>
-              <a:rPr lang="en-US"/>
-              <a:t>Click to edit Master title style</a:t>
-            </a:r>
+          <a:bodyPr vert="horz" lIns="91440" tIns="45720" rIns="91440" bIns="45720" rtlCol="0" anchor="t"/>
+          <a:lstStyle>
+            <a:lvl1pPr algn="r">
+              <a:defRPr sz="1000" b="0" i="1" baseline="0">
+                <a:solidFill>
+                  <a:schemeClr val="accent1"/>
+                </a:solidFill>
+                <a:latin typeface="+mj-lt"/>
+              </a:defRPr>
+            </a:lvl1pPr>
+          </a:lstStyle>
+          <a:p>
+            <a:fld id="{4CD8A92E-5FF9-8143-81B3-CCB531513398}" type="datetimeFigureOut">
+              <a:rPr lang="en-US" smtClean="0"/>
+              <a:t>12/14/2016</a:t>
+            </a:fld>
             <a:endParaRPr lang="en-US" dirty="0"/>
           </a:p>
         </p:txBody>
       </p:sp>
       <p:sp>
         <p:nvSpPr>
-          <p:cNvPr id="3" name="Text Placeholder 2"/>
-          <p:cNvSpPr>
-            <a:spLocks noGrp="1"/>
-          </p:cNvSpPr>
-          <p:nvPr>
-            <p:ph type="body" idx="1"/>
-          </p:nvPr>
-        </p:nvSpPr>
-        <p:spPr>
-          <a:xfrm>
-            <a:off x="1534696" y="2015732"/>
-            <a:ext cx="9520158" cy="3450613"/>
+          <p:cNvPr id="5" name="Footer Placeholder 4"/>
+          <p:cNvSpPr>
+            <a:spLocks noGrp="1"/>
+          </p:cNvSpPr>
+          <p:nvPr>
+            <p:ph type="ftr" sz="quarter" idx="3"/>
+          </p:nvPr>
+        </p:nvSpPr>
+        <p:spPr>
+          <a:xfrm>
+            <a:off x="762001" y="6314440"/>
+            <a:ext cx="3814856" cy="365125"/>
           </a:xfrm>
           <a:prstGeom prst="rect">
             <a:avLst/>
           </a:prstGeom>
         </p:spPr>
         <p:txBody>
-          <a:bodyPr vert="horz" lIns="91440" tIns="45720" rIns="91440" bIns="45720" rtlCol="0">
-            <a:normAutofit/>
-          </a:bodyPr>
-          <a:lstStyle/>
-          <a:p>
-            <a:pPr lvl="0"/>
-            <a:r>
-              <a:rPr lang="en-US" dirty="0"/>
-              <a:t>Edit Master text styles</a:t>
-            </a:r>
-          </a:p>
-          <a:p>
-            <a:pPr lvl="1"/>
-            <a:r>
-              <a:rPr lang="en-US" dirty="0"/>
-              <a:t>Second level</a:t>
-            </a:r>
-          </a:p>
-          <a:p>
-            <a:pPr lvl="2"/>
-            <a:r>
-              <a:rPr lang="en-US" dirty="0"/>
-              <a:t>Third level</a:t>
-            </a:r>
-          </a:p>
-          <a:p>
-            <a:pPr lvl="3"/>
-            <a:r>
-              <a:rPr lang="en-US" dirty="0"/>
-              <a:t>Fourth level</a:t>
-            </a:r>
-          </a:p>
-          <a:p>
-            <a:pPr lvl="4"/>
-            <a:r>
-              <a:rPr lang="en-US" dirty="0"/>
-              <a:t>Fifth level</a:t>
-            </a:r>
-          </a:p>
-        </p:txBody>
-      </p:sp>
-      <p:sp>
-        <p:nvSpPr>
-          <p:cNvPr id="4" name="Date Placeholder 3"/>
-          <p:cNvSpPr>
-            <a:spLocks noGrp="1"/>
-          </p:cNvSpPr>
-          <p:nvPr>
-            <p:ph type="dt" sz="half" idx="2"/>
-          </p:nvPr>
-        </p:nvSpPr>
-        <p:spPr>
-          <a:xfrm>
-            <a:off x="7554138" y="330370"/>
-            <a:ext cx="3500715" cy="309201"/>
+          <a:bodyPr vert="horz" lIns="91440" tIns="45720" rIns="91440" bIns="45720" rtlCol="0" anchor="t"/>
+          <a:lstStyle>
+            <a:lvl1pPr algn="r">
+              <a:defRPr sz="1200" b="1" i="1" baseline="0">
+                <a:solidFill>
+                  <a:schemeClr val="accent1"/>
+                </a:solidFill>
+                <a:latin typeface="+mj-lt"/>
+              </a:defRPr>
+            </a:lvl1pPr>
+          </a:lstStyle>
+          <a:p>
+            <a:endParaRPr lang="en-US" dirty="0"/>
+          </a:p>
+        </p:txBody>
+      </p:sp>
+      <p:sp>
+        <p:nvSpPr>
+          <p:cNvPr id="6" name="Slide Number Placeholder 5"/>
+          <p:cNvSpPr>
+            <a:spLocks noGrp="1"/>
+          </p:cNvSpPr>
+          <p:nvPr>
+            <p:ph type="sldNum" sz="quarter" idx="4"/>
+          </p:nvPr>
+        </p:nvSpPr>
+        <p:spPr>
+          <a:xfrm>
+            <a:off x="11784011" y="5607592"/>
+            <a:ext cx="407988" cy="365125"/>
           </a:xfrm>
           <a:prstGeom prst="rect">
             <a:avLst/>
@@ -3144,94 +3790,17 @@
           <a:bodyPr vert="horz" lIns="91440" tIns="45720" rIns="91440" bIns="45720" rtlCol="0" anchor="ctr"/>
           <a:lstStyle>
             <a:lvl1pPr algn="r">
-              <a:defRPr sz="1000">
+              <a:defRPr sz="1200" b="0" i="1" baseline="0">
                 <a:solidFill>
-                  <a:schemeClr val="tx1">
-                    <a:tint val="75000"/>
-                  </a:schemeClr>
+                  <a:schemeClr val="bg2"/>
                 </a:solidFill>
+                <a:latin typeface="+mj-lt"/>
               </a:defRPr>
             </a:lvl1pPr>
           </a:lstStyle>
           <a:p>
-            <a:fld id="{4CD8A92E-5FF9-8143-81B3-CCB531513398}" type="datetimeFigureOut">
-              <a:rPr lang="en-US" dirty="0"/>
-              <a:t>12/9/2016</a:t>
-            </a:fld>
-            <a:endParaRPr lang="en-US" dirty="0"/>
-          </a:p>
-        </p:txBody>
-      </p:sp>
-      <p:sp>
-        <p:nvSpPr>
-          <p:cNvPr id="5" name="Footer Placeholder 4"/>
-          <p:cNvSpPr>
-            <a:spLocks noGrp="1"/>
-          </p:cNvSpPr>
-          <p:nvPr>
-            <p:ph type="ftr" sz="quarter" idx="3"/>
-          </p:nvPr>
-        </p:nvSpPr>
-        <p:spPr>
-          <a:xfrm>
-            <a:off x="1534695" y="329307"/>
-            <a:ext cx="5855719" cy="309201"/>
-          </a:xfrm>
-          <a:prstGeom prst="rect">
-            <a:avLst/>
-          </a:prstGeom>
-        </p:spPr>
-        <p:txBody>
-          <a:bodyPr vert="horz" lIns="91440" tIns="45720" rIns="91440" bIns="45720" rtlCol="0" anchor="ctr"/>
-          <a:lstStyle>
-            <a:lvl1pPr algn="l">
-              <a:defRPr sz="1000">
-                <a:solidFill>
-                  <a:schemeClr val="tx1">
-                    <a:tint val="75000"/>
-                  </a:schemeClr>
-                </a:solidFill>
-              </a:defRPr>
-            </a:lvl1pPr>
-          </a:lstStyle>
-          <a:p>
-            <a:endParaRPr lang="en-US" dirty="0"/>
-          </a:p>
-        </p:txBody>
-      </p:sp>
-      <p:sp>
-        <p:nvSpPr>
-          <p:cNvPr id="6" name="Slide Number Placeholder 5"/>
-          <p:cNvSpPr>
-            <a:spLocks noGrp="1"/>
-          </p:cNvSpPr>
-          <p:nvPr>
-            <p:ph type="sldNum" sz="quarter" idx="4"/>
-          </p:nvPr>
-        </p:nvSpPr>
-        <p:spPr>
-          <a:xfrm>
-            <a:off x="480060" y="798973"/>
-            <a:ext cx="811019" cy="503578"/>
-          </a:xfrm>
-          <a:prstGeom prst="rect">
-            <a:avLst/>
-          </a:prstGeom>
-        </p:spPr>
-        <p:txBody>
-          <a:bodyPr vert="horz" lIns="91440" tIns="45720" rIns="91440" bIns="45720" rtlCol="0" anchor="t"/>
-          <a:lstStyle>
-            <a:lvl1pPr algn="r">
-              <a:defRPr sz="2800">
-                <a:solidFill>
-                  <a:schemeClr val="accent1"/>
-                </a:solidFill>
-              </a:defRPr>
-            </a:lvl1pPr>
-          </a:lstStyle>
-          <a:p>
             <a:fld id="{6D22F896-40B5-4ADD-8801-0D06FADFA095}" type="slidenum">
-              <a:rPr lang="en-US" dirty="0"/>
+              <a:rPr lang="en-US" smtClean="0"/>
               <a:pPr/>
               <a:t>‹#›</a:t>
             </a:fld>
@@ -3241,23 +3810,21 @@
       </p:sp>
       <p:cxnSp>
         <p:nvCxnSpPr>
-          <p:cNvPr id="12" name="Straight Connector 11"/>
+          <p:cNvPr id="10" name="Straight Connector 9" title="Horizontal Rule Line"/>
           <p:cNvCxnSpPr/>
           <p:nvPr/>
         </p:nvCxnSpPr>
         <p:spPr>
           <a:xfrm>
-            <a:off x="0" y="6141705"/>
-            <a:ext cx="12192000" cy="0"/>
+            <a:off x="0" y="6199730"/>
+            <a:ext cx="4495800" cy="0"/>
           </a:xfrm>
           <a:prstGeom prst="line">
             <a:avLst/>
           </a:prstGeom>
-          <a:ln w="12700">
+          <a:ln w="25400">
             <a:solidFill>
-              <a:srgbClr val="000001">
-                <a:alpha val="20000"/>
-              </a:srgbClr>
+              <a:schemeClr val="accent1"/>
             </a:solidFill>
           </a:ln>
         </p:spPr>
@@ -3277,25 +3844,30 @@
         </p:style>
       </p:cxnSp>
     </p:spTree>
+    <p:extLst>
+      <p:ext uri="{BB962C8B-B14F-4D97-AF65-F5344CB8AC3E}">
+        <p14:creationId xmlns:p14="http://schemas.microsoft.com/office/powerpoint/2010/main" val="587543533"/>
+      </p:ext>
+    </p:extLst>
   </p:cSld>
   <p:clrMap bg1="lt1" tx1="dk1" bg2="lt2" tx2="dk2" accent1="accent1" accent2="accent2" accent3="accent3" accent4="accent4" accent5="accent5" accent6="accent6" hlink="hlink" folHlink="folHlink"/>
   <p:sldLayoutIdLst>
-    <p:sldLayoutId id="2147483649" r:id="rId1"/>
-    <p:sldLayoutId id="2147483650" r:id="rId2"/>
-    <p:sldLayoutId id="2147483651" r:id="rId3"/>
-    <p:sldLayoutId id="2147483652" r:id="rId4"/>
-    <p:sldLayoutId id="2147483653" r:id="rId5"/>
-    <p:sldLayoutId id="2147483654" r:id="rId6"/>
-    <p:sldLayoutId id="2147483655" r:id="rId7"/>
-    <p:sldLayoutId id="2147483656" r:id="rId8"/>
-    <p:sldLayoutId id="2147483657" r:id="rId9"/>
-    <p:sldLayoutId id="2147483658" r:id="rId10"/>
-    <p:sldLayoutId id="2147483659" r:id="rId11"/>
+    <p:sldLayoutId id="2147483697" r:id="rId1"/>
+    <p:sldLayoutId id="2147483698" r:id="rId2"/>
+    <p:sldLayoutId id="2147483699" r:id="rId3"/>
+    <p:sldLayoutId id="2147483700" r:id="rId4"/>
+    <p:sldLayoutId id="2147483701" r:id="rId5"/>
+    <p:sldLayoutId id="2147483702" r:id="rId6"/>
+    <p:sldLayoutId id="2147483703" r:id="rId7"/>
+    <p:sldLayoutId id="2147483704" r:id="rId8"/>
+    <p:sldLayoutId id="2147483705" r:id="rId9"/>
+    <p:sldLayoutId id="2147483706" r:id="rId10"/>
+    <p:sldLayoutId id="2147483707" r:id="rId11"/>
   </p:sldLayoutIdLst>
   <p:hf sldNum="0" hdr="0" ftr="0" dt="0"/>
   <p:txStyles>
     <p:titleStyle>
-      <a:lvl1pPr algn="l" defTabSz="914400" rtl="0" eaLnBrk="1" latinLnBrk="0" hangingPunct="1">
+      <a:lvl1pPr algn="r" defTabSz="914400" rtl="0" eaLnBrk="1" latinLnBrk="0" hangingPunct="1">
         <a:lnSpc>
           <a:spcPct val="90000"/>
         </a:lnSpc>
@@ -3303,11 +3875,10 @@
           <a:spcPct val="0"/>
         </a:spcBef>
         <a:buNone/>
-        <a:defRPr sz="3200" b="0" i="0" kern="1200" cap="none">
+        <a:defRPr sz="5000" b="0" i="1" kern="1200" baseline="0">
           <a:solidFill>
-            <a:schemeClr val="tx1"/>
+            <a:schemeClr val="accent1"/>
           </a:solidFill>
-          <a:effectLst/>
           <a:latin typeface="+mj-lt"/>
           <a:ea typeface="+mj-ea"/>
           <a:cs typeface="+mj-cs"/>
@@ -3315,208 +3886,190 @@
       </a:lvl1pPr>
     </p:titleStyle>
     <p:bodyStyle>
-      <a:lvl1pPr marL="228600" indent="-228600" algn="l" defTabSz="914400" rtl="0" eaLnBrk="1" latinLnBrk="0" hangingPunct="1">
+      <a:lvl1pPr marL="283464" indent="-283464" algn="l" defTabSz="914400" rtl="0" eaLnBrk="1" latinLnBrk="0" hangingPunct="1">
         <a:lnSpc>
-          <a:spcPct val="120000"/>
+          <a:spcPct val="112000"/>
         </a:lnSpc>
         <a:spcBef>
-          <a:spcPts val="1000"/>
+          <a:spcPts val="900"/>
         </a:spcBef>
-        <a:buClr>
-          <a:schemeClr val="accent1"/>
-        </a:buClr>
-        <a:buSzPct val="100000"/>
         <a:buFont typeface="Arial" panose="020B0604020202020204" pitchFamily="34" charset="0"/>
         <a:buChar char="•"/>
-        <a:defRPr sz="2000" kern="1200">
+        <a:defRPr sz="2000" kern="1200" baseline="0">
           <a:solidFill>
-            <a:schemeClr val="tx1"/>
+            <a:schemeClr val="tx1">
+              <a:lumMod val="85000"/>
+              <a:lumOff val="15000"/>
+            </a:schemeClr>
           </a:solidFill>
-          <a:effectLst/>
           <a:latin typeface="+mn-lt"/>
           <a:ea typeface="+mn-ea"/>
           <a:cs typeface="+mn-cs"/>
         </a:defRPr>
       </a:lvl1pPr>
-      <a:lvl2pPr marL="685800" indent="-228600" algn="l" defTabSz="914400" rtl="0" eaLnBrk="1" latinLnBrk="0" hangingPunct="1">
+      <a:lvl2pPr marL="685800" indent="-283464" algn="l" defTabSz="914400" rtl="0" eaLnBrk="1" latinLnBrk="0" hangingPunct="1">
         <a:lnSpc>
-          <a:spcPct val="120000"/>
+          <a:spcPct val="112000"/>
         </a:lnSpc>
         <a:spcBef>
-          <a:spcPts val="500"/>
+          <a:spcPts val="900"/>
         </a:spcBef>
-        <a:buClr>
-          <a:schemeClr val="accent1"/>
-        </a:buClr>
-        <a:buSzPct val="100000"/>
-        <a:buFont typeface="Arial" panose="020B0604020202020204" pitchFamily="34" charset="0"/>
-        <a:buChar char="•"/>
-        <a:defRPr sz="1800" kern="1200" cap="none" baseline="0">
+        <a:buFont typeface="Corbel" panose="020B0503020204020204" pitchFamily="34" charset="0"/>
+        <a:buChar char="–"/>
+        <a:defRPr sz="1800" kern="1200" baseline="0">
           <a:solidFill>
-            <a:schemeClr val="tx1"/>
+            <a:schemeClr val="tx1">
+              <a:lumMod val="85000"/>
+              <a:lumOff val="15000"/>
+            </a:schemeClr>
           </a:solidFill>
-          <a:effectLst/>
           <a:latin typeface="+mn-lt"/>
           <a:ea typeface="+mn-ea"/>
           <a:cs typeface="+mn-cs"/>
         </a:defRPr>
       </a:lvl2pPr>
-      <a:lvl3pPr marL="1143000" indent="-228600" algn="l" defTabSz="914400" rtl="0" eaLnBrk="1" latinLnBrk="0" hangingPunct="1">
+      <a:lvl3pPr marL="1143000" indent="-283464" algn="l" defTabSz="914400" rtl="0" eaLnBrk="1" latinLnBrk="0" hangingPunct="1">
         <a:lnSpc>
-          <a:spcPct val="120000"/>
+          <a:spcPct val="112000"/>
         </a:lnSpc>
         <a:spcBef>
-          <a:spcPts val="500"/>
+          <a:spcPts val="900"/>
         </a:spcBef>
-        <a:buClr>
-          <a:schemeClr val="accent1"/>
-        </a:buClr>
-        <a:buSzPct val="100000"/>
         <a:buFont typeface="Arial" panose="020B0604020202020204" pitchFamily="34" charset="0"/>
         <a:buChar char="•"/>
-        <a:defRPr sz="1600" kern="1200">
+        <a:defRPr sz="1600" kern="1200" baseline="0">
           <a:solidFill>
-            <a:schemeClr val="tx1"/>
+            <a:schemeClr val="tx1">
+              <a:lumMod val="85000"/>
+              <a:lumOff val="15000"/>
+            </a:schemeClr>
           </a:solidFill>
-          <a:effectLst/>
           <a:latin typeface="+mn-lt"/>
           <a:ea typeface="+mn-ea"/>
           <a:cs typeface="+mn-cs"/>
         </a:defRPr>
       </a:lvl3pPr>
-      <a:lvl4pPr marL="1600200" indent="-228600" algn="l" defTabSz="914400" rtl="0" eaLnBrk="1" latinLnBrk="0" hangingPunct="1">
+      <a:lvl4pPr marL="1600200" indent="-283464" algn="l" defTabSz="914400" rtl="0" eaLnBrk="1" latinLnBrk="0" hangingPunct="1">
         <a:lnSpc>
-          <a:spcPct val="120000"/>
+          <a:spcPct val="112000"/>
         </a:lnSpc>
         <a:spcBef>
-          <a:spcPts val="500"/>
+          <a:spcPts val="900"/>
         </a:spcBef>
-        <a:buClr>
-          <a:schemeClr val="accent1"/>
-        </a:buClr>
-        <a:buSzPct val="100000"/>
-        <a:buFont typeface="Arial" panose="020B0604020202020204" pitchFamily="34" charset="0"/>
-        <a:buChar char="•"/>
-        <a:defRPr sz="1400" kern="1200" cap="none" baseline="0">
+        <a:buFont typeface="Corbel" panose="020B0503020204020204" pitchFamily="34" charset="0"/>
+        <a:buChar char="–"/>
+        <a:defRPr sz="1400" kern="1200" baseline="0">
           <a:solidFill>
-            <a:schemeClr val="tx1"/>
+            <a:schemeClr val="tx1">
+              <a:lumMod val="85000"/>
+              <a:lumOff val="15000"/>
+            </a:schemeClr>
           </a:solidFill>
-          <a:effectLst/>
           <a:latin typeface="+mn-lt"/>
           <a:ea typeface="+mn-ea"/>
           <a:cs typeface="+mn-cs"/>
         </a:defRPr>
       </a:lvl4pPr>
-      <a:lvl5pPr marL="2057400" indent="-228600" algn="l" defTabSz="914400" rtl="0" eaLnBrk="1" latinLnBrk="0" hangingPunct="1">
+      <a:lvl5pPr marL="2057400" indent="-283464" algn="l" defTabSz="914400" rtl="0" eaLnBrk="1" latinLnBrk="0" hangingPunct="1">
         <a:lnSpc>
-          <a:spcPct val="120000"/>
+          <a:spcPct val="112000"/>
         </a:lnSpc>
         <a:spcBef>
-          <a:spcPts val="500"/>
+          <a:spcPts val="900"/>
         </a:spcBef>
-        <a:buClr>
-          <a:schemeClr val="accent1"/>
-        </a:buClr>
-        <a:buSzPct val="100000"/>
         <a:buFont typeface="Arial" panose="020B0604020202020204" pitchFamily="34" charset="0"/>
         <a:buChar char="•"/>
-        <a:defRPr sz="1200" kern="1200">
+        <a:defRPr sz="1400" i="1" kern="1200" baseline="0">
           <a:solidFill>
-            <a:schemeClr val="tx1"/>
+            <a:schemeClr val="tx1">
+              <a:lumMod val="85000"/>
+              <a:lumOff val="15000"/>
+            </a:schemeClr>
           </a:solidFill>
-          <a:effectLst/>
           <a:latin typeface="+mn-lt"/>
           <a:ea typeface="+mn-ea"/>
           <a:cs typeface="+mn-cs"/>
         </a:defRPr>
       </a:lvl5pPr>
-      <a:lvl6pPr marL="2514600" indent="-228600" algn="l" defTabSz="914400" rtl="0" eaLnBrk="1" latinLnBrk="0" hangingPunct="1">
+      <a:lvl6pPr marL="2514600" indent="-283464" algn="l" defTabSz="914400" rtl="0" eaLnBrk="1" latinLnBrk="0" hangingPunct="1">
         <a:lnSpc>
-          <a:spcPct val="120000"/>
+          <a:spcPct val="112000"/>
         </a:lnSpc>
         <a:spcBef>
-          <a:spcPts val="500"/>
+          <a:spcPts val="1300"/>
         </a:spcBef>
-        <a:buClr>
-          <a:schemeClr val="accent1"/>
-        </a:buClr>
-        <a:buSzPct val="100000"/>
-        <a:buFont typeface="Arial" panose="020B0604020202020204" pitchFamily="34" charset="0"/>
-        <a:buChar char="•"/>
-        <a:defRPr sz="1200" kern="1200">
+        <a:buFont typeface="Corbel" panose="020B0503020204020204" pitchFamily="34" charset="0"/>
+        <a:buChar char="–"/>
+        <a:defRPr sz="1400" kern="1200">
           <a:solidFill>
-            <a:schemeClr val="tx1"/>
+            <a:schemeClr val="tx1">
+              <a:lumMod val="85000"/>
+              <a:lumOff val="15000"/>
+            </a:schemeClr>
           </a:solidFill>
-          <a:effectLst/>
           <a:latin typeface="+mn-lt"/>
           <a:ea typeface="+mn-ea"/>
           <a:cs typeface="+mn-cs"/>
         </a:defRPr>
       </a:lvl6pPr>
-      <a:lvl7pPr marL="2971800" indent="-228600" algn="l" defTabSz="914400" rtl="0" eaLnBrk="1" latinLnBrk="0" hangingPunct="1">
+      <a:lvl7pPr marL="2971800" indent="-283464" algn="l" defTabSz="914400" rtl="0" eaLnBrk="1" latinLnBrk="0" hangingPunct="1">
         <a:lnSpc>
-          <a:spcPct val="120000"/>
+          <a:spcPct val="112000"/>
         </a:lnSpc>
         <a:spcBef>
-          <a:spcPts val="500"/>
+          <a:spcPts val="1300"/>
         </a:spcBef>
-        <a:buClr>
-          <a:schemeClr val="accent1"/>
-        </a:buClr>
-        <a:buSzPct val="100000"/>
         <a:buFont typeface="Arial" panose="020B0604020202020204" pitchFamily="34" charset="0"/>
         <a:buChar char="•"/>
-        <a:defRPr sz="1200" kern="1200">
+        <a:defRPr sz="1400" i="1" kern="1200">
           <a:solidFill>
-            <a:schemeClr val="tx1"/>
+            <a:schemeClr val="tx1">
+              <a:lumMod val="85000"/>
+              <a:lumOff val="15000"/>
+            </a:schemeClr>
           </a:solidFill>
-          <a:effectLst/>
           <a:latin typeface="+mn-lt"/>
           <a:ea typeface="+mn-ea"/>
           <a:cs typeface="+mn-cs"/>
         </a:defRPr>
       </a:lvl7pPr>
-      <a:lvl8pPr marL="3429000" indent="-228600" algn="l" defTabSz="914400" rtl="0" eaLnBrk="1" latinLnBrk="0" hangingPunct="1">
+      <a:lvl8pPr marL="3429000" indent="-283464" algn="l" defTabSz="914400" rtl="0" eaLnBrk="1" latinLnBrk="0" hangingPunct="1">
         <a:lnSpc>
-          <a:spcPct val="120000"/>
+          <a:spcPct val="112000"/>
         </a:lnSpc>
         <a:spcBef>
-          <a:spcPts val="500"/>
+          <a:spcPts val="1300"/>
         </a:spcBef>
-        <a:buClr>
-          <a:schemeClr val="accent1"/>
-        </a:buClr>
-        <a:buSzPct val="100000"/>
-        <a:buFont typeface="Arial" panose="020B0604020202020204" pitchFamily="34" charset="0"/>
-        <a:buChar char="•"/>
-        <a:defRPr sz="1200" kern="1200" baseline="0">
+        <a:buFont typeface="Corbel" panose="020B0503020204020204" pitchFamily="34" charset="0"/>
+        <a:buChar char="–"/>
+        <a:defRPr sz="1400" kern="1200">
           <a:solidFill>
-            <a:schemeClr val="tx1"/>
+            <a:schemeClr val="tx1">
+              <a:lumMod val="85000"/>
+              <a:lumOff val="15000"/>
+            </a:schemeClr>
           </a:solidFill>
-          <a:effectLst/>
           <a:latin typeface="+mn-lt"/>
           <a:ea typeface="+mn-ea"/>
           <a:cs typeface="+mn-cs"/>
         </a:defRPr>
       </a:lvl8pPr>
-      <a:lvl9pPr marL="3886200" indent="-228600" algn="l" defTabSz="914400" rtl="0" eaLnBrk="1" latinLnBrk="0" hangingPunct="1">
+      <a:lvl9pPr marL="3886200" indent="-283464" algn="l" defTabSz="914400" rtl="0" eaLnBrk="1" latinLnBrk="0" hangingPunct="1">
         <a:lnSpc>
-          <a:spcPct val="120000"/>
+          <a:spcPct val="112000"/>
         </a:lnSpc>
         <a:spcBef>
-          <a:spcPts val="500"/>
+          <a:spcPts val="1300"/>
         </a:spcBef>
-        <a:buClr>
-          <a:schemeClr val="accent1"/>
-        </a:buClr>
-        <a:buSzPct val="100000"/>
         <a:buFont typeface="Arial" panose="020B0604020202020204" pitchFamily="34" charset="0"/>
         <a:buChar char="•"/>
-        <a:defRPr sz="1200" kern="1200" baseline="0">
+        <a:defRPr sz="1400" i="1" kern="1200" baseline="0">
           <a:solidFill>
-            <a:schemeClr val="tx1"/>
+            <a:schemeClr val="tx1">
+              <a:lumMod val="85000"/>
+              <a:lumOff val="15000"/>
+            </a:schemeClr>
           </a:solidFill>
-          <a:effectLst/>
           <a:latin typeface="+mn-lt"/>
           <a:ea typeface="+mn-ea"/>
           <a:cs typeface="+mn-cs"/>
@@ -3619,6 +4172,37 @@
       </a:lvl9pPr>
     </p:otherStyle>
   </p:txStyles>
+  <p:extLst mod="1">
+    <p:ext uri="{27BBF7A9-308A-43DC-89C8-2F10F3537804}">
+      <p15:sldGuideLst xmlns:p15="http://schemas.microsoft.com/office/powerpoint/2012/main">
+        <p15:guide id="1" pos="2832">
+          <p15:clr>
+            <a:srgbClr val="F26B43"/>
+          </p15:clr>
+        </p15:guide>
+        <p15:guide id="2" pos="480">
+          <p15:clr>
+            <a:srgbClr val="F26B43"/>
+          </p15:clr>
+        </p15:guide>
+        <p15:guide id="3" orient="horz" pos="432">
+          <p15:clr>
+            <a:srgbClr val="F26B43"/>
+          </p15:clr>
+        </p15:guide>
+        <p15:guide id="4" pos="7200">
+          <p15:clr>
+            <a:srgbClr val="F26B43"/>
+          </p15:clr>
+        </p15:guide>
+        <p15:guide id="5" pos="3264">
+          <p15:clr>
+            <a:srgbClr val="F26B43"/>
+          </p15:clr>
+        </p15:guide>
+      </p15:sldGuideLst>
+    </p:ext>
+  </p:extLst>
 </p:sldMaster>
 </file>
 
@@ -3657,7 +4241,7 @@
         </p:spPr>
         <p:txBody>
           <a:bodyPr>
-            <a:normAutofit/>
+            <a:normAutofit fontScale="90000"/>
           </a:bodyPr>
           <a:lstStyle/>
           <a:p>
@@ -3692,15 +4276,7 @@
           <a:p>
             <a:r>
               <a:rPr lang="en-US" dirty="0"/>
-              <a:t>Gardon, Jana </a:t>
-            </a:r>
-            <a:r>
-              <a:rPr lang="en-US" dirty="0" err="1"/>
-              <a:t>marie</a:t>
-            </a:r>
-            <a:r>
-              <a:rPr lang="en-US" dirty="0"/>
-              <a:t> g.</a:t>
+              <a:t>Gardon, Jana Marie G.</a:t>
             </a:r>
           </a:p>
           <a:p>
@@ -3710,23 +4286,15 @@
             </a:r>
             <a:r>
               <a:rPr lang="en-US" dirty="0"/>
-              <a:t>, </a:t>
+              <a:t>, Johanna </a:t>
             </a:r>
             <a:r>
               <a:rPr lang="en-US" dirty="0" err="1"/>
-              <a:t>johanna</a:t>
+              <a:t>Marisse</a:t>
             </a:r>
             <a:r>
               <a:rPr lang="en-US" dirty="0"/>
-              <a:t> </a:t>
-            </a:r>
-            <a:r>
-              <a:rPr lang="en-US" dirty="0" err="1"/>
-              <a:t>marisse</a:t>
-            </a:r>
-            <a:r>
-              <a:rPr lang="en-US" dirty="0"/>
-              <a:t> c.</a:t>
+              <a:t> C.</a:t>
             </a:r>
           </a:p>
           <a:p>
@@ -3736,15 +4304,7 @@
             </a:r>
             <a:r>
               <a:rPr lang="en-US" dirty="0"/>
-              <a:t>, </a:t>
-            </a:r>
-            <a:r>
-              <a:rPr lang="en-US" dirty="0" err="1"/>
-              <a:t>jose</a:t>
-            </a:r>
-            <a:r>
-              <a:rPr lang="en-US" dirty="0"/>
-              <a:t> Lorenzo g.</a:t>
+              <a:t>, Jose Lorenzo G.</a:t>
             </a:r>
           </a:p>
         </p:txBody>
@@ -3801,7 +4361,12 @@
             <p:ph type="title"/>
           </p:nvPr>
         </p:nvSpPr>
-        <p:spPr/>
+        <p:spPr>
+          <a:xfrm>
+            <a:off x="771144" y="920398"/>
+            <a:ext cx="3833906" cy="4952492"/>
+          </a:xfrm>
+        </p:spPr>
         <p:txBody>
           <a:bodyPr>
             <a:normAutofit/>
@@ -3825,7 +4390,12 @@
             <p:ph idx="1"/>
           </p:nvPr>
         </p:nvSpPr>
-        <p:spPr/>
+        <p:spPr>
+          <a:xfrm>
+            <a:off x="5263896" y="1126850"/>
+            <a:ext cx="6248398" cy="5655156"/>
+          </a:xfrm>
+        </p:spPr>
         <p:txBody>
           <a:bodyPr>
             <a:normAutofit/>
@@ -3915,7 +4485,12 @@
             <p:ph type="title"/>
           </p:nvPr>
         </p:nvSpPr>
-        <p:spPr/>
+        <p:spPr>
+          <a:xfrm>
+            <a:off x="707136" y="920398"/>
+            <a:ext cx="3833906" cy="4952492"/>
+          </a:xfrm>
+        </p:spPr>
         <p:txBody>
           <a:bodyPr>
             <a:normAutofit/>
@@ -3939,7 +4514,12 @@
             <p:ph idx="1"/>
           </p:nvPr>
         </p:nvSpPr>
-        <p:spPr/>
+        <p:spPr>
+          <a:xfrm>
+            <a:off x="5227320" y="1309730"/>
+            <a:ext cx="6248398" cy="5655156"/>
+          </a:xfrm>
+        </p:spPr>
         <p:txBody>
           <a:bodyPr>
             <a:normAutofit/>
@@ -3972,7 +4552,7 @@
           <a:p>
             <a:r>
               <a:rPr lang="en-US" sz="2600" dirty="0"/>
-              <a:t>Enrolment system (LSC 1)</a:t>
+              <a:t>Enrollment system (LSC 1)</a:t>
             </a:r>
           </a:p>
         </p:txBody>
@@ -4029,7 +4609,12 @@
             <p:ph type="title"/>
           </p:nvPr>
         </p:nvSpPr>
-        <p:spPr/>
+        <p:spPr>
+          <a:xfrm>
+            <a:off x="771144" y="1007734"/>
+            <a:ext cx="3833906" cy="4952492"/>
+          </a:xfrm>
+        </p:spPr>
         <p:txBody>
           <a:bodyPr>
             <a:normAutofit/>
@@ -4038,7 +4623,7 @@
           <a:p>
             <a:r>
               <a:rPr lang="en-US" sz="3600" dirty="0"/>
-              <a:t>Hardware Environment</a:t>
+              <a:t>Security</a:t>
             </a:r>
           </a:p>
         </p:txBody>
@@ -4053,42 +4638,54 @@
             <p:ph idx="1"/>
           </p:nvPr>
         </p:nvSpPr>
-        <p:spPr/>
-        <p:txBody>
-          <a:bodyPr>
-            <a:normAutofit/>
-          </a:bodyPr>
-          <a:lstStyle/>
-          <a:p>
-            <a:r>
-              <a:rPr lang="en-US" sz="2800" dirty="0"/>
-              <a:t>At least 1.3 GHz processor or faster</a:t>
-            </a:r>
-          </a:p>
-          <a:p>
-            <a:r>
-              <a:rPr lang="en-US" sz="2800" dirty="0"/>
-              <a:t>128 MB RAM</a:t>
-            </a:r>
-          </a:p>
-          <a:p>
-            <a:r>
-              <a:rPr lang="en-US" sz="2800" dirty="0"/>
-              <a:t>80GB or above</a:t>
-            </a:r>
-          </a:p>
-          <a:p>
-            <a:r>
-              <a:rPr lang="en-US" sz="2800" dirty="0"/>
-              <a:t>At least 800 x 600 colors or above</a:t>
-            </a:r>
+        <p:spPr>
+          <a:xfrm>
+            <a:off x="5154168" y="925682"/>
+            <a:ext cx="6248398" cy="5655156"/>
+          </a:xfrm>
+        </p:spPr>
+        <p:txBody>
+          <a:bodyPr/>
+          <a:lstStyle/>
+          <a:p>
+            <a:r>
+              <a:rPr lang="en-US" sz="2400" dirty="0"/>
+              <a:t>System will run inside the firewall</a:t>
+            </a:r>
+          </a:p>
+          <a:p>
+            <a:r>
+              <a:rPr lang="en-US" sz="2400" dirty="0"/>
+              <a:t>Different roles for admin, student and tutor (RBAC)</a:t>
+            </a:r>
+          </a:p>
+          <a:p>
+            <a:r>
+              <a:rPr lang="en-US" sz="2400" dirty="0"/>
+              <a:t>Password encryption</a:t>
+            </a:r>
+          </a:p>
+          <a:p>
+            <a:r>
+              <a:rPr lang="en-US" sz="2400" dirty="0"/>
+              <a:t>Time limit of one hour</a:t>
+            </a:r>
+          </a:p>
+          <a:p>
+            <a:pPr marL="0" indent="0">
+              <a:buNone/>
+            </a:pPr>
+            <a:endParaRPr lang="en-US" dirty="0"/>
+          </a:p>
+          <a:p>
+            <a:endParaRPr lang="en-US" dirty="0"/>
           </a:p>
         </p:txBody>
       </p:sp>
     </p:spTree>
     <p:extLst>
       <p:ext uri="{BB962C8B-B14F-4D97-AF65-F5344CB8AC3E}">
-        <p14:creationId xmlns:p14="http://schemas.microsoft.com/office/powerpoint/2010/main" val="129504969"/>
+        <p14:creationId xmlns:p14="http://schemas.microsoft.com/office/powerpoint/2010/main" val="2576832956"/>
       </p:ext>
     </p:extLst>
   </p:cSld>
@@ -4146,7 +4743,7 @@
           <a:p>
             <a:r>
               <a:rPr lang="en-US" sz="3600" dirty="0"/>
-              <a:t>Security</a:t>
+              <a:t>Application System Modules</a:t>
             </a:r>
           </a:p>
         </p:txBody>
@@ -4161,52 +4758,41 @@
             <p:ph idx="1"/>
           </p:nvPr>
         </p:nvSpPr>
-        <p:spPr/>
-        <p:txBody>
-          <a:bodyPr/>
-          <a:lstStyle/>
-          <a:p>
-            <a:r>
-              <a:rPr lang="en-US" sz="2400" dirty="0"/>
-              <a:t>System will run inside the firewall</a:t>
-            </a:r>
-          </a:p>
-          <a:p>
-            <a:r>
-              <a:rPr lang="en-US" sz="2400" dirty="0"/>
-              <a:t>Different roles for admin, student and tutor (RBAC)</a:t>
-            </a:r>
-          </a:p>
-          <a:p>
-            <a:r>
-              <a:rPr lang="en-US" sz="2400" dirty="0"/>
-              <a:t>Password encryption</a:t>
-            </a:r>
-          </a:p>
-          <a:p>
-            <a:r>
-              <a:rPr lang="en-US" sz="2400" dirty="0"/>
-              <a:t>Time limit of one hour</a:t>
-            </a:r>
-          </a:p>
-          <a:p>
-            <a:r>
-              <a:rPr lang="en-US" sz="2400" dirty="0"/>
-              <a:t>No printing and downloading of materials</a:t>
-            </a:r>
-          </a:p>
-          <a:p>
-            <a:endParaRPr lang="en-US" dirty="0"/>
-          </a:p>
-          <a:p>
-            <a:endParaRPr lang="en-US" dirty="0"/>
+        <p:spPr>
+          <a:xfrm>
+            <a:off x="1534696" y="2095943"/>
+            <a:ext cx="9520158" cy="3450613"/>
+          </a:xfrm>
+        </p:spPr>
+        <p:txBody>
+          <a:bodyPr>
+            <a:normAutofit/>
+          </a:bodyPr>
+          <a:lstStyle/>
+          <a:p>
+            <a:r>
+              <a:rPr lang="en-US" sz="3200" dirty="0"/>
+              <a:t>Quiz</a:t>
+            </a:r>
+          </a:p>
+          <a:p>
+            <a:r>
+              <a:rPr lang="en-US" sz="3200" dirty="0"/>
+              <a:t>Course</a:t>
+            </a:r>
+          </a:p>
+          <a:p>
+            <a:r>
+              <a:rPr lang="en-US" sz="3200" dirty="0"/>
+              <a:t>User</a:t>
+            </a:r>
           </a:p>
         </p:txBody>
       </p:sp>
     </p:spTree>
     <p:extLst>
       <p:ext uri="{BB962C8B-B14F-4D97-AF65-F5344CB8AC3E}">
-        <p14:creationId xmlns:p14="http://schemas.microsoft.com/office/powerpoint/2010/main" val="2576832956"/>
+        <p14:creationId xmlns:p14="http://schemas.microsoft.com/office/powerpoint/2010/main" val="654577072"/>
       </p:ext>
     </p:extLst>
   </p:cSld>
@@ -4245,6 +4831,47 @@
           <a:chExt cx="0" cy="0"/>
         </a:xfrm>
       </p:grpSpPr>
+      <p:pic>
+        <p:nvPicPr>
+          <p:cNvPr id="1026" name="Picture 2" descr="login%20frontend_zps4m2y16xt.jpg"/>
+          <p:cNvPicPr>
+            <a:picLocks noChangeAspect="1" noChangeArrowheads="1"/>
+          </p:cNvPicPr>
+          <p:nvPr/>
+        </p:nvPicPr>
+        <p:blipFill rotWithShape="1">
+          <a:blip r:embed="rId2" r:link="rId3">
+            <a:extLst>
+              <a:ext uri="{28A0092B-C50C-407E-A947-70E740481C1C}">
+                <a14:useLocalDpi xmlns:a14="http://schemas.microsoft.com/office/drawing/2010/main" val="0"/>
+              </a:ext>
+            </a:extLst>
+          </a:blip>
+          <a:srcRect/>
+          <a:stretch>
+            <a:fillRect/>
+          </a:stretch>
+        </p:blipFill>
+        <p:spPr bwMode="auto">
+          <a:xfrm>
+            <a:off x="5324357" y="318944"/>
+            <a:ext cx="5898744" cy="2754983"/>
+          </a:xfrm>
+          <a:prstGeom prst="rect">
+            <a:avLst/>
+          </a:prstGeom>
+          <a:noFill/>
+          <a:extLst>
+            <a:ext uri="{909E8E84-426E-40DD-AFC4-6F175D3DCCD1}">
+              <a14:hiddenFill xmlns:a14="http://schemas.microsoft.com/office/drawing/2010/main">
+                <a:solidFill>
+                  <a:srgbClr val="FFFFFF"/>
+                </a:solidFill>
+              </a14:hiddenFill>
+            </a:ext>
+          </a:extLst>
+        </p:spPr>
+      </p:pic>
       <p:sp>
         <p:nvSpPr>
           <p:cNvPr id="2" name="Title 1"/>
@@ -4255,7 +4882,12 @@
             <p:ph type="title"/>
           </p:nvPr>
         </p:nvSpPr>
-        <p:spPr/>
+        <p:spPr>
+          <a:xfrm>
+            <a:off x="-417196" y="795727"/>
+            <a:ext cx="5467239" cy="1049235"/>
+          </a:xfrm>
+        </p:spPr>
         <p:txBody>
           <a:bodyPr>
             <a:normAutofit/>
@@ -4264,14 +4896,14 @@
           <a:p>
             <a:r>
               <a:rPr lang="en-US" sz="3600" dirty="0"/>
-              <a:t>Application System Modules</a:t>
-            </a:r>
-          </a:p>
-        </p:txBody>
-      </p:sp>
-      <p:sp>
-        <p:nvSpPr>
-          <p:cNvPr id="3" name="Content Placeholder 2"/>
+              <a:t>Frontend</a:t>
+            </a:r>
+          </a:p>
+        </p:txBody>
+      </p:sp>
+      <p:sp>
+        <p:nvSpPr>
+          <p:cNvPr id="1030" name="Content Placeholder 1029"/>
           <p:cNvSpPr>
             <a:spLocks noGrp="1"/>
           </p:cNvSpPr>
@@ -4281,8 +4913,8 @@
         </p:nvSpPr>
         <p:spPr>
           <a:xfrm>
-            <a:off x="1534696" y="2095943"/>
-            <a:ext cx="9520158" cy="3450613"/>
+            <a:off x="1534696" y="2015732"/>
+            <a:ext cx="5467239" cy="3450613"/>
           </a:xfrm>
         </p:spPr>
         <p:txBody>
@@ -4291,29 +4923,38 @@
           </a:bodyPr>
           <a:lstStyle/>
           <a:p>
-            <a:r>
-              <a:rPr lang="en-US" sz="3200" dirty="0"/>
-              <a:t>Quiz</a:t>
-            </a:r>
-          </a:p>
-          <a:p>
-            <a:r>
-              <a:rPr lang="en-US" sz="3200" dirty="0"/>
-              <a:t>Course</a:t>
-            </a:r>
-          </a:p>
-          <a:p>
-            <a:r>
-              <a:rPr lang="en-US" sz="3200" dirty="0"/>
-              <a:t>User</a:t>
-            </a:r>
-          </a:p>
-        </p:txBody>
-      </p:sp>
+            <a:endParaRPr lang="en-US" dirty="0"/>
+          </a:p>
+        </p:txBody>
+      </p:sp>
+      <p:pic>
+        <p:nvPicPr>
+          <p:cNvPr id="3" name="Picture 2"/>
+          <p:cNvPicPr>
+            <a:picLocks noChangeAspect="1"/>
+          </p:cNvPicPr>
+          <p:nvPr/>
+        </p:nvPicPr>
+        <p:blipFill>
+          <a:blip r:embed="rId4"/>
+          <a:stretch>
+            <a:fillRect/>
+          </a:stretch>
+        </p:blipFill>
+        <p:spPr>
+          <a:xfrm>
+            <a:off x="5324357" y="3393223"/>
+            <a:ext cx="5898744" cy="2754983"/>
+          </a:xfrm>
+          <a:prstGeom prst="rect">
+            <a:avLst/>
+          </a:prstGeom>
+        </p:spPr>
+      </p:pic>
     </p:spTree>
     <p:extLst>
       <p:ext uri="{BB962C8B-B14F-4D97-AF65-F5344CB8AC3E}">
-        <p14:creationId xmlns:p14="http://schemas.microsoft.com/office/powerpoint/2010/main" val="654577072"/>
+        <p14:creationId xmlns:p14="http://schemas.microsoft.com/office/powerpoint/2010/main" val="2195760253"/>
       </p:ext>
     </p:extLst>
   </p:cSld>
@@ -4352,275 +4993,16 @@
           <a:chExt cx="0" cy="0"/>
         </a:xfrm>
       </p:grpSpPr>
-      <p:sp useBgFill="1">
-        <p:nvSpPr>
-          <p:cNvPr id="137" name="Rectangle 136"/>
-          <p:cNvSpPr>
-            <a:spLocks noGrp="1" noRot="1" noChangeAspect="1" noMove="1" noResize="1" noEditPoints="1" noAdjustHandles="1" noChangeArrowheads="1" noChangeShapeType="1" noTextEdit="1"/>
-          </p:cNvSpPr>
-          <p:nvPr>
-            <p:extLst>
-              <p:ext uri="{386F3935-93C4-4BCD-93E2-E3B085C9AB24}">
-                <p16:designElem xmlns:p16="http://schemas.microsoft.com/office/powerpoint/2015/main" val="1"/>
-              </p:ext>
-            </p:extLst>
-          </p:nvPr>
-        </p:nvSpPr>
-        <p:spPr>
-          <a:xfrm>
-            <a:off x="2" y="0"/>
-            <a:ext cx="12191695" cy="6858000"/>
-          </a:xfrm>
-          <a:prstGeom prst="rect">
-            <a:avLst/>
-          </a:prstGeom>
-          <a:ln>
-            <a:noFill/>
-          </a:ln>
-        </p:spPr>
-        <p:style>
-          <a:lnRef idx="2">
-            <a:schemeClr val="accent1">
-              <a:shade val="50000"/>
-            </a:schemeClr>
-          </a:lnRef>
-          <a:fillRef idx="1">
-            <a:schemeClr val="accent1"/>
-          </a:fillRef>
-          <a:effectRef idx="0">
-            <a:schemeClr val="accent1"/>
-          </a:effectRef>
-          <a:fontRef idx="minor">
-            <a:schemeClr val="lt1"/>
-          </a:fontRef>
-        </p:style>
-        <p:txBody>
-          <a:bodyPr rtlCol="0" anchor="ctr"/>
-          <a:lstStyle/>
-          <a:p>
-            <a:pPr algn="ctr"/>
-            <a:endParaRPr lang="en-US"/>
-          </a:p>
-        </p:txBody>
-      </p:sp>
-      <p:sp>
-        <p:nvSpPr>
-          <p:cNvPr id="138" name="Rectangle 137"/>
-          <p:cNvSpPr>
-            <a:spLocks noGrp="1" noRot="1" noChangeAspect="1" noMove="1" noResize="1" noEditPoints="1" noAdjustHandles="1" noChangeArrowheads="1" noChangeShapeType="1" noTextEdit="1"/>
-          </p:cNvSpPr>
-          <p:nvPr>
-            <p:extLst>
-              <p:ext uri="{386F3935-93C4-4BCD-93E2-E3B085C9AB24}">
-                <p16:designElem xmlns:p16="http://schemas.microsoft.com/office/powerpoint/2015/main" val="1"/>
-              </p:ext>
-            </p:extLst>
-          </p:nvPr>
-        </p:nvSpPr>
-        <p:spPr>
-          <a:xfrm>
-            <a:off x="0" y="2015732"/>
-            <a:ext cx="12192000" cy="4118829"/>
-          </a:xfrm>
-          <a:prstGeom prst="rect">
-            <a:avLst/>
-          </a:prstGeom>
-          <a:gradFill flip="none" rotWithShape="1">
-            <a:gsLst>
-              <a:gs pos="0">
-                <a:schemeClr val="bg2">
-                  <a:alpha val="0"/>
-                </a:schemeClr>
-              </a:gs>
-              <a:gs pos="100000">
-                <a:schemeClr val="bg2"/>
-              </a:gs>
-            </a:gsLst>
-            <a:lin ang="5400000" scaled="0"/>
-            <a:tileRect/>
-          </a:gradFill>
-          <a:ln>
-            <a:noFill/>
-          </a:ln>
-        </p:spPr>
-        <p:style>
-          <a:lnRef idx="2">
-            <a:schemeClr val="accent1">
-              <a:shade val="50000"/>
-            </a:schemeClr>
-          </a:lnRef>
-          <a:fillRef idx="1">
-            <a:schemeClr val="accent1"/>
-          </a:fillRef>
-          <a:effectRef idx="0">
-            <a:schemeClr val="accent1"/>
-          </a:effectRef>
-          <a:fontRef idx="minor">
-            <a:schemeClr val="lt1"/>
-          </a:fontRef>
-        </p:style>
-        <p:txBody>
-          <a:bodyPr rtlCol="0" anchor="ctr"/>
-          <a:lstStyle/>
-          <a:p>
-            <a:pPr lvl="0" algn="ctr"/>
-            <a:endParaRPr lang="en-US"/>
-          </a:p>
-        </p:txBody>
-      </p:sp>
       <p:pic>
         <p:nvPicPr>
-          <p:cNvPr id="139" name="Picture 138"/>
-          <p:cNvPicPr>
-            <a:picLocks noGrp="1" noRot="1" noChangeAspect="1" noMove="1" noResize="1" noEditPoints="1" noAdjustHandles="1" noChangeArrowheads="1" noChangeShapeType="1" noCrop="1"/>
-          </p:cNvPicPr>
-          <p:nvPr>
-            <p:extLst>
-              <p:ext uri="{386F3935-93C4-4BCD-93E2-E3B085C9AB24}">
-                <p16:designElem xmlns:p16="http://schemas.microsoft.com/office/powerpoint/2015/main" val="1"/>
-              </p:ext>
-            </p:extLst>
-          </p:nvPr>
-        </p:nvPicPr>
-        <p:blipFill rotWithShape="1">
-          <a:blip r:embed="rId2"/>
-          <a:srcRect t="2769" b="-2769"/>
-          <a:stretch/>
-        </p:blipFill>
-        <p:spPr>
-          <a:xfrm>
-            <a:off x="0" y="6135624"/>
-            <a:ext cx="12192000" cy="742950"/>
-          </a:xfrm>
-          <a:prstGeom prst="rect">
-            <a:avLst/>
-          </a:prstGeom>
-        </p:spPr>
-      </p:pic>
-      <p:cxnSp>
-        <p:nvCxnSpPr>
-          <p:cNvPr id="140" name="Straight Connector 139"/>
-          <p:cNvCxnSpPr>
-            <a:cxnSpLocks noGrp="1" noRot="1" noChangeAspect="1" noMove="1" noResize="1" noEditPoints="1" noAdjustHandles="1" noChangeArrowheads="1" noChangeShapeType="1"/>
-          </p:cNvCxnSpPr>
-          <p:nvPr>
-            <p:extLst>
-              <p:ext uri="{386F3935-93C4-4BCD-93E2-E3B085C9AB24}">
-                <p16:designElem xmlns:p16="http://schemas.microsoft.com/office/powerpoint/2015/main" val="1"/>
-              </p:ext>
-            </p:extLst>
-          </p:nvPr>
-        </p:nvCxnSpPr>
-        <p:spPr>
-          <a:xfrm>
-            <a:off x="0" y="6141705"/>
-            <a:ext cx="12192000" cy="0"/>
-          </a:xfrm>
-          <a:prstGeom prst="line">
-            <a:avLst/>
-          </a:prstGeom>
-          <a:ln w="12700">
-            <a:solidFill>
-              <a:srgbClr val="000001">
-                <a:alpha val="20000"/>
-              </a:srgbClr>
-            </a:solidFill>
-          </a:ln>
-        </p:spPr>
-        <p:style>
-          <a:lnRef idx="1">
-            <a:schemeClr val="accent1"/>
-          </a:lnRef>
-          <a:fillRef idx="0">
-            <a:schemeClr val="accent1"/>
-          </a:fillRef>
-          <a:effectRef idx="0">
-            <a:schemeClr val="accent1"/>
-          </a:effectRef>
-          <a:fontRef idx="minor">
-            <a:schemeClr val="tx1"/>
-          </a:fontRef>
-        </p:style>
-      </p:cxnSp>
-      <p:cxnSp>
-        <p:nvCxnSpPr>
-          <p:cNvPr id="141" name="Straight Connector 140"/>
-          <p:cNvCxnSpPr>
-            <a:cxnSpLocks noGrp="1" noRot="1" noChangeAspect="1" noMove="1" noResize="1" noEditPoints="1" noAdjustHandles="1" noChangeArrowheads="1" noChangeShapeType="1"/>
-          </p:cNvCxnSpPr>
-          <p:nvPr>
-            <p:extLst>
-              <p:ext uri="{386F3935-93C4-4BCD-93E2-E3B085C9AB24}">
-                <p16:designElem xmlns:p16="http://schemas.microsoft.com/office/powerpoint/2015/main" val="1"/>
-              </p:ext>
-            </p:extLst>
-          </p:nvPr>
-        </p:nvCxnSpPr>
-        <p:spPr>
-          <a:xfrm>
-            <a:off x="1371687" y="798973"/>
-            <a:ext cx="0" cy="1067168"/>
-          </a:xfrm>
-          <a:prstGeom prst="line">
-            <a:avLst/>
-          </a:prstGeom>
-          <a:ln w="38100" cmpd="sng">
-            <a:solidFill>
-              <a:schemeClr val="accent1"/>
-            </a:solidFill>
-            <a:prstDash val="solid"/>
-            <a:tailEnd type="none"/>
-          </a:ln>
-        </p:spPr>
-        <p:style>
-          <a:lnRef idx="3">
-            <a:schemeClr val="accent1"/>
-          </a:lnRef>
-          <a:fillRef idx="0">
-            <a:schemeClr val="accent1"/>
-          </a:fillRef>
-          <a:effectRef idx="2">
-            <a:schemeClr val="accent1"/>
-          </a:effectRef>
-          <a:fontRef idx="minor">
-            <a:schemeClr val="tx1"/>
-          </a:fontRef>
-        </p:style>
-      </p:cxnSp>
-      <p:pic>
-        <p:nvPicPr>
-          <p:cNvPr id="1028" name="Content Placeholder 3"/>
-          <p:cNvPicPr>
-            <a:picLocks noChangeAspect="1"/>
-          </p:cNvPicPr>
-          <p:nvPr/>
-        </p:nvPicPr>
-        <p:blipFill>
-          <a:blip r:embed="rId3"/>
-          <a:stretch>
-            <a:fillRect/>
-          </a:stretch>
-        </p:blipFill>
-        <p:spPr>
-          <a:xfrm>
-            <a:off x="5324357" y="3188545"/>
-            <a:ext cx="5898744" cy="2831397"/>
-          </a:xfrm>
-          <a:prstGeom prst="rect">
-            <a:avLst/>
-          </a:prstGeom>
-        </p:spPr>
-      </p:pic>
-      <p:pic>
-        <p:nvPicPr>
-          <p:cNvPr id="1026" name="Picture 2" descr="login%20frontend_zps4m2y16xt.jpg"/>
+          <p:cNvPr id="2050" name="Picture 2" descr="backend%20login_zpsaqej9zo4.jpg"/>
           <p:cNvPicPr>
             <a:picLocks noChangeAspect="1" noChangeArrowheads="1"/>
           </p:cNvPicPr>
           <p:nvPr/>
         </p:nvPicPr>
         <p:blipFill rotWithShape="1">
-          <a:blip r:embed="rId4" r:link="rId5">
+          <a:blip r:embed="rId2" r:link="rId3">
             <a:extLst>
               <a:ext uri="{28A0092B-C50C-407E-A947-70E740481C1C}">
                 <a14:useLocalDpi xmlns:a14="http://schemas.microsoft.com/office/drawing/2010/main" val="0"/>
@@ -4634,8 +5016,8 @@
         </p:blipFill>
         <p:spPr bwMode="auto">
           <a:xfrm>
-            <a:off x="5324357" y="318944"/>
-            <a:ext cx="5898744" cy="2754983"/>
+            <a:off x="5404131" y="276942"/>
+            <a:ext cx="5736084" cy="2997103"/>
           </a:xfrm>
           <a:prstGeom prst="rect">
             <a:avLst/>
@@ -4649,9 +5031,43 @@
                 </a:solidFill>
               </a14:hiddenFill>
             </a:ext>
+            <a:ext uri="{91240B29-F687-4F45-9708-019B960494DF}">
+              <a14:hiddenLine xmlns:a14="http://schemas.microsoft.com/office/drawing/2010/main" w="9525">
+                <a:solidFill>
+                  <a:srgbClr val="000000"/>
+                </a:solidFill>
+                <a:miter lim="800000"/>
+                <a:headEnd/>
+                <a:tailEnd/>
+              </a14:hiddenLine>
+            </a:ext>
           </a:extLst>
         </p:spPr>
       </p:pic>
+      <p:pic>
+        <p:nvPicPr>
+          <p:cNvPr id="2052" name="Content Placeholder 3"/>
+          <p:cNvPicPr>
+            <a:picLocks noChangeAspect="1"/>
+          </p:cNvPicPr>
+          <p:nvPr/>
+        </p:nvPicPr>
+        <p:blipFill>
+          <a:blip r:embed="rId4"/>
+          <a:stretch>
+            <a:fillRect/>
+          </a:stretch>
+        </p:blipFill>
+        <p:spPr>
+          <a:xfrm>
+            <a:off x="5334888" y="3432968"/>
+            <a:ext cx="5862477" cy="2682082"/>
+          </a:xfrm>
+          <a:prstGeom prst="rect">
+            <a:avLst/>
+          </a:prstGeom>
+        </p:spPr>
+      </p:pic>
       <p:sp>
         <p:nvSpPr>
           <p:cNvPr id="2" name="Title 1"/>
@@ -4664,8 +5080,8 @@
         </p:nvSpPr>
         <p:spPr>
           <a:xfrm>
-            <a:off x="1534696" y="804520"/>
-            <a:ext cx="5467239" cy="1049235"/>
+            <a:off x="1534697" y="835269"/>
+            <a:ext cx="3327450" cy="1018486"/>
           </a:xfrm>
         </p:spPr>
         <p:txBody>
@@ -4676,14 +5092,14 @@
           <a:p>
             <a:r>
               <a:rPr lang="en-US" sz="3600" dirty="0"/>
-              <a:t>Frontend</a:t>
-            </a:r>
-          </a:p>
-        </p:txBody>
-      </p:sp>
-      <p:sp>
-        <p:nvSpPr>
-          <p:cNvPr id="1030" name="Content Placeholder 1029"/>
+              <a:t>Backend</a:t>
+            </a:r>
+          </a:p>
+        </p:txBody>
+      </p:sp>
+      <p:sp>
+        <p:nvSpPr>
+          <p:cNvPr id="2054" name="Content Placeholder 2053"/>
           <p:cNvSpPr>
             <a:spLocks noGrp="1"/>
           </p:cNvSpPr>
@@ -4710,7 +5126,7 @@
     </p:spTree>
     <p:extLst>
       <p:ext uri="{BB962C8B-B14F-4D97-AF65-F5344CB8AC3E}">
-        <p14:creationId xmlns:p14="http://schemas.microsoft.com/office/powerpoint/2010/main" val="2195760253"/>
+        <p14:creationId xmlns:p14="http://schemas.microsoft.com/office/powerpoint/2010/main" val="1065532281"/>
       </p:ext>
     </p:extLst>
   </p:cSld>
@@ -4749,251 +5165,161 @@
           <a:chExt cx="0" cy="0"/>
         </a:xfrm>
       </p:grpSpPr>
-      <p:sp useBgFill="1">
-        <p:nvSpPr>
-          <p:cNvPr id="73" name="Rectangle 72"/>
-          <p:cNvSpPr>
-            <a:spLocks noGrp="1" noRot="1" noChangeAspect="1" noMove="1" noResize="1" noEditPoints="1" noAdjustHandles="1" noChangeArrowheads="1" noChangeShapeType="1" noTextEdit="1"/>
-          </p:cNvSpPr>
-          <p:nvPr>
-            <p:extLst>
-              <p:ext uri="{386F3935-93C4-4BCD-93E2-E3B085C9AB24}">
-                <p16:designElem xmlns:p16="http://schemas.microsoft.com/office/powerpoint/2015/main" val="1"/>
-              </p:ext>
-            </p:extLst>
-          </p:nvPr>
-        </p:nvSpPr>
-        <p:spPr>
-          <a:xfrm>
-            <a:off x="2" y="0"/>
-            <a:ext cx="12191695" cy="6858000"/>
+      <p:sp>
+        <p:nvSpPr>
+          <p:cNvPr id="2" name="Title 1"/>
+          <p:cNvSpPr>
+            <a:spLocks noGrp="1"/>
+          </p:cNvSpPr>
+          <p:nvPr>
+            <p:ph type="title"/>
+          </p:nvPr>
+        </p:nvSpPr>
+        <p:spPr/>
+        <p:txBody>
+          <a:bodyPr>
+            <a:normAutofit/>
+          </a:bodyPr>
+          <a:lstStyle/>
+          <a:p>
+            <a:pPr algn="l"/>
+            <a:r>
+              <a:rPr lang="en-US" sz="3200" dirty="0"/>
+              <a:t>Event Table - Student</a:t>
+            </a:r>
+          </a:p>
+        </p:txBody>
+      </p:sp>
+      <p:sp>
+        <p:nvSpPr>
+          <p:cNvPr id="5" name="Content Placeholder 4"/>
+          <p:cNvSpPr>
+            <a:spLocks noGrp="1"/>
+          </p:cNvSpPr>
+          <p:nvPr>
+            <p:ph idx="1"/>
+          </p:nvPr>
+        </p:nvSpPr>
+        <p:spPr/>
+        <p:txBody>
+          <a:bodyPr/>
+          <a:lstStyle/>
+          <a:p>
+            <a:endParaRPr lang="en-US"/>
+          </a:p>
+        </p:txBody>
+      </p:sp>
+      <p:pic>
+        <p:nvPicPr>
+          <p:cNvPr id="6" name="Picture 5"/>
+          <p:cNvPicPr>
+            <a:picLocks noChangeAspect="1"/>
+          </p:cNvPicPr>
+          <p:nvPr/>
+        </p:nvPicPr>
+        <p:blipFill>
+          <a:blip r:embed="rId2"/>
+          <a:stretch>
+            <a:fillRect/>
+          </a:stretch>
+        </p:blipFill>
+        <p:spPr>
+          <a:xfrm>
+            <a:off x="762000" y="2166204"/>
+            <a:ext cx="10725150" cy="3457575"/>
           </a:xfrm>
           <a:prstGeom prst="rect">
             <a:avLst/>
           </a:prstGeom>
-          <a:ln>
-            <a:noFill/>
-          </a:ln>
-        </p:spPr>
-        <p:style>
-          <a:lnRef idx="2">
-            <a:schemeClr val="accent1">
-              <a:shade val="50000"/>
-            </a:schemeClr>
-          </a:lnRef>
-          <a:fillRef idx="1">
-            <a:schemeClr val="accent1"/>
-          </a:fillRef>
-          <a:effectRef idx="0">
-            <a:schemeClr val="accent1"/>
-          </a:effectRef>
-          <a:fontRef idx="minor">
-            <a:schemeClr val="lt1"/>
-          </a:fontRef>
-        </p:style>
-        <p:txBody>
-          <a:bodyPr rtlCol="0" anchor="ctr"/>
-          <a:lstStyle/>
-          <a:p>
-            <a:pPr algn="ctr"/>
-            <a:endParaRPr lang="en-US"/>
-          </a:p>
-        </p:txBody>
-      </p:sp>
-      <p:sp>
-        <p:nvSpPr>
-          <p:cNvPr id="74" name="Rectangle 73"/>
-          <p:cNvSpPr>
-            <a:spLocks noGrp="1" noRot="1" noChangeAspect="1" noMove="1" noResize="1" noEditPoints="1" noAdjustHandles="1" noChangeArrowheads="1" noChangeShapeType="1" noTextEdit="1"/>
-          </p:cNvSpPr>
-          <p:nvPr>
-            <p:extLst>
-              <p:ext uri="{386F3935-93C4-4BCD-93E2-E3B085C9AB24}">
-                <p16:designElem xmlns:p16="http://schemas.microsoft.com/office/powerpoint/2015/main" val="1"/>
-              </p:ext>
-            </p:extLst>
-          </p:nvPr>
-        </p:nvSpPr>
-        <p:spPr>
-          <a:xfrm>
-            <a:off x="0" y="2015732"/>
-            <a:ext cx="12192000" cy="4118829"/>
-          </a:xfrm>
-          <a:prstGeom prst="rect">
-            <a:avLst/>
-          </a:prstGeom>
-          <a:gradFill flip="none" rotWithShape="1">
-            <a:gsLst>
-              <a:gs pos="0">
-                <a:schemeClr val="bg2">
-                  <a:alpha val="0"/>
-                </a:schemeClr>
-              </a:gs>
-              <a:gs pos="100000">
-                <a:schemeClr val="bg2"/>
-              </a:gs>
-            </a:gsLst>
-            <a:lin ang="5400000" scaled="0"/>
-            <a:tileRect/>
-          </a:gradFill>
-          <a:ln>
-            <a:noFill/>
-          </a:ln>
-        </p:spPr>
-        <p:style>
-          <a:lnRef idx="2">
-            <a:schemeClr val="accent1">
-              <a:shade val="50000"/>
-            </a:schemeClr>
-          </a:lnRef>
-          <a:fillRef idx="1">
-            <a:schemeClr val="accent1"/>
-          </a:fillRef>
-          <a:effectRef idx="0">
-            <a:schemeClr val="accent1"/>
-          </a:effectRef>
-          <a:fontRef idx="minor">
-            <a:schemeClr val="lt1"/>
-          </a:fontRef>
-        </p:style>
-        <p:txBody>
-          <a:bodyPr rtlCol="0" anchor="ctr"/>
-          <a:lstStyle/>
-          <a:p>
-            <a:pPr lvl="0" algn="ctr"/>
-            <a:endParaRPr lang="en-US"/>
+        </p:spPr>
+      </p:pic>
+    </p:spTree>
+    <p:extLst>
+      <p:ext uri="{BB962C8B-B14F-4D97-AF65-F5344CB8AC3E}">
+        <p14:creationId xmlns:p14="http://schemas.microsoft.com/office/powerpoint/2010/main" val="2915986212"/>
+      </p:ext>
+    </p:extLst>
+  </p:cSld>
+  <p:clrMapOvr>
+    <a:masterClrMapping/>
+  </p:clrMapOvr>
+</p:sld>
+</file>
+
+<file path=ppt/slides/slide17.xml><?xml version="1.0" encoding="utf-8"?>
+<p:sld xmlns:a="http://schemas.openxmlformats.org/drawingml/2006/main" xmlns:r="http://schemas.openxmlformats.org/officeDocument/2006/relationships" xmlns:p="http://schemas.openxmlformats.org/presentationml/2006/main">
+  <p:cSld>
+    <p:spTree>
+      <p:nvGrpSpPr>
+        <p:cNvPr id="1" name=""/>
+        <p:cNvGrpSpPr/>
+        <p:nvPr/>
+      </p:nvGrpSpPr>
+      <p:grpSpPr>
+        <a:xfrm>
+          <a:off x="0" y="0"/>
+          <a:ext cx="0" cy="0"/>
+          <a:chOff x="0" y="0"/>
+          <a:chExt cx="0" cy="0"/>
+        </a:xfrm>
+      </p:grpSpPr>
+      <p:sp>
+        <p:nvSpPr>
+          <p:cNvPr id="2" name="Title 1"/>
+          <p:cNvSpPr>
+            <a:spLocks noGrp="1"/>
+          </p:cNvSpPr>
+          <p:nvPr>
+            <p:ph type="title"/>
+          </p:nvPr>
+        </p:nvSpPr>
+        <p:spPr/>
+        <p:txBody>
+          <a:bodyPr>
+            <a:normAutofit/>
+          </a:bodyPr>
+          <a:lstStyle/>
+          <a:p>
+            <a:pPr algn="l"/>
+            <a:r>
+              <a:rPr lang="en-US" sz="3200" dirty="0"/>
+              <a:t>Event Table - Instructor</a:t>
+            </a:r>
+          </a:p>
+        </p:txBody>
+      </p:sp>
+      <p:sp>
+        <p:nvSpPr>
+          <p:cNvPr id="3" name="Content Placeholder 2"/>
+          <p:cNvSpPr>
+            <a:spLocks noGrp="1"/>
+          </p:cNvSpPr>
+          <p:nvPr>
+            <p:ph idx="1"/>
+          </p:nvPr>
+        </p:nvSpPr>
+        <p:spPr>
+          <a:xfrm>
+            <a:off x="5111261" y="384428"/>
+            <a:ext cx="6248398" cy="5655156"/>
+          </a:xfrm>
+        </p:spPr>
+        <p:txBody>
+          <a:bodyPr/>
+          <a:lstStyle/>
+          <a:p>
+            <a:endParaRPr lang="en-US" dirty="0"/>
           </a:p>
         </p:txBody>
       </p:sp>
       <p:pic>
         <p:nvPicPr>
-          <p:cNvPr id="75" name="Picture 74"/>
-          <p:cNvPicPr>
-            <a:picLocks noGrp="1" noRot="1" noChangeAspect="1" noMove="1" noResize="1" noEditPoints="1" noAdjustHandles="1" noChangeArrowheads="1" noChangeShapeType="1" noCrop="1"/>
-          </p:cNvPicPr>
-          <p:nvPr>
-            <p:extLst>
-              <p:ext uri="{386F3935-93C4-4BCD-93E2-E3B085C9AB24}">
-                <p16:designElem xmlns:p16="http://schemas.microsoft.com/office/powerpoint/2015/main" val="1"/>
-              </p:ext>
-            </p:extLst>
-          </p:nvPr>
-        </p:nvPicPr>
-        <p:blipFill rotWithShape="1">
-          <a:blip r:embed="rId2"/>
-          <a:srcRect t="2769" b="-2769"/>
-          <a:stretch/>
-        </p:blipFill>
-        <p:spPr>
-          <a:xfrm>
-            <a:off x="0" y="6135624"/>
-            <a:ext cx="12192000" cy="742950"/>
-          </a:xfrm>
-          <a:prstGeom prst="rect">
-            <a:avLst/>
-          </a:prstGeom>
-        </p:spPr>
-      </p:pic>
-      <p:cxnSp>
-        <p:nvCxnSpPr>
-          <p:cNvPr id="76" name="Straight Connector 75"/>
-          <p:cNvCxnSpPr>
-            <a:cxnSpLocks noGrp="1" noRot="1" noChangeAspect="1" noMove="1" noResize="1" noEditPoints="1" noAdjustHandles="1" noChangeArrowheads="1" noChangeShapeType="1"/>
-          </p:cNvCxnSpPr>
-          <p:nvPr>
-            <p:extLst>
-              <p:ext uri="{386F3935-93C4-4BCD-93E2-E3B085C9AB24}">
-                <p16:designElem xmlns:p16="http://schemas.microsoft.com/office/powerpoint/2015/main" val="1"/>
-              </p:ext>
-            </p:extLst>
-          </p:nvPr>
-        </p:nvCxnSpPr>
-        <p:spPr>
-          <a:xfrm>
-            <a:off x="0" y="6141705"/>
-            <a:ext cx="12192000" cy="0"/>
-          </a:xfrm>
-          <a:prstGeom prst="line">
-            <a:avLst/>
-          </a:prstGeom>
-          <a:ln w="12700">
-            <a:solidFill>
-              <a:srgbClr val="000001">
-                <a:alpha val="20000"/>
-              </a:srgbClr>
-            </a:solidFill>
-          </a:ln>
-        </p:spPr>
-        <p:style>
-          <a:lnRef idx="1">
-            <a:schemeClr val="accent1"/>
-          </a:lnRef>
-          <a:fillRef idx="0">
-            <a:schemeClr val="accent1"/>
-          </a:fillRef>
-          <a:effectRef idx="0">
-            <a:schemeClr val="accent1"/>
-          </a:effectRef>
-          <a:fontRef idx="minor">
-            <a:schemeClr val="tx1"/>
-          </a:fontRef>
-        </p:style>
-      </p:cxnSp>
-      <p:cxnSp>
-        <p:nvCxnSpPr>
-          <p:cNvPr id="77" name="Straight Connector 76"/>
-          <p:cNvCxnSpPr>
-            <a:cxnSpLocks noGrp="1" noRot="1" noChangeAspect="1" noMove="1" noResize="1" noEditPoints="1" noAdjustHandles="1" noChangeArrowheads="1" noChangeShapeType="1"/>
-          </p:cNvCxnSpPr>
-          <p:nvPr>
-            <p:extLst>
-              <p:ext uri="{386F3935-93C4-4BCD-93E2-E3B085C9AB24}">
-                <p16:designElem xmlns:p16="http://schemas.microsoft.com/office/powerpoint/2015/main" val="1"/>
-              </p:ext>
-            </p:extLst>
-          </p:nvPr>
-        </p:nvCxnSpPr>
-        <p:spPr>
-          <a:xfrm>
-            <a:off x="1371687" y="798973"/>
-            <a:ext cx="0" cy="1067168"/>
-          </a:xfrm>
-          <a:prstGeom prst="line">
-            <a:avLst/>
-          </a:prstGeom>
-          <a:ln w="38100" cmpd="sng">
-            <a:solidFill>
-              <a:schemeClr val="accent1"/>
-            </a:solidFill>
-            <a:prstDash val="solid"/>
-            <a:tailEnd type="none"/>
-          </a:ln>
-        </p:spPr>
-        <p:style>
-          <a:lnRef idx="3">
-            <a:schemeClr val="accent1"/>
-          </a:lnRef>
-          <a:fillRef idx="0">
-            <a:schemeClr val="accent1"/>
-          </a:fillRef>
-          <a:effectRef idx="2">
-            <a:schemeClr val="accent1"/>
-          </a:effectRef>
-          <a:fontRef idx="minor">
-            <a:schemeClr val="tx1"/>
-          </a:fontRef>
-        </p:style>
-      </p:cxnSp>
-      <p:pic>
-        <p:nvPicPr>
-          <p:cNvPr id="2050" name="Picture 2" descr="backend%20login_zpsaqej9zo4.jpg"/>
-          <p:cNvPicPr>
-            <a:picLocks noChangeAspect="1" noChangeArrowheads="1"/>
-          </p:cNvPicPr>
+          <p:cNvPr id="4" name="Picture 3" descr="Event%20Table%20-%20Instructor_zpsm5zvxygk.png"/>
+          <p:cNvPicPr/>
           <p:nvPr/>
         </p:nvPicPr>
-        <p:blipFill rotWithShape="1">
-          <a:blip r:embed="rId3" r:link="rId4">
+        <p:blipFill>
+          <a:blip r:embed="rId2">
             <a:extLst>
               <a:ext uri="{28A0092B-C50C-407E-A947-70E740481C1C}">
                 <a14:useLocalDpi xmlns:a14="http://schemas.microsoft.com/office/drawing/2010/main" val="0"/>
@@ -5007,135 +5333,268 @@
         </p:blipFill>
         <p:spPr bwMode="auto">
           <a:xfrm>
-            <a:off x="5404131" y="276942"/>
-            <a:ext cx="5736084" cy="2997103"/>
+            <a:off x="1104825" y="2105392"/>
+            <a:ext cx="9261306" cy="3328254"/>
           </a:xfrm>
           <a:prstGeom prst="rect">
             <a:avLst/>
           </a:prstGeom>
           <a:noFill/>
-          <a:extLst>
-            <a:ext uri="{909E8E84-426E-40DD-AFC4-6F175D3DCCD1}">
-              <a14:hiddenFill xmlns:a14="http://schemas.microsoft.com/office/drawing/2010/main">
-                <a:solidFill>
-                  <a:srgbClr val="FFFFFF"/>
-                </a:solidFill>
-              </a14:hiddenFill>
-            </a:ext>
-            <a:ext uri="{91240B29-F687-4F45-9708-019B960494DF}">
-              <a14:hiddenLine xmlns:a14="http://schemas.microsoft.com/office/drawing/2010/main" w="9525">
-                <a:solidFill>
-                  <a:srgbClr val="000000"/>
-                </a:solidFill>
-                <a:miter lim="800000"/>
-                <a:headEnd/>
-                <a:tailEnd/>
-              </a14:hiddenLine>
-            </a:ext>
-          </a:extLst>
+          <a:ln>
+            <a:noFill/>
+          </a:ln>
         </p:spPr>
       </p:pic>
-      <p:pic>
-        <p:nvPicPr>
-          <p:cNvPr id="2052" name="Content Placeholder 3"/>
-          <p:cNvPicPr>
-            <a:picLocks noChangeAspect="1"/>
-          </p:cNvPicPr>
-          <p:nvPr/>
-        </p:nvPicPr>
-        <p:blipFill>
-          <a:blip r:embed="rId5"/>
-          <a:stretch>
-            <a:fillRect/>
-          </a:stretch>
-        </p:blipFill>
-        <p:spPr>
-          <a:xfrm>
-            <a:off x="5334888" y="3432968"/>
-            <a:ext cx="5862477" cy="2682082"/>
-          </a:xfrm>
-          <a:prstGeom prst="rect">
-            <a:avLst/>
-          </a:prstGeom>
-        </p:spPr>
-      </p:pic>
-      <p:sp>
-        <p:nvSpPr>
-          <p:cNvPr id="2" name="Title 1"/>
-          <p:cNvSpPr>
-            <a:spLocks noGrp="1"/>
-          </p:cNvSpPr>
-          <p:nvPr>
-            <p:ph type="title"/>
-          </p:nvPr>
-        </p:nvSpPr>
-        <p:spPr>
-          <a:xfrm>
-            <a:off x="1534696" y="804520"/>
-            <a:ext cx="5467239" cy="1049235"/>
-          </a:xfrm>
-        </p:spPr>
-        <p:txBody>
-          <a:bodyPr>
-            <a:normAutofit/>
-          </a:bodyPr>
-          <a:lstStyle/>
-          <a:p>
-            <a:r>
-              <a:rPr lang="en-US" sz="3600" dirty="0"/>
-              <a:t>Backend</a:t>
-            </a:r>
-          </a:p>
-        </p:txBody>
-      </p:sp>
-      <p:sp>
-        <p:nvSpPr>
-          <p:cNvPr id="2054" name="Content Placeholder 2053"/>
-          <p:cNvSpPr>
-            <a:spLocks noGrp="1"/>
-          </p:cNvSpPr>
-          <p:nvPr>
-            <p:ph idx="1"/>
-          </p:nvPr>
-        </p:nvSpPr>
-        <p:spPr>
-          <a:xfrm>
-            <a:off x="1534696" y="2015732"/>
-            <a:ext cx="5467239" cy="3450613"/>
-          </a:xfrm>
-        </p:spPr>
-        <p:txBody>
-          <a:bodyPr>
-            <a:normAutofit/>
-          </a:bodyPr>
-          <a:lstStyle/>
-          <a:p>
-            <a:endParaRPr lang="en-US"/>
-          </a:p>
-        </p:txBody>
-      </p:sp>
     </p:spTree>
     <p:extLst>
       <p:ext uri="{BB962C8B-B14F-4D97-AF65-F5344CB8AC3E}">
-        <p14:creationId xmlns:p14="http://schemas.microsoft.com/office/powerpoint/2010/main" val="1065532281"/>
+        <p14:creationId xmlns:p14="http://schemas.microsoft.com/office/powerpoint/2010/main" val="215147662"/>
       </p:ext>
     </p:extLst>
   </p:cSld>
   <p:clrMapOvr>
     <a:masterClrMapping/>
   </p:clrMapOvr>
-  <mc:AlternateContent xmlns:mc="http://schemas.openxmlformats.org/markup-compatibility/2006" xmlns:p15="http://schemas.microsoft.com/office/powerpoint/2012/main">
-    <mc:Choice Requires="p15">
-      <p:transition xmlns:p14="http://schemas.microsoft.com/office/powerpoint/2010/main" spd="slow" p14:dur="2000">
-        <p15:prstTrans prst="drape"/>
-      </p:transition>
-    </mc:Choice>
-    <mc:Fallback xmlns="">
-      <p:transition spd="slow">
-        <p:fade/>
-      </p:transition>
-    </mc:Fallback>
-  </mc:AlternateContent>
+</p:sld>
+</file>
+
+<file path=ppt/slides/slide18.xml><?xml version="1.0" encoding="utf-8"?>
+<p:sld xmlns:a="http://schemas.openxmlformats.org/drawingml/2006/main" xmlns:r="http://schemas.openxmlformats.org/officeDocument/2006/relationships" xmlns:p="http://schemas.openxmlformats.org/presentationml/2006/main">
+  <p:cSld>
+    <p:spTree>
+      <p:nvGrpSpPr>
+        <p:cNvPr id="1" name=""/>
+        <p:cNvGrpSpPr/>
+        <p:nvPr/>
+      </p:nvGrpSpPr>
+      <p:grpSpPr>
+        <a:xfrm>
+          <a:off x="0" y="0"/>
+          <a:ext cx="0" cy="0"/>
+          <a:chOff x="0" y="0"/>
+          <a:chExt cx="0" cy="0"/>
+        </a:xfrm>
+      </p:grpSpPr>
+      <p:sp>
+        <p:nvSpPr>
+          <p:cNvPr id="2" name="Title 1"/>
+          <p:cNvSpPr>
+            <a:spLocks noGrp="1"/>
+          </p:cNvSpPr>
+          <p:nvPr>
+            <p:ph type="title"/>
+          </p:nvPr>
+        </p:nvSpPr>
+        <p:spPr/>
+        <p:txBody>
+          <a:bodyPr>
+            <a:normAutofit/>
+          </a:bodyPr>
+          <a:lstStyle/>
+          <a:p>
+            <a:pPr algn="l"/>
+            <a:r>
+              <a:rPr lang="en-US" sz="3200" dirty="0"/>
+              <a:t>Event Table - Admin</a:t>
+            </a:r>
+          </a:p>
+        </p:txBody>
+      </p:sp>
+      <p:pic>
+        <p:nvPicPr>
+          <p:cNvPr id="4" name="Content Placeholder 3" descr="Event_Table_Propose_Admin_zpstqqjodl7.png"/>
+          <p:cNvPicPr>
+            <a:picLocks noGrp="1"/>
+          </p:cNvPicPr>
+          <p:nvPr>
+            <p:ph idx="1"/>
+          </p:nvPr>
+        </p:nvPicPr>
+        <p:blipFill>
+          <a:blip r:embed="rId2">
+            <a:extLst>
+              <a:ext uri="{28A0092B-C50C-407E-A947-70E740481C1C}">
+                <a14:useLocalDpi xmlns:a14="http://schemas.microsoft.com/office/drawing/2010/main" val="0"/>
+              </a:ext>
+            </a:extLst>
+          </a:blip>
+          <a:srcRect/>
+          <a:stretch>
+            <a:fillRect/>
+          </a:stretch>
+        </p:blipFill>
+        <p:spPr bwMode="auto">
+          <a:xfrm>
+            <a:off x="2033953" y="2430056"/>
+            <a:ext cx="7936524" cy="1851797"/>
+          </a:xfrm>
+          <a:prstGeom prst="rect">
+            <a:avLst/>
+          </a:prstGeom>
+          <a:noFill/>
+          <a:ln>
+            <a:noFill/>
+          </a:ln>
+        </p:spPr>
+      </p:pic>
+    </p:spTree>
+    <p:extLst>
+      <p:ext uri="{BB962C8B-B14F-4D97-AF65-F5344CB8AC3E}">
+        <p14:creationId xmlns:p14="http://schemas.microsoft.com/office/powerpoint/2010/main" val="2530582172"/>
+      </p:ext>
+    </p:extLst>
+  </p:cSld>
+  <p:clrMapOvr>
+    <a:masterClrMapping/>
+  </p:clrMapOvr>
+</p:sld>
+</file>
+
+<file path=ppt/slides/slide19.xml><?xml version="1.0" encoding="utf-8"?>
+<p:sld xmlns:a="http://schemas.openxmlformats.org/drawingml/2006/main" xmlns:r="http://schemas.openxmlformats.org/officeDocument/2006/relationships" xmlns:p="http://schemas.openxmlformats.org/presentationml/2006/main">
+  <p:cSld>
+    <p:spTree>
+      <p:nvGrpSpPr>
+        <p:cNvPr id="1" name=""/>
+        <p:cNvGrpSpPr/>
+        <p:nvPr/>
+      </p:nvGrpSpPr>
+      <p:grpSpPr>
+        <a:xfrm>
+          <a:off x="0" y="0"/>
+          <a:ext cx="0" cy="0"/>
+          <a:chOff x="0" y="0"/>
+          <a:chExt cx="0" cy="0"/>
+        </a:xfrm>
+      </p:grpSpPr>
+      <p:sp>
+        <p:nvSpPr>
+          <p:cNvPr id="2" name="Title 1"/>
+          <p:cNvSpPr>
+            <a:spLocks noGrp="1"/>
+          </p:cNvSpPr>
+          <p:nvPr>
+            <p:ph type="title"/>
+          </p:nvPr>
+        </p:nvSpPr>
+        <p:spPr>
+          <a:xfrm>
+            <a:off x="193314" y="384439"/>
+            <a:ext cx="3833906" cy="4952492"/>
+          </a:xfrm>
+        </p:spPr>
+        <p:txBody>
+          <a:bodyPr>
+            <a:normAutofit/>
+          </a:bodyPr>
+          <a:lstStyle/>
+          <a:p>
+            <a:pPr algn="l"/>
+            <a:r>
+              <a:rPr lang="en-US" sz="3200" dirty="0"/>
+              <a:t>Entity Relationship Diagram</a:t>
+            </a:r>
+          </a:p>
+        </p:txBody>
+      </p:sp>
+      <p:pic>
+        <p:nvPicPr>
+          <p:cNvPr id="4" name="Content Placeholder 3"/>
+          <p:cNvPicPr>
+            <a:picLocks noGrp="1"/>
+          </p:cNvPicPr>
+          <p:nvPr>
+            <p:ph idx="1"/>
+          </p:nvPr>
+        </p:nvPicPr>
+        <p:blipFill>
+          <a:blip r:embed="rId2">
+            <a:extLst>
+              <a:ext uri="{28A0092B-C50C-407E-A947-70E740481C1C}">
+                <a14:useLocalDpi xmlns:a14="http://schemas.microsoft.com/office/drawing/2010/main" val="0"/>
+              </a:ext>
+            </a:extLst>
+          </a:blip>
+          <a:stretch>
+            <a:fillRect/>
+          </a:stretch>
+        </p:blipFill>
+        <p:spPr>
+          <a:xfrm>
+            <a:off x="3361943" y="79131"/>
+            <a:ext cx="6441479" cy="2194385"/>
+          </a:xfrm>
+          <a:prstGeom prst="rect">
+            <a:avLst/>
+          </a:prstGeom>
+        </p:spPr>
+      </p:pic>
+      <p:pic>
+        <p:nvPicPr>
+          <p:cNvPr id="5" name="Picture 4"/>
+          <p:cNvPicPr/>
+          <p:nvPr/>
+        </p:nvPicPr>
+        <p:blipFill>
+          <a:blip r:embed="rId3">
+            <a:extLst>
+              <a:ext uri="{28A0092B-C50C-407E-A947-70E740481C1C}">
+                <a14:useLocalDpi xmlns:a14="http://schemas.microsoft.com/office/drawing/2010/main" val="0"/>
+              </a:ext>
+            </a:extLst>
+          </a:blip>
+          <a:stretch>
+            <a:fillRect/>
+          </a:stretch>
+        </p:blipFill>
+        <p:spPr>
+          <a:xfrm>
+            <a:off x="3361944" y="2273516"/>
+            <a:ext cx="6441478" cy="2171700"/>
+          </a:xfrm>
+          <a:prstGeom prst="rect">
+            <a:avLst/>
+          </a:prstGeom>
+        </p:spPr>
+      </p:pic>
+      <p:pic>
+        <p:nvPicPr>
+          <p:cNvPr id="6" name="Picture 5"/>
+          <p:cNvPicPr/>
+          <p:nvPr/>
+        </p:nvPicPr>
+        <p:blipFill>
+          <a:blip r:embed="rId4">
+            <a:extLst>
+              <a:ext uri="{28A0092B-C50C-407E-A947-70E740481C1C}">
+                <a14:useLocalDpi xmlns:a14="http://schemas.microsoft.com/office/drawing/2010/main" val="0"/>
+              </a:ext>
+            </a:extLst>
+          </a:blip>
+          <a:stretch>
+            <a:fillRect/>
+          </a:stretch>
+        </p:blipFill>
+        <p:spPr>
+          <a:xfrm>
+            <a:off x="3361944" y="4445216"/>
+            <a:ext cx="6441478" cy="2466975"/>
+          </a:xfrm>
+          <a:prstGeom prst="rect">
+            <a:avLst/>
+          </a:prstGeom>
+        </p:spPr>
+      </p:pic>
+    </p:spTree>
+    <p:extLst>
+      <p:ext uri="{BB962C8B-B14F-4D97-AF65-F5344CB8AC3E}">
+        <p14:creationId xmlns:p14="http://schemas.microsoft.com/office/powerpoint/2010/main" val="492716042"/>
+      </p:ext>
+    </p:extLst>
+  </p:cSld>
+  <p:clrMapOvr>
+    <a:masterClrMapping/>
+  </p:clrMapOvr>
 </p:sld>
 </file>
 
@@ -5168,7 +5627,7 @@
         </p:nvSpPr>
         <p:spPr>
           <a:xfrm>
-            <a:off x="1534695" y="403466"/>
+            <a:off x="-2680689" y="549770"/>
             <a:ext cx="9520158" cy="1216787"/>
           </a:xfrm>
         </p:spPr>
@@ -5251,6 +5710,190 @@
 </p:sld>
 </file>
 
+<file path=ppt/slides/slide20.xml><?xml version="1.0" encoding="utf-8"?>
+<p:sld xmlns:a="http://schemas.openxmlformats.org/drawingml/2006/main" xmlns:r="http://schemas.openxmlformats.org/officeDocument/2006/relationships" xmlns:p="http://schemas.openxmlformats.org/presentationml/2006/main">
+  <p:cSld>
+    <p:spTree>
+      <p:nvGrpSpPr>
+        <p:cNvPr id="1" name=""/>
+        <p:cNvGrpSpPr/>
+        <p:nvPr/>
+      </p:nvGrpSpPr>
+      <p:grpSpPr>
+        <a:xfrm>
+          <a:off x="0" y="0"/>
+          <a:ext cx="0" cy="0"/>
+          <a:chOff x="0" y="0"/>
+          <a:chExt cx="0" cy="0"/>
+        </a:xfrm>
+      </p:grpSpPr>
+      <p:sp>
+        <p:nvSpPr>
+          <p:cNvPr id="2" name="Title 1"/>
+          <p:cNvSpPr>
+            <a:spLocks noGrp="1"/>
+          </p:cNvSpPr>
+          <p:nvPr>
+            <p:ph type="title"/>
+          </p:nvPr>
+        </p:nvSpPr>
+        <p:spPr>
+          <a:xfrm>
+            <a:off x="515815" y="542093"/>
+            <a:ext cx="3833906" cy="4952492"/>
+          </a:xfrm>
+        </p:spPr>
+        <p:txBody>
+          <a:bodyPr>
+            <a:normAutofit/>
+          </a:bodyPr>
+          <a:lstStyle/>
+          <a:p>
+            <a:pPr algn="l"/>
+            <a:r>
+              <a:rPr lang="en-US" sz="3200" dirty="0"/>
+              <a:t>Context Flow Diagram</a:t>
+            </a:r>
+          </a:p>
+        </p:txBody>
+      </p:sp>
+      <p:sp>
+        <p:nvSpPr>
+          <p:cNvPr id="5" name="Content Placeholder 4"/>
+          <p:cNvSpPr>
+            <a:spLocks noGrp="1"/>
+          </p:cNvSpPr>
+          <p:nvPr>
+            <p:ph idx="1"/>
+          </p:nvPr>
+        </p:nvSpPr>
+        <p:spPr/>
+        <p:txBody>
+          <a:bodyPr/>
+          <a:lstStyle/>
+          <a:p>
+            <a:endParaRPr lang="en-US"/>
+          </a:p>
+        </p:txBody>
+      </p:sp>
+      <p:pic>
+        <p:nvPicPr>
+          <p:cNvPr id="6" name="Picture 5"/>
+          <p:cNvPicPr>
+            <a:picLocks noChangeAspect="1"/>
+          </p:cNvPicPr>
+          <p:nvPr/>
+        </p:nvPicPr>
+        <p:blipFill>
+          <a:blip r:embed="rId2"/>
+          <a:stretch>
+            <a:fillRect/>
+          </a:stretch>
+        </p:blipFill>
+        <p:spPr>
+          <a:xfrm>
+            <a:off x="2133600" y="1566862"/>
+            <a:ext cx="7924800" cy="3724275"/>
+          </a:xfrm>
+          <a:prstGeom prst="rect">
+            <a:avLst/>
+          </a:prstGeom>
+        </p:spPr>
+      </p:pic>
+    </p:spTree>
+    <p:extLst>
+      <p:ext uri="{BB962C8B-B14F-4D97-AF65-F5344CB8AC3E}">
+        <p14:creationId xmlns:p14="http://schemas.microsoft.com/office/powerpoint/2010/main" val="3779787699"/>
+      </p:ext>
+    </p:extLst>
+  </p:cSld>
+  <p:clrMapOvr>
+    <a:masterClrMapping/>
+  </p:clrMapOvr>
+</p:sld>
+</file>
+
+<file path=ppt/slides/slide21.xml><?xml version="1.0" encoding="utf-8"?>
+<p:sld xmlns:a="http://schemas.openxmlformats.org/drawingml/2006/main" xmlns:r="http://schemas.openxmlformats.org/officeDocument/2006/relationships" xmlns:p="http://schemas.openxmlformats.org/presentationml/2006/main">
+  <p:cSld>
+    <p:spTree>
+      <p:nvGrpSpPr>
+        <p:cNvPr id="1" name=""/>
+        <p:cNvGrpSpPr/>
+        <p:nvPr/>
+      </p:nvGrpSpPr>
+      <p:grpSpPr>
+        <a:xfrm>
+          <a:off x="0" y="0"/>
+          <a:ext cx="0" cy="0"/>
+          <a:chOff x="0" y="0"/>
+          <a:chExt cx="0" cy="0"/>
+        </a:xfrm>
+      </p:grpSpPr>
+      <p:sp>
+        <p:nvSpPr>
+          <p:cNvPr id="2" name="Title 1"/>
+          <p:cNvSpPr>
+            <a:spLocks noGrp="1"/>
+          </p:cNvSpPr>
+          <p:nvPr>
+            <p:ph type="title"/>
+          </p:nvPr>
+        </p:nvSpPr>
+        <p:spPr/>
+        <p:txBody>
+          <a:bodyPr>
+            <a:normAutofit/>
+          </a:bodyPr>
+          <a:lstStyle/>
+          <a:p>
+            <a:pPr algn="l"/>
+            <a:r>
+              <a:rPr lang="en-US" sz="3200" dirty="0"/>
+              <a:t>Data Flow Diagram</a:t>
+            </a:r>
+          </a:p>
+        </p:txBody>
+      </p:sp>
+      <p:pic>
+        <p:nvPicPr>
+          <p:cNvPr id="4" name="Content Placeholder 3"/>
+          <p:cNvPicPr>
+            <a:picLocks noGrp="1" noChangeAspect="1"/>
+          </p:cNvPicPr>
+          <p:nvPr>
+            <p:ph idx="1"/>
+          </p:nvPr>
+        </p:nvPicPr>
+        <p:blipFill>
+          <a:blip r:embed="rId2"/>
+          <a:stretch>
+            <a:fillRect/>
+          </a:stretch>
+        </p:blipFill>
+        <p:spPr>
+          <a:xfrm>
+            <a:off x="3022861" y="317821"/>
+            <a:ext cx="8411851" cy="6461697"/>
+          </a:xfrm>
+          <a:prstGeom prst="rect">
+            <a:avLst/>
+          </a:prstGeom>
+        </p:spPr>
+      </p:pic>
+    </p:spTree>
+    <p:extLst>
+      <p:ext uri="{BB962C8B-B14F-4D97-AF65-F5344CB8AC3E}">
+        <p14:creationId xmlns:p14="http://schemas.microsoft.com/office/powerpoint/2010/main" val="72160617"/>
+      </p:ext>
+    </p:extLst>
+  </p:cSld>
+  <p:clrMapOvr>
+    <a:masterClrMapping/>
+  </p:clrMapOvr>
+</p:sld>
+</file>
+
 <file path=ppt/slides/slide3.xml><?xml version="1.0" encoding="utf-8"?>
 <p:sld xmlns:a="http://schemas.openxmlformats.org/drawingml/2006/main" xmlns:r="http://schemas.openxmlformats.org/officeDocument/2006/relationships" xmlns:p="http://schemas.openxmlformats.org/presentationml/2006/main">
   <p:cSld>
@@ -5280,7 +5923,7 @@
         </p:nvSpPr>
         <p:spPr>
           <a:xfrm>
-            <a:off x="1534695" y="403466"/>
+            <a:off x="-2232633" y="638524"/>
             <a:ext cx="9520158" cy="1216787"/>
           </a:xfrm>
         </p:spPr>
@@ -5422,7 +6065,7 @@
         </p:nvSpPr>
         <p:spPr>
           <a:xfrm>
-            <a:off x="1534696" y="2416785"/>
+            <a:off x="1580416" y="1685265"/>
             <a:ext cx="9520158" cy="3450613"/>
           </a:xfrm>
         </p:spPr>
@@ -5505,8 +6148,8 @@
         </p:nvSpPr>
         <p:spPr>
           <a:xfrm>
-            <a:off x="1534695" y="467634"/>
-            <a:ext cx="9520158" cy="1321951"/>
+            <a:off x="-1766290" y="437790"/>
+            <a:ext cx="9935409" cy="1299410"/>
           </a:xfrm>
         </p:spPr>
         <p:txBody>
@@ -5517,7 +6160,7 @@
           <a:p>
             <a:r>
               <a:rPr lang="en-US" sz="3600" dirty="0"/>
-              <a:t>Objective</a:t>
+              <a:t>LSC Learning Management System</a:t>
             </a:r>
           </a:p>
         </p:txBody>
@@ -5534,13 +6177,13 @@
         </p:nvSpPr>
         <p:spPr>
           <a:xfrm>
-            <a:off x="431385" y="1982091"/>
-            <a:ext cx="11726779" cy="4577574"/>
-          </a:xfrm>
-        </p:spPr>
-        <p:txBody>
-          <a:bodyPr numCol="2">
-            <a:normAutofit fontScale="92500" lnSpcReduction="10000"/>
+            <a:off x="1534694" y="1320788"/>
+            <a:ext cx="9935409" cy="4401110"/>
+          </a:xfrm>
+        </p:spPr>
+        <p:txBody>
+          <a:bodyPr>
+            <a:normAutofit/>
           </a:bodyPr>
           <a:lstStyle/>
           <a:p>
@@ -5549,38 +6192,26 @@
             </a:pPr>
             <a:r>
               <a:rPr lang="en-US" sz="2400" dirty="0"/>
-              <a:t>General Objectives:</a:t>
+              <a:t>Frontend:				</a:t>
             </a:r>
           </a:p>
           <a:p>
             <a:r>
               <a:rPr lang="en-US" sz="2400" dirty="0"/>
-              <a:t>To provide efficient way of learning </a:t>
+              <a:t>Track student’s performance			</a:t>
             </a:r>
           </a:p>
           <a:p>
             <a:r>
               <a:rPr lang="en-US" sz="2400" dirty="0"/>
-              <a:t>To provide faster tracking of student’s performance</a:t>
+              <a:t>Review performance</a:t>
             </a:r>
           </a:p>
           <a:p>
             <a:r>
               <a:rPr lang="en-US" sz="2400" dirty="0"/>
-              <a:t>To provide easier administration </a:t>
-            </a:r>
-          </a:p>
-          <a:p>
-            <a:endParaRPr lang="en-US" sz="2400" dirty="0"/>
-          </a:p>
-          <a:p>
-            <a:endParaRPr lang="en-US" sz="2400" dirty="0"/>
-          </a:p>
-          <a:p>
-            <a:endParaRPr lang="en-US" sz="2400" dirty="0"/>
-          </a:p>
-          <a:p>
-            <a:endParaRPr lang="en-US" sz="2400" dirty="0"/>
+              <a:t>Notify student if there are tasks</a:t>
+            </a:r>
           </a:p>
           <a:p>
             <a:pPr marL="0" indent="0">
@@ -5588,31 +6219,19 @@
             </a:pPr>
             <a:r>
               <a:rPr lang="en-US" sz="2400" dirty="0"/>
-              <a:t>Specific Objectives</a:t>
+              <a:t>Backend:</a:t>
             </a:r>
           </a:p>
           <a:p>
             <a:r>
               <a:rPr lang="en-US" sz="2400" dirty="0"/>
-              <a:t>To provide system and database</a:t>
+              <a:t>Manage courses, tasks and attendance</a:t>
             </a:r>
           </a:p>
           <a:p>
             <a:r>
               <a:rPr lang="en-US" sz="2400" dirty="0"/>
-              <a:t>To provide faster administration of records of students</a:t>
-            </a:r>
-          </a:p>
-          <a:p>
-            <a:r>
-              <a:rPr lang="en-US" sz="2400" dirty="0"/>
-              <a:t>To announce updates faster</a:t>
-            </a:r>
-          </a:p>
-          <a:p>
-            <a:r>
-              <a:rPr lang="en-US" sz="2400" dirty="0"/>
-              <a:t>To provide easier access on student’s progress</a:t>
+              <a:t>Create, delete and update courses and tasks</a:t>
             </a:r>
           </a:p>
           <a:p>
@@ -5626,7 +6245,7 @@
     </p:spTree>
     <p:extLst>
       <p:ext uri="{BB962C8B-B14F-4D97-AF65-F5344CB8AC3E}">
-        <p14:creationId xmlns:p14="http://schemas.microsoft.com/office/powerpoint/2010/main" val="3566327374"/>
+        <p14:creationId xmlns:p14="http://schemas.microsoft.com/office/powerpoint/2010/main" val="822732753"/>
       </p:ext>
     </p:extLst>
   </p:cSld>
@@ -5677,8 +6296,8 @@
         </p:nvSpPr>
         <p:spPr>
           <a:xfrm>
-            <a:off x="1534694" y="465222"/>
-            <a:ext cx="9935409" cy="1299410"/>
+            <a:off x="-6420585" y="660140"/>
+            <a:ext cx="9520158" cy="1321951"/>
           </a:xfrm>
         </p:spPr>
         <p:txBody>
@@ -5689,7 +6308,7 @@
           <a:p>
             <a:r>
               <a:rPr lang="en-US" sz="3600" dirty="0"/>
-              <a:t>LSC Learning Management System</a:t>
+              <a:t>Objective</a:t>
             </a:r>
           </a:p>
         </p:txBody>
@@ -5706,13 +6325,13 @@
         </p:nvSpPr>
         <p:spPr>
           <a:xfrm>
-            <a:off x="1534695" y="2015732"/>
-            <a:ext cx="9935409" cy="4401110"/>
-          </a:xfrm>
-        </p:spPr>
-        <p:txBody>
-          <a:bodyPr>
-            <a:normAutofit/>
+            <a:off x="431385" y="1982091"/>
+            <a:ext cx="11726779" cy="4577574"/>
+          </a:xfrm>
+        </p:spPr>
+        <p:txBody>
+          <a:bodyPr numCol="2">
+            <a:normAutofit lnSpcReduction="10000"/>
           </a:bodyPr>
           <a:lstStyle/>
           <a:p>
@@ -5721,26 +6340,38 @@
             </a:pPr>
             <a:r>
               <a:rPr lang="en-US" sz="2400" dirty="0"/>
-              <a:t>Frontend:				</a:t>
+              <a:t>General Objectives:</a:t>
             </a:r>
           </a:p>
           <a:p>
             <a:r>
               <a:rPr lang="en-US" sz="2400" dirty="0"/>
-              <a:t>Track student’s performance			</a:t>
+              <a:t>To provide efficient way of learning </a:t>
             </a:r>
           </a:p>
           <a:p>
             <a:r>
               <a:rPr lang="en-US" sz="2400" dirty="0"/>
-              <a:t>Analyze performance</a:t>
+              <a:t>To provide faster tracking of student’s performance</a:t>
             </a:r>
           </a:p>
           <a:p>
             <a:r>
               <a:rPr lang="en-US" sz="2400" dirty="0"/>
-              <a:t>Notify student if there are tasks</a:t>
-            </a:r>
+              <a:t>To provide easier administration </a:t>
+            </a:r>
+          </a:p>
+          <a:p>
+            <a:endParaRPr lang="en-US" sz="2400" dirty="0"/>
+          </a:p>
+          <a:p>
+            <a:endParaRPr lang="en-US" sz="2400" dirty="0"/>
+          </a:p>
+          <a:p>
+            <a:endParaRPr lang="en-US" sz="2400" dirty="0"/>
+          </a:p>
+          <a:p>
+            <a:endParaRPr lang="en-US" sz="2400" dirty="0"/>
           </a:p>
           <a:p>
             <a:pPr marL="0" indent="0">
@@ -5748,19 +6379,31 @@
             </a:pPr>
             <a:r>
               <a:rPr lang="en-US" sz="2400" dirty="0"/>
-              <a:t>Backend:</a:t>
+              <a:t>Specific Objectives</a:t>
             </a:r>
           </a:p>
           <a:p>
             <a:r>
               <a:rPr lang="en-US" sz="2400" dirty="0"/>
-              <a:t>Manage courses, tasks and attendance</a:t>
+              <a:t>To provide system and database</a:t>
             </a:r>
           </a:p>
           <a:p>
             <a:r>
               <a:rPr lang="en-US" sz="2400" dirty="0"/>
-              <a:t>Create, delete and update courses and tasks</a:t>
+              <a:t>To provide faster administration of records of students</a:t>
+            </a:r>
+          </a:p>
+          <a:p>
+            <a:r>
+              <a:rPr lang="en-US" sz="2400" dirty="0"/>
+              <a:t>To announce updates faster</a:t>
+            </a:r>
+          </a:p>
+          <a:p>
+            <a:r>
+              <a:rPr lang="en-US" sz="2400" dirty="0"/>
+              <a:t>To provide easier access on student’s progress</a:t>
             </a:r>
           </a:p>
           <a:p>
@@ -5774,7 +6417,7 @@
     </p:spTree>
     <p:extLst>
       <p:ext uri="{BB962C8B-B14F-4D97-AF65-F5344CB8AC3E}">
-        <p14:creationId xmlns:p14="http://schemas.microsoft.com/office/powerpoint/2010/main" val="822732753"/>
+        <p14:creationId xmlns:p14="http://schemas.microsoft.com/office/powerpoint/2010/main" val="3566327374"/>
       </p:ext>
     </p:extLst>
   </p:cSld>
@@ -5823,7 +6466,12 @@
             <p:ph type="title"/>
           </p:nvPr>
         </p:nvSpPr>
-        <p:spPr/>
+        <p:spPr>
+          <a:xfrm>
+            <a:off x="807720" y="920398"/>
+            <a:ext cx="3833906" cy="4952492"/>
+          </a:xfrm>
+        </p:spPr>
         <p:txBody>
           <a:bodyPr/>
           <a:lstStyle/>
@@ -5845,7 +6493,12 @@
             <p:ph idx="1"/>
           </p:nvPr>
         </p:nvSpPr>
-        <p:spPr/>
+        <p:spPr>
+          <a:xfrm>
+            <a:off x="5382768" y="989690"/>
+            <a:ext cx="6248398" cy="5655156"/>
+          </a:xfrm>
+        </p:spPr>
         <p:txBody>
           <a:bodyPr>
             <a:normAutofit/>
@@ -5869,19 +6522,6 @@
             <a:r>
               <a:rPr lang="en-US" dirty="0"/>
               <a:t>Manage performance easier</a:t>
-            </a:r>
-          </a:p>
-          <a:p>
-            <a:r>
-              <a:rPr lang="en-US" dirty="0"/>
-              <a:t>To parents:</a:t>
-            </a:r>
-          </a:p>
-          <a:p>
-            <a:pPr lvl="1"/>
-            <a:r>
-              <a:rPr lang="en-US" dirty="0"/>
-              <a:t>Update about the student’s performance</a:t>
             </a:r>
           </a:p>
           <a:p>
@@ -5950,7 +6590,12 @@
             <p:ph type="title"/>
           </p:nvPr>
         </p:nvSpPr>
-        <p:spPr/>
+        <p:spPr>
+          <a:xfrm>
+            <a:off x="789432" y="1026022"/>
+            <a:ext cx="3833906" cy="4952492"/>
+          </a:xfrm>
+        </p:spPr>
         <p:txBody>
           <a:bodyPr>
             <a:normAutofit/>
@@ -5974,7 +6619,12 @@
             <p:ph idx="1"/>
           </p:nvPr>
         </p:nvSpPr>
-        <p:spPr/>
+        <p:spPr>
+          <a:xfrm>
+            <a:off x="5273040" y="1026022"/>
+            <a:ext cx="6248398" cy="5655156"/>
+          </a:xfrm>
+        </p:spPr>
         <p:txBody>
           <a:bodyPr/>
           <a:lstStyle/>
@@ -6097,7 +6747,7 @@
         </p:spPr>
         <p:txBody>
           <a:bodyPr numCol="2">
-            <a:normAutofit lnSpcReduction="10000"/>
+            <a:normAutofit/>
           </a:bodyPr>
           <a:lstStyle/>
           <a:p>
@@ -6160,7 +6810,7 @@
           <a:p>
             <a:r>
               <a:rPr lang="en-US" sz="2400" dirty="0"/>
-              <a:t>View attendance</a:t>
+              <a:t>View attendance and schedule</a:t>
             </a:r>
           </a:p>
           <a:p>
@@ -6215,62 +6865,62 @@
 </file>
 
 <file path=ppt/theme/theme1.xml><?xml version="1.0" encoding="utf-8"?>
-<a:theme xmlns:a="http://schemas.openxmlformats.org/drawingml/2006/main" name="Gallery">
+<a:theme xmlns:a="http://schemas.openxmlformats.org/drawingml/2006/main" name="Headlines">
   <a:themeElements>
-    <a:clrScheme name="Gallery">
+    <a:clrScheme name="Marquee">
       <a:dk1>
-        <a:sysClr val="windowText" lastClr="000000"/>
+        <a:srgbClr val="000000"/>
       </a:dk1>
       <a:lt1>
         <a:sysClr val="window" lastClr="FFFFFF"/>
       </a:lt1>
       <a:dk2>
-        <a:srgbClr val="454545"/>
+        <a:srgbClr val="5E5E5E"/>
       </a:dk2>
       <a:lt2>
-        <a:srgbClr val="EDEBE7"/>
+        <a:srgbClr val="DDDDDD"/>
       </a:lt2>
       <a:accent1>
-        <a:srgbClr val="5FA534"/>
+        <a:srgbClr val="418AB3"/>
       </a:accent1>
       <a:accent2>
-        <a:srgbClr val="DCAB34"/>
+        <a:srgbClr val="A6B727"/>
       </a:accent2>
       <a:accent3>
-        <a:srgbClr val="D26D23"/>
+        <a:srgbClr val="F69200"/>
       </a:accent3>
       <a:accent4>
-        <a:srgbClr val="972323"/>
+        <a:srgbClr val="838383"/>
       </a:accent4>
       <a:accent5>
-        <a:srgbClr val="236797"/>
+        <a:srgbClr val="FEC306"/>
       </a:accent5>
       <a:accent6>
-        <a:srgbClr val="2FB6C6"/>
+        <a:srgbClr val="DF5327"/>
       </a:accent6>
       <a:hlink>
-        <a:srgbClr val="8FC639"/>
+        <a:srgbClr val="F59E00"/>
       </a:hlink>
       <a:folHlink>
-        <a:srgbClr val="E7C272"/>
+        <a:srgbClr val="B2B2B2"/>
       </a:folHlink>
     </a:clrScheme>
-    <a:fontScheme name="Gallery">
+    <a:fontScheme name="Headlines">
       <a:majorFont>
-        <a:latin typeface="Palatino Linotype" panose="02040502050505030304"/>
+        <a:latin typeface="Century Schoolbook" panose="02040604050505020304"/>
         <a:ea typeface=""/>
         <a:cs typeface=""/>
-        <a:font script="Jpan" typeface="游ゴシック Light"/>
+        <a:font script="Jpan" typeface="メイリオ"/>
         <a:font script="Hang" typeface="맑은 고딕"/>
-        <a:font script="Hans" typeface="等线 Light"/>
+        <a:font script="Hans" typeface="宋体"/>
         <a:font script="Hant" typeface="新細明體"/>
-        <a:font script="Arab" typeface="Times New Roman"/>
-        <a:font script="Hebr" typeface="Times New Roman"/>
-        <a:font script="Thai" typeface="Angsana New"/>
+        <a:font script="Arab" typeface="Tahoma"/>
+        <a:font script="Hebr" typeface="Gisha"/>
+        <a:font script="Thai" typeface="DilleniaUPC"/>
         <a:font script="Ethi" typeface="Nyala"/>
         <a:font script="Beng" typeface="Vrinda"/>
         <a:font script="Gujr" typeface="Shruti"/>
-        <a:font script="Khmr" typeface="MoolBoran"/>
+        <a:font script="Khmr" typeface="DaunPenh"/>
         <a:font script="Knda" typeface="Tunga"/>
         <a:font script="Guru" typeface="Raavi"/>
         <a:font script="Cans" typeface="Euphemia"/>
@@ -6287,21 +6937,21 @@
         <a:font script="Laoo" typeface="DokChampa"/>
         <a:font script="Sinh" typeface="Iskoola Pota"/>
         <a:font script="Mong" typeface="Mongolian Baiti"/>
-        <a:font script="Viet" typeface="Times New Roman"/>
+        <a:font script="Viet" typeface="Tahoma"/>
         <a:font script="Uigh" typeface="Microsoft Uighur"/>
         <a:font script="Geor" typeface="Sylfaen"/>
       </a:majorFont>
       <a:minorFont>
-        <a:latin typeface="Palatino Linotype" panose="02040502050505030304"/>
+        <a:latin typeface="Corbel" panose="020B0503020204020204"/>
         <a:ea typeface=""/>
         <a:cs typeface=""/>
-        <a:font script="Jpan" typeface="游ゴシック"/>
-        <a:font script="Hang" typeface="맑은 고딕"/>
-        <a:font script="Hans" typeface="等线"/>
+        <a:font script="Jpan" typeface="メイリオ"/>
+        <a:font script="Hang" typeface="HY엽서L"/>
+        <a:font script="Hans" typeface="华文楷体"/>
         <a:font script="Hant" typeface="新細明體"/>
-        <a:font script="Arab" typeface="Arial"/>
-        <a:font script="Hebr" typeface="Arial"/>
-        <a:font script="Thai" typeface="Cordia New"/>
+        <a:font script="Arab" typeface="Tahoma"/>
+        <a:font script="Hebr" typeface="Miriam"/>
+        <a:font script="Thai" typeface="DilleniaUPC"/>
         <a:font script="Ethi" typeface="Nyala"/>
         <a:font script="Beng" typeface="Vrinda"/>
         <a:font script="Gujr" typeface="Shruti"/>
@@ -6327,75 +6977,64 @@
         <a:font script="Geor" typeface="Sylfaen"/>
       </a:minorFont>
     </a:fontScheme>
-    <a:fmtScheme name="Gallery">
+    <a:fmtScheme name="Headlines">
       <a:fillStyleLst>
         <a:solidFill>
           <a:schemeClr val="phClr"/>
+        </a:solidFill>
+        <a:solidFill>
+          <a:schemeClr val="phClr">
+            <a:tint val="67000"/>
+            <a:satMod val="105000"/>
+          </a:schemeClr>
         </a:solidFill>
         <a:gradFill rotWithShape="1">
           <a:gsLst>
             <a:gs pos="0">
               <a:schemeClr val="phClr">
-                <a:tint val="54000"/>
-                <a:alpha val="100000"/>
-                <a:satMod val="105000"/>
-                <a:lumMod val="110000"/>
+                <a:tint val="100000"/>
+                <a:satMod val="103000"/>
+                <a:lumMod val="102000"/>
+              </a:schemeClr>
+            </a:gs>
+            <a:gs pos="50000">
+              <a:schemeClr val="phClr">
+                <a:shade val="100000"/>
+                <a:satMod val="110000"/>
+                <a:lumMod val="100000"/>
               </a:schemeClr>
             </a:gs>
             <a:gs pos="100000">
               <a:schemeClr val="phClr">
-                <a:tint val="78000"/>
-                <a:alpha val="92000"/>
-                <a:satMod val="109000"/>
-                <a:lumMod val="100000"/>
+                <a:shade val="70000"/>
+                <a:satMod val="120000"/>
+                <a:lumMod val="99000"/>
               </a:schemeClr>
             </a:gs>
           </a:gsLst>
-          <a:lin ang="5400000" scaled="0"/>
-        </a:gradFill>
-        <a:gradFill rotWithShape="1">
-          <a:gsLst>
-            <a:gs pos="0">
-              <a:schemeClr val="phClr">
-                <a:tint val="98000"/>
-                <a:satMod val="110000"/>
-                <a:lumMod val="104000"/>
-              </a:schemeClr>
-            </a:gs>
-            <a:gs pos="69000">
-              <a:schemeClr val="phClr">
-                <a:shade val="88000"/>
-                <a:satMod val="130000"/>
-                <a:lumMod val="92000"/>
-              </a:schemeClr>
-            </a:gs>
-            <a:gs pos="100000">
-              <a:schemeClr val="phClr">
-                <a:shade val="78000"/>
-                <a:satMod val="130000"/>
-                <a:lumMod val="92000"/>
-              </a:schemeClr>
-            </a:gs>
-          </a:gsLst>
-          <a:lin ang="5400000" scaled="0"/>
+          <a:path path="circle">
+            <a:fillToRect l="100000" t="100000" r="100000" b="100000"/>
+          </a:path>
         </a:gradFill>
       </a:fillStyleLst>
       <a:lnStyleLst>
-        <a:ln w="9525" cap="flat" cmpd="sng" algn="ctr">
+        <a:ln w="6350" cap="flat" cmpd="sng" algn="in">
           <a:solidFill>
             <a:schemeClr val="phClr"/>
           </a:solidFill>
           <a:prstDash val="solid"/>
         </a:ln>
-        <a:ln w="15875" cap="flat" cmpd="sng" algn="ctr">
+        <a:ln w="12700" cap="flat" cmpd="sng" algn="in">
           <a:solidFill>
             <a:schemeClr val="phClr"/>
           </a:solidFill>
           <a:prstDash val="solid"/>
         </a:ln>
-        <a:ln w="22225" cap="flat" cmpd="sng" algn="ctr">
+        <a:ln w="19050" cap="flat" cmpd="sng" algn="in">
           <a:solidFill>
-            <a:schemeClr val="phClr"/>
+            <a:schemeClr val="phClr">
+              <a:satMod val="150000"/>
+            </a:schemeClr>
           </a:solidFill>
           <a:prstDash val="solid"/>
         </a:ln>
@@ -6409,23 +7048,17 @@
         </a:effectStyle>
         <a:effectStyle>
           <a:effectLst>
-            <a:outerShdw blurRad="50800" dist="50800" dir="5400000" sx="96000" sy="96000" rotWithShape="0">
+            <a:innerShdw blurRad="88900" dist="25400" dir="10800000">
               <a:srgbClr val="000000">
-                <a:alpha val="48000"/>
+                <a:alpha val="25000"/>
+              </a:srgbClr>
+            </a:innerShdw>
+            <a:outerShdw blurRad="25400" dist="25400" dir="5400000" rotWithShape="0">
+              <a:srgbClr val="FFFFFF">
+                <a:alpha val="10000"/>
               </a:srgbClr>
             </a:outerShdw>
           </a:effectLst>
-          <a:scene3d>
-            <a:camera prst="orthographicFront">
-              <a:rot lat="0" lon="0" rev="0"/>
-            </a:camera>
-            <a:lightRig rig="balanced" dir="t">
-              <a:rot lat="0" lon="0" rev="1080000"/>
-            </a:lightRig>
-          </a:scene3d>
-          <a:sp3d>
-            <a:bevelT w="38100" h="12700" prst="softRound"/>
-          </a:sp3d>
         </a:effectStyle>
       </a:effectStyleLst>
       <a:bgFillStyleLst>
@@ -6433,26 +7066,37 @@
           <a:schemeClr val="phClr"/>
         </a:solidFill>
         <a:solidFill>
-          <a:schemeClr val="phClr"/>
+          <a:schemeClr val="phClr">
+            <a:tint val="95000"/>
+            <a:satMod val="170000"/>
+          </a:schemeClr>
         </a:solidFill>
         <a:gradFill rotWithShape="1">
           <a:gsLst>
             <a:gs pos="0">
               <a:schemeClr val="phClr">
-                <a:tint val="94000"/>
-                <a:satMod val="80000"/>
-                <a:lumMod val="106000"/>
+                <a:tint val="93000"/>
+                <a:shade val="98000"/>
+                <a:satMod val="150000"/>
+                <a:lumMod val="102000"/>
+              </a:schemeClr>
+            </a:gs>
+            <a:gs pos="50000">
+              <a:schemeClr val="phClr">
+                <a:tint val="98000"/>
+                <a:shade val="90000"/>
+                <a:satMod val="130000"/>
+                <a:lumMod val="103000"/>
               </a:schemeClr>
             </a:gs>
             <a:gs pos="100000">
               <a:schemeClr val="phClr">
-                <a:shade val="80000"/>
+                <a:shade val="63000"/>
+                <a:satMod val="120000"/>
               </a:schemeClr>
             </a:gs>
           </a:gsLst>
-          <a:path path="circle">
-            <a:fillToRect l="50000" t="50000" r="50000" b="50000"/>
-          </a:path>
+          <a:lin ang="5400000" scaled="0"/>
         </a:gradFill>
       </a:bgFillStyleLst>
     </a:fmtScheme>
@@ -6461,7 +7105,7 @@
   <a:extraClrSchemeLst/>
   <a:extLst>
     <a:ext uri="{05A4C25C-085E-4340-85A3-A5531E510DB2}">
-      <thm15:themeFamily xmlns:thm15="http://schemas.microsoft.com/office/thememl/2012/main" name="Gallery" id="{BBFCD31E-59A1-489D-B089-A3EAD7CAE12E}" vid="{AC464412-510E-4F2B-8947-A0DDBD028997}"/>
+      <thm15:themeFamily xmlns:thm15="http://schemas.microsoft.com/office/thememl/2012/main" name="Headlines" id="{3841520A-25F2-4EB8-BE4C-611DB5ABEED9}" vid="{0A845BBA-79DB-48B1-B20E-7DB1D9224837}"/>
     </a:ext>
   </a:extLst>
 </a:theme>

--- a/Documentation/MCSPROJ/LSC-LMS PPT.pptx
+++ b/Documentation/MCSPROJ/LSC-LMS PPT.pptx
@@ -5873,7 +5873,7 @@
         </p:blipFill>
         <p:spPr>
           <a:xfrm>
-            <a:off x="3022861" y="317821"/>
+            <a:off x="3022861" y="282652"/>
             <a:ext cx="8411851" cy="6461697"/>
           </a:xfrm>
           <a:prstGeom prst="rect">
